--- a/2022/XMasDev/WebAssembly.pptx
+++ b/2022/XMasDev/WebAssembly.pptx
@@ -5,50 +5,45 @@
     <p:sldMasterId id="2147483660" r:id="rId1"/>
   </p:sldMasterIdLst>
   <p:notesMasterIdLst>
-    <p:notesMasterId r:id="rId18"/>
+    <p:notesMasterId r:id="rId13"/>
   </p:notesMasterIdLst>
   <p:handoutMasterIdLst>
-    <p:handoutMasterId r:id="rId19"/>
+    <p:handoutMasterId r:id="rId14"/>
   </p:handoutMasterIdLst>
   <p:sldIdLst>
-    <p:sldId id="282" r:id="rId2"/>
-    <p:sldId id="264" r:id="rId3"/>
-    <p:sldId id="267" r:id="rId4"/>
-    <p:sldId id="284" r:id="rId5"/>
-    <p:sldId id="280" r:id="rId6"/>
-    <p:sldId id="279" r:id="rId7"/>
-    <p:sldId id="269" r:id="rId8"/>
+    <p:sldId id="264" r:id="rId2"/>
+    <p:sldId id="284" r:id="rId3"/>
+    <p:sldId id="280" r:id="rId4"/>
+    <p:sldId id="279" r:id="rId5"/>
+    <p:sldId id="274" r:id="rId6"/>
+    <p:sldId id="278" r:id="rId7"/>
+    <p:sldId id="281" r:id="rId8"/>
     <p:sldId id="271" r:id="rId9"/>
-    <p:sldId id="272" r:id="rId10"/>
-    <p:sldId id="273" r:id="rId11"/>
-    <p:sldId id="274" r:id="rId12"/>
-    <p:sldId id="278" r:id="rId13"/>
-    <p:sldId id="281" r:id="rId14"/>
-    <p:sldId id="275" r:id="rId15"/>
-    <p:sldId id="283" r:id="rId16"/>
-    <p:sldId id="276" r:id="rId17"/>
+    <p:sldId id="275" r:id="rId10"/>
+    <p:sldId id="285" r:id="rId11"/>
+    <p:sldId id="276" r:id="rId12"/>
   </p:sldIdLst>
   <p:sldSz cx="9144000" cy="6858000" type="screen4x3"/>
   <p:notesSz cx="6858000" cy="9144000"/>
   <p:embeddedFontLst>
     <p:embeddedFont>
       <p:font typeface="Calibri" panose="020F0502020204030204" pitchFamily="34" charset="0"/>
-      <p:regular r:id="rId20"/>
-      <p:bold r:id="rId21"/>
-      <p:italic r:id="rId22"/>
-      <p:boldItalic r:id="rId23"/>
+      <p:regular r:id="rId15"/>
+      <p:bold r:id="rId16"/>
+      <p:italic r:id="rId17"/>
+      <p:boldItalic r:id="rId18"/>
     </p:embeddedFont>
     <p:embeddedFont>
       <p:font typeface="Open Sans" panose="020B0606030504020204" pitchFamily="34" charset="0"/>
-      <p:regular r:id="rId24"/>
-      <p:bold r:id="rId25"/>
-      <p:italic r:id="rId26"/>
-      <p:boldItalic r:id="rId27"/>
+      <p:regular r:id="rId19"/>
+      <p:bold r:id="rId20"/>
+      <p:italic r:id="rId21"/>
+      <p:boldItalic r:id="rId22"/>
     </p:embeddedFont>
     <p:embeddedFont>
       <p:font typeface="Open Sans Light" panose="020B0306030504020204" pitchFamily="34" charset="0"/>
-      <p:regular r:id="rId28"/>
-      <p:italic r:id="rId29"/>
+      <p:regular r:id="rId23"/>
+      <p:italic r:id="rId24"/>
     </p:embeddedFont>
   </p:embeddedFontLst>
   <p:defaultTextStyle>
@@ -247,7 +242,7 @@
           <a:p>
             <a:fld id="{DC1D8630-9237-4BE7-9AFA-F1C8E44CEE44}" type="datetimeFigureOut">
               <a:rPr lang="it-IT" smtClean="0"/>
-              <a:t>01/12/2022</a:t>
+              <a:t>02/12/2022</a:t>
             </a:fld>
             <a:endParaRPr lang="it-IT"/>
           </a:p>
@@ -413,7 +408,7 @@
           <a:p>
             <a:fld id="{0B3F9ACC-C21F-4FB7-9E0A-95AB9ECDE2E6}" type="datetimeFigureOut">
               <a:rPr lang="it-IT" smtClean="0"/>
-              <a:t>01/12/2022</a:t>
+              <a:t>02/12/2022</a:t>
             </a:fld>
             <a:endParaRPr lang="it-IT"/>
           </a:p>
@@ -732,7 +727,7 @@
     </p:spTree>
     <p:extLst>
       <p:ext uri="{BB962C8B-B14F-4D97-AF65-F5344CB8AC3E}">
-        <p14:creationId xmlns:p14="http://schemas.microsoft.com/office/powerpoint/2010/main" val="652208359"/>
+        <p14:creationId xmlns:p14="http://schemas.microsoft.com/office/powerpoint/2010/main" val="3106096056"/>
       </p:ext>
     </p:extLst>
   </p:cSld>
@@ -743,67 +738,6 @@
 </file>
 
 <file path=ppt/notesSlides/notesSlide2.xml><?xml version="1.0" encoding="utf-8"?>
-<p:notes xmlns:a="http://schemas.openxmlformats.org/drawingml/2006/main" xmlns:r="http://schemas.openxmlformats.org/officeDocument/2006/relationships" xmlns:p="http://schemas.openxmlformats.org/presentationml/2006/main">
-  <p:cSld>
-    <p:spTree>
-      <p:nvGrpSpPr>
-        <p:cNvPr id="1" name=""/>
-        <p:cNvGrpSpPr/>
-        <p:nvPr/>
-      </p:nvGrpSpPr>
-      <p:grpSpPr>
-        <a:xfrm>
-          <a:off x="0" y="0"/>
-          <a:ext cx="0" cy="0"/>
-          <a:chOff x="0" y="0"/>
-          <a:chExt cx="0" cy="0"/>
-        </a:xfrm>
-      </p:grpSpPr>
-      <p:sp>
-        <p:nvSpPr>
-          <p:cNvPr id="2" name="Segnaposto immagine diapositiva 1"/>
-          <p:cNvSpPr>
-            <a:spLocks noGrp="1" noRot="1" noChangeAspect="1"/>
-          </p:cNvSpPr>
-          <p:nvPr>
-            <p:ph type="sldImg"/>
-          </p:nvPr>
-        </p:nvSpPr>
-        <p:spPr/>
-      </p:sp>
-      <p:sp>
-        <p:nvSpPr>
-          <p:cNvPr id="3" name="Segnaposto note 2"/>
-          <p:cNvSpPr>
-            <a:spLocks noGrp="1"/>
-          </p:cNvSpPr>
-          <p:nvPr>
-            <p:ph type="body" idx="1"/>
-          </p:nvPr>
-        </p:nvSpPr>
-        <p:spPr/>
-        <p:txBody>
-          <a:bodyPr/>
-          <a:lstStyle/>
-          <a:p>
-            <a:endParaRPr lang="it-IT"/>
-          </a:p>
-        </p:txBody>
-      </p:sp>
-    </p:spTree>
-    <p:extLst>
-      <p:ext uri="{BB962C8B-B14F-4D97-AF65-F5344CB8AC3E}">
-        <p14:creationId xmlns:p14="http://schemas.microsoft.com/office/powerpoint/2010/main" val="3106096056"/>
-      </p:ext>
-    </p:extLst>
-  </p:cSld>
-  <p:clrMapOvr>
-    <a:masterClrMapping/>
-  </p:clrMapOvr>
-</p:notes>
-</file>
-
-<file path=ppt/notesSlides/notesSlide3.xml><?xml version="1.0" encoding="utf-8"?>
 <p:notes xmlns:a="http://schemas.openxmlformats.org/drawingml/2006/main" xmlns:r="http://schemas.openxmlformats.org/officeDocument/2006/relationships" xmlns:p="http://schemas.openxmlformats.org/presentationml/2006/main">
   <p:cSld>
     <p:spTree>
@@ -4460,7 +4394,13 @@
       </p:grpSpPr>
       <p:sp>
         <p:nvSpPr>
-          <p:cNvPr id="2" name="Titolo 1"/>
+          <p:cNvPr id="7" name="Titolo 1">
+            <a:extLst>
+              <a:ext uri="{FF2B5EF4-FFF2-40B4-BE49-F238E27FC236}">
+                <a16:creationId xmlns:a16="http://schemas.microsoft.com/office/drawing/2014/main" id="{401F3EDE-D9BC-50FB-F845-7DDFCA5E957B}"/>
+              </a:ext>
+            </a:extLst>
+          </p:cNvPr>
           <p:cNvSpPr>
             <a:spLocks noGrp="1"/>
           </p:cNvSpPr>
@@ -4468,19 +4408,16 @@
             <p:ph type="ctrTitle"/>
           </p:nvPr>
         </p:nvSpPr>
-        <p:spPr/>
+        <p:spPr>
+          <a:xfrm>
+            <a:off x="470630" y="667414"/>
+            <a:ext cx="6264125" cy="1095292"/>
+          </a:xfrm>
+        </p:spPr>
         <p:txBody>
           <a:bodyPr/>
           <a:lstStyle/>
           <a:p>
-            <a:r>
-              <a:rPr lang="it-IT" dirty="0" err="1"/>
-              <a:t>XMASDev</a:t>
-            </a:r>
-            <a:r>
-              <a:rPr lang="it-IT" dirty="0"/>
-              <a:t> - </a:t>
-            </a:r>
             <a:r>
               <a:rPr lang="it-IT" dirty="0" err="1"/>
               <a:t>WebAssembly</a:t>
@@ -4491,10 +4428,10 @@
       </p:sp>
       <p:pic>
         <p:nvPicPr>
-          <p:cNvPr id="8" name="Immagine 7" descr="Immagine che contiene persona, uomo, inpiedi, posando&#10;&#10;Descrizione generata automaticamente">
+          <p:cNvPr id="8" name="Immagine 7">
             <a:extLst>
               <a:ext uri="{FF2B5EF4-FFF2-40B4-BE49-F238E27FC236}">
-                <a16:creationId xmlns:a16="http://schemas.microsoft.com/office/drawing/2014/main" id="{714121A0-4EF4-EE71-C83D-80C2927BEECD}"/>
+                <a16:creationId xmlns:a16="http://schemas.microsoft.com/office/drawing/2014/main" id="{B29EF173-B781-96F3-6A63-3CE7B73E648C}"/>
               </a:ext>
             </a:extLst>
           </p:cNvPr>
@@ -4504,51 +4441,15 @@
           <p:nvPr/>
         </p:nvPicPr>
         <p:blipFill>
-          <a:blip r:embed="rId3" cstate="print">
-            <a:extLst>
-              <a:ext uri="{28A0092B-C50C-407E-A947-70E740481C1C}">
-                <a14:useLocalDpi xmlns:a14="http://schemas.microsoft.com/office/drawing/2010/main" val="0"/>
-              </a:ext>
-            </a:extLst>
-          </a:blip>
+          <a:blip r:embed="rId2"/>
           <a:stretch>
             <a:fillRect/>
           </a:stretch>
         </p:blipFill>
         <p:spPr>
           <a:xfrm>
-            <a:off x="6147826" y="1462657"/>
-            <a:ext cx="2358757" cy="2358757"/>
-          </a:xfrm>
-          <a:prstGeom prst="rect">
-            <a:avLst/>
-          </a:prstGeom>
-        </p:spPr>
-      </p:pic>
-      <p:pic>
-        <p:nvPicPr>
-          <p:cNvPr id="9" name="Immagine 8">
-            <a:extLst>
-              <a:ext uri="{FF2B5EF4-FFF2-40B4-BE49-F238E27FC236}">
-                <a16:creationId xmlns:a16="http://schemas.microsoft.com/office/drawing/2014/main" id="{7921BE98-8D30-3E5C-E9FB-BE9412688B66}"/>
-              </a:ext>
-            </a:extLst>
-          </p:cNvPr>
-          <p:cNvPicPr>
-            <a:picLocks noChangeAspect="1"/>
-          </p:cNvPicPr>
-          <p:nvPr/>
-        </p:nvPicPr>
-        <p:blipFill>
-          <a:blip r:embed="rId4"/>
-          <a:stretch>
-            <a:fillRect/>
-          </a:stretch>
-        </p:blipFill>
-        <p:spPr>
-          <a:xfrm>
-            <a:off x="683658" y="2165270"/>
-            <a:ext cx="412553" cy="334963"/>
+            <a:off x="7125922" y="820631"/>
+            <a:ext cx="1691787" cy="922100"/>
           </a:xfrm>
           <a:prstGeom prst="rect">
             <a:avLst/>
@@ -4557,298 +4458,10 @@
       </p:pic>
       <p:sp>
         <p:nvSpPr>
-          <p:cNvPr id="10" name="CasellaDiTesto 9">
+          <p:cNvPr id="11" name="Segnaposto testo 2">
             <a:extLst>
               <a:ext uri="{FF2B5EF4-FFF2-40B4-BE49-F238E27FC236}">
-                <a16:creationId xmlns:a16="http://schemas.microsoft.com/office/drawing/2014/main" id="{3164A1DD-D2D1-CB19-AF52-0502DA953ACC}"/>
-              </a:ext>
-            </a:extLst>
-          </p:cNvPr>
-          <p:cNvSpPr txBox="1"/>
-          <p:nvPr/>
-        </p:nvSpPr>
-        <p:spPr>
-          <a:xfrm>
-            <a:off x="1331719" y="2088068"/>
-            <a:ext cx="3240281" cy="489365"/>
-          </a:xfrm>
-          <a:prstGeom prst="rect">
-            <a:avLst/>
-          </a:prstGeom>
-          <a:noFill/>
-        </p:spPr>
-        <p:txBody>
-          <a:bodyPr wrap="square" lIns="182880" tIns="146304" rIns="182880" bIns="146304" rtlCol="0">
-            <a:spAutoFit/>
-          </a:bodyPr>
-          <a:lstStyle/>
-          <a:p>
-            <a:pPr>
-              <a:lnSpc>
-                <a:spcPct val="90000"/>
-              </a:lnSpc>
-              <a:spcAft>
-                <a:spcPts val="600"/>
-              </a:spcAft>
-            </a:pPr>
-            <a:r>
-              <a:rPr lang="it-IT" sz="1400" dirty="0">
-                <a:hlinkClick r:id="rId5"/>
-              </a:rPr>
-              <a:t>alberto.acerbis@intre.it</a:t>
-            </a:r>
-            <a:endParaRPr lang="it-IT" sz="1400" dirty="0">
-              <a:gradFill>
-                <a:gsLst>
-                  <a:gs pos="2917">
-                    <a:schemeClr val="tx1"/>
-                  </a:gs>
-                  <a:gs pos="30000">
-                    <a:schemeClr val="tx1"/>
-                  </a:gs>
-                </a:gsLst>
-                <a:lin ang="5400000" scaled="0"/>
-              </a:gradFill>
-            </a:endParaRPr>
-          </a:p>
-        </p:txBody>
-      </p:sp>
-      <p:sp>
-        <p:nvSpPr>
-          <p:cNvPr id="11" name="Ovale 10">
-            <a:extLst>
-              <a:ext uri="{FF2B5EF4-FFF2-40B4-BE49-F238E27FC236}">
-                <a16:creationId xmlns:a16="http://schemas.microsoft.com/office/drawing/2014/main" id="{2F2D3E50-22D7-391C-BE80-09E8D876A17A}"/>
-              </a:ext>
-            </a:extLst>
-          </p:cNvPr>
-          <p:cNvSpPr/>
-          <p:nvPr/>
-        </p:nvSpPr>
-        <p:spPr>
-          <a:xfrm>
-            <a:off x="683658" y="3437116"/>
-            <a:ext cx="2716949" cy="1121366"/>
-          </a:xfrm>
-          <a:prstGeom prst="ellipse">
-            <a:avLst/>
-          </a:prstGeom>
-          <a:solidFill>
-            <a:schemeClr val="accent1">
-              <a:lumMod val="75000"/>
-            </a:schemeClr>
-          </a:solidFill>
-        </p:spPr>
-        <p:style>
-          <a:lnRef idx="2">
-            <a:schemeClr val="accent1">
-              <a:shade val="50000"/>
-            </a:schemeClr>
-          </a:lnRef>
-          <a:fillRef idx="1">
-            <a:schemeClr val="accent1"/>
-          </a:fillRef>
-          <a:effectRef idx="0">
-            <a:schemeClr val="accent1"/>
-          </a:effectRef>
-          <a:fontRef idx="minor">
-            <a:schemeClr val="lt1"/>
-          </a:fontRef>
-        </p:style>
-        <p:txBody>
-          <a:bodyPr rtlCol="0" anchor="ctr"/>
-          <a:lstStyle/>
-          <a:p>
-            <a:pPr algn="ctr"/>
-            <a:endParaRPr lang="it-IT" dirty="0">
-              <a:solidFill>
-                <a:srgbClr val="59328A"/>
-              </a:solidFill>
-              <a:highlight>
-                <a:srgbClr val="0261C4"/>
-              </a:highlight>
-            </a:endParaRPr>
-          </a:p>
-        </p:txBody>
-      </p:sp>
-      <p:pic>
-        <p:nvPicPr>
-          <p:cNvPr id="12" name="Immagine 11">
-            <a:extLst>
-              <a:ext uri="{FF2B5EF4-FFF2-40B4-BE49-F238E27FC236}">
-                <a16:creationId xmlns:a16="http://schemas.microsoft.com/office/drawing/2014/main" id="{362AAFBC-08F1-00FC-FC26-32FCBE150056}"/>
-              </a:ext>
-            </a:extLst>
-          </p:cNvPr>
-          <p:cNvPicPr>
-            <a:picLocks noChangeAspect="1"/>
-          </p:cNvPicPr>
-          <p:nvPr/>
-        </p:nvPicPr>
-        <p:blipFill>
-          <a:blip r:embed="rId6"/>
-          <a:stretch>
-            <a:fillRect/>
-          </a:stretch>
-        </p:blipFill>
-        <p:spPr>
-          <a:xfrm>
-            <a:off x="1159225" y="3794598"/>
-            <a:ext cx="1792634" cy="406401"/>
-          </a:xfrm>
-          <a:prstGeom prst="rect">
-            <a:avLst/>
-          </a:prstGeom>
-        </p:spPr>
-      </p:pic>
-      <p:pic>
-        <p:nvPicPr>
-          <p:cNvPr id="13" name="Picture 4">
-            <a:extLst>
-              <a:ext uri="{FF2B5EF4-FFF2-40B4-BE49-F238E27FC236}">
-                <a16:creationId xmlns:a16="http://schemas.microsoft.com/office/drawing/2014/main" id="{07BA4DDF-A0DC-5850-1AE9-36BFB92DAA3F}"/>
-              </a:ext>
-            </a:extLst>
-          </p:cNvPr>
-          <p:cNvPicPr>
-            <a:picLocks noChangeAspect="1" noChangeArrowheads="1"/>
-          </p:cNvPicPr>
-          <p:nvPr/>
-        </p:nvPicPr>
-        <p:blipFill>
-          <a:blip r:embed="rId7" cstate="print">
-            <a:extLst>
-              <a:ext uri="{28A0092B-C50C-407E-A947-70E740481C1C}">
-                <a14:useLocalDpi xmlns:a14="http://schemas.microsoft.com/office/drawing/2010/main" val="0"/>
-              </a:ext>
-            </a:extLst>
-          </a:blip>
-          <a:srcRect/>
-          <a:stretch>
-            <a:fillRect/>
-          </a:stretch>
-        </p:blipFill>
-        <p:spPr bwMode="auto">
-          <a:xfrm>
-            <a:off x="7319616" y="4136892"/>
-            <a:ext cx="794463" cy="794463"/>
-          </a:xfrm>
-          <a:prstGeom prst="rect">
-            <a:avLst/>
-          </a:prstGeom>
-          <a:noFill/>
-          <a:extLst>
-            <a:ext uri="{909E8E84-426E-40DD-AFC4-6F175D3DCCD1}">
-              <a14:hiddenFill xmlns:a14="http://schemas.microsoft.com/office/drawing/2010/main">
-                <a:solidFill>
-                  <a:srgbClr val="FFFFFF"/>
-                </a:solidFill>
-              </a14:hiddenFill>
-            </a:ext>
-          </a:extLst>
-        </p:spPr>
-      </p:pic>
-      <p:pic>
-        <p:nvPicPr>
-          <p:cNvPr id="14" name="Picture 2" descr="Microsoft Certified: Azure Solutions Architect Expert (Legacy)">
-            <a:extLst>
-              <a:ext uri="{FF2B5EF4-FFF2-40B4-BE49-F238E27FC236}">
-                <a16:creationId xmlns:a16="http://schemas.microsoft.com/office/drawing/2014/main" id="{A82CB1F3-8E36-4DA7-EA47-A1252C66805E}"/>
-              </a:ext>
-            </a:extLst>
-          </p:cNvPr>
-          <p:cNvPicPr>
-            <a:picLocks noChangeAspect="1" noChangeArrowheads="1"/>
-          </p:cNvPicPr>
-          <p:nvPr/>
-        </p:nvPicPr>
-        <p:blipFill>
-          <a:blip r:embed="rId8" cstate="print">
-            <a:extLst>
-              <a:ext uri="{28A0092B-C50C-407E-A947-70E740481C1C}">
-                <a14:useLocalDpi xmlns:a14="http://schemas.microsoft.com/office/drawing/2010/main" val="0"/>
-              </a:ext>
-            </a:extLst>
-          </a:blip>
-          <a:srcRect/>
-          <a:stretch>
-            <a:fillRect/>
-          </a:stretch>
-        </p:blipFill>
-        <p:spPr bwMode="auto">
-          <a:xfrm>
-            <a:off x="6495796" y="4136891"/>
-            <a:ext cx="794463" cy="794463"/>
-          </a:xfrm>
-          <a:prstGeom prst="rect">
-            <a:avLst/>
-          </a:prstGeom>
-          <a:noFill/>
-          <a:extLst>
-            <a:ext uri="{909E8E84-426E-40DD-AFC4-6F175D3DCCD1}">
-              <a14:hiddenFill xmlns:a14="http://schemas.microsoft.com/office/drawing/2010/main">
-                <a:solidFill>
-                  <a:srgbClr val="FFFFFF"/>
-                </a:solidFill>
-              </a14:hiddenFill>
-            </a:ext>
-          </a:extLst>
-        </p:spPr>
-      </p:pic>
-      <p:pic>
-        <p:nvPicPr>
-          <p:cNvPr id="15" name="Picture 4">
-            <a:hlinkClick r:id="rId9"/>
-            <a:extLst>
-              <a:ext uri="{FF2B5EF4-FFF2-40B4-BE49-F238E27FC236}">
-                <a16:creationId xmlns:a16="http://schemas.microsoft.com/office/drawing/2014/main" id="{3B0874B3-8706-C537-13ED-47E0128F7530}"/>
-              </a:ext>
-            </a:extLst>
-          </p:cNvPr>
-          <p:cNvPicPr>
-            <a:picLocks noChangeAspect="1" noChangeArrowheads="1"/>
-          </p:cNvPicPr>
-          <p:nvPr/>
-        </p:nvPicPr>
-        <p:blipFill>
-          <a:blip r:embed="rId10">
-            <a:extLst>
-              <a:ext uri="{28A0092B-C50C-407E-A947-70E740481C1C}">
-                <a14:useLocalDpi xmlns:a14="http://schemas.microsoft.com/office/drawing/2010/main" val="0"/>
-              </a:ext>
-            </a:extLst>
-          </a:blip>
-          <a:srcRect/>
-          <a:stretch>
-            <a:fillRect/>
-          </a:stretch>
-        </p:blipFill>
-        <p:spPr bwMode="auto">
-          <a:xfrm>
-            <a:off x="6288882" y="5072110"/>
-            <a:ext cx="2061467" cy="588991"/>
-          </a:xfrm>
-          <a:prstGeom prst="rect">
-            <a:avLst/>
-          </a:prstGeom>
-          <a:noFill/>
-          <a:extLst>
-            <a:ext uri="{909E8E84-426E-40DD-AFC4-6F175D3DCCD1}">
-              <a14:hiddenFill xmlns:a14="http://schemas.microsoft.com/office/drawing/2010/main">
-                <a:solidFill>
-                  <a:srgbClr val="FFFFFF"/>
-                </a:solidFill>
-              </a14:hiddenFill>
-            </a:ext>
-          </a:extLst>
-        </p:spPr>
-      </p:pic>
-      <p:sp>
-        <p:nvSpPr>
-          <p:cNvPr id="4" name="Segnaposto piè di pagina 2">
-            <a:extLst>
-              <a:ext uri="{FF2B5EF4-FFF2-40B4-BE49-F238E27FC236}">
-                <a16:creationId xmlns:a16="http://schemas.microsoft.com/office/drawing/2014/main" id="{A015187B-4D9F-2018-87A5-09F76D51E051}"/>
+                <a16:creationId xmlns:a16="http://schemas.microsoft.com/office/drawing/2014/main" id="{B2FD7F21-96CD-4071-9105-6CBC18371E30}"/>
               </a:ext>
             </a:extLst>
           </p:cNvPr>
@@ -4856,133 +4469,51 @@
             <a:spLocks noGrp="1"/>
           </p:cNvSpPr>
           <p:nvPr>
-            <p:ph type="ftr" sz="quarter" idx="10"/>
+            <p:ph type="body" sz="quarter" idx="10"/>
           </p:nvPr>
         </p:nvSpPr>
         <p:spPr>
           <a:xfrm>
-            <a:off x="366122" y="6286803"/>
-            <a:ext cx="7196162" cy="312405"/>
+            <a:off x="366122" y="2807057"/>
+            <a:ext cx="8198708" cy="2415419"/>
           </a:xfrm>
         </p:spPr>
         <p:txBody>
           <a:bodyPr/>
           <a:lstStyle/>
           <a:p>
-            <a:pPr>
-              <a:defRPr/>
-            </a:pPr>
-            <a:r>
-              <a:rPr lang="en-US" altLang="en-US" dirty="0" err="1"/>
+            <a:r>
+              <a:rPr lang="en-US" sz="2400" dirty="0" err="1"/>
               <a:t>WebAssembly</a:t>
             </a:r>
             <a:r>
-              <a:rPr lang="en-US" altLang="en-US" dirty="0"/>
-              <a:t> – </a:t>
-            </a:r>
-            <a:r>
-              <a:rPr lang="en-US" altLang="en-US" dirty="0" err="1"/>
-              <a:t>XMASDev</a:t>
-            </a:r>
-            <a:r>
-              <a:rPr lang="en-US" altLang="en-US" dirty="0"/>
-              <a:t> 16/12/2022</a:t>
-            </a:r>
-          </a:p>
-        </p:txBody>
-      </p:sp>
-      <p:pic>
-        <p:nvPicPr>
-          <p:cNvPr id="5" name="Immagine 4">
-            <a:extLst>
-              <a:ext uri="{FF2B5EF4-FFF2-40B4-BE49-F238E27FC236}">
-                <a16:creationId xmlns:a16="http://schemas.microsoft.com/office/drawing/2014/main" id="{35DCAA9C-71F7-A7AF-58EC-2C43473F49DA}"/>
-              </a:ext>
-            </a:extLst>
-          </p:cNvPr>
-          <p:cNvPicPr>
-            <a:picLocks noChangeAspect="1"/>
-          </p:cNvPicPr>
-          <p:nvPr/>
-        </p:nvPicPr>
-        <p:blipFill>
-          <a:blip r:embed="rId4"/>
-          <a:stretch>
-            <a:fillRect/>
-          </a:stretch>
-        </p:blipFill>
-        <p:spPr>
-          <a:xfrm>
-            <a:off x="680786" y="2541956"/>
-            <a:ext cx="412553" cy="334963"/>
-          </a:xfrm>
-          <a:prstGeom prst="rect">
-            <a:avLst/>
-          </a:prstGeom>
-        </p:spPr>
-      </p:pic>
-      <p:sp>
-        <p:nvSpPr>
-          <p:cNvPr id="6" name="CasellaDiTesto 5">
-            <a:extLst>
-              <a:ext uri="{FF2B5EF4-FFF2-40B4-BE49-F238E27FC236}">
-                <a16:creationId xmlns:a16="http://schemas.microsoft.com/office/drawing/2014/main" id="{4F959C59-F3B2-2A57-1FDE-989551664495}"/>
-              </a:ext>
-            </a:extLst>
-          </p:cNvPr>
-          <p:cNvSpPr txBox="1"/>
-          <p:nvPr/>
-        </p:nvSpPr>
-        <p:spPr>
-          <a:xfrm>
-            <a:off x="1328847" y="2473590"/>
-            <a:ext cx="3240281" cy="489365"/>
-          </a:xfrm>
-          <a:prstGeom prst="rect">
-            <a:avLst/>
-          </a:prstGeom>
-          <a:noFill/>
-        </p:spPr>
-        <p:txBody>
-          <a:bodyPr wrap="square" lIns="182880" tIns="146304" rIns="182880" bIns="146304" rtlCol="0">
-            <a:spAutoFit/>
-          </a:bodyPr>
-          <a:lstStyle/>
-          <a:p>
-            <a:pPr>
-              <a:lnSpc>
-                <a:spcPct val="90000"/>
-              </a:lnSpc>
-              <a:spcAft>
-                <a:spcPts val="600"/>
-              </a:spcAft>
-            </a:pPr>
-            <a:r>
-              <a:rPr lang="it-IT" sz="1400" dirty="0">
-                <a:hlinkClick r:id="rId11"/>
-              </a:rPr>
-              <a:t>stefano.maffeis@intre.it</a:t>
-            </a:r>
-            <a:endParaRPr lang="it-IT" sz="1400" dirty="0">
-              <a:gradFill>
-                <a:gsLst>
-                  <a:gs pos="2917">
-                    <a:schemeClr val="tx1"/>
-                  </a:gs>
-                  <a:gs pos="30000">
-                    <a:schemeClr val="tx1"/>
-                  </a:gs>
-                </a:gsLst>
-                <a:lin ang="5400000" scaled="0"/>
-              </a:gradFill>
-            </a:endParaRPr>
+              <a:rPr lang="en-US" sz="2400" dirty="0"/>
+              <a:t> (abbreviated </a:t>
+            </a:r>
+            <a:r>
+              <a:rPr lang="en-US" sz="2400" b="1" i="1" dirty="0" err="1"/>
+              <a:t>Wasm</a:t>
+            </a:r>
+            <a:r>
+              <a:rPr lang="en-US" sz="2400" dirty="0"/>
+              <a:t>) is a binary instruction format for a stack-based virtual machine. </a:t>
+            </a:r>
+            <a:r>
+              <a:rPr lang="en-US" sz="2400" dirty="0" err="1"/>
+              <a:t>Wasm</a:t>
+            </a:r>
+            <a:r>
+              <a:rPr lang="en-US" sz="2400" dirty="0"/>
+              <a:t> is designed as a portable compilation target for programming languages, enabling deployment on the web for client and server applications.</a:t>
+            </a:r>
+            <a:endParaRPr lang="it-IT" sz="2400" dirty="0"/>
           </a:p>
         </p:txBody>
       </p:sp>
     </p:spTree>
     <p:extLst>
       <p:ext uri="{BB962C8B-B14F-4D97-AF65-F5344CB8AC3E}">
-        <p14:creationId xmlns:p14="http://schemas.microsoft.com/office/powerpoint/2010/main" val="3148232543"/>
+        <p14:creationId xmlns:p14="http://schemas.microsoft.com/office/powerpoint/2010/main" val="1171002452"/>
       </p:ext>
     </p:extLst>
   </p:cSld>
@@ -5019,279 +4550,137 @@
             <p:ph type="ctrTitle"/>
           </p:nvPr>
         </p:nvSpPr>
-        <p:spPr/>
+        <p:spPr>
+          <a:xfrm>
+            <a:off x="763927" y="1108421"/>
+            <a:ext cx="2747023" cy="1127147"/>
+          </a:xfrm>
+        </p:spPr>
         <p:txBody>
           <a:bodyPr/>
           <a:lstStyle/>
           <a:p>
-            <a:r>
-              <a:rPr lang="it-IT" sz="3200" dirty="0"/>
-              <a:t>WASI (</a:t>
-            </a:r>
-            <a:r>
-              <a:rPr lang="it-IT" sz="3200" dirty="0" err="1"/>
-              <a:t>WebAssembly</a:t>
-            </a:r>
-            <a:r>
-              <a:rPr lang="it-IT" sz="3200" dirty="0"/>
-              <a:t> System Interface)</a:t>
+            <a:pPr algn="ctr"/>
+            <a:r>
+              <a:rPr lang="it-IT" sz="6000" dirty="0"/>
+              <a:t>WASM</a:t>
             </a:r>
           </a:p>
         </p:txBody>
       </p:sp>
       <p:sp>
         <p:nvSpPr>
-          <p:cNvPr id="4" name="Segnaposto testo 3"/>
-          <p:cNvSpPr>
-            <a:spLocks noGrp="1"/>
+          <p:cNvPr id="6" name="Titolo 1">
+            <a:extLst>
+              <a:ext uri="{FF2B5EF4-FFF2-40B4-BE49-F238E27FC236}">
+                <a16:creationId xmlns:a16="http://schemas.microsoft.com/office/drawing/2014/main" id="{F64D5F56-99BA-4353-7816-DB2B14E5A3CE}"/>
+              </a:ext>
+            </a:extLst>
+          </p:cNvPr>
+          <p:cNvSpPr txBox="1">
+            <a:spLocks/>
           </p:cNvSpPr>
-          <p:nvPr>
-            <p:ph type="body" sz="quarter" idx="11"/>
-          </p:nvPr>
+          <p:nvPr/>
         </p:nvSpPr>
         <p:spPr>
           <a:xfrm>
-            <a:off x="472617" y="1907064"/>
-            <a:ext cx="8196263" cy="3294664"/>
-          </a:xfrm>
+            <a:off x="3012546" y="2570465"/>
+            <a:ext cx="2747023" cy="1127147"/>
+          </a:xfrm>
+          <a:prstGeom prst="rect">
+            <a:avLst/>
+          </a:prstGeom>
         </p:spPr>
         <p:txBody>
           <a:bodyPr/>
-          <a:lstStyle/>
-          <a:p>
-            <a:r>
-              <a:rPr lang="it-IT" dirty="0"/>
-              <a:t>Cross </a:t>
-            </a:r>
-            <a:r>
-              <a:rPr lang="it-IT" dirty="0" err="1"/>
-              <a:t>platform</a:t>
-            </a:r>
-            <a:r>
-              <a:rPr lang="it-IT" dirty="0"/>
-              <a:t> </a:t>
-            </a:r>
-            <a:r>
-              <a:rPr lang="it-IT" dirty="0" err="1"/>
-              <a:t>applications</a:t>
-            </a:r>
-            <a:r>
-              <a:rPr lang="it-IT" dirty="0"/>
-              <a:t> and games</a:t>
-            </a:r>
-          </a:p>
-          <a:p>
-            <a:r>
-              <a:rPr lang="it-IT" dirty="0"/>
-              <a:t>Code re-use </a:t>
-            </a:r>
-            <a:r>
-              <a:rPr lang="it-IT" dirty="0" err="1"/>
-              <a:t>between</a:t>
-            </a:r>
-            <a:r>
-              <a:rPr lang="it-IT" dirty="0"/>
-              <a:t> </a:t>
-            </a:r>
-            <a:r>
-              <a:rPr lang="it-IT" dirty="0" err="1"/>
-              <a:t>platforms</a:t>
-            </a:r>
-            <a:r>
-              <a:rPr lang="it-IT" dirty="0"/>
-              <a:t> and use </a:t>
-            </a:r>
-            <a:r>
-              <a:rPr lang="it-IT" dirty="0" err="1"/>
-              <a:t>cases</a:t>
-            </a:r>
-            <a:endParaRPr lang="it-IT" dirty="0"/>
-          </a:p>
-          <a:p>
-            <a:pPr lvl="1"/>
-            <a:r>
-              <a:rPr lang="it-IT" sz="2000" dirty="0"/>
-              <a:t>Video-editing, ML, Virtual Reality, Games</a:t>
-            </a:r>
-          </a:p>
-          <a:p>
-            <a:r>
-              <a:rPr lang="it-IT" dirty="0"/>
-              <a:t>Running </a:t>
-            </a:r>
-            <a:r>
-              <a:rPr lang="it-IT" dirty="0" err="1"/>
-              <a:t>applications</a:t>
-            </a:r>
-            <a:r>
-              <a:rPr lang="it-IT" dirty="0"/>
-              <a:t> </a:t>
-            </a:r>
-            <a:r>
-              <a:rPr lang="it-IT" dirty="0" err="1"/>
-              <a:t>written</a:t>
-            </a:r>
-            <a:r>
-              <a:rPr lang="it-IT" dirty="0"/>
-              <a:t> in </a:t>
-            </a:r>
-            <a:r>
-              <a:rPr lang="it-IT" dirty="0" err="1"/>
-              <a:t>any</a:t>
-            </a:r>
-            <a:r>
-              <a:rPr lang="it-IT" dirty="0"/>
-              <a:t> </a:t>
-            </a:r>
-            <a:r>
-              <a:rPr lang="it-IT" dirty="0" err="1"/>
-              <a:t>Wasm</a:t>
-            </a:r>
-            <a:r>
-              <a:rPr lang="it-IT" dirty="0"/>
-              <a:t>/</a:t>
-            </a:r>
-            <a:r>
-              <a:rPr lang="it-IT" dirty="0" err="1"/>
-              <a:t>Wasi</a:t>
-            </a:r>
-            <a:r>
-              <a:rPr lang="it-IT" dirty="0"/>
-              <a:t> </a:t>
-            </a:r>
-            <a:r>
-              <a:rPr lang="it-IT" dirty="0" err="1"/>
-              <a:t>compilable</a:t>
-            </a:r>
-            <a:r>
-              <a:rPr lang="it-IT" dirty="0"/>
-              <a:t> </a:t>
-            </a:r>
-            <a:r>
-              <a:rPr lang="it-IT" dirty="0" err="1"/>
-              <a:t>language</a:t>
-            </a:r>
-            <a:r>
-              <a:rPr lang="it-IT" dirty="0"/>
-              <a:t> on a single </a:t>
-            </a:r>
-            <a:r>
-              <a:rPr lang="it-IT" dirty="0" err="1"/>
-              <a:t>runtime</a:t>
-            </a:r>
-            <a:endParaRPr lang="it-IT" dirty="0"/>
-          </a:p>
-          <a:p>
-            <a:r>
-              <a:rPr lang="it-IT" dirty="0" err="1"/>
-              <a:t>Containerizing</a:t>
-            </a:r>
-            <a:r>
-              <a:rPr lang="it-IT" dirty="0"/>
-              <a:t> </a:t>
-            </a:r>
-            <a:r>
-              <a:rPr lang="it-IT" dirty="0" err="1"/>
-              <a:t>applications</a:t>
-            </a:r>
-            <a:r>
-              <a:rPr lang="it-IT" dirty="0"/>
-              <a:t> and </a:t>
-            </a:r>
-            <a:r>
-              <a:rPr lang="it-IT" dirty="0" err="1"/>
-              <a:t>their</a:t>
-            </a:r>
-            <a:r>
-              <a:rPr lang="it-IT" dirty="0"/>
-              <a:t> </a:t>
-            </a:r>
-            <a:r>
-              <a:rPr lang="it-IT" dirty="0" err="1"/>
-              <a:t>dependencies</a:t>
-            </a:r>
-            <a:endParaRPr lang="it-IT" dirty="0"/>
-          </a:p>
-          <a:p>
-            <a:pPr lvl="1"/>
-            <a:r>
-              <a:rPr lang="it-IT" sz="1600" dirty="0" err="1"/>
-              <a:t>This</a:t>
-            </a:r>
-            <a:r>
-              <a:rPr lang="it-IT" sz="1600" dirty="0"/>
-              <a:t> </a:t>
-            </a:r>
-            <a:r>
-              <a:rPr lang="it-IT" sz="1600" dirty="0" err="1"/>
-              <a:t>would</a:t>
-            </a:r>
-            <a:r>
-              <a:rPr lang="it-IT" sz="1600" dirty="0"/>
-              <a:t> </a:t>
-            </a:r>
-            <a:r>
-              <a:rPr lang="it-IT" sz="1600" dirty="0" err="1"/>
-              <a:t>not</a:t>
-            </a:r>
-            <a:r>
-              <a:rPr lang="it-IT" sz="1600" dirty="0"/>
-              <a:t> be a </a:t>
-            </a:r>
-            <a:r>
-              <a:rPr lang="it-IT" sz="1600" dirty="0" err="1"/>
-              <a:t>replacement</a:t>
-            </a:r>
-            <a:r>
-              <a:rPr lang="it-IT" sz="1600" dirty="0"/>
-              <a:t> for </a:t>
-            </a:r>
-            <a:r>
-              <a:rPr lang="it-IT" sz="1600" dirty="0" err="1"/>
-              <a:t>containerization</a:t>
-            </a:r>
-            <a:r>
-              <a:rPr lang="it-IT" sz="1600" dirty="0"/>
-              <a:t>, </a:t>
-            </a:r>
-            <a:r>
-              <a:rPr lang="it-IT" sz="1600" dirty="0" err="1"/>
-              <a:t>but</a:t>
-            </a:r>
-            <a:r>
-              <a:rPr lang="it-IT" sz="1600" dirty="0"/>
-              <a:t> </a:t>
-            </a:r>
-            <a:r>
-              <a:rPr lang="it-IT" sz="1600" dirty="0" err="1"/>
-              <a:t>could</a:t>
-            </a:r>
-            <a:r>
-              <a:rPr lang="it-IT" sz="1600" dirty="0"/>
-              <a:t> be a </a:t>
-            </a:r>
-            <a:r>
-              <a:rPr lang="it-IT" sz="1600" dirty="0" err="1"/>
-              <a:t>better</a:t>
-            </a:r>
-            <a:r>
-              <a:rPr lang="it-IT" sz="1600" dirty="0"/>
-              <a:t> option for </a:t>
-            </a:r>
-            <a:r>
-              <a:rPr lang="it-IT" sz="1600" dirty="0" err="1"/>
-              <a:t>applications</a:t>
-            </a:r>
-            <a:endParaRPr lang="it-IT" sz="1600" dirty="0"/>
+          <a:lstStyle>
+            <a:lvl1pPr algn="l" defTabSz="914400" rtl="0" eaLnBrk="1" latinLnBrk="0" hangingPunct="1">
+              <a:lnSpc>
+                <a:spcPct val="120000"/>
+              </a:lnSpc>
+              <a:spcBef>
+                <a:spcPct val="0"/>
+              </a:spcBef>
+              <a:buNone/>
+              <a:defRPr sz="4600" b="1" i="0" kern="1200" baseline="0">
+                <a:solidFill>
+                  <a:srgbClr val="0061BB"/>
+                </a:solidFill>
+                <a:latin typeface="Open Sans" charset="0"/>
+                <a:ea typeface="Open Sans" charset="0"/>
+                <a:cs typeface="Open Sans" charset="0"/>
+              </a:defRPr>
+            </a:lvl1pPr>
+          </a:lstStyle>
+          <a:p>
+            <a:pPr algn="ctr"/>
+            <a:r>
+              <a:rPr lang="it-IT" sz="6000" dirty="0" err="1"/>
+              <a:t>is</a:t>
+            </a:r>
+            <a:endParaRPr lang="it-IT" sz="6000" dirty="0"/>
           </a:p>
         </p:txBody>
       </p:sp>
       <p:sp>
         <p:nvSpPr>
-          <p:cNvPr id="3" name="Segnaposto piè di pagina 2">
+          <p:cNvPr id="7" name="Titolo 1">
             <a:extLst>
               <a:ext uri="{FF2B5EF4-FFF2-40B4-BE49-F238E27FC236}">
-                <a16:creationId xmlns:a16="http://schemas.microsoft.com/office/drawing/2014/main" id="{014017B1-0D2D-F5B7-2062-FD433A45C4A3}"/>
+                <a16:creationId xmlns:a16="http://schemas.microsoft.com/office/drawing/2014/main" id="{5A585F28-0779-C957-0EE9-99E149838B7A}"/>
+              </a:ext>
+            </a:extLst>
+          </p:cNvPr>
+          <p:cNvSpPr txBox="1">
+            <a:spLocks/>
+          </p:cNvSpPr>
+          <p:nvPr/>
+        </p:nvSpPr>
+        <p:spPr>
+          <a:xfrm>
+            <a:off x="5374257" y="4428634"/>
+            <a:ext cx="3132335" cy="1127147"/>
+          </a:xfrm>
+          <a:prstGeom prst="rect">
+            <a:avLst/>
+          </a:prstGeom>
+        </p:spPr>
+        <p:txBody>
+          <a:bodyPr/>
+          <a:lstStyle>
+            <a:lvl1pPr algn="l" defTabSz="914400" rtl="0" eaLnBrk="1" latinLnBrk="0" hangingPunct="1">
+              <a:lnSpc>
+                <a:spcPct val="120000"/>
+              </a:lnSpc>
+              <a:spcBef>
+                <a:spcPct val="0"/>
+              </a:spcBef>
+              <a:buNone/>
+              <a:defRPr sz="4600" b="1" i="0" kern="1200" baseline="0">
+                <a:solidFill>
+                  <a:srgbClr val="0061BB"/>
+                </a:solidFill>
+                <a:latin typeface="Open Sans" charset="0"/>
+                <a:ea typeface="Open Sans" charset="0"/>
+                <a:cs typeface="Open Sans" charset="0"/>
+              </a:defRPr>
+            </a:lvl1pPr>
+          </a:lstStyle>
+          <a:p>
+            <a:pPr algn="ctr"/>
+            <a:r>
+              <a:rPr lang="it-IT" sz="6000" dirty="0"/>
+              <a:t>AWSM!</a:t>
+            </a:r>
+          </a:p>
+        </p:txBody>
+      </p:sp>
+      <p:sp>
+        <p:nvSpPr>
+          <p:cNvPr id="8" name="Segnaposto piè di pagina 2">
+            <a:extLst>
+              <a:ext uri="{FF2B5EF4-FFF2-40B4-BE49-F238E27FC236}">
+                <a16:creationId xmlns:a16="http://schemas.microsoft.com/office/drawing/2014/main" id="{E0D27F29-910F-F68B-0D38-BEBBE746DC82}"/>
               </a:ext>
             </a:extLst>
           </p:cNvPr>
@@ -5325,19 +4714,11 @@
             </a:r>
             <a:r>
               <a:rPr lang="en-US" altLang="en-US" dirty="0" err="1"/>
-              <a:t>UGIdotnet</a:t>
+              <a:t>XMASDev</a:t>
             </a:r>
             <a:r>
               <a:rPr lang="en-US" altLang="en-US" dirty="0"/>
-              <a:t> </a:t>
-            </a:r>
-            <a:r>
-              <a:rPr lang="en-US" altLang="en-US" dirty="0" err="1"/>
-              <a:t>SmallTalk</a:t>
-            </a:r>
-            <a:r>
-              <a:rPr lang="en-US" altLang="en-US" dirty="0"/>
-              <a:t> 05/10/2022</a:t>
+              <a:t> 16/12/2022</a:t>
             </a:r>
           </a:p>
         </p:txBody>
@@ -5345,7 +4726,7 @@
     </p:spTree>
     <p:extLst>
       <p:ext uri="{BB962C8B-B14F-4D97-AF65-F5344CB8AC3E}">
-        <p14:creationId xmlns:p14="http://schemas.microsoft.com/office/powerpoint/2010/main" val="2227419633"/>
+        <p14:creationId xmlns:p14="http://schemas.microsoft.com/office/powerpoint/2010/main" val="747447487"/>
       </p:ext>
     </p:extLst>
   </p:cSld>
@@ -5373,7 +4754,7 @@
                             </p:stCondLst>
                             <p:childTnLst>
                               <p:par>
-                                <p:cTn id="5" presetID="1" presetClass="entr" presetSubtype="0" fill="hold" nodeType="clickEffect">
+                                <p:cTn id="5" presetID="1" presetClass="entr" presetSubtype="0" fill="hold" grpId="0" nodeType="clickEffect">
                                   <p:stCondLst>
                                     <p:cond delay="0"/>
                                   </p:stCondLst>
@@ -5386,1915 +4767,7 @@
                                           </p:stCondLst>
                                         </p:cTn>
                                         <p:tgtEl>
-                                          <p:spTgt spid="4">
-                                            <p:txEl>
-                                              <p:pRg st="0" end="0"/>
-                                            </p:txEl>
-                                          </p:spTgt>
-                                        </p:tgtEl>
-                                        <p:attrNameLst>
-                                          <p:attrName>style.visibility</p:attrName>
-                                        </p:attrNameLst>
-                                      </p:cBhvr>
-                                      <p:to>
-                                        <p:strVal val="visible"/>
-                                      </p:to>
-                                    </p:set>
-                                  </p:childTnLst>
-                                </p:cTn>
-                              </p:par>
-                            </p:childTnLst>
-                          </p:cTn>
-                        </p:par>
-                      </p:childTnLst>
-                    </p:cTn>
-                  </p:par>
-                  <p:par>
-                    <p:cTn id="7" fill="hold">
-                      <p:stCondLst>
-                        <p:cond delay="indefinite"/>
-                      </p:stCondLst>
-                      <p:childTnLst>
-                        <p:par>
-                          <p:cTn id="8" fill="hold">
-                            <p:stCondLst>
-                              <p:cond delay="0"/>
-                            </p:stCondLst>
-                            <p:childTnLst>
-                              <p:par>
-                                <p:cTn id="9" presetID="1" presetClass="entr" presetSubtype="0" fill="hold" nodeType="clickEffect">
-                                  <p:stCondLst>
-                                    <p:cond delay="0"/>
-                                  </p:stCondLst>
-                                  <p:childTnLst>
-                                    <p:set>
-                                      <p:cBhvr>
-                                        <p:cTn id="10" dur="1" fill="hold">
-                                          <p:stCondLst>
-                                            <p:cond delay="0"/>
-                                          </p:stCondLst>
-                                        </p:cTn>
-                                        <p:tgtEl>
-                                          <p:spTgt spid="4">
-                                            <p:txEl>
-                                              <p:pRg st="1" end="1"/>
-                                            </p:txEl>
-                                          </p:spTgt>
-                                        </p:tgtEl>
-                                        <p:attrNameLst>
-                                          <p:attrName>style.visibility</p:attrName>
-                                        </p:attrNameLst>
-                                      </p:cBhvr>
-                                      <p:to>
-                                        <p:strVal val="visible"/>
-                                      </p:to>
-                                    </p:set>
-                                  </p:childTnLst>
-                                </p:cTn>
-                              </p:par>
-                            </p:childTnLst>
-                          </p:cTn>
-                        </p:par>
-                      </p:childTnLst>
-                    </p:cTn>
-                  </p:par>
-                  <p:par>
-                    <p:cTn id="11" fill="hold">
-                      <p:stCondLst>
-                        <p:cond delay="indefinite"/>
-                      </p:stCondLst>
-                      <p:childTnLst>
-                        <p:par>
-                          <p:cTn id="12" fill="hold">
-                            <p:stCondLst>
-                              <p:cond delay="0"/>
-                            </p:stCondLst>
-                            <p:childTnLst>
-                              <p:par>
-                                <p:cTn id="13" presetID="1" presetClass="entr" presetSubtype="0" fill="hold" nodeType="clickEffect">
-                                  <p:stCondLst>
-                                    <p:cond delay="0"/>
-                                  </p:stCondLst>
-                                  <p:childTnLst>
-                                    <p:set>
-                                      <p:cBhvr>
-                                        <p:cTn id="14" dur="1" fill="hold">
-                                          <p:stCondLst>
-                                            <p:cond delay="0"/>
-                                          </p:stCondLst>
-                                        </p:cTn>
-                                        <p:tgtEl>
-                                          <p:spTgt spid="4">
-                                            <p:txEl>
-                                              <p:pRg st="2" end="2"/>
-                                            </p:txEl>
-                                          </p:spTgt>
-                                        </p:tgtEl>
-                                        <p:attrNameLst>
-                                          <p:attrName>style.visibility</p:attrName>
-                                        </p:attrNameLst>
-                                      </p:cBhvr>
-                                      <p:to>
-                                        <p:strVal val="visible"/>
-                                      </p:to>
-                                    </p:set>
-                                  </p:childTnLst>
-                                </p:cTn>
-                              </p:par>
-                            </p:childTnLst>
-                          </p:cTn>
-                        </p:par>
-                      </p:childTnLst>
-                    </p:cTn>
-                  </p:par>
-                  <p:par>
-                    <p:cTn id="15" fill="hold">
-                      <p:stCondLst>
-                        <p:cond delay="indefinite"/>
-                      </p:stCondLst>
-                      <p:childTnLst>
-                        <p:par>
-                          <p:cTn id="16" fill="hold">
-                            <p:stCondLst>
-                              <p:cond delay="0"/>
-                            </p:stCondLst>
-                            <p:childTnLst>
-                              <p:par>
-                                <p:cTn id="17" presetID="1" presetClass="entr" presetSubtype="0" fill="hold" nodeType="clickEffect">
-                                  <p:stCondLst>
-                                    <p:cond delay="0"/>
-                                  </p:stCondLst>
-                                  <p:childTnLst>
-                                    <p:set>
-                                      <p:cBhvr>
-                                        <p:cTn id="18" dur="1" fill="hold">
-                                          <p:stCondLst>
-                                            <p:cond delay="0"/>
-                                          </p:stCondLst>
-                                        </p:cTn>
-                                        <p:tgtEl>
-                                          <p:spTgt spid="4">
-                                            <p:txEl>
-                                              <p:pRg st="3" end="3"/>
-                                            </p:txEl>
-                                          </p:spTgt>
-                                        </p:tgtEl>
-                                        <p:attrNameLst>
-                                          <p:attrName>style.visibility</p:attrName>
-                                        </p:attrNameLst>
-                                      </p:cBhvr>
-                                      <p:to>
-                                        <p:strVal val="visible"/>
-                                      </p:to>
-                                    </p:set>
-                                  </p:childTnLst>
-                                </p:cTn>
-                              </p:par>
-                            </p:childTnLst>
-                          </p:cTn>
-                        </p:par>
-                      </p:childTnLst>
-                    </p:cTn>
-                  </p:par>
-                  <p:par>
-                    <p:cTn id="19" fill="hold">
-                      <p:stCondLst>
-                        <p:cond delay="indefinite"/>
-                      </p:stCondLst>
-                      <p:childTnLst>
-                        <p:par>
-                          <p:cTn id="20" fill="hold">
-                            <p:stCondLst>
-                              <p:cond delay="0"/>
-                            </p:stCondLst>
-                            <p:childTnLst>
-                              <p:par>
-                                <p:cTn id="21" presetID="1" presetClass="entr" presetSubtype="0" fill="hold" nodeType="clickEffect">
-                                  <p:stCondLst>
-                                    <p:cond delay="0"/>
-                                  </p:stCondLst>
-                                  <p:childTnLst>
-                                    <p:set>
-                                      <p:cBhvr>
-                                        <p:cTn id="22" dur="1" fill="hold">
-                                          <p:stCondLst>
-                                            <p:cond delay="0"/>
-                                          </p:stCondLst>
-                                        </p:cTn>
-                                        <p:tgtEl>
-                                          <p:spTgt spid="4">
-                                            <p:txEl>
-                                              <p:pRg st="4" end="4"/>
-                                            </p:txEl>
-                                          </p:spTgt>
-                                        </p:tgtEl>
-                                        <p:attrNameLst>
-                                          <p:attrName>style.visibility</p:attrName>
-                                        </p:attrNameLst>
-                                      </p:cBhvr>
-                                      <p:to>
-                                        <p:strVal val="visible"/>
-                                      </p:to>
-                                    </p:set>
-                                  </p:childTnLst>
-                                </p:cTn>
-                              </p:par>
-                            </p:childTnLst>
-                          </p:cTn>
-                        </p:par>
-                      </p:childTnLst>
-                    </p:cTn>
-                  </p:par>
-                  <p:par>
-                    <p:cTn id="23" fill="hold">
-                      <p:stCondLst>
-                        <p:cond delay="indefinite"/>
-                      </p:stCondLst>
-                      <p:childTnLst>
-                        <p:par>
-                          <p:cTn id="24" fill="hold">
-                            <p:stCondLst>
-                              <p:cond delay="0"/>
-                            </p:stCondLst>
-                            <p:childTnLst>
-                              <p:par>
-                                <p:cTn id="25" presetID="1" presetClass="entr" presetSubtype="0" fill="hold" nodeType="clickEffect">
-                                  <p:stCondLst>
-                                    <p:cond delay="0"/>
-                                  </p:stCondLst>
-                                  <p:childTnLst>
-                                    <p:set>
-                                      <p:cBhvr>
-                                        <p:cTn id="26" dur="1" fill="hold">
-                                          <p:stCondLst>
-                                            <p:cond delay="0"/>
-                                          </p:stCondLst>
-                                        </p:cTn>
-                                        <p:tgtEl>
-                                          <p:spTgt spid="4">
-                                            <p:txEl>
-                                              <p:pRg st="5" end="5"/>
-                                            </p:txEl>
-                                          </p:spTgt>
-                                        </p:tgtEl>
-                                        <p:attrNameLst>
-                                          <p:attrName>style.visibility</p:attrName>
-                                        </p:attrNameLst>
-                                      </p:cBhvr>
-                                      <p:to>
-                                        <p:strVal val="visible"/>
-                                      </p:to>
-                                    </p:set>
-                                  </p:childTnLst>
-                                </p:cTn>
-                              </p:par>
-                            </p:childTnLst>
-                          </p:cTn>
-                        </p:par>
-                      </p:childTnLst>
-                    </p:cTn>
-                  </p:par>
-                </p:childTnLst>
-              </p:cTn>
-              <p:prevCondLst>
-                <p:cond evt="onPrev" delay="0">
-                  <p:tgtEl>
-                    <p:sldTgt/>
-                  </p:tgtEl>
-                </p:cond>
-              </p:prevCondLst>
-              <p:nextCondLst>
-                <p:cond evt="onNext" delay="0">
-                  <p:tgtEl>
-                    <p:sldTgt/>
-                  </p:tgtEl>
-                </p:cond>
-              </p:nextCondLst>
-            </p:seq>
-          </p:childTnLst>
-        </p:cTn>
-      </p:par>
-    </p:tnLst>
-  </p:timing>
-</p:sld>
-</file>
-
-<file path=ppt/slides/slide11.xml><?xml version="1.0" encoding="utf-8"?>
-<p:sld xmlns:a="http://schemas.openxmlformats.org/drawingml/2006/main" xmlns:r="http://schemas.openxmlformats.org/officeDocument/2006/relationships" xmlns:p="http://schemas.openxmlformats.org/presentationml/2006/main">
-  <p:cSld>
-    <p:spTree>
-      <p:nvGrpSpPr>
-        <p:cNvPr id="1" name=""/>
-        <p:cNvGrpSpPr/>
-        <p:nvPr/>
-      </p:nvGrpSpPr>
-      <p:grpSpPr>
-        <a:xfrm>
-          <a:off x="0" y="0"/>
-          <a:ext cx="0" cy="0"/>
-          <a:chOff x="0" y="0"/>
-          <a:chExt cx="0" cy="0"/>
-        </a:xfrm>
-      </p:grpSpPr>
-      <p:sp>
-        <p:nvSpPr>
-          <p:cNvPr id="2" name="Titolo 1"/>
-          <p:cNvSpPr>
-            <a:spLocks noGrp="1"/>
-          </p:cNvSpPr>
-          <p:nvPr>
-            <p:ph type="ctrTitle"/>
-          </p:nvPr>
-        </p:nvSpPr>
-        <p:spPr>
-          <a:xfrm>
-            <a:off x="470630" y="366550"/>
-            <a:ext cx="8198250" cy="659993"/>
-          </a:xfrm>
-        </p:spPr>
-        <p:txBody>
-          <a:bodyPr/>
-          <a:lstStyle/>
-          <a:p>
-            <a:r>
-              <a:rPr lang="it-IT" sz="3200" dirty="0"/>
-              <a:t>WASI Goals</a:t>
-            </a:r>
-          </a:p>
-        </p:txBody>
-      </p:sp>
-      <p:sp>
-        <p:nvSpPr>
-          <p:cNvPr id="3" name="Segnaposto piè di pagina 2">
-            <a:extLst>
-              <a:ext uri="{FF2B5EF4-FFF2-40B4-BE49-F238E27FC236}">
-                <a16:creationId xmlns:a16="http://schemas.microsoft.com/office/drawing/2014/main" id="{014017B1-0D2D-F5B7-2062-FD433A45C4A3}"/>
-              </a:ext>
-            </a:extLst>
-          </p:cNvPr>
-          <p:cNvSpPr>
-            <a:spLocks noGrp="1"/>
-          </p:cNvSpPr>
-          <p:nvPr>
-            <p:ph type="ftr" sz="quarter" idx="10"/>
-          </p:nvPr>
-        </p:nvSpPr>
-        <p:spPr>
-          <a:xfrm>
-            <a:off x="366122" y="6286803"/>
-            <a:ext cx="7196162" cy="312405"/>
-          </a:xfrm>
-        </p:spPr>
-        <p:txBody>
-          <a:bodyPr/>
-          <a:lstStyle/>
-          <a:p>
-            <a:pPr>
-              <a:defRPr/>
-            </a:pPr>
-            <a:r>
-              <a:rPr lang="en-US" altLang="en-US" dirty="0" err="1"/>
-              <a:t>WebAssembly</a:t>
-            </a:r>
-            <a:r>
-              <a:rPr lang="en-US" altLang="en-US" dirty="0"/>
-              <a:t> – </a:t>
-            </a:r>
-            <a:r>
-              <a:rPr lang="en-US" altLang="en-US" dirty="0" err="1"/>
-              <a:t>XMASDev</a:t>
-            </a:r>
-            <a:r>
-              <a:rPr lang="en-US" altLang="en-US" dirty="0"/>
-              <a:t> 16/12/2022</a:t>
-            </a:r>
-          </a:p>
-        </p:txBody>
-      </p:sp>
-      <p:pic>
-        <p:nvPicPr>
-          <p:cNvPr id="2050" name="Picture 2" descr="Bytecode Alliance">
-            <a:extLst>
-              <a:ext uri="{FF2B5EF4-FFF2-40B4-BE49-F238E27FC236}">
-                <a16:creationId xmlns:a16="http://schemas.microsoft.com/office/drawing/2014/main" id="{5C714579-BC3A-F36A-0540-35BAE9F50822}"/>
-              </a:ext>
-            </a:extLst>
-          </p:cNvPr>
-          <p:cNvPicPr>
-            <a:picLocks noChangeAspect="1" noChangeArrowheads="1"/>
-          </p:cNvPicPr>
-          <p:nvPr/>
-        </p:nvPicPr>
-        <p:blipFill>
-          <a:blip r:embed="rId2" cstate="print">
-            <a:extLst>
-              <a:ext uri="{28A0092B-C50C-407E-A947-70E740481C1C}">
-                <a14:useLocalDpi xmlns:a14="http://schemas.microsoft.com/office/drawing/2010/main" val="0"/>
-              </a:ext>
-            </a:extLst>
-          </a:blip>
-          <a:srcRect/>
-          <a:stretch>
-            <a:fillRect/>
-          </a:stretch>
-        </p:blipFill>
-        <p:spPr bwMode="auto">
-          <a:xfrm>
-            <a:off x="569346" y="2082832"/>
-            <a:ext cx="8082951" cy="2295525"/>
-          </a:xfrm>
-          <a:prstGeom prst="rect">
-            <a:avLst/>
-          </a:prstGeom>
-          <a:noFill/>
-          <a:extLst>
-            <a:ext uri="{909E8E84-426E-40DD-AFC4-6F175D3DCCD1}">
-              <a14:hiddenFill xmlns:a14="http://schemas.microsoft.com/office/drawing/2010/main">
-                <a:solidFill>
-                  <a:srgbClr val="FFFFFF"/>
-                </a:solidFill>
-              </a14:hiddenFill>
-            </a:ext>
-          </a:extLst>
-        </p:spPr>
-      </p:pic>
-    </p:spTree>
-    <p:extLst>
-      <p:ext uri="{BB962C8B-B14F-4D97-AF65-F5344CB8AC3E}">
-        <p14:creationId xmlns:p14="http://schemas.microsoft.com/office/powerpoint/2010/main" val="1331611757"/>
-      </p:ext>
-    </p:extLst>
-  </p:cSld>
-  <p:clrMapOvr>
-    <a:masterClrMapping/>
-  </p:clrMapOvr>
-</p:sld>
-</file>
-
-<file path=ppt/slides/slide12.xml><?xml version="1.0" encoding="utf-8"?>
-<p:sld xmlns:a="http://schemas.openxmlformats.org/drawingml/2006/main" xmlns:r="http://schemas.openxmlformats.org/officeDocument/2006/relationships" xmlns:p="http://schemas.openxmlformats.org/presentationml/2006/main">
-  <p:cSld>
-    <p:spTree>
-      <p:nvGrpSpPr>
-        <p:cNvPr id="1" name=""/>
-        <p:cNvGrpSpPr/>
-        <p:nvPr/>
-      </p:nvGrpSpPr>
-      <p:grpSpPr>
-        <a:xfrm>
-          <a:off x="0" y="0"/>
-          <a:ext cx="0" cy="0"/>
-          <a:chOff x="0" y="0"/>
-          <a:chExt cx="0" cy="0"/>
-        </a:xfrm>
-      </p:grpSpPr>
-      <p:sp>
-        <p:nvSpPr>
-          <p:cNvPr id="2" name="Titolo 1"/>
-          <p:cNvSpPr>
-            <a:spLocks noGrp="1"/>
-          </p:cNvSpPr>
-          <p:nvPr>
-            <p:ph type="ctrTitle"/>
-          </p:nvPr>
-        </p:nvSpPr>
-        <p:spPr>
-          <a:xfrm>
-            <a:off x="470630" y="366550"/>
-            <a:ext cx="8198250" cy="659993"/>
-          </a:xfrm>
-        </p:spPr>
-        <p:txBody>
-          <a:bodyPr/>
-          <a:lstStyle/>
-          <a:p>
-            <a:r>
-              <a:rPr lang="it-IT" sz="3200" dirty="0"/>
-              <a:t>WAGI</a:t>
-            </a:r>
-          </a:p>
-        </p:txBody>
-      </p:sp>
-      <p:sp>
-        <p:nvSpPr>
-          <p:cNvPr id="4" name="Segnaposto testo 3"/>
-          <p:cNvSpPr>
-            <a:spLocks noGrp="1"/>
-          </p:cNvSpPr>
-          <p:nvPr>
-            <p:ph type="body" sz="quarter" idx="11"/>
-          </p:nvPr>
-        </p:nvSpPr>
-        <p:spPr>
-          <a:xfrm>
-            <a:off x="470630" y="1936941"/>
-            <a:ext cx="8196263" cy="3187148"/>
-          </a:xfrm>
-        </p:spPr>
-        <p:txBody>
-          <a:bodyPr/>
-          <a:lstStyle/>
-          <a:p>
-            <a:pPr marL="457200" lvl="1" indent="0">
-              <a:buNone/>
-            </a:pPr>
-            <a:r>
-              <a:rPr lang="en-US" sz="3200" b="1" dirty="0" err="1"/>
-              <a:t>W</a:t>
-            </a:r>
-            <a:r>
-              <a:rPr lang="en-US" sz="3200" dirty="0" err="1"/>
-              <a:t>eb</a:t>
-            </a:r>
-            <a:r>
-              <a:rPr lang="en-US" sz="3200" b="1" dirty="0" err="1"/>
-              <a:t>A</a:t>
-            </a:r>
-            <a:r>
-              <a:rPr lang="en-US" sz="3200" dirty="0" err="1"/>
-              <a:t>ssembly</a:t>
-            </a:r>
-            <a:r>
-              <a:rPr lang="en-US" sz="3200" dirty="0"/>
-              <a:t> </a:t>
-            </a:r>
-            <a:r>
-              <a:rPr lang="en-US" sz="3200" b="1" dirty="0"/>
-              <a:t>G</a:t>
-            </a:r>
-            <a:r>
-              <a:rPr lang="en-US" sz="3200" dirty="0"/>
-              <a:t>ateway </a:t>
-            </a:r>
-            <a:r>
-              <a:rPr lang="en-US" sz="3200" b="1" dirty="0"/>
-              <a:t>I</a:t>
-            </a:r>
-            <a:r>
-              <a:rPr lang="en-US" sz="3200" dirty="0"/>
-              <a:t>nterface</a:t>
-            </a:r>
-          </a:p>
-          <a:p>
-            <a:pPr marL="457200" lvl="1" indent="0">
-              <a:buNone/>
-            </a:pPr>
-            <a:endParaRPr lang="en-US" sz="3200" dirty="0"/>
-          </a:p>
-          <a:p>
-            <a:pPr marL="457200" lvl="1" indent="0" algn="ctr">
-              <a:buNone/>
-            </a:pPr>
-            <a:r>
-              <a:rPr lang="en-US" sz="3200" dirty="0"/>
-              <a:t>(WAGI)</a:t>
-            </a:r>
-          </a:p>
-          <a:p>
-            <a:pPr lvl="1"/>
-            <a:endParaRPr lang="en-US" sz="1800" dirty="0"/>
-          </a:p>
-          <a:p>
-            <a:pPr marL="0" indent="0">
-              <a:buNone/>
-            </a:pPr>
-            <a:endParaRPr lang="it-IT" dirty="0"/>
-          </a:p>
-        </p:txBody>
-      </p:sp>
-      <p:sp>
-        <p:nvSpPr>
-          <p:cNvPr id="3" name="Segnaposto piè di pagina 2">
-            <a:extLst>
-              <a:ext uri="{FF2B5EF4-FFF2-40B4-BE49-F238E27FC236}">
-                <a16:creationId xmlns:a16="http://schemas.microsoft.com/office/drawing/2014/main" id="{014017B1-0D2D-F5B7-2062-FD433A45C4A3}"/>
-              </a:ext>
-            </a:extLst>
-          </p:cNvPr>
-          <p:cNvSpPr>
-            <a:spLocks noGrp="1"/>
-          </p:cNvSpPr>
-          <p:nvPr>
-            <p:ph type="ftr" sz="quarter" idx="10"/>
-          </p:nvPr>
-        </p:nvSpPr>
-        <p:spPr>
-          <a:xfrm>
-            <a:off x="366122" y="6286803"/>
-            <a:ext cx="7196162" cy="312405"/>
-          </a:xfrm>
-        </p:spPr>
-        <p:txBody>
-          <a:bodyPr/>
-          <a:lstStyle/>
-          <a:p>
-            <a:pPr>
-              <a:defRPr/>
-            </a:pPr>
-            <a:r>
-              <a:rPr lang="en-US" altLang="en-US" dirty="0" err="1"/>
-              <a:t>WebAssembly</a:t>
-            </a:r>
-            <a:r>
-              <a:rPr lang="en-US" altLang="en-US" dirty="0"/>
-              <a:t> – </a:t>
-            </a:r>
-            <a:r>
-              <a:rPr lang="en-US" altLang="en-US" dirty="0" err="1"/>
-              <a:t>XMASDev</a:t>
-            </a:r>
-            <a:r>
-              <a:rPr lang="en-US" altLang="en-US" dirty="0"/>
-              <a:t> 16/12/2022</a:t>
-            </a:r>
-          </a:p>
-        </p:txBody>
-      </p:sp>
-    </p:spTree>
-    <p:extLst>
-      <p:ext uri="{BB962C8B-B14F-4D97-AF65-F5344CB8AC3E}">
-        <p14:creationId xmlns:p14="http://schemas.microsoft.com/office/powerpoint/2010/main" val="3272564912"/>
-      </p:ext>
-    </p:extLst>
-  </p:cSld>
-  <p:clrMapOvr>
-    <a:masterClrMapping/>
-  </p:clrMapOvr>
-</p:sld>
-</file>
-
-<file path=ppt/slides/slide13.xml><?xml version="1.0" encoding="utf-8"?>
-<p:sld xmlns:a="http://schemas.openxmlformats.org/drawingml/2006/main" xmlns:r="http://schemas.openxmlformats.org/officeDocument/2006/relationships" xmlns:p="http://schemas.openxmlformats.org/presentationml/2006/main">
-  <p:cSld>
-    <p:spTree>
-      <p:nvGrpSpPr>
-        <p:cNvPr id="1" name=""/>
-        <p:cNvGrpSpPr/>
-        <p:nvPr/>
-      </p:nvGrpSpPr>
-      <p:grpSpPr>
-        <a:xfrm>
-          <a:off x="0" y="0"/>
-          <a:ext cx="0" cy="0"/>
-          <a:chOff x="0" y="0"/>
-          <a:chExt cx="0" cy="0"/>
-        </a:xfrm>
-      </p:grpSpPr>
-      <p:sp>
-        <p:nvSpPr>
-          <p:cNvPr id="2" name="Titolo 1"/>
-          <p:cNvSpPr>
-            <a:spLocks noGrp="1"/>
-          </p:cNvSpPr>
-          <p:nvPr>
-            <p:ph type="ctrTitle"/>
-          </p:nvPr>
-        </p:nvSpPr>
-        <p:spPr>
-          <a:xfrm>
-            <a:off x="470630" y="366550"/>
-            <a:ext cx="8198250" cy="659993"/>
-          </a:xfrm>
-        </p:spPr>
-        <p:txBody>
-          <a:bodyPr/>
-          <a:lstStyle/>
-          <a:p>
-            <a:r>
-              <a:rPr lang="it-IT" sz="3200" dirty="0" err="1"/>
-              <a:t>WebAssembly</a:t>
-            </a:r>
-            <a:r>
-              <a:rPr lang="it-IT" sz="3200" dirty="0"/>
-              <a:t> and .NET</a:t>
-            </a:r>
-          </a:p>
-        </p:txBody>
-      </p:sp>
-      <p:sp>
-        <p:nvSpPr>
-          <p:cNvPr id="4" name="Segnaposto testo 3"/>
-          <p:cNvSpPr>
-            <a:spLocks noGrp="1"/>
-          </p:cNvSpPr>
-          <p:nvPr>
-            <p:ph type="body" sz="quarter" idx="11"/>
-          </p:nvPr>
-        </p:nvSpPr>
-        <p:spPr>
-          <a:xfrm>
-            <a:off x="473868" y="1626392"/>
-            <a:ext cx="8196263" cy="4092921"/>
-          </a:xfrm>
-        </p:spPr>
-        <p:txBody>
-          <a:bodyPr/>
-          <a:lstStyle/>
-          <a:p>
-            <a:r>
-              <a:rPr lang="it-IT" sz="2400" dirty="0" err="1"/>
-              <a:t>WebAssembly</a:t>
-            </a:r>
-            <a:r>
-              <a:rPr lang="it-IT" sz="2400" dirty="0"/>
-              <a:t> </a:t>
-            </a:r>
-            <a:r>
-              <a:rPr lang="it-IT" sz="2400" dirty="0" err="1"/>
-              <a:t>is</a:t>
-            </a:r>
-            <a:r>
-              <a:rPr lang="it-IT" sz="2400" dirty="0"/>
-              <a:t> a </a:t>
-            </a:r>
-            <a:r>
-              <a:rPr lang="it-IT" sz="2400" dirty="0" err="1"/>
-              <a:t>binary</a:t>
-            </a:r>
-            <a:r>
-              <a:rPr lang="it-IT" sz="2400" dirty="0"/>
-              <a:t> </a:t>
-            </a:r>
-            <a:r>
-              <a:rPr lang="it-IT" sz="2400" dirty="0" err="1"/>
-              <a:t>exectable</a:t>
-            </a:r>
-            <a:r>
-              <a:rPr lang="it-IT" sz="2400" dirty="0"/>
-              <a:t> format</a:t>
-            </a:r>
-          </a:p>
-          <a:p>
-            <a:r>
-              <a:rPr lang="it-IT" sz="2400" dirty="0"/>
-              <a:t>C# </a:t>
-            </a:r>
-            <a:r>
-              <a:rPr lang="it-IT" sz="2400" dirty="0" err="1"/>
-              <a:t>compiles</a:t>
-            </a:r>
-            <a:r>
-              <a:rPr lang="it-IT" sz="2400" dirty="0"/>
-              <a:t> one </a:t>
-            </a:r>
-            <a:r>
-              <a:rPr lang="it-IT" sz="2400" dirty="0" err="1"/>
-              <a:t>binary</a:t>
-            </a:r>
-            <a:r>
-              <a:rPr lang="it-IT" sz="2400" dirty="0"/>
-              <a:t> </a:t>
-            </a:r>
-            <a:r>
-              <a:rPr lang="it-IT" sz="2400" dirty="0" err="1"/>
-              <a:t>exceutable</a:t>
-            </a:r>
-            <a:r>
-              <a:rPr lang="it-IT" sz="2400" dirty="0"/>
-              <a:t> </a:t>
-            </a:r>
-            <a:r>
-              <a:rPr lang="it-IT" sz="2400" dirty="0" err="1"/>
-              <a:t>formatm</a:t>
-            </a:r>
-            <a:r>
-              <a:rPr lang="it-IT" sz="2400" dirty="0"/>
-              <a:t> .NET </a:t>
-            </a:r>
-            <a:r>
-              <a:rPr lang="it-IT" sz="2400" dirty="0" err="1"/>
-              <a:t>bytecode</a:t>
-            </a:r>
-            <a:endParaRPr lang="it-IT" sz="2400" dirty="0"/>
-          </a:p>
-          <a:p>
-            <a:r>
-              <a:rPr lang="it-IT" sz="2400" dirty="0" err="1"/>
-              <a:t>Changing</a:t>
-            </a:r>
-            <a:r>
-              <a:rPr lang="it-IT" sz="2400" dirty="0"/>
-              <a:t> </a:t>
-            </a:r>
-            <a:r>
-              <a:rPr lang="it-IT" sz="2400" dirty="0" err="1"/>
-              <a:t>it</a:t>
-            </a:r>
-            <a:r>
-              <a:rPr lang="it-IT" sz="2400" dirty="0"/>
-              <a:t> to target </a:t>
-            </a:r>
-            <a:r>
-              <a:rPr lang="it-IT" sz="2400" dirty="0" err="1"/>
-              <a:t>another</a:t>
-            </a:r>
-            <a:r>
-              <a:rPr lang="it-IT" sz="2400" dirty="0"/>
-              <a:t> </a:t>
-            </a:r>
-            <a:r>
-              <a:rPr lang="it-IT" sz="2400" dirty="0" err="1"/>
-              <a:t>is</a:t>
-            </a:r>
-            <a:r>
-              <a:rPr lang="it-IT" sz="2400" dirty="0"/>
-              <a:t> </a:t>
-            </a:r>
-            <a:r>
-              <a:rPr lang="it-IT" sz="2400" dirty="0" err="1"/>
-              <a:t>trickly</a:t>
-            </a:r>
-            <a:endParaRPr lang="it-IT" sz="2400" dirty="0"/>
-          </a:p>
-          <a:p>
-            <a:pPr lvl="1"/>
-            <a:r>
-              <a:rPr lang="it-IT" dirty="0"/>
-              <a:t>C# </a:t>
-            </a:r>
-            <a:r>
-              <a:rPr lang="it-IT" dirty="0" err="1"/>
-              <a:t>is</a:t>
-            </a:r>
-            <a:r>
-              <a:rPr lang="it-IT" dirty="0"/>
-              <a:t> </a:t>
-            </a:r>
-            <a:r>
-              <a:rPr lang="it-IT" dirty="0" err="1"/>
-              <a:t>deeply</a:t>
-            </a:r>
-            <a:r>
-              <a:rPr lang="it-IT" dirty="0"/>
-              <a:t> </a:t>
-            </a:r>
-            <a:r>
-              <a:rPr lang="it-IT" dirty="0" err="1"/>
-              <a:t>entwined</a:t>
-            </a:r>
-            <a:r>
-              <a:rPr lang="it-IT" dirty="0"/>
-              <a:t> with .NET standard library</a:t>
-            </a:r>
-          </a:p>
-          <a:p>
-            <a:pPr lvl="1"/>
-            <a:r>
-              <a:rPr lang="it-IT" dirty="0"/>
-              <a:t>C# </a:t>
-            </a:r>
-            <a:r>
-              <a:rPr lang="it-IT" dirty="0" err="1"/>
-              <a:t>gets</a:t>
-            </a:r>
-            <a:r>
-              <a:rPr lang="it-IT" dirty="0"/>
-              <a:t> a </a:t>
-            </a:r>
-            <a:r>
-              <a:rPr lang="it-IT" dirty="0" err="1"/>
-              <a:t>lot</a:t>
-            </a:r>
-            <a:r>
-              <a:rPr lang="it-IT" dirty="0"/>
-              <a:t> </a:t>
-            </a:r>
-            <a:r>
-              <a:rPr lang="it-IT" dirty="0" err="1"/>
-              <a:t>less</a:t>
-            </a:r>
-            <a:r>
-              <a:rPr lang="it-IT" dirty="0"/>
-              <a:t> </a:t>
-            </a:r>
-            <a:r>
-              <a:rPr lang="it-IT" dirty="0" err="1"/>
-              <a:t>interesting</a:t>
-            </a:r>
-            <a:r>
-              <a:rPr lang="it-IT" dirty="0"/>
-              <a:t> </a:t>
-            </a:r>
-            <a:r>
-              <a:rPr lang="it-IT" dirty="0" err="1"/>
-              <a:t>without</a:t>
-            </a:r>
-            <a:r>
-              <a:rPr lang="it-IT" dirty="0"/>
-              <a:t> </a:t>
-            </a:r>
-            <a:r>
-              <a:rPr lang="it-IT" dirty="0" err="1"/>
-              <a:t>NuGet</a:t>
-            </a:r>
-            <a:r>
-              <a:rPr lang="it-IT" dirty="0"/>
-              <a:t> packages</a:t>
-            </a:r>
-          </a:p>
-          <a:p>
-            <a:r>
-              <a:rPr lang="it-IT" sz="2400" dirty="0"/>
-              <a:t>.NET </a:t>
-            </a:r>
-            <a:r>
-              <a:rPr lang="it-IT" sz="2400" dirty="0" err="1"/>
-              <a:t>has</a:t>
-            </a:r>
-            <a:r>
-              <a:rPr lang="it-IT" sz="2400" dirty="0"/>
-              <a:t> </a:t>
-            </a:r>
-            <a:r>
-              <a:rPr lang="it-IT" sz="2400" dirty="0" err="1"/>
-              <a:t>taken</a:t>
-            </a:r>
-            <a:r>
-              <a:rPr lang="it-IT" sz="2400" dirty="0"/>
-              <a:t> a </a:t>
-            </a:r>
-            <a:r>
-              <a:rPr lang="it-IT" sz="2400" dirty="0" err="1"/>
-              <a:t>different</a:t>
-            </a:r>
-            <a:r>
-              <a:rPr lang="it-IT" sz="2400" dirty="0"/>
-              <a:t> </a:t>
-            </a:r>
-            <a:r>
-              <a:rPr lang="it-IT" sz="2400" dirty="0" err="1"/>
-              <a:t>approach</a:t>
-            </a:r>
-            <a:r>
-              <a:rPr lang="it-IT" sz="2400" dirty="0"/>
-              <a:t> to </a:t>
-            </a:r>
-            <a:r>
-              <a:rPr lang="it-IT" sz="2400" dirty="0" err="1"/>
-              <a:t>Wasm</a:t>
-            </a:r>
-            <a:endParaRPr lang="it-IT" sz="2400" dirty="0"/>
-          </a:p>
-          <a:p>
-            <a:r>
-              <a:rPr lang="it-IT" sz="2400" dirty="0"/>
-              <a:t>The strategy </a:t>
-            </a:r>
-            <a:r>
-              <a:rPr lang="it-IT" sz="2400" dirty="0" err="1"/>
-              <a:t>is</a:t>
-            </a:r>
-            <a:r>
-              <a:rPr lang="it-IT" sz="2400" dirty="0"/>
-              <a:t> to compile the .NET </a:t>
-            </a:r>
-            <a:r>
-              <a:rPr lang="it-IT" sz="2400" dirty="0" err="1"/>
-              <a:t>runtime</a:t>
-            </a:r>
-            <a:r>
-              <a:rPr lang="it-IT" sz="2400" dirty="0"/>
-              <a:t> to </a:t>
-            </a:r>
-            <a:r>
-              <a:rPr lang="it-IT" sz="2400" dirty="0" err="1"/>
-              <a:t>Wasm</a:t>
-            </a:r>
-            <a:r>
-              <a:rPr lang="it-IT" sz="2400" dirty="0"/>
-              <a:t> </a:t>
-            </a:r>
-            <a:r>
-              <a:rPr lang="it-IT" sz="2400" dirty="0" err="1"/>
-              <a:t>bytecode</a:t>
-            </a:r>
-            <a:endParaRPr lang="it-IT" sz="2400" dirty="0"/>
-          </a:p>
-          <a:p>
-            <a:r>
-              <a:rPr lang="it-IT" sz="2400" dirty="0"/>
-              <a:t>Just </a:t>
-            </a:r>
-            <a:r>
-              <a:rPr lang="it-IT" sz="2400" dirty="0" err="1"/>
-              <a:t>as</a:t>
-            </a:r>
-            <a:r>
-              <a:rPr lang="it-IT" sz="2400" dirty="0"/>
-              <a:t> Python …</a:t>
-            </a:r>
-          </a:p>
-          <a:p>
-            <a:r>
-              <a:rPr lang="it-IT" sz="2400" dirty="0" err="1">
-                <a:hlinkClick r:id="rId2"/>
-              </a:rPr>
-              <a:t>SteveSandersonMS</a:t>
-            </a:r>
-            <a:r>
-              <a:rPr lang="it-IT" sz="2400" dirty="0">
-                <a:hlinkClick r:id="rId2"/>
-              </a:rPr>
-              <a:t>/</a:t>
-            </a:r>
-            <a:r>
-              <a:rPr lang="it-IT" sz="2400" dirty="0" err="1">
-                <a:hlinkClick r:id="rId2"/>
-              </a:rPr>
-              <a:t>dotnet-wasi-sdk</a:t>
-            </a:r>
-            <a:r>
-              <a:rPr lang="it-IT" sz="2400" dirty="0">
-                <a:hlinkClick r:id="rId2"/>
-              </a:rPr>
-              <a:t>:</a:t>
-            </a:r>
-            <a:endParaRPr lang="it-IT" sz="2400" dirty="0"/>
-          </a:p>
-          <a:p>
-            <a:pPr lvl="1"/>
-            <a:endParaRPr lang="it-IT" sz="1800" dirty="0"/>
-          </a:p>
-          <a:p>
-            <a:pPr lvl="1"/>
-            <a:endParaRPr lang="en-US" dirty="0"/>
-          </a:p>
-          <a:p>
-            <a:pPr lvl="1"/>
-            <a:endParaRPr lang="en-US" sz="1800" dirty="0"/>
-          </a:p>
-          <a:p>
-            <a:pPr marL="0" indent="0">
-              <a:buNone/>
-            </a:pPr>
-            <a:endParaRPr lang="it-IT" dirty="0"/>
-          </a:p>
-        </p:txBody>
-      </p:sp>
-      <p:sp>
-        <p:nvSpPr>
-          <p:cNvPr id="3" name="Segnaposto piè di pagina 2">
-            <a:extLst>
-              <a:ext uri="{FF2B5EF4-FFF2-40B4-BE49-F238E27FC236}">
-                <a16:creationId xmlns:a16="http://schemas.microsoft.com/office/drawing/2014/main" id="{014017B1-0D2D-F5B7-2062-FD433A45C4A3}"/>
-              </a:ext>
-            </a:extLst>
-          </p:cNvPr>
-          <p:cNvSpPr>
-            <a:spLocks noGrp="1"/>
-          </p:cNvSpPr>
-          <p:nvPr>
-            <p:ph type="ftr" sz="quarter" idx="10"/>
-          </p:nvPr>
-        </p:nvSpPr>
-        <p:spPr>
-          <a:xfrm>
-            <a:off x="366122" y="6286803"/>
-            <a:ext cx="7196162" cy="312405"/>
-          </a:xfrm>
-        </p:spPr>
-        <p:txBody>
-          <a:bodyPr/>
-          <a:lstStyle/>
-          <a:p>
-            <a:pPr>
-              <a:defRPr/>
-            </a:pPr>
-            <a:r>
-              <a:rPr lang="en-US" altLang="en-US" dirty="0" err="1"/>
-              <a:t>WebAssembly</a:t>
-            </a:r>
-            <a:r>
-              <a:rPr lang="en-US" altLang="en-US" dirty="0"/>
-              <a:t> – </a:t>
-            </a:r>
-            <a:r>
-              <a:rPr lang="en-US" altLang="en-US" dirty="0" err="1"/>
-              <a:t>UGIdotnet</a:t>
-            </a:r>
-            <a:r>
-              <a:rPr lang="en-US" altLang="en-US" dirty="0"/>
-              <a:t> </a:t>
-            </a:r>
-            <a:r>
-              <a:rPr lang="en-US" altLang="en-US" dirty="0" err="1"/>
-              <a:t>SmallTalk</a:t>
-            </a:r>
-            <a:r>
-              <a:rPr lang="en-US" altLang="en-US" dirty="0"/>
-              <a:t> 05/10/2022</a:t>
-            </a:r>
-          </a:p>
-        </p:txBody>
-      </p:sp>
-    </p:spTree>
-    <p:extLst>
-      <p:ext uri="{BB962C8B-B14F-4D97-AF65-F5344CB8AC3E}">
-        <p14:creationId xmlns:p14="http://schemas.microsoft.com/office/powerpoint/2010/main" val="2919441373"/>
-      </p:ext>
-    </p:extLst>
-  </p:cSld>
-  <p:clrMapOvr>
-    <a:masterClrMapping/>
-  </p:clrMapOvr>
-  <p:timing>
-    <p:tnLst>
-      <p:par>
-        <p:cTn id="1" dur="indefinite" restart="never" nodeType="tmRoot">
-          <p:childTnLst>
-            <p:seq concurrent="1" nextAc="seek">
-              <p:cTn id="2" dur="indefinite" nodeType="mainSeq">
-                <p:childTnLst>
-                  <p:par>
-                    <p:cTn id="3" fill="hold">
-                      <p:stCondLst>
-                        <p:cond delay="indefinite"/>
-                      </p:stCondLst>
-                      <p:childTnLst>
-                        <p:par>
-                          <p:cTn id="4" fill="hold">
-                            <p:stCondLst>
-                              <p:cond delay="0"/>
-                            </p:stCondLst>
-                            <p:childTnLst>
-                              <p:par>
-                                <p:cTn id="5" presetID="1" presetClass="entr" presetSubtype="0" fill="hold" nodeType="clickEffect">
-                                  <p:stCondLst>
-                                    <p:cond delay="0"/>
-                                  </p:stCondLst>
-                                  <p:childTnLst>
-                                    <p:set>
-                                      <p:cBhvr>
-                                        <p:cTn id="6" dur="1" fill="hold">
-                                          <p:stCondLst>
-                                            <p:cond delay="0"/>
-                                          </p:stCondLst>
-                                        </p:cTn>
-                                        <p:tgtEl>
-                                          <p:spTgt spid="4">
-                                            <p:txEl>
-                                              <p:pRg st="0" end="0"/>
-                                            </p:txEl>
-                                          </p:spTgt>
-                                        </p:tgtEl>
-                                        <p:attrNameLst>
-                                          <p:attrName>style.visibility</p:attrName>
-                                        </p:attrNameLst>
-                                      </p:cBhvr>
-                                      <p:to>
-                                        <p:strVal val="visible"/>
-                                      </p:to>
-                                    </p:set>
-                                  </p:childTnLst>
-                                </p:cTn>
-                              </p:par>
-                            </p:childTnLst>
-                          </p:cTn>
-                        </p:par>
-                      </p:childTnLst>
-                    </p:cTn>
-                  </p:par>
-                  <p:par>
-                    <p:cTn id="7" fill="hold">
-                      <p:stCondLst>
-                        <p:cond delay="indefinite"/>
-                      </p:stCondLst>
-                      <p:childTnLst>
-                        <p:par>
-                          <p:cTn id="8" fill="hold">
-                            <p:stCondLst>
-                              <p:cond delay="0"/>
-                            </p:stCondLst>
-                            <p:childTnLst>
-                              <p:par>
-                                <p:cTn id="9" presetID="1" presetClass="entr" presetSubtype="0" fill="hold" nodeType="clickEffect">
-                                  <p:stCondLst>
-                                    <p:cond delay="0"/>
-                                  </p:stCondLst>
-                                  <p:childTnLst>
-                                    <p:set>
-                                      <p:cBhvr>
-                                        <p:cTn id="10" dur="1" fill="hold">
-                                          <p:stCondLst>
-                                            <p:cond delay="0"/>
-                                          </p:stCondLst>
-                                        </p:cTn>
-                                        <p:tgtEl>
-                                          <p:spTgt spid="4">
-                                            <p:txEl>
-                                              <p:pRg st="1" end="1"/>
-                                            </p:txEl>
-                                          </p:spTgt>
-                                        </p:tgtEl>
-                                        <p:attrNameLst>
-                                          <p:attrName>style.visibility</p:attrName>
-                                        </p:attrNameLst>
-                                      </p:cBhvr>
-                                      <p:to>
-                                        <p:strVal val="visible"/>
-                                      </p:to>
-                                    </p:set>
-                                  </p:childTnLst>
-                                </p:cTn>
-                              </p:par>
-                            </p:childTnLst>
-                          </p:cTn>
-                        </p:par>
-                      </p:childTnLst>
-                    </p:cTn>
-                  </p:par>
-                  <p:par>
-                    <p:cTn id="11" fill="hold">
-                      <p:stCondLst>
-                        <p:cond delay="indefinite"/>
-                      </p:stCondLst>
-                      <p:childTnLst>
-                        <p:par>
-                          <p:cTn id="12" fill="hold">
-                            <p:stCondLst>
-                              <p:cond delay="0"/>
-                            </p:stCondLst>
-                            <p:childTnLst>
-                              <p:par>
-                                <p:cTn id="13" presetID="1" presetClass="entr" presetSubtype="0" fill="hold" nodeType="clickEffect">
-                                  <p:stCondLst>
-                                    <p:cond delay="0"/>
-                                  </p:stCondLst>
-                                  <p:childTnLst>
-                                    <p:set>
-                                      <p:cBhvr>
-                                        <p:cTn id="14" dur="1" fill="hold">
-                                          <p:stCondLst>
-                                            <p:cond delay="0"/>
-                                          </p:stCondLst>
-                                        </p:cTn>
-                                        <p:tgtEl>
-                                          <p:spTgt spid="4">
-                                            <p:txEl>
-                                              <p:pRg st="2" end="2"/>
-                                            </p:txEl>
-                                          </p:spTgt>
-                                        </p:tgtEl>
-                                        <p:attrNameLst>
-                                          <p:attrName>style.visibility</p:attrName>
-                                        </p:attrNameLst>
-                                      </p:cBhvr>
-                                      <p:to>
-                                        <p:strVal val="visible"/>
-                                      </p:to>
-                                    </p:set>
-                                  </p:childTnLst>
-                                </p:cTn>
-                              </p:par>
-                            </p:childTnLst>
-                          </p:cTn>
-                        </p:par>
-                      </p:childTnLst>
-                    </p:cTn>
-                  </p:par>
-                  <p:par>
-                    <p:cTn id="15" fill="hold">
-                      <p:stCondLst>
-                        <p:cond delay="indefinite"/>
-                      </p:stCondLst>
-                      <p:childTnLst>
-                        <p:par>
-                          <p:cTn id="16" fill="hold">
-                            <p:stCondLst>
-                              <p:cond delay="0"/>
-                            </p:stCondLst>
-                            <p:childTnLst>
-                              <p:par>
-                                <p:cTn id="17" presetID="1" presetClass="entr" presetSubtype="0" fill="hold" nodeType="clickEffect">
-                                  <p:stCondLst>
-                                    <p:cond delay="0"/>
-                                  </p:stCondLst>
-                                  <p:childTnLst>
-                                    <p:set>
-                                      <p:cBhvr>
-                                        <p:cTn id="18" dur="1" fill="hold">
-                                          <p:stCondLst>
-                                            <p:cond delay="0"/>
-                                          </p:stCondLst>
-                                        </p:cTn>
-                                        <p:tgtEl>
-                                          <p:spTgt spid="4">
-                                            <p:txEl>
-                                              <p:pRg st="3" end="3"/>
-                                            </p:txEl>
-                                          </p:spTgt>
-                                        </p:tgtEl>
-                                        <p:attrNameLst>
-                                          <p:attrName>style.visibility</p:attrName>
-                                        </p:attrNameLst>
-                                      </p:cBhvr>
-                                      <p:to>
-                                        <p:strVal val="visible"/>
-                                      </p:to>
-                                    </p:set>
-                                  </p:childTnLst>
-                                </p:cTn>
-                              </p:par>
-                            </p:childTnLst>
-                          </p:cTn>
-                        </p:par>
-                      </p:childTnLst>
-                    </p:cTn>
-                  </p:par>
-                  <p:par>
-                    <p:cTn id="19" fill="hold">
-                      <p:stCondLst>
-                        <p:cond delay="indefinite"/>
-                      </p:stCondLst>
-                      <p:childTnLst>
-                        <p:par>
-                          <p:cTn id="20" fill="hold">
-                            <p:stCondLst>
-                              <p:cond delay="0"/>
-                            </p:stCondLst>
-                            <p:childTnLst>
-                              <p:par>
-                                <p:cTn id="21" presetID="1" presetClass="entr" presetSubtype="0" fill="hold" nodeType="clickEffect">
-                                  <p:stCondLst>
-                                    <p:cond delay="0"/>
-                                  </p:stCondLst>
-                                  <p:childTnLst>
-                                    <p:set>
-                                      <p:cBhvr>
-                                        <p:cTn id="22" dur="1" fill="hold">
-                                          <p:stCondLst>
-                                            <p:cond delay="0"/>
-                                          </p:stCondLst>
-                                        </p:cTn>
-                                        <p:tgtEl>
-                                          <p:spTgt spid="4">
-                                            <p:txEl>
-                                              <p:pRg st="4" end="4"/>
-                                            </p:txEl>
-                                          </p:spTgt>
-                                        </p:tgtEl>
-                                        <p:attrNameLst>
-                                          <p:attrName>style.visibility</p:attrName>
-                                        </p:attrNameLst>
-                                      </p:cBhvr>
-                                      <p:to>
-                                        <p:strVal val="visible"/>
-                                      </p:to>
-                                    </p:set>
-                                  </p:childTnLst>
-                                </p:cTn>
-                              </p:par>
-                            </p:childTnLst>
-                          </p:cTn>
-                        </p:par>
-                      </p:childTnLst>
-                    </p:cTn>
-                  </p:par>
-                  <p:par>
-                    <p:cTn id="23" fill="hold">
-                      <p:stCondLst>
-                        <p:cond delay="indefinite"/>
-                      </p:stCondLst>
-                      <p:childTnLst>
-                        <p:par>
-                          <p:cTn id="24" fill="hold">
-                            <p:stCondLst>
-                              <p:cond delay="0"/>
-                            </p:stCondLst>
-                            <p:childTnLst>
-                              <p:par>
-                                <p:cTn id="25" presetID="1" presetClass="entr" presetSubtype="0" fill="hold" nodeType="clickEffect">
-                                  <p:stCondLst>
-                                    <p:cond delay="0"/>
-                                  </p:stCondLst>
-                                  <p:childTnLst>
-                                    <p:set>
-                                      <p:cBhvr>
-                                        <p:cTn id="26" dur="1" fill="hold">
-                                          <p:stCondLst>
-                                            <p:cond delay="0"/>
-                                          </p:stCondLst>
-                                        </p:cTn>
-                                        <p:tgtEl>
-                                          <p:spTgt spid="4">
-                                            <p:txEl>
-                                              <p:pRg st="5" end="5"/>
-                                            </p:txEl>
-                                          </p:spTgt>
-                                        </p:tgtEl>
-                                        <p:attrNameLst>
-                                          <p:attrName>style.visibility</p:attrName>
-                                        </p:attrNameLst>
-                                      </p:cBhvr>
-                                      <p:to>
-                                        <p:strVal val="visible"/>
-                                      </p:to>
-                                    </p:set>
-                                  </p:childTnLst>
-                                </p:cTn>
-                              </p:par>
-                            </p:childTnLst>
-                          </p:cTn>
-                        </p:par>
-                      </p:childTnLst>
-                    </p:cTn>
-                  </p:par>
-                  <p:par>
-                    <p:cTn id="27" fill="hold">
-                      <p:stCondLst>
-                        <p:cond delay="indefinite"/>
-                      </p:stCondLst>
-                      <p:childTnLst>
-                        <p:par>
-                          <p:cTn id="28" fill="hold">
-                            <p:stCondLst>
-                              <p:cond delay="0"/>
-                            </p:stCondLst>
-                            <p:childTnLst>
-                              <p:par>
-                                <p:cTn id="29" presetID="1" presetClass="entr" presetSubtype="0" fill="hold" nodeType="clickEffect">
-                                  <p:stCondLst>
-                                    <p:cond delay="0"/>
-                                  </p:stCondLst>
-                                  <p:childTnLst>
-                                    <p:set>
-                                      <p:cBhvr>
-                                        <p:cTn id="30" dur="1" fill="hold">
-                                          <p:stCondLst>
-                                            <p:cond delay="0"/>
-                                          </p:stCondLst>
-                                        </p:cTn>
-                                        <p:tgtEl>
-                                          <p:spTgt spid="4">
-                                            <p:txEl>
-                                              <p:pRg st="6" end="6"/>
-                                            </p:txEl>
-                                          </p:spTgt>
-                                        </p:tgtEl>
-                                        <p:attrNameLst>
-                                          <p:attrName>style.visibility</p:attrName>
-                                        </p:attrNameLst>
-                                      </p:cBhvr>
-                                      <p:to>
-                                        <p:strVal val="visible"/>
-                                      </p:to>
-                                    </p:set>
-                                  </p:childTnLst>
-                                </p:cTn>
-                              </p:par>
-                            </p:childTnLst>
-                          </p:cTn>
-                        </p:par>
-                      </p:childTnLst>
-                    </p:cTn>
-                  </p:par>
-                  <p:par>
-                    <p:cTn id="31" fill="hold">
-                      <p:stCondLst>
-                        <p:cond delay="indefinite"/>
-                      </p:stCondLst>
-                      <p:childTnLst>
-                        <p:par>
-                          <p:cTn id="32" fill="hold">
-                            <p:stCondLst>
-                              <p:cond delay="0"/>
-                            </p:stCondLst>
-                            <p:childTnLst>
-                              <p:par>
-                                <p:cTn id="33" presetID="1" presetClass="entr" presetSubtype="0" fill="hold" nodeType="clickEffect">
-                                  <p:stCondLst>
-                                    <p:cond delay="0"/>
-                                  </p:stCondLst>
-                                  <p:childTnLst>
-                                    <p:set>
-                                      <p:cBhvr>
-                                        <p:cTn id="34" dur="1" fill="hold">
-                                          <p:stCondLst>
-                                            <p:cond delay="0"/>
-                                          </p:stCondLst>
-                                        </p:cTn>
-                                        <p:tgtEl>
-                                          <p:spTgt spid="4">
-                                            <p:txEl>
-                                              <p:pRg st="7" end="7"/>
-                                            </p:txEl>
-                                          </p:spTgt>
-                                        </p:tgtEl>
-                                        <p:attrNameLst>
-                                          <p:attrName>style.visibility</p:attrName>
-                                        </p:attrNameLst>
-                                      </p:cBhvr>
-                                      <p:to>
-                                        <p:strVal val="visible"/>
-                                      </p:to>
-                                    </p:set>
-                                  </p:childTnLst>
-                                </p:cTn>
-                              </p:par>
-                            </p:childTnLst>
-                          </p:cTn>
-                        </p:par>
-                      </p:childTnLst>
-                    </p:cTn>
-                  </p:par>
-                  <p:par>
-                    <p:cTn id="35" fill="hold">
-                      <p:stCondLst>
-                        <p:cond delay="indefinite"/>
-                      </p:stCondLst>
-                      <p:childTnLst>
-                        <p:par>
-                          <p:cTn id="36" fill="hold">
-                            <p:stCondLst>
-                              <p:cond delay="0"/>
-                            </p:stCondLst>
-                            <p:childTnLst>
-                              <p:par>
-                                <p:cTn id="37" presetID="1" presetClass="entr" presetSubtype="0" fill="hold" nodeType="clickEffect">
-                                  <p:stCondLst>
-                                    <p:cond delay="0"/>
-                                  </p:stCondLst>
-                                  <p:childTnLst>
-                                    <p:set>
-                                      <p:cBhvr>
-                                        <p:cTn id="38" dur="1" fill="hold">
-                                          <p:stCondLst>
-                                            <p:cond delay="0"/>
-                                          </p:stCondLst>
-                                        </p:cTn>
-                                        <p:tgtEl>
-                                          <p:spTgt spid="4">
-                                            <p:txEl>
-                                              <p:pRg st="8" end="8"/>
-                                            </p:txEl>
-                                          </p:spTgt>
-                                        </p:tgtEl>
-                                        <p:attrNameLst>
-                                          <p:attrName>style.visibility</p:attrName>
-                                        </p:attrNameLst>
-                                      </p:cBhvr>
-                                      <p:to>
-                                        <p:strVal val="visible"/>
-                                      </p:to>
-                                    </p:set>
-                                  </p:childTnLst>
-                                </p:cTn>
-                              </p:par>
-                            </p:childTnLst>
-                          </p:cTn>
-                        </p:par>
-                      </p:childTnLst>
-                    </p:cTn>
-                  </p:par>
-                </p:childTnLst>
-              </p:cTn>
-              <p:prevCondLst>
-                <p:cond evt="onPrev" delay="0">
-                  <p:tgtEl>
-                    <p:sldTgt/>
-                  </p:tgtEl>
-                </p:cond>
-              </p:prevCondLst>
-              <p:nextCondLst>
-                <p:cond evt="onNext" delay="0">
-                  <p:tgtEl>
-                    <p:sldTgt/>
-                  </p:tgtEl>
-                </p:cond>
-              </p:nextCondLst>
-            </p:seq>
-          </p:childTnLst>
-        </p:cTn>
-      </p:par>
-    </p:tnLst>
-  </p:timing>
-</p:sld>
-</file>
-
-<file path=ppt/slides/slide14.xml><?xml version="1.0" encoding="utf-8"?>
-<p:sld xmlns:a="http://schemas.openxmlformats.org/drawingml/2006/main" xmlns:r="http://schemas.openxmlformats.org/officeDocument/2006/relationships" xmlns:p="http://schemas.openxmlformats.org/presentationml/2006/main">
-  <p:cSld>
-    <p:spTree>
-      <p:nvGrpSpPr>
-        <p:cNvPr id="1" name=""/>
-        <p:cNvGrpSpPr/>
-        <p:nvPr/>
-      </p:nvGrpSpPr>
-      <p:grpSpPr>
-        <a:xfrm>
-          <a:off x="0" y="0"/>
-          <a:ext cx="0" cy="0"/>
-          <a:chOff x="0" y="0"/>
-          <a:chExt cx="0" cy="0"/>
-        </a:xfrm>
-      </p:grpSpPr>
-      <p:sp>
-        <p:nvSpPr>
-          <p:cNvPr id="2" name="Titolo 1"/>
-          <p:cNvSpPr>
-            <a:spLocks noGrp="1"/>
-          </p:cNvSpPr>
-          <p:nvPr>
-            <p:ph type="ctrTitle"/>
-          </p:nvPr>
-        </p:nvSpPr>
-        <p:spPr/>
-        <p:txBody>
-          <a:bodyPr/>
-          <a:lstStyle/>
-          <a:p>
-            <a:r>
-              <a:rPr lang="it-IT" sz="3200" dirty="0" err="1"/>
-              <a:t>WebAssembly</a:t>
-            </a:r>
-            <a:r>
-              <a:rPr lang="it-IT" sz="3200" dirty="0"/>
-              <a:t> </a:t>
-            </a:r>
-            <a:r>
-              <a:rPr lang="it-IT" sz="3200" dirty="0" err="1"/>
-              <a:t>will</a:t>
-            </a:r>
-            <a:r>
-              <a:rPr lang="it-IT" sz="3200" dirty="0"/>
-              <a:t> </a:t>
-            </a:r>
-            <a:r>
-              <a:rPr lang="it-IT" sz="3200" dirty="0" err="1"/>
-              <a:t>replace</a:t>
-            </a:r>
-            <a:r>
-              <a:rPr lang="it-IT" sz="3200" dirty="0"/>
-              <a:t> Docker?</a:t>
-            </a:r>
-          </a:p>
-        </p:txBody>
-      </p:sp>
-      <p:sp>
-        <p:nvSpPr>
-          <p:cNvPr id="3" name="Segnaposto piè di pagina 2">
-            <a:extLst>
-              <a:ext uri="{FF2B5EF4-FFF2-40B4-BE49-F238E27FC236}">
-                <a16:creationId xmlns:a16="http://schemas.microsoft.com/office/drawing/2014/main" id="{014017B1-0D2D-F5B7-2062-FD433A45C4A3}"/>
-              </a:ext>
-            </a:extLst>
-          </p:cNvPr>
-          <p:cNvSpPr>
-            <a:spLocks noGrp="1"/>
-          </p:cNvSpPr>
-          <p:nvPr>
-            <p:ph type="ftr" sz="quarter" idx="10"/>
-          </p:nvPr>
-        </p:nvSpPr>
-        <p:spPr>
-          <a:xfrm>
-            <a:off x="366122" y="6286803"/>
-            <a:ext cx="7196162" cy="312405"/>
-          </a:xfrm>
-        </p:spPr>
-        <p:txBody>
-          <a:bodyPr/>
-          <a:lstStyle/>
-          <a:p>
-            <a:pPr>
-              <a:defRPr/>
-            </a:pPr>
-            <a:r>
-              <a:rPr lang="en-US" altLang="en-US" dirty="0" err="1"/>
-              <a:t>WebAssembly</a:t>
-            </a:r>
-            <a:r>
-              <a:rPr lang="en-US" altLang="en-US" dirty="0"/>
-              <a:t> – </a:t>
-            </a:r>
-            <a:r>
-              <a:rPr lang="en-US" altLang="en-US" dirty="0" err="1"/>
-              <a:t>XMASDev</a:t>
-            </a:r>
-            <a:r>
-              <a:rPr lang="en-US" altLang="en-US" dirty="0"/>
-              <a:t> 16/10/2022</a:t>
-            </a:r>
-          </a:p>
-        </p:txBody>
-      </p:sp>
-      <p:pic>
-        <p:nvPicPr>
-          <p:cNvPr id="6" name="Immagine 5">
-            <a:extLst>
-              <a:ext uri="{FF2B5EF4-FFF2-40B4-BE49-F238E27FC236}">
-                <a16:creationId xmlns:a16="http://schemas.microsoft.com/office/drawing/2014/main" id="{B2ADD86F-4824-B365-3A48-F946CCA5D93C}"/>
-              </a:ext>
-            </a:extLst>
-          </p:cNvPr>
-          <p:cNvPicPr>
-            <a:picLocks noChangeAspect="1"/>
-          </p:cNvPicPr>
-          <p:nvPr/>
-        </p:nvPicPr>
-        <p:blipFill>
-          <a:blip r:embed="rId2"/>
-          <a:stretch>
-            <a:fillRect/>
-          </a:stretch>
-        </p:blipFill>
-        <p:spPr>
-          <a:xfrm>
-            <a:off x="470630" y="1303533"/>
-            <a:ext cx="3109332" cy="3144666"/>
-          </a:xfrm>
-          <a:prstGeom prst="rect">
-            <a:avLst/>
-          </a:prstGeom>
-        </p:spPr>
-      </p:pic>
-      <p:sp>
-        <p:nvSpPr>
-          <p:cNvPr id="5" name="CasellaDiTesto 4">
-            <a:extLst>
-              <a:ext uri="{FF2B5EF4-FFF2-40B4-BE49-F238E27FC236}">
-                <a16:creationId xmlns:a16="http://schemas.microsoft.com/office/drawing/2014/main" id="{55113330-FA44-5C02-A3EA-137002FDF167}"/>
-              </a:ext>
-            </a:extLst>
-          </p:cNvPr>
-          <p:cNvSpPr txBox="1"/>
-          <p:nvPr/>
-        </p:nvSpPr>
-        <p:spPr>
-          <a:xfrm>
-            <a:off x="4496122" y="1303533"/>
-            <a:ext cx="3899140" cy="1754326"/>
-          </a:xfrm>
-          <a:prstGeom prst="rect">
-            <a:avLst/>
-          </a:prstGeom>
-          <a:noFill/>
-        </p:spPr>
-        <p:txBody>
-          <a:bodyPr wrap="square" rtlCol="0">
-            <a:spAutoFit/>
-          </a:bodyPr>
-          <a:lstStyle/>
-          <a:p>
-            <a:pPr marL="285750" indent="-285750">
-              <a:buFont typeface="Arial" panose="020B0604020202020204" pitchFamily="34" charset="0"/>
-              <a:buChar char="•"/>
-            </a:pPr>
-            <a:r>
-              <a:rPr lang="it-IT" dirty="0" err="1"/>
-              <a:t>Wasm</a:t>
-            </a:r>
-            <a:r>
-              <a:rPr lang="it-IT" dirty="0"/>
-              <a:t> </a:t>
-            </a:r>
-            <a:r>
-              <a:rPr lang="it-IT" dirty="0" err="1"/>
-              <a:t>is</a:t>
-            </a:r>
-            <a:r>
-              <a:rPr lang="it-IT" dirty="0"/>
-              <a:t> like a container, </a:t>
-            </a:r>
-            <a:r>
-              <a:rPr lang="en-US" dirty="0"/>
-              <a:t>but with abstraction at a higher level</a:t>
-            </a:r>
-          </a:p>
-          <a:p>
-            <a:pPr marL="285750" indent="-285750">
-              <a:buFont typeface="Arial" panose="020B0604020202020204" pitchFamily="34" charset="0"/>
-              <a:buChar char="•"/>
-            </a:pPr>
-            <a:r>
-              <a:rPr lang="en-US" dirty="0" err="1"/>
-              <a:t>Wasm</a:t>
-            </a:r>
-            <a:r>
-              <a:rPr lang="en-US" dirty="0"/>
-              <a:t> is platform agnostic</a:t>
-            </a:r>
-          </a:p>
-          <a:p>
-            <a:pPr marL="285750" indent="-285750">
-              <a:buFont typeface="Arial" panose="020B0604020202020204" pitchFamily="34" charset="0"/>
-              <a:buChar char="•"/>
-            </a:pPr>
-            <a:r>
-              <a:rPr lang="en-US" dirty="0" err="1"/>
-              <a:t>Wasm</a:t>
-            </a:r>
-            <a:r>
-              <a:rPr lang="en-US" dirty="0"/>
-              <a:t> runs in an isolated sandbox</a:t>
-            </a:r>
-          </a:p>
-          <a:p>
-            <a:pPr marL="285750" indent="-285750">
-              <a:buFont typeface="Arial" panose="020B0604020202020204" pitchFamily="34" charset="0"/>
-              <a:buChar char="•"/>
-            </a:pPr>
-            <a:r>
-              <a:rPr lang="en-US" dirty="0"/>
-              <a:t>It will be possible to build </a:t>
-            </a:r>
-            <a:r>
-              <a:rPr lang="en-US" dirty="0" err="1"/>
-              <a:t>Wasm</a:t>
-            </a:r>
-            <a:r>
-              <a:rPr lang="en-US" dirty="0"/>
-              <a:t>-based components</a:t>
-            </a:r>
-            <a:endParaRPr lang="it-IT" dirty="0"/>
-          </a:p>
-        </p:txBody>
-      </p:sp>
-      <p:sp>
-        <p:nvSpPr>
-          <p:cNvPr id="7" name="CasellaDiTesto 6">
-            <a:extLst>
-              <a:ext uri="{FF2B5EF4-FFF2-40B4-BE49-F238E27FC236}">
-                <a16:creationId xmlns:a16="http://schemas.microsoft.com/office/drawing/2014/main" id="{6C35F769-000F-807E-9C39-ECE6C22445BA}"/>
-              </a:ext>
-            </a:extLst>
-          </p:cNvPr>
-          <p:cNvSpPr txBox="1"/>
-          <p:nvPr/>
-        </p:nvSpPr>
-        <p:spPr>
-          <a:xfrm>
-            <a:off x="4569755" y="3429799"/>
-            <a:ext cx="3899140" cy="923330"/>
-          </a:xfrm>
-          <a:prstGeom prst="rect">
-            <a:avLst/>
-          </a:prstGeom>
-          <a:noFill/>
-        </p:spPr>
-        <p:txBody>
-          <a:bodyPr wrap="square" rtlCol="0">
-            <a:spAutoFit/>
-          </a:bodyPr>
-          <a:lstStyle/>
-          <a:p>
-            <a:pPr marL="285750" indent="-285750">
-              <a:buFont typeface="Arial" panose="020B0604020202020204" pitchFamily="34" charset="0"/>
-              <a:buChar char="•"/>
-            </a:pPr>
-            <a:r>
-              <a:rPr lang="en-US" dirty="0"/>
-              <a:t>We can create containers for Windows or for Linux, but not 'universal' containers</a:t>
-            </a:r>
-            <a:endParaRPr lang="it-IT" dirty="0"/>
-          </a:p>
-        </p:txBody>
-      </p:sp>
-    </p:spTree>
-    <p:extLst>
-      <p:ext uri="{BB962C8B-B14F-4D97-AF65-F5344CB8AC3E}">
-        <p14:creationId xmlns:p14="http://schemas.microsoft.com/office/powerpoint/2010/main" val="3777985369"/>
-      </p:ext>
-    </p:extLst>
-  </p:cSld>
-  <p:clrMapOvr>
-    <a:masterClrMapping/>
-  </p:clrMapOvr>
-  <p:timing>
-    <p:tnLst>
-      <p:par>
-        <p:cTn id="1" dur="indefinite" restart="never" nodeType="tmRoot">
-          <p:childTnLst>
-            <p:seq concurrent="1" nextAc="seek">
-              <p:cTn id="2" dur="indefinite" nodeType="mainSeq">
-                <p:childTnLst>
-                  <p:par>
-                    <p:cTn id="3" fill="hold">
-                      <p:stCondLst>
-                        <p:cond delay="indefinite"/>
-                      </p:stCondLst>
-                      <p:childTnLst>
-                        <p:par>
-                          <p:cTn id="4" fill="hold">
-                            <p:stCondLst>
-                              <p:cond delay="0"/>
-                            </p:stCondLst>
-                            <p:childTnLst>
-                              <p:par>
-                                <p:cTn id="5" presetID="1" presetClass="entr" presetSubtype="0" fill="hold" nodeType="clickEffect">
-                                  <p:stCondLst>
-                                    <p:cond delay="0"/>
-                                  </p:stCondLst>
-                                  <p:childTnLst>
-                                    <p:set>
-                                      <p:cBhvr>
-                                        <p:cTn id="6" dur="1" fill="hold">
-                                          <p:stCondLst>
-                                            <p:cond delay="0"/>
-                                          </p:stCondLst>
-                                        </p:cTn>
-                                        <p:tgtEl>
-                                          <p:spTgt spid="6"/>
+                                          <p:spTgt spid="2"/>
                                         </p:tgtEl>
                                         <p:attrNameLst>
                                           <p:attrName>style.visibility</p:attrName>
@@ -7339,7 +4812,7 @@
                                           </p:stCondLst>
                                         </p:cTn>
                                         <p:tgtEl>
-                                          <p:spTgt spid="5"/>
+                                          <p:spTgt spid="6"/>
                                         </p:tgtEl>
                                         <p:attrNameLst>
                                           <p:attrName>style.visibility</p:attrName>
@@ -7371,7 +4844,7 @@
                             </p:stCondLst>
                             <p:childTnLst>
                               <p:par>
-                                <p:cTn id="13" presetID="1" presetClass="entr" presetSubtype="0" fill="hold" grpId="0" nodeType="clickEffect">
+                                <p:cTn id="13" presetID="10" presetClass="entr" presetSubtype="0" fill="hold" grpId="0" nodeType="clickEffect">
                                   <p:stCondLst>
                                     <p:cond delay="0"/>
                                   </p:stCondLst>
@@ -7394,6 +4867,14 @@
                                         <p:strVal val="visible"/>
                                       </p:to>
                                     </p:set>
+                                    <p:animEffect transition="in" filter="fade">
+                                      <p:cBhvr>
+                                        <p:cTn id="15" dur="500"/>
+                                        <p:tgtEl>
+                                          <p:spTgt spid="7"/>
+                                        </p:tgtEl>
+                                      </p:cBhvr>
+                                    </p:animEffect>
                                   </p:childTnLst>
                                 </p:cTn>
                               </p:par>
@@ -7425,14 +4906,15 @@
       </p:par>
     </p:tnLst>
     <p:bldLst>
-      <p:bldP spid="5" grpId="0"/>
+      <p:bldP spid="2" grpId="0"/>
+      <p:bldP spid="6" grpId="0"/>
       <p:bldP spid="7" grpId="0"/>
     </p:bldLst>
   </p:timing>
 </p:sld>
 </file>
 
-<file path=ppt/slides/slide15.xml><?xml version="1.0" encoding="utf-8"?>
+<file path=ppt/slides/slide11.xml><?xml version="1.0" encoding="utf-8"?>
 <p:sld xmlns:a="http://schemas.openxmlformats.org/drawingml/2006/main" xmlns:r="http://schemas.openxmlformats.org/officeDocument/2006/relationships" xmlns:p="http://schemas.openxmlformats.org/presentationml/2006/main">
   <p:cSld>
     <p:spTree>
@@ -7465,443 +4947,8 @@
           <a:lstStyle/>
           <a:p>
             <a:r>
-              <a:rPr lang="it-IT" sz="3200" dirty="0"/>
-              <a:t>Docker love </a:t>
-            </a:r>
-            <a:r>
-              <a:rPr lang="it-IT" sz="3200" dirty="0" err="1"/>
-              <a:t>WebAssembly</a:t>
-            </a:r>
-            <a:endParaRPr lang="it-IT" sz="3200" dirty="0"/>
-          </a:p>
-        </p:txBody>
-      </p:sp>
-      <p:sp>
-        <p:nvSpPr>
-          <p:cNvPr id="3" name="Segnaposto piè di pagina 2">
-            <a:extLst>
-              <a:ext uri="{FF2B5EF4-FFF2-40B4-BE49-F238E27FC236}">
-                <a16:creationId xmlns:a16="http://schemas.microsoft.com/office/drawing/2014/main" id="{014017B1-0D2D-F5B7-2062-FD433A45C4A3}"/>
-              </a:ext>
-            </a:extLst>
-          </p:cNvPr>
-          <p:cNvSpPr>
-            <a:spLocks noGrp="1"/>
-          </p:cNvSpPr>
-          <p:nvPr>
-            <p:ph type="ftr" sz="quarter" idx="10"/>
-          </p:nvPr>
-        </p:nvSpPr>
-        <p:spPr>
-          <a:xfrm>
-            <a:off x="366122" y="6286803"/>
-            <a:ext cx="7196162" cy="312405"/>
-          </a:xfrm>
-        </p:spPr>
-        <p:txBody>
-          <a:bodyPr/>
-          <a:lstStyle/>
-          <a:p>
-            <a:pPr>
-              <a:defRPr/>
-            </a:pPr>
-            <a:r>
-              <a:rPr lang="en-US" altLang="en-US" dirty="0" err="1"/>
-              <a:t>WebAssembly</a:t>
-            </a:r>
-            <a:r>
-              <a:rPr lang="en-US" altLang="en-US" dirty="0"/>
-              <a:t> – </a:t>
-            </a:r>
-            <a:r>
-              <a:rPr lang="en-US" altLang="en-US" dirty="0" err="1"/>
-              <a:t>XMASDev</a:t>
-            </a:r>
-            <a:r>
-              <a:rPr lang="en-US" altLang="en-US" dirty="0"/>
-              <a:t> 16/10/2022</a:t>
-            </a:r>
-          </a:p>
-        </p:txBody>
-      </p:sp>
-      <p:sp>
-        <p:nvSpPr>
-          <p:cNvPr id="4" name="CasellaDiTesto 3">
-            <a:extLst>
-              <a:ext uri="{FF2B5EF4-FFF2-40B4-BE49-F238E27FC236}">
-                <a16:creationId xmlns:a16="http://schemas.microsoft.com/office/drawing/2014/main" id="{B044180E-8742-5966-987E-4B97F68CD959}"/>
-              </a:ext>
-            </a:extLst>
-          </p:cNvPr>
-          <p:cNvSpPr txBox="1"/>
-          <p:nvPr/>
-        </p:nvSpPr>
-        <p:spPr>
-          <a:xfrm>
-            <a:off x="470630" y="5554467"/>
-            <a:ext cx="4480932" cy="307777"/>
-          </a:xfrm>
-          <a:prstGeom prst="rect">
-            <a:avLst/>
-          </a:prstGeom>
-          <a:noFill/>
-        </p:spPr>
-        <p:txBody>
-          <a:bodyPr wrap="square" rtlCol="0">
-            <a:spAutoFit/>
-          </a:bodyPr>
-          <a:lstStyle/>
-          <a:p>
-            <a:r>
-              <a:rPr lang="it-IT" sz="1400" dirty="0">
-                <a:hlinkClick r:id="rId2"/>
-              </a:rPr>
-              <a:t>Docker and </a:t>
-            </a:r>
-            <a:r>
-              <a:rPr lang="it-IT" sz="1400" dirty="0" err="1">
-                <a:hlinkClick r:id="rId2"/>
-              </a:rPr>
-              <a:t>WebAssembly</a:t>
-            </a:r>
-            <a:r>
-              <a:rPr lang="it-IT" sz="1400" dirty="0">
-                <a:hlinkClick r:id="rId2"/>
-              </a:rPr>
-              <a:t> work </a:t>
-            </a:r>
-            <a:r>
-              <a:rPr lang="it-IT" sz="1400" dirty="0" err="1">
-                <a:hlinkClick r:id="rId2"/>
-              </a:rPr>
-              <a:t>well</a:t>
-            </a:r>
-            <a:r>
-              <a:rPr lang="it-IT" sz="1400" dirty="0">
-                <a:hlinkClick r:id="rId2"/>
-              </a:rPr>
-              <a:t> </a:t>
-            </a:r>
-            <a:r>
-              <a:rPr lang="it-IT" sz="1400" dirty="0" err="1">
-                <a:hlinkClick r:id="rId2"/>
-              </a:rPr>
-              <a:t>together</a:t>
-            </a:r>
-            <a:endParaRPr lang="it-IT" sz="1400" dirty="0"/>
-          </a:p>
-        </p:txBody>
-      </p:sp>
-      <p:sp>
-        <p:nvSpPr>
-          <p:cNvPr id="5" name="CasellaDiTesto 4">
-            <a:extLst>
-              <a:ext uri="{FF2B5EF4-FFF2-40B4-BE49-F238E27FC236}">
-                <a16:creationId xmlns:a16="http://schemas.microsoft.com/office/drawing/2014/main" id="{55113330-FA44-5C02-A3EA-137002FDF167}"/>
-              </a:ext>
-            </a:extLst>
-          </p:cNvPr>
-          <p:cNvSpPr txBox="1"/>
-          <p:nvPr/>
-        </p:nvSpPr>
-        <p:spPr>
-          <a:xfrm>
-            <a:off x="4806672" y="2830405"/>
-            <a:ext cx="3899140" cy="646331"/>
-          </a:xfrm>
-          <a:prstGeom prst="rect">
-            <a:avLst/>
-          </a:prstGeom>
-          <a:noFill/>
-        </p:spPr>
-        <p:txBody>
-          <a:bodyPr wrap="square" rtlCol="0">
-            <a:spAutoFit/>
-          </a:bodyPr>
-          <a:lstStyle/>
-          <a:p>
-            <a:pPr marL="285750" indent="-285750">
-              <a:buFont typeface="Arial" panose="020B0604020202020204" pitchFamily="34" charset="0"/>
-              <a:buChar char="•"/>
-            </a:pPr>
-            <a:r>
-              <a:rPr lang="it-IT" dirty="0"/>
-              <a:t>Containers and </a:t>
-            </a:r>
-            <a:r>
-              <a:rPr lang="it-IT" dirty="0" err="1"/>
-              <a:t>WebAssembly</a:t>
-            </a:r>
-            <a:r>
-              <a:rPr lang="it-IT" dirty="0"/>
-              <a:t> are fast friends, </a:t>
-            </a:r>
-            <a:r>
-              <a:rPr lang="it-IT" dirty="0" err="1"/>
-              <a:t>not</a:t>
-            </a:r>
-            <a:r>
-              <a:rPr lang="it-IT" dirty="0"/>
-              <a:t> </a:t>
-            </a:r>
-            <a:r>
-              <a:rPr lang="it-IT" dirty="0" err="1"/>
-              <a:t>mortal</a:t>
-            </a:r>
-            <a:r>
-              <a:rPr lang="it-IT" dirty="0"/>
-              <a:t> </a:t>
-            </a:r>
-            <a:r>
-              <a:rPr lang="it-IT" dirty="0" err="1"/>
-              <a:t>enemies</a:t>
-            </a:r>
-            <a:endParaRPr lang="it-IT" dirty="0"/>
-          </a:p>
-        </p:txBody>
-      </p:sp>
-      <p:pic>
-        <p:nvPicPr>
-          <p:cNvPr id="9" name="Immagine 8">
-            <a:extLst>
-              <a:ext uri="{FF2B5EF4-FFF2-40B4-BE49-F238E27FC236}">
-                <a16:creationId xmlns:a16="http://schemas.microsoft.com/office/drawing/2014/main" id="{80FB8F70-6CBF-AF27-4507-3F8163C8233D}"/>
-              </a:ext>
-            </a:extLst>
-          </p:cNvPr>
-          <p:cNvPicPr>
-            <a:picLocks noChangeAspect="1"/>
-          </p:cNvPicPr>
-          <p:nvPr/>
-        </p:nvPicPr>
-        <p:blipFill>
-          <a:blip r:embed="rId3"/>
-          <a:stretch>
-            <a:fillRect/>
-          </a:stretch>
-        </p:blipFill>
-        <p:spPr>
-          <a:xfrm>
-            <a:off x="366122" y="1717601"/>
-            <a:ext cx="4176122" cy="3482642"/>
-          </a:xfrm>
-          <a:prstGeom prst="rect">
-            <a:avLst/>
-          </a:prstGeom>
-        </p:spPr>
-      </p:pic>
-    </p:spTree>
-    <p:extLst>
-      <p:ext uri="{BB962C8B-B14F-4D97-AF65-F5344CB8AC3E}">
-        <p14:creationId xmlns:p14="http://schemas.microsoft.com/office/powerpoint/2010/main" val="2359962980"/>
-      </p:ext>
-    </p:extLst>
-  </p:cSld>
-  <p:clrMapOvr>
-    <a:masterClrMapping/>
-  </p:clrMapOvr>
-  <p:timing>
-    <p:tnLst>
-      <p:par>
-        <p:cTn id="1" dur="indefinite" restart="never" nodeType="tmRoot">
-          <p:childTnLst>
-            <p:seq concurrent="1" nextAc="seek">
-              <p:cTn id="2" dur="indefinite" nodeType="mainSeq">
-                <p:childTnLst>
-                  <p:par>
-                    <p:cTn id="3" fill="hold">
-                      <p:stCondLst>
-                        <p:cond delay="indefinite"/>
-                      </p:stCondLst>
-                      <p:childTnLst>
-                        <p:par>
-                          <p:cTn id="4" fill="hold">
-                            <p:stCondLst>
-                              <p:cond delay="0"/>
-                            </p:stCondLst>
-                            <p:childTnLst>
-                              <p:par>
-                                <p:cTn id="5" presetID="1" presetClass="entr" presetSubtype="0" fill="hold" grpId="0" nodeType="clickEffect">
-                                  <p:stCondLst>
-                                    <p:cond delay="0"/>
-                                  </p:stCondLst>
-                                  <p:childTnLst>
-                                    <p:set>
-                                      <p:cBhvr>
-                                        <p:cTn id="6" dur="1" fill="hold">
-                                          <p:stCondLst>
-                                            <p:cond delay="0"/>
-                                          </p:stCondLst>
-                                        </p:cTn>
-                                        <p:tgtEl>
-                                          <p:spTgt spid="5"/>
-                                        </p:tgtEl>
-                                        <p:attrNameLst>
-                                          <p:attrName>style.visibility</p:attrName>
-                                        </p:attrNameLst>
-                                      </p:cBhvr>
-                                      <p:to>
-                                        <p:strVal val="visible"/>
-                                      </p:to>
-                                    </p:set>
-                                  </p:childTnLst>
-                                </p:cTn>
-                              </p:par>
-                            </p:childTnLst>
-                          </p:cTn>
-                        </p:par>
-                      </p:childTnLst>
-                    </p:cTn>
-                  </p:par>
-                  <p:par>
-                    <p:cTn id="7" fill="hold">
-                      <p:stCondLst>
-                        <p:cond delay="indefinite"/>
-                      </p:stCondLst>
-                      <p:childTnLst>
-                        <p:par>
-                          <p:cTn id="8" fill="hold">
-                            <p:stCondLst>
-                              <p:cond delay="0"/>
-                            </p:stCondLst>
-                            <p:childTnLst>
-                              <p:par>
-                                <p:cTn id="9" presetID="1" presetClass="entr" presetSubtype="0" fill="hold" grpId="0" nodeType="clickEffect">
-                                  <p:stCondLst>
-                                    <p:cond delay="0"/>
-                                  </p:stCondLst>
-                                  <p:childTnLst>
-                                    <p:set>
-                                      <p:cBhvr>
-                                        <p:cTn id="10" dur="1" fill="hold">
-                                          <p:stCondLst>
-                                            <p:cond delay="0"/>
-                                          </p:stCondLst>
-                                        </p:cTn>
-                                        <p:tgtEl>
-                                          <p:spTgt spid="4"/>
-                                        </p:tgtEl>
-                                        <p:attrNameLst>
-                                          <p:attrName>style.visibility</p:attrName>
-                                        </p:attrNameLst>
-                                      </p:cBhvr>
-                                      <p:to>
-                                        <p:strVal val="visible"/>
-                                      </p:to>
-                                    </p:set>
-                                  </p:childTnLst>
-                                </p:cTn>
-                              </p:par>
-                            </p:childTnLst>
-                          </p:cTn>
-                        </p:par>
-                      </p:childTnLst>
-                    </p:cTn>
-                  </p:par>
-                </p:childTnLst>
-              </p:cTn>
-              <p:prevCondLst>
-                <p:cond evt="onPrev" delay="0">
-                  <p:tgtEl>
-                    <p:sldTgt/>
-                  </p:tgtEl>
-                </p:cond>
-              </p:prevCondLst>
-              <p:nextCondLst>
-                <p:cond evt="onNext" delay="0">
-                  <p:tgtEl>
-                    <p:sldTgt/>
-                  </p:tgtEl>
-                </p:cond>
-              </p:nextCondLst>
-            </p:seq>
-          </p:childTnLst>
-        </p:cTn>
-      </p:par>
-    </p:tnLst>
-    <p:bldLst>
-      <p:bldP spid="4" grpId="0"/>
-      <p:bldP spid="5" grpId="0"/>
-    </p:bldLst>
-  </p:timing>
-</p:sld>
-</file>
-
-<file path=ppt/slides/slide16.xml><?xml version="1.0" encoding="utf-8"?>
-<p:sld xmlns:a="http://schemas.openxmlformats.org/drawingml/2006/main" xmlns:r="http://schemas.openxmlformats.org/officeDocument/2006/relationships" xmlns:p="http://schemas.openxmlformats.org/presentationml/2006/main">
-  <p:cSld>
-    <p:spTree>
-      <p:nvGrpSpPr>
-        <p:cNvPr id="1" name=""/>
-        <p:cNvGrpSpPr/>
-        <p:nvPr/>
-      </p:nvGrpSpPr>
-      <p:grpSpPr>
-        <a:xfrm>
-          <a:off x="0" y="0"/>
-          <a:ext cx="0" cy="0"/>
-          <a:chOff x="0" y="0"/>
-          <a:chExt cx="0" cy="0"/>
-        </a:xfrm>
-      </p:grpSpPr>
-      <p:sp>
-        <p:nvSpPr>
-          <p:cNvPr id="2" name="Titolo 1"/>
-          <p:cNvSpPr>
-            <a:spLocks noGrp="1"/>
-          </p:cNvSpPr>
-          <p:nvPr>
-            <p:ph type="ctrTitle"/>
-          </p:nvPr>
-        </p:nvSpPr>
-        <p:spPr/>
-        <p:txBody>
-          <a:bodyPr/>
-          <a:lstStyle/>
-          <a:p>
-            <a:r>
               <a:rPr lang="it-IT" dirty="0"/>
               <a:t>Thanks</a:t>
-            </a:r>
-          </a:p>
-        </p:txBody>
-      </p:sp>
-      <p:sp>
-        <p:nvSpPr>
-          <p:cNvPr id="3" name="Segnaposto piè di pagina 2">
-            <a:extLst>
-              <a:ext uri="{FF2B5EF4-FFF2-40B4-BE49-F238E27FC236}">
-                <a16:creationId xmlns:a16="http://schemas.microsoft.com/office/drawing/2014/main" id="{8C650FF4-ACBE-25F0-B838-5AFB2709B5B6}"/>
-              </a:ext>
-            </a:extLst>
-          </p:cNvPr>
-          <p:cNvSpPr>
-            <a:spLocks noGrp="1"/>
-          </p:cNvSpPr>
-          <p:nvPr>
-            <p:ph type="ftr" sz="quarter" idx="10"/>
-          </p:nvPr>
-        </p:nvSpPr>
-        <p:spPr>
-          <a:xfrm>
-            <a:off x="366122" y="6286803"/>
-            <a:ext cx="7196162" cy="312405"/>
-          </a:xfrm>
-        </p:spPr>
-        <p:txBody>
-          <a:bodyPr/>
-          <a:lstStyle/>
-          <a:p>
-            <a:pPr>
-              <a:defRPr/>
-            </a:pPr>
-            <a:r>
-              <a:rPr lang="en-US" altLang="en-US" dirty="0" err="1"/>
-              <a:t>XMASDev</a:t>
-            </a:r>
-            <a:r>
-              <a:rPr lang="en-US" altLang="en-US" dirty="0"/>
-              <a:t> 16/12/2022</a:t>
             </a:r>
           </a:p>
         </p:txBody>
@@ -7934,8 +4981,8 @@
         </p:blipFill>
         <p:spPr>
           <a:xfrm>
-            <a:off x="5887632" y="1214887"/>
-            <a:ext cx="2781248" cy="2781248"/>
+            <a:off x="6951387" y="2589958"/>
+            <a:ext cx="1508955" cy="1508955"/>
           </a:xfrm>
           <a:prstGeom prst="rect">
             <a:avLst/>
@@ -8091,6 +5138,7 @@
       <p:pic>
         <p:nvPicPr>
           <p:cNvPr id="12" name="Immagine 11">
+            <a:hlinkClick r:id="rId6"/>
             <a:extLst>
               <a:ext uri="{FF2B5EF4-FFF2-40B4-BE49-F238E27FC236}">
                 <a16:creationId xmlns:a16="http://schemas.microsoft.com/office/drawing/2014/main" id="{362AAFBC-08F1-00FC-FC26-32FCBE150056}"/>
@@ -8103,7 +5151,7 @@
           <p:nvPr/>
         </p:nvPicPr>
         <p:blipFill>
-          <a:blip r:embed="rId6"/>
+          <a:blip r:embed="rId7"/>
           <a:stretch>
             <a:fillRect/>
           </a:stretch>
@@ -8120,10 +5168,11 @@
       </p:pic>
       <p:pic>
         <p:nvPicPr>
-          <p:cNvPr id="13" name="Picture 4">
+          <p:cNvPr id="15" name="Picture 4">
+            <a:hlinkClick r:id="rId8"/>
             <a:extLst>
               <a:ext uri="{FF2B5EF4-FFF2-40B4-BE49-F238E27FC236}">
-                <a16:creationId xmlns:a16="http://schemas.microsoft.com/office/drawing/2014/main" id="{07BA4DDF-A0DC-5850-1AE9-36BFB92DAA3F}"/>
+                <a16:creationId xmlns:a16="http://schemas.microsoft.com/office/drawing/2014/main" id="{3B0874B3-8706-C537-13ED-47E0128F7530}"/>
               </a:ext>
             </a:extLst>
           </p:cNvPr>
@@ -8133,7 +5182,7 @@
           <p:nvPr/>
         </p:nvPicPr>
         <p:blipFill>
-          <a:blip r:embed="rId7" cstate="print">
+          <a:blip r:embed="rId9">
             <a:extLst>
               <a:ext uri="{28A0092B-C50C-407E-A947-70E740481C1C}">
                 <a14:useLocalDpi xmlns:a14="http://schemas.microsoft.com/office/drawing/2010/main" val="0"/>
@@ -8147,8 +5196,8 @@
         </p:blipFill>
         <p:spPr bwMode="auto">
           <a:xfrm>
-            <a:off x="7319616" y="4136892"/>
-            <a:ext cx="794463" cy="794463"/>
+            <a:off x="6675130" y="4249714"/>
+            <a:ext cx="2061467" cy="588991"/>
           </a:xfrm>
           <a:prstGeom prst="rect">
             <a:avLst/>
@@ -8165,139 +5214,6 @@
           </a:extLst>
         </p:spPr>
       </p:pic>
-      <p:pic>
-        <p:nvPicPr>
-          <p:cNvPr id="14" name="Picture 2" descr="Microsoft Certified: Azure Solutions Architect Expert (Legacy)">
-            <a:extLst>
-              <a:ext uri="{FF2B5EF4-FFF2-40B4-BE49-F238E27FC236}">
-                <a16:creationId xmlns:a16="http://schemas.microsoft.com/office/drawing/2014/main" id="{A82CB1F3-8E36-4DA7-EA47-A1252C66805E}"/>
-              </a:ext>
-            </a:extLst>
-          </p:cNvPr>
-          <p:cNvPicPr>
-            <a:picLocks noChangeAspect="1" noChangeArrowheads="1"/>
-          </p:cNvPicPr>
-          <p:nvPr/>
-        </p:nvPicPr>
-        <p:blipFill>
-          <a:blip r:embed="rId8" cstate="print">
-            <a:extLst>
-              <a:ext uri="{28A0092B-C50C-407E-A947-70E740481C1C}">
-                <a14:useLocalDpi xmlns:a14="http://schemas.microsoft.com/office/drawing/2010/main" val="0"/>
-              </a:ext>
-            </a:extLst>
-          </a:blip>
-          <a:srcRect/>
-          <a:stretch>
-            <a:fillRect/>
-          </a:stretch>
-        </p:blipFill>
-        <p:spPr bwMode="auto">
-          <a:xfrm>
-            <a:off x="6495796" y="4136891"/>
-            <a:ext cx="794463" cy="794463"/>
-          </a:xfrm>
-          <a:prstGeom prst="rect">
-            <a:avLst/>
-          </a:prstGeom>
-          <a:noFill/>
-          <a:extLst>
-            <a:ext uri="{909E8E84-426E-40DD-AFC4-6F175D3DCCD1}">
-              <a14:hiddenFill xmlns:a14="http://schemas.microsoft.com/office/drawing/2010/main">
-                <a:solidFill>
-                  <a:srgbClr val="FFFFFF"/>
-                </a:solidFill>
-              </a14:hiddenFill>
-            </a:ext>
-          </a:extLst>
-        </p:spPr>
-      </p:pic>
-      <p:pic>
-        <p:nvPicPr>
-          <p:cNvPr id="15" name="Picture 4">
-            <a:hlinkClick r:id="rId9"/>
-            <a:extLst>
-              <a:ext uri="{FF2B5EF4-FFF2-40B4-BE49-F238E27FC236}">
-                <a16:creationId xmlns:a16="http://schemas.microsoft.com/office/drawing/2014/main" id="{3B0874B3-8706-C537-13ED-47E0128F7530}"/>
-              </a:ext>
-            </a:extLst>
-          </p:cNvPr>
-          <p:cNvPicPr>
-            <a:picLocks noChangeAspect="1" noChangeArrowheads="1"/>
-          </p:cNvPicPr>
-          <p:nvPr/>
-        </p:nvPicPr>
-        <p:blipFill>
-          <a:blip r:embed="rId10">
-            <a:extLst>
-              <a:ext uri="{28A0092B-C50C-407E-A947-70E740481C1C}">
-                <a14:useLocalDpi xmlns:a14="http://schemas.microsoft.com/office/drawing/2010/main" val="0"/>
-              </a:ext>
-            </a:extLst>
-          </a:blip>
-          <a:srcRect/>
-          <a:stretch>
-            <a:fillRect/>
-          </a:stretch>
-        </p:blipFill>
-        <p:spPr bwMode="auto">
-          <a:xfrm>
-            <a:off x="6288882" y="5072110"/>
-            <a:ext cx="2061467" cy="588991"/>
-          </a:xfrm>
-          <a:prstGeom prst="rect">
-            <a:avLst/>
-          </a:prstGeom>
-          <a:noFill/>
-          <a:extLst>
-            <a:ext uri="{909E8E84-426E-40DD-AFC4-6F175D3DCCD1}">
-              <a14:hiddenFill xmlns:a14="http://schemas.microsoft.com/office/drawing/2010/main">
-                <a:solidFill>
-                  <a:srgbClr val="FFFFFF"/>
-                </a:solidFill>
-              </a14:hiddenFill>
-            </a:ext>
-          </a:extLst>
-        </p:spPr>
-      </p:pic>
-      <p:sp>
-        <p:nvSpPr>
-          <p:cNvPr id="4" name="CasellaDiTesto 3">
-            <a:extLst>
-              <a:ext uri="{FF2B5EF4-FFF2-40B4-BE49-F238E27FC236}">
-                <a16:creationId xmlns:a16="http://schemas.microsoft.com/office/drawing/2014/main" id="{F2E27700-F6FA-2074-77E3-5CC3058A1DC2}"/>
-              </a:ext>
-            </a:extLst>
-          </p:cNvPr>
-          <p:cNvSpPr txBox="1"/>
-          <p:nvPr/>
-        </p:nvSpPr>
-        <p:spPr>
-          <a:xfrm>
-            <a:off x="545637" y="5195175"/>
-            <a:ext cx="4618956" cy="646331"/>
-          </a:xfrm>
-          <a:prstGeom prst="rect">
-            <a:avLst/>
-          </a:prstGeom>
-          <a:noFill/>
-        </p:spPr>
-        <p:txBody>
-          <a:bodyPr wrap="square" rtlCol="0">
-            <a:spAutoFit/>
-          </a:bodyPr>
-          <a:lstStyle/>
-          <a:p>
-            <a:r>
-              <a:rPr lang="it-IT" dirty="0">
-                <a:hlinkClick r:id="rId11"/>
-              </a:rPr>
-              <a:t>https://webassembly-studio.kamenokosoft.com/?f=5z61oxzmbch</a:t>
-            </a:r>
-            <a:endParaRPr lang="it-IT" dirty="0"/>
-          </a:p>
-        </p:txBody>
-      </p:sp>
       <p:pic>
         <p:nvPicPr>
           <p:cNvPr id="5" name="Immagine 4">
@@ -8366,7 +5282,7 @@
             </a:pPr>
             <a:r>
               <a:rPr lang="it-IT" sz="1400" dirty="0">
-                <a:hlinkClick r:id="rId12"/>
+                <a:hlinkClick r:id="rId10"/>
               </a:rPr>
               <a:t>stefano.maffeis@intre.it</a:t>
             </a:r>
@@ -8383,6 +5299,192 @@
                 <a:lin ang="5400000" scaled="0"/>
               </a:gradFill>
             </a:endParaRPr>
+          </a:p>
+        </p:txBody>
+      </p:sp>
+      <p:sp>
+        <p:nvSpPr>
+          <p:cNvPr id="7" name="Segnaposto piè di pagina 2">
+            <a:extLst>
+              <a:ext uri="{FF2B5EF4-FFF2-40B4-BE49-F238E27FC236}">
+                <a16:creationId xmlns:a16="http://schemas.microsoft.com/office/drawing/2014/main" id="{4DC9FED3-467E-58BB-50C1-A7982073EEDC}"/>
+              </a:ext>
+            </a:extLst>
+          </p:cNvPr>
+          <p:cNvSpPr>
+            <a:spLocks noGrp="1"/>
+          </p:cNvSpPr>
+          <p:nvPr>
+            <p:ph type="ftr" sz="quarter" idx="10"/>
+          </p:nvPr>
+        </p:nvSpPr>
+        <p:spPr>
+          <a:xfrm>
+            <a:off x="366122" y="6286803"/>
+            <a:ext cx="7018089" cy="312405"/>
+          </a:xfrm>
+        </p:spPr>
+        <p:txBody>
+          <a:bodyPr/>
+          <a:lstStyle/>
+          <a:p>
+            <a:pPr>
+              <a:defRPr/>
+            </a:pPr>
+            <a:r>
+              <a:rPr lang="en-US" altLang="en-US" dirty="0" err="1"/>
+              <a:t>WebAssembly</a:t>
+            </a:r>
+            <a:r>
+              <a:rPr lang="en-US" altLang="en-US" dirty="0"/>
+              <a:t> – </a:t>
+            </a:r>
+            <a:r>
+              <a:rPr lang="en-US" altLang="en-US" dirty="0" err="1"/>
+              <a:t>XMASDev</a:t>
+            </a:r>
+            <a:r>
+              <a:rPr lang="en-US" altLang="en-US" dirty="0"/>
+              <a:t> 16/12/2022</a:t>
+            </a:r>
+          </a:p>
+        </p:txBody>
+      </p:sp>
+      <p:pic>
+        <p:nvPicPr>
+          <p:cNvPr id="3074" name="Picture 2">
+            <a:extLst>
+              <a:ext uri="{FF2B5EF4-FFF2-40B4-BE49-F238E27FC236}">
+                <a16:creationId xmlns:a16="http://schemas.microsoft.com/office/drawing/2014/main" id="{6241CF78-5359-0984-49B6-FBFC25260AE1}"/>
+              </a:ext>
+            </a:extLst>
+          </p:cNvPr>
+          <p:cNvPicPr>
+            <a:picLocks noChangeAspect="1" noChangeArrowheads="1"/>
+          </p:cNvPicPr>
+          <p:nvPr/>
+        </p:nvPicPr>
+        <p:blipFill>
+          <a:blip r:embed="rId11" cstate="print">
+            <a:extLst>
+              <a:ext uri="{28A0092B-C50C-407E-A947-70E740481C1C}">
+                <a14:useLocalDpi xmlns:a14="http://schemas.microsoft.com/office/drawing/2010/main" val="0"/>
+              </a:ext>
+            </a:extLst>
+          </a:blip>
+          <a:srcRect/>
+          <a:stretch>
+            <a:fillRect/>
+          </a:stretch>
+        </p:blipFill>
+        <p:spPr bwMode="auto">
+          <a:xfrm>
+            <a:off x="4760735" y="2589958"/>
+            <a:ext cx="1508955" cy="1508955"/>
+          </a:xfrm>
+          <a:prstGeom prst="rect">
+            <a:avLst/>
+          </a:prstGeom>
+          <a:noFill/>
+          <a:extLst>
+            <a:ext uri="{909E8E84-426E-40DD-AFC4-6F175D3DCCD1}">
+              <a14:hiddenFill xmlns:a14="http://schemas.microsoft.com/office/drawing/2010/main">
+                <a:solidFill>
+                  <a:srgbClr val="FFFFFF"/>
+                </a:solidFill>
+              </a14:hiddenFill>
+            </a:ext>
+          </a:extLst>
+        </p:spPr>
+      </p:pic>
+      <p:pic>
+        <p:nvPicPr>
+          <p:cNvPr id="3076" name="Picture 4">
+            <a:extLst>
+              <a:ext uri="{FF2B5EF4-FFF2-40B4-BE49-F238E27FC236}">
+                <a16:creationId xmlns:a16="http://schemas.microsoft.com/office/drawing/2014/main" id="{A3CE07CF-C419-DA70-C0F3-D171D8FC8744}"/>
+              </a:ext>
+            </a:extLst>
+          </p:cNvPr>
+          <p:cNvPicPr>
+            <a:picLocks noChangeAspect="1" noChangeArrowheads="1"/>
+          </p:cNvPicPr>
+          <p:nvPr/>
+        </p:nvPicPr>
+        <p:blipFill>
+          <a:blip r:embed="rId12" cstate="print">
+            <a:extLst>
+              <a:ext uri="{28A0092B-C50C-407E-A947-70E740481C1C}">
+                <a14:useLocalDpi xmlns:a14="http://schemas.microsoft.com/office/drawing/2010/main" val="0"/>
+              </a:ext>
+            </a:extLst>
+          </a:blip>
+          <a:srcRect/>
+          <a:stretch>
+            <a:fillRect/>
+          </a:stretch>
+        </p:blipFill>
+        <p:spPr bwMode="auto">
+          <a:xfrm>
+            <a:off x="4553695" y="4362128"/>
+            <a:ext cx="312405" cy="312405"/>
+          </a:xfrm>
+          <a:prstGeom prst="rect">
+            <a:avLst/>
+          </a:prstGeom>
+          <a:noFill/>
+          <a:extLst>
+            <a:ext uri="{909E8E84-426E-40DD-AFC4-6F175D3DCCD1}">
+              <a14:hiddenFill xmlns:a14="http://schemas.microsoft.com/office/drawing/2010/main">
+                <a:solidFill>
+                  <a:srgbClr val="FFFFFF"/>
+                </a:solidFill>
+              </a14:hiddenFill>
+            </a:ext>
+          </a:extLst>
+        </p:spPr>
+      </p:pic>
+      <p:sp>
+        <p:nvSpPr>
+          <p:cNvPr id="16" name="CasellaDiTesto 15">
+            <a:extLst>
+              <a:ext uri="{FF2B5EF4-FFF2-40B4-BE49-F238E27FC236}">
+                <a16:creationId xmlns:a16="http://schemas.microsoft.com/office/drawing/2014/main" id="{CC8244CC-9E12-0B39-09D0-678E777A5935}"/>
+              </a:ext>
+            </a:extLst>
+          </p:cNvPr>
+          <p:cNvSpPr txBox="1"/>
+          <p:nvPr/>
+        </p:nvSpPr>
+        <p:spPr>
+          <a:xfrm>
+            <a:off x="4891180" y="4330466"/>
+            <a:ext cx="1738809" cy="369332"/>
+          </a:xfrm>
+          <a:prstGeom prst="rect">
+            <a:avLst/>
+          </a:prstGeom>
+          <a:noFill/>
+        </p:spPr>
+        <p:txBody>
+          <a:bodyPr wrap="none" rtlCol="0">
+            <a:spAutoFit/>
+          </a:bodyPr>
+          <a:lstStyle/>
+          <a:p>
+            <a:r>
+              <a:rPr lang="it-IT" dirty="0">
+                <a:hlinkClick r:id="rId13"/>
+              </a:rPr>
+              <a:t>Stefano </a:t>
+            </a:r>
+            <a:r>
+              <a:rPr lang="it-IT" dirty="0" err="1">
+                <a:hlinkClick r:id="rId13"/>
+              </a:rPr>
+              <a:t>Maffesis</a:t>
+            </a:r>
+            <a:endParaRPr lang="it-IT" dirty="0"/>
           </a:p>
         </p:txBody>
       </p:sp>
@@ -8418,154 +5520,6 @@
       </p:grpSpPr>
       <p:sp>
         <p:nvSpPr>
-          <p:cNvPr id="7" name="Titolo 1">
-            <a:extLst>
-              <a:ext uri="{FF2B5EF4-FFF2-40B4-BE49-F238E27FC236}">
-                <a16:creationId xmlns:a16="http://schemas.microsoft.com/office/drawing/2014/main" id="{401F3EDE-D9BC-50FB-F845-7DDFCA5E957B}"/>
-              </a:ext>
-            </a:extLst>
-          </p:cNvPr>
-          <p:cNvSpPr>
-            <a:spLocks noGrp="1"/>
-          </p:cNvSpPr>
-          <p:nvPr>
-            <p:ph type="ctrTitle"/>
-          </p:nvPr>
-        </p:nvSpPr>
-        <p:spPr>
-          <a:xfrm>
-            <a:off x="470630" y="667414"/>
-            <a:ext cx="6264125" cy="1095292"/>
-          </a:xfrm>
-        </p:spPr>
-        <p:txBody>
-          <a:bodyPr/>
-          <a:lstStyle/>
-          <a:p>
-            <a:r>
-              <a:rPr lang="it-IT" dirty="0" err="1"/>
-              <a:t>WebAssembly</a:t>
-            </a:r>
-            <a:endParaRPr lang="it-IT" dirty="0"/>
-          </a:p>
-        </p:txBody>
-      </p:sp>
-      <p:pic>
-        <p:nvPicPr>
-          <p:cNvPr id="8" name="Immagine 7">
-            <a:extLst>
-              <a:ext uri="{FF2B5EF4-FFF2-40B4-BE49-F238E27FC236}">
-                <a16:creationId xmlns:a16="http://schemas.microsoft.com/office/drawing/2014/main" id="{B29EF173-B781-96F3-6A63-3CE7B73E648C}"/>
-              </a:ext>
-            </a:extLst>
-          </p:cNvPr>
-          <p:cNvPicPr>
-            <a:picLocks noChangeAspect="1"/>
-          </p:cNvPicPr>
-          <p:nvPr/>
-        </p:nvPicPr>
-        <p:blipFill>
-          <a:blip r:embed="rId2"/>
-          <a:stretch>
-            <a:fillRect/>
-          </a:stretch>
-        </p:blipFill>
-        <p:spPr>
-          <a:xfrm>
-            <a:off x="7125922" y="820631"/>
-            <a:ext cx="1691787" cy="922100"/>
-          </a:xfrm>
-          <a:prstGeom prst="rect">
-            <a:avLst/>
-          </a:prstGeom>
-        </p:spPr>
-      </p:pic>
-      <p:sp>
-        <p:nvSpPr>
-          <p:cNvPr id="11" name="Segnaposto testo 2">
-            <a:extLst>
-              <a:ext uri="{FF2B5EF4-FFF2-40B4-BE49-F238E27FC236}">
-                <a16:creationId xmlns:a16="http://schemas.microsoft.com/office/drawing/2014/main" id="{B2FD7F21-96CD-4071-9105-6CBC18371E30}"/>
-              </a:ext>
-            </a:extLst>
-          </p:cNvPr>
-          <p:cNvSpPr>
-            <a:spLocks noGrp="1"/>
-          </p:cNvSpPr>
-          <p:nvPr>
-            <p:ph type="body" sz="quarter" idx="10"/>
-          </p:nvPr>
-        </p:nvSpPr>
-        <p:spPr>
-          <a:xfrm>
-            <a:off x="366122" y="2807057"/>
-            <a:ext cx="8198708" cy="2415419"/>
-          </a:xfrm>
-        </p:spPr>
-        <p:txBody>
-          <a:bodyPr/>
-          <a:lstStyle/>
-          <a:p>
-            <a:r>
-              <a:rPr lang="en-US" sz="2400" dirty="0" err="1"/>
-              <a:t>WebAssembly</a:t>
-            </a:r>
-            <a:r>
-              <a:rPr lang="en-US" sz="2400" dirty="0"/>
-              <a:t> (abbreviated </a:t>
-            </a:r>
-            <a:r>
-              <a:rPr lang="en-US" sz="2400" b="1" i="1" dirty="0" err="1"/>
-              <a:t>Wasm</a:t>
-            </a:r>
-            <a:r>
-              <a:rPr lang="en-US" sz="2400" dirty="0"/>
-              <a:t>) is a binary instruction format for a stack-based virtual machine. </a:t>
-            </a:r>
-            <a:r>
-              <a:rPr lang="en-US" sz="2400" dirty="0" err="1"/>
-              <a:t>Wasm</a:t>
-            </a:r>
-            <a:r>
-              <a:rPr lang="en-US" sz="2400" dirty="0"/>
-              <a:t> is designed as a portable compilation target for programming languages, enabling deployment on the web for client and server applications.</a:t>
-            </a:r>
-            <a:endParaRPr lang="it-IT" sz="2400" dirty="0"/>
-          </a:p>
-        </p:txBody>
-      </p:sp>
-    </p:spTree>
-    <p:extLst>
-      <p:ext uri="{BB962C8B-B14F-4D97-AF65-F5344CB8AC3E}">
-        <p14:creationId xmlns:p14="http://schemas.microsoft.com/office/powerpoint/2010/main" val="1171002452"/>
-      </p:ext>
-    </p:extLst>
-  </p:cSld>
-  <p:clrMapOvr>
-    <a:masterClrMapping/>
-  </p:clrMapOvr>
-</p:sld>
-</file>
-
-<file path=ppt/slides/slide3.xml><?xml version="1.0" encoding="utf-8"?>
-<p:sld xmlns:a="http://schemas.openxmlformats.org/drawingml/2006/main" xmlns:r="http://schemas.openxmlformats.org/officeDocument/2006/relationships" xmlns:p="http://schemas.openxmlformats.org/presentationml/2006/main">
-  <p:cSld>
-    <p:spTree>
-      <p:nvGrpSpPr>
-        <p:cNvPr id="1" name=""/>
-        <p:cNvGrpSpPr/>
-        <p:nvPr/>
-      </p:nvGrpSpPr>
-      <p:grpSpPr>
-        <a:xfrm>
-          <a:off x="0" y="0"/>
-          <a:ext cx="0" cy="0"/>
-          <a:chOff x="0" y="0"/>
-          <a:chExt cx="0" cy="0"/>
-        </a:xfrm>
-      </p:grpSpPr>
-      <p:sp>
-        <p:nvSpPr>
           <p:cNvPr id="3" name="Titolo 2"/>
           <p:cNvSpPr>
             <a:spLocks noGrp="1"/>
@@ -8586,529 +5540,7 @@
           <a:p>
             <a:r>
               <a:rPr lang="it-IT" dirty="0"/>
-              <a:t>A bit of history …</a:t>
-            </a:r>
-          </a:p>
-        </p:txBody>
-      </p:sp>
-      <p:sp>
-        <p:nvSpPr>
-          <p:cNvPr id="7" name="Segnaposto testo 3">
-            <a:extLst>
-              <a:ext uri="{FF2B5EF4-FFF2-40B4-BE49-F238E27FC236}">
-                <a16:creationId xmlns:a16="http://schemas.microsoft.com/office/drawing/2014/main" id="{D19D1107-5E39-3D0C-81F2-7BE1A2D9907E}"/>
-              </a:ext>
-            </a:extLst>
-          </p:cNvPr>
-          <p:cNvSpPr>
-            <a:spLocks noGrp="1"/>
-          </p:cNvSpPr>
-          <p:nvPr>
-            <p:ph type="body" sz="quarter" idx="11"/>
-          </p:nvPr>
-        </p:nvSpPr>
-        <p:spPr>
-          <a:xfrm>
-            <a:off x="468643" y="1302589"/>
-            <a:ext cx="8196263" cy="4451230"/>
-          </a:xfrm>
-        </p:spPr>
-        <p:txBody>
-          <a:bodyPr/>
-          <a:lstStyle/>
-          <a:p>
-            <a:pPr marL="342900" indent="-342900">
-              <a:buFontTx/>
-              <a:buChar char="-"/>
-            </a:pPr>
-            <a:r>
-              <a:rPr lang="it-IT" sz="1800" b="1" dirty="0">
-                <a:solidFill>
-                  <a:schemeClr val="tx1"/>
-                </a:solidFill>
-              </a:rPr>
-              <a:t>HTML: 1989 (Sir Tim Berners Lee)</a:t>
-            </a:r>
-          </a:p>
-          <a:p>
-            <a:pPr marL="342900" indent="-342900">
-              <a:buFontTx/>
-              <a:buChar char="-"/>
-            </a:pPr>
-            <a:r>
-              <a:rPr lang="it-IT" sz="1800" b="1" dirty="0">
-                <a:solidFill>
-                  <a:schemeClr val="tx1"/>
-                </a:solidFill>
-              </a:rPr>
-              <a:t>JavaScript: 1995.</a:t>
-            </a:r>
-          </a:p>
-          <a:p>
-            <a:pPr marL="342900" indent="-342900">
-              <a:buFontTx/>
-              <a:buChar char="-"/>
-            </a:pPr>
-            <a:r>
-              <a:rPr lang="it-IT" sz="1800" b="1" dirty="0">
-                <a:solidFill>
-                  <a:schemeClr val="tx1"/>
-                </a:solidFill>
-              </a:rPr>
-              <a:t>NaCl / </a:t>
-            </a:r>
-            <a:r>
-              <a:rPr lang="it-IT" sz="1800" b="1" dirty="0" err="1">
-                <a:solidFill>
-                  <a:schemeClr val="tx1"/>
-                </a:solidFill>
-              </a:rPr>
-              <a:t>PaNaCl</a:t>
-            </a:r>
-            <a:r>
-              <a:rPr lang="it-IT" sz="1800" b="1" dirty="0">
-                <a:solidFill>
-                  <a:schemeClr val="tx1"/>
-                </a:solidFill>
-              </a:rPr>
-              <a:t> 2014.</a:t>
-            </a:r>
-          </a:p>
-          <a:p>
-            <a:pPr marL="342900" indent="-342900">
-              <a:buFontTx/>
-              <a:buChar char="-"/>
-            </a:pPr>
-            <a:r>
-              <a:rPr lang="it-IT" sz="1800" b="1" dirty="0">
-                <a:solidFill>
-                  <a:schemeClr val="tx1"/>
-                </a:solidFill>
-              </a:rPr>
-              <a:t>asm.js 2014</a:t>
-            </a:r>
-          </a:p>
-          <a:p>
-            <a:pPr marL="342900" indent="-342900">
-              <a:buFontTx/>
-              <a:buChar char="-"/>
-            </a:pPr>
-            <a:r>
-              <a:rPr lang="it-IT" sz="1800" b="1" dirty="0" err="1">
-                <a:solidFill>
-                  <a:schemeClr val="tx1"/>
-                </a:solidFill>
-              </a:rPr>
-              <a:t>WebAssembly</a:t>
-            </a:r>
-            <a:r>
-              <a:rPr lang="it-IT" sz="1800" b="1" dirty="0">
-                <a:solidFill>
-                  <a:schemeClr val="tx1"/>
-                </a:solidFill>
-              </a:rPr>
-              <a:t> (2015): Brendan </a:t>
-            </a:r>
-            <a:r>
-              <a:rPr lang="it-IT" sz="1800" b="1" dirty="0" err="1">
-                <a:solidFill>
-                  <a:schemeClr val="tx1"/>
-                </a:solidFill>
-              </a:rPr>
-              <a:t>Eich</a:t>
-            </a:r>
-            <a:endParaRPr lang="it-IT" sz="1800" b="1" dirty="0">
-              <a:solidFill>
-                <a:schemeClr val="tx1"/>
-              </a:solidFill>
-            </a:endParaRPr>
-          </a:p>
-        </p:txBody>
-      </p:sp>
-      <p:sp>
-        <p:nvSpPr>
-          <p:cNvPr id="2" name="Segnaposto piè di pagina 2">
-            <a:extLst>
-              <a:ext uri="{FF2B5EF4-FFF2-40B4-BE49-F238E27FC236}">
-                <a16:creationId xmlns:a16="http://schemas.microsoft.com/office/drawing/2014/main" id="{D6B8BB7B-F1CA-B36F-E013-CCC8ED45276B}"/>
-              </a:ext>
-            </a:extLst>
-          </p:cNvPr>
-          <p:cNvSpPr>
-            <a:spLocks noGrp="1"/>
-          </p:cNvSpPr>
-          <p:nvPr>
-            <p:ph type="ftr" sz="quarter" idx="10"/>
-          </p:nvPr>
-        </p:nvSpPr>
-        <p:spPr>
-          <a:xfrm>
-            <a:off x="366122" y="6286803"/>
-            <a:ext cx="7196162" cy="312405"/>
-          </a:xfrm>
-        </p:spPr>
-        <p:txBody>
-          <a:bodyPr/>
-          <a:lstStyle/>
-          <a:p>
-            <a:pPr>
-              <a:defRPr/>
-            </a:pPr>
-            <a:r>
-              <a:rPr lang="en-US" altLang="en-US" dirty="0" err="1"/>
-              <a:t>WebAssembly</a:t>
-            </a:r>
-            <a:r>
-              <a:rPr lang="en-US" altLang="en-US" dirty="0"/>
-              <a:t> – </a:t>
-            </a:r>
-            <a:r>
-              <a:rPr lang="en-US" altLang="en-US" dirty="0" err="1"/>
-              <a:t>UGIdotnet</a:t>
-            </a:r>
-            <a:r>
-              <a:rPr lang="en-US" altLang="en-US" dirty="0"/>
-              <a:t> </a:t>
-            </a:r>
-            <a:r>
-              <a:rPr lang="en-US" altLang="en-US" dirty="0" err="1"/>
-              <a:t>SmallTalk</a:t>
-            </a:r>
-            <a:r>
-              <a:rPr lang="en-US" altLang="en-US" dirty="0"/>
-              <a:t> 05/10/2022</a:t>
-            </a:r>
-          </a:p>
-        </p:txBody>
-      </p:sp>
-    </p:spTree>
-    <p:extLst>
-      <p:ext uri="{BB962C8B-B14F-4D97-AF65-F5344CB8AC3E}">
-        <p14:creationId xmlns:p14="http://schemas.microsoft.com/office/powerpoint/2010/main" val="4274859890"/>
-      </p:ext>
-    </p:extLst>
-  </p:cSld>
-  <p:clrMapOvr>
-    <a:masterClrMapping/>
-  </p:clrMapOvr>
-  <p:timing>
-    <p:tnLst>
-      <p:par>
-        <p:cTn id="1" dur="indefinite" restart="never" nodeType="tmRoot">
-          <p:childTnLst>
-            <p:seq concurrent="1" nextAc="seek">
-              <p:cTn id="2" dur="indefinite" nodeType="mainSeq">
-                <p:childTnLst>
-                  <p:par>
-                    <p:cTn id="3" fill="hold">
-                      <p:stCondLst>
-                        <p:cond delay="indefinite"/>
-                      </p:stCondLst>
-                      <p:childTnLst>
-                        <p:par>
-                          <p:cTn id="4" fill="hold">
-                            <p:stCondLst>
-                              <p:cond delay="0"/>
-                            </p:stCondLst>
-                            <p:childTnLst>
-                              <p:par>
-                                <p:cTn id="5" presetID="1" presetClass="entr" presetSubtype="0" fill="hold" nodeType="clickEffect">
-                                  <p:stCondLst>
-                                    <p:cond delay="0"/>
-                                  </p:stCondLst>
-                                  <p:childTnLst>
-                                    <p:set>
-                                      <p:cBhvr>
-                                        <p:cTn id="6" dur="1" fill="hold">
-                                          <p:stCondLst>
-                                            <p:cond delay="0"/>
-                                          </p:stCondLst>
-                                        </p:cTn>
-                                        <p:tgtEl>
-                                          <p:spTgt spid="7">
-                                            <p:txEl>
-                                              <p:pRg st="0" end="0"/>
-                                            </p:txEl>
-                                          </p:spTgt>
-                                        </p:tgtEl>
-                                        <p:attrNameLst>
-                                          <p:attrName>style.visibility</p:attrName>
-                                        </p:attrNameLst>
-                                      </p:cBhvr>
-                                      <p:to>
-                                        <p:strVal val="visible"/>
-                                      </p:to>
-                                    </p:set>
-                                  </p:childTnLst>
-                                </p:cTn>
-                              </p:par>
-                            </p:childTnLst>
-                          </p:cTn>
-                        </p:par>
-                      </p:childTnLst>
-                    </p:cTn>
-                  </p:par>
-                  <p:par>
-                    <p:cTn id="7" fill="hold">
-                      <p:stCondLst>
-                        <p:cond delay="indefinite"/>
-                      </p:stCondLst>
-                      <p:childTnLst>
-                        <p:par>
-                          <p:cTn id="8" fill="hold">
-                            <p:stCondLst>
-                              <p:cond delay="0"/>
-                            </p:stCondLst>
-                            <p:childTnLst>
-                              <p:par>
-                                <p:cTn id="9" presetID="1" presetClass="entr" presetSubtype="0" fill="hold" nodeType="clickEffect">
-                                  <p:stCondLst>
-                                    <p:cond delay="0"/>
-                                  </p:stCondLst>
-                                  <p:childTnLst>
-                                    <p:set>
-                                      <p:cBhvr>
-                                        <p:cTn id="10" dur="1" fill="hold">
-                                          <p:stCondLst>
-                                            <p:cond delay="0"/>
-                                          </p:stCondLst>
-                                        </p:cTn>
-                                        <p:tgtEl>
-                                          <p:spTgt spid="7">
-                                            <p:txEl>
-                                              <p:pRg st="1" end="1"/>
-                                            </p:txEl>
-                                          </p:spTgt>
-                                        </p:tgtEl>
-                                        <p:attrNameLst>
-                                          <p:attrName>style.visibility</p:attrName>
-                                        </p:attrNameLst>
-                                      </p:cBhvr>
-                                      <p:to>
-                                        <p:strVal val="visible"/>
-                                      </p:to>
-                                    </p:set>
-                                  </p:childTnLst>
-                                </p:cTn>
-                              </p:par>
-                            </p:childTnLst>
-                          </p:cTn>
-                        </p:par>
-                      </p:childTnLst>
-                    </p:cTn>
-                  </p:par>
-                  <p:par>
-                    <p:cTn id="11" fill="hold">
-                      <p:stCondLst>
-                        <p:cond delay="indefinite"/>
-                      </p:stCondLst>
-                      <p:childTnLst>
-                        <p:par>
-                          <p:cTn id="12" fill="hold">
-                            <p:stCondLst>
-                              <p:cond delay="0"/>
-                            </p:stCondLst>
-                            <p:childTnLst>
-                              <p:par>
-                                <p:cTn id="13" presetID="1" presetClass="entr" presetSubtype="0" fill="hold" nodeType="clickEffect">
-                                  <p:stCondLst>
-                                    <p:cond delay="0"/>
-                                  </p:stCondLst>
-                                  <p:childTnLst>
-                                    <p:set>
-                                      <p:cBhvr>
-                                        <p:cTn id="14" dur="1" fill="hold">
-                                          <p:stCondLst>
-                                            <p:cond delay="0"/>
-                                          </p:stCondLst>
-                                        </p:cTn>
-                                        <p:tgtEl>
-                                          <p:spTgt spid="7">
-                                            <p:txEl>
-                                              <p:pRg st="2" end="2"/>
-                                            </p:txEl>
-                                          </p:spTgt>
-                                        </p:tgtEl>
-                                        <p:attrNameLst>
-                                          <p:attrName>style.visibility</p:attrName>
-                                        </p:attrNameLst>
-                                      </p:cBhvr>
-                                      <p:to>
-                                        <p:strVal val="visible"/>
-                                      </p:to>
-                                    </p:set>
-                                  </p:childTnLst>
-                                </p:cTn>
-                              </p:par>
-                            </p:childTnLst>
-                          </p:cTn>
-                        </p:par>
-                      </p:childTnLst>
-                    </p:cTn>
-                  </p:par>
-                  <p:par>
-                    <p:cTn id="15" fill="hold">
-                      <p:stCondLst>
-                        <p:cond delay="indefinite"/>
-                      </p:stCondLst>
-                      <p:childTnLst>
-                        <p:par>
-                          <p:cTn id="16" fill="hold">
-                            <p:stCondLst>
-                              <p:cond delay="0"/>
-                            </p:stCondLst>
-                            <p:childTnLst>
-                              <p:par>
-                                <p:cTn id="17" presetID="1" presetClass="entr" presetSubtype="0" fill="hold" nodeType="clickEffect">
-                                  <p:stCondLst>
-                                    <p:cond delay="0"/>
-                                  </p:stCondLst>
-                                  <p:childTnLst>
-                                    <p:set>
-                                      <p:cBhvr>
-                                        <p:cTn id="18" dur="1" fill="hold">
-                                          <p:stCondLst>
-                                            <p:cond delay="0"/>
-                                          </p:stCondLst>
-                                        </p:cTn>
-                                        <p:tgtEl>
-                                          <p:spTgt spid="7">
-                                            <p:txEl>
-                                              <p:pRg st="3" end="3"/>
-                                            </p:txEl>
-                                          </p:spTgt>
-                                        </p:tgtEl>
-                                        <p:attrNameLst>
-                                          <p:attrName>style.visibility</p:attrName>
-                                        </p:attrNameLst>
-                                      </p:cBhvr>
-                                      <p:to>
-                                        <p:strVal val="visible"/>
-                                      </p:to>
-                                    </p:set>
-                                  </p:childTnLst>
-                                </p:cTn>
-                              </p:par>
-                            </p:childTnLst>
-                          </p:cTn>
-                        </p:par>
-                      </p:childTnLst>
-                    </p:cTn>
-                  </p:par>
-                  <p:par>
-                    <p:cTn id="19" fill="hold">
-                      <p:stCondLst>
-                        <p:cond delay="indefinite"/>
-                      </p:stCondLst>
-                      <p:childTnLst>
-                        <p:par>
-                          <p:cTn id="20" fill="hold">
-                            <p:stCondLst>
-                              <p:cond delay="0"/>
-                            </p:stCondLst>
-                            <p:childTnLst>
-                              <p:par>
-                                <p:cTn id="21" presetID="1" presetClass="entr" presetSubtype="0" fill="hold" nodeType="clickEffect">
-                                  <p:stCondLst>
-                                    <p:cond delay="0"/>
-                                  </p:stCondLst>
-                                  <p:childTnLst>
-                                    <p:set>
-                                      <p:cBhvr>
-                                        <p:cTn id="22" dur="1" fill="hold">
-                                          <p:stCondLst>
-                                            <p:cond delay="0"/>
-                                          </p:stCondLst>
-                                        </p:cTn>
-                                        <p:tgtEl>
-                                          <p:spTgt spid="7">
-                                            <p:txEl>
-                                              <p:pRg st="4" end="4"/>
-                                            </p:txEl>
-                                          </p:spTgt>
-                                        </p:tgtEl>
-                                        <p:attrNameLst>
-                                          <p:attrName>style.visibility</p:attrName>
-                                        </p:attrNameLst>
-                                      </p:cBhvr>
-                                      <p:to>
-                                        <p:strVal val="visible"/>
-                                      </p:to>
-                                    </p:set>
-                                  </p:childTnLst>
-                                </p:cTn>
-                              </p:par>
-                            </p:childTnLst>
-                          </p:cTn>
-                        </p:par>
-                      </p:childTnLst>
-                    </p:cTn>
-                  </p:par>
-                </p:childTnLst>
-              </p:cTn>
-              <p:prevCondLst>
-                <p:cond evt="onPrev" delay="0">
-                  <p:tgtEl>
-                    <p:sldTgt/>
-                  </p:tgtEl>
-                </p:cond>
-              </p:prevCondLst>
-              <p:nextCondLst>
-                <p:cond evt="onNext" delay="0">
-                  <p:tgtEl>
-                    <p:sldTgt/>
-                  </p:tgtEl>
-                </p:cond>
-              </p:nextCondLst>
-            </p:seq>
-          </p:childTnLst>
-        </p:cTn>
-      </p:par>
-    </p:tnLst>
-  </p:timing>
-</p:sld>
-</file>
-
-<file path=ppt/slides/slide4.xml><?xml version="1.0" encoding="utf-8"?>
-<p:sld xmlns:a="http://schemas.openxmlformats.org/drawingml/2006/main" xmlns:r="http://schemas.openxmlformats.org/officeDocument/2006/relationships" xmlns:p="http://schemas.openxmlformats.org/presentationml/2006/main">
-  <p:cSld>
-    <p:spTree>
-      <p:nvGrpSpPr>
-        <p:cNvPr id="1" name=""/>
-        <p:cNvGrpSpPr/>
-        <p:nvPr/>
-      </p:nvGrpSpPr>
-      <p:grpSpPr>
-        <a:xfrm>
-          <a:off x="0" y="0"/>
-          <a:ext cx="0" cy="0"/>
-          <a:chOff x="0" y="0"/>
-          <a:chExt cx="0" cy="0"/>
-        </a:xfrm>
-      </p:grpSpPr>
-      <p:sp>
-        <p:nvSpPr>
-          <p:cNvPr id="3" name="Titolo 2"/>
-          <p:cNvSpPr>
-            <a:spLocks noGrp="1"/>
-          </p:cNvSpPr>
-          <p:nvPr>
-            <p:ph type="ctrTitle"/>
-          </p:nvPr>
-        </p:nvSpPr>
-        <p:spPr>
-          <a:xfrm>
-            <a:off x="468643" y="145133"/>
-            <a:ext cx="8198250" cy="1088639"/>
-          </a:xfrm>
-        </p:spPr>
-        <p:txBody>
-          <a:bodyPr/>
-          <a:lstStyle/>
-          <a:p>
-            <a:r>
-              <a:rPr lang="it-IT" dirty="0"/>
-              <a:t>A bit of history …</a:t>
+              <a:t>Un po’ di storia …</a:t>
             </a:r>
           </a:p>
         </p:txBody>
@@ -9664,7 +6096,7 @@
 </p:sld>
 </file>
 
-<file path=ppt/slides/slide5.xml><?xml version="1.0" encoding="utf-8"?>
+<file path=ppt/slides/slide3.xml><?xml version="1.0" encoding="utf-8"?>
 <p:sld xmlns:a="http://schemas.openxmlformats.org/drawingml/2006/main" xmlns:r="http://schemas.openxmlformats.org/officeDocument/2006/relationships" xmlns:p="http://schemas.openxmlformats.org/presentationml/2006/main">
   <p:cSld>
     <p:spTree>
@@ -9697,28 +6129,8 @@
           <a:lstStyle/>
           <a:p>
             <a:r>
-              <a:rPr lang="it-IT" dirty="0" err="1"/>
-              <a:t>What</a:t>
-            </a:r>
-            <a:r>
-              <a:rPr lang="it-IT" dirty="0"/>
-              <a:t> </a:t>
-            </a:r>
-            <a:r>
-              <a:rPr lang="it-IT" dirty="0" err="1"/>
-              <a:t>we</a:t>
-            </a:r>
-            <a:r>
-              <a:rPr lang="it-IT" dirty="0"/>
-              <a:t> </a:t>
-            </a:r>
-            <a:r>
-              <a:rPr lang="it-IT" dirty="0" err="1"/>
-              <a:t>need</a:t>
-            </a:r>
-            <a:r>
-              <a:rPr lang="it-IT" dirty="0"/>
-              <a:t>?</a:t>
+              <a:rPr lang="it-IT" sz="3600" dirty="0"/>
+              <a:t>Hai proprio bisogno di WASM?</a:t>
             </a:r>
           </a:p>
         </p:txBody>
@@ -9744,260 +6156,32 @@
           <a:lstStyle/>
           <a:p>
             <a:r>
-              <a:rPr lang="it-IT" sz="2000" dirty="0"/>
-              <a:t>JavaScript </a:t>
-            </a:r>
-            <a:r>
-              <a:rPr lang="it-IT" sz="2000" dirty="0" err="1"/>
-              <a:t>is</a:t>
-            </a:r>
-            <a:r>
-              <a:rPr lang="it-IT" sz="2000" dirty="0"/>
-              <a:t> </a:t>
-            </a:r>
-            <a:r>
-              <a:rPr lang="it-IT" sz="2000" dirty="0" err="1"/>
-              <a:t>not</a:t>
-            </a:r>
-            <a:r>
-              <a:rPr lang="it-IT" sz="2000" dirty="0"/>
-              <a:t> </a:t>
-            </a:r>
-            <a:r>
-              <a:rPr lang="it-IT" sz="2000" dirty="0" err="1"/>
-              <a:t>enough</a:t>
-            </a:r>
-            <a:r>
-              <a:rPr lang="it-IT" sz="2000" dirty="0"/>
-              <a:t>!</a:t>
-            </a:r>
-          </a:p>
-          <a:p>
-            <a:r>
-              <a:rPr lang="it-IT" sz="2000" dirty="0" err="1"/>
-              <a:t>Portability</a:t>
-            </a:r>
-            <a:r>
-              <a:rPr lang="it-IT" sz="2000" dirty="0"/>
-              <a:t> of high-</a:t>
-            </a:r>
-            <a:r>
-              <a:rPr lang="it-IT" sz="2000" dirty="0" err="1"/>
-              <a:t>level</a:t>
-            </a:r>
-            <a:r>
-              <a:rPr lang="it-IT" sz="2000" dirty="0"/>
-              <a:t> </a:t>
-            </a:r>
-            <a:r>
-              <a:rPr lang="it-IT" sz="2000" dirty="0" err="1"/>
-              <a:t>languages</a:t>
-            </a:r>
-            <a:r>
-              <a:rPr lang="it-IT" sz="2000" dirty="0"/>
-              <a:t> (C/C++/Rust … </a:t>
-            </a:r>
-            <a:r>
-              <a:rPr lang="it-IT" sz="2000" dirty="0" err="1"/>
-              <a:t>all</a:t>
-            </a:r>
-            <a:r>
-              <a:rPr lang="it-IT" sz="2000" dirty="0"/>
-              <a:t>)</a:t>
-            </a:r>
-          </a:p>
-          <a:p>
-            <a:r>
-              <a:rPr lang="it-IT" sz="2000" dirty="0" err="1"/>
-              <a:t>We</a:t>
-            </a:r>
-            <a:r>
-              <a:rPr lang="it-IT" sz="2000" dirty="0"/>
-              <a:t> </a:t>
-            </a:r>
-            <a:r>
-              <a:rPr lang="it-IT" sz="2000" dirty="0" err="1"/>
-              <a:t>need</a:t>
-            </a:r>
-            <a:r>
-              <a:rPr lang="it-IT" sz="2000" dirty="0"/>
-              <a:t> </a:t>
-            </a:r>
-            <a:r>
-              <a:rPr lang="it-IT" sz="2000" dirty="0" err="1"/>
-              <a:t>something</a:t>
-            </a:r>
-            <a:r>
-              <a:rPr lang="it-IT" sz="2000" dirty="0"/>
-              <a:t> to </a:t>
-            </a:r>
-            <a:r>
-              <a:rPr lang="it-IT" sz="2000" dirty="0" err="1"/>
-              <a:t>provide</a:t>
-            </a:r>
-            <a:r>
-              <a:rPr lang="it-IT" sz="2000" dirty="0"/>
-              <a:t> software </a:t>
-            </a:r>
-            <a:r>
-              <a:rPr lang="it-IT" sz="2000" dirty="0" err="1"/>
-              <a:t>that</a:t>
-            </a:r>
-            <a:r>
-              <a:rPr lang="it-IT" sz="2000" dirty="0"/>
-              <a:t> </a:t>
-            </a:r>
-            <a:r>
-              <a:rPr lang="it-IT" sz="2000" dirty="0" err="1"/>
-              <a:t>is</a:t>
-            </a:r>
+              <a:rPr lang="it-IT" dirty="0"/>
+              <a:t>La mia applicazione è sul web, e solo sul web?</a:t>
+            </a:r>
+          </a:p>
+          <a:p>
+            <a:r>
+              <a:rPr lang="it-IT" dirty="0"/>
+              <a:t>La mia applicazione è su Desktop (o mobile) e solo su Desktop (o mobile)?</a:t>
+            </a:r>
+          </a:p>
+          <a:p>
+            <a:r>
+              <a:rPr lang="it-IT" dirty="0"/>
+              <a:t>La mia applicazione avrà bisogno di essere multipiattaforma?</a:t>
+            </a:r>
+          </a:p>
+          <a:p>
+            <a:r>
+              <a:rPr lang="it-IT" dirty="0"/>
+              <a:t>La mia applicazione ha qualche tipo di dipendenza da librerie di terze parti o di rendering che è difficile da gestire in modo efficiente per JavaScript?</a:t>
+            </a:r>
+          </a:p>
+          <a:p>
             <a:endParaRPr lang="it-IT" sz="2000" dirty="0"/>
           </a:p>
           <a:p>
-            <a:pPr lvl="1"/>
-            <a:r>
-              <a:rPr lang="it-IT" sz="2000" dirty="0"/>
-              <a:t>Safe</a:t>
-            </a:r>
-          </a:p>
-          <a:p>
-            <a:pPr lvl="1"/>
-            <a:r>
-              <a:rPr lang="it-IT" sz="2000" dirty="0"/>
-              <a:t>Fast</a:t>
-            </a:r>
-          </a:p>
-          <a:p>
-            <a:pPr lvl="1"/>
-            <a:r>
-              <a:rPr lang="it-IT" sz="2000" dirty="0" err="1"/>
-              <a:t>Portable</a:t>
-            </a:r>
-            <a:endParaRPr lang="it-IT" sz="2000" dirty="0"/>
-          </a:p>
-          <a:p>
-            <a:pPr lvl="1"/>
-            <a:r>
-              <a:rPr lang="it-IT" sz="2000" dirty="0"/>
-              <a:t>Compact</a:t>
-            </a:r>
-          </a:p>
-          <a:p>
-            <a:r>
-              <a:rPr lang="it-IT" sz="2000" dirty="0" err="1"/>
-              <a:t>We</a:t>
-            </a:r>
-            <a:r>
-              <a:rPr lang="it-IT" sz="2000" dirty="0"/>
-              <a:t> </a:t>
-            </a:r>
-            <a:r>
-              <a:rPr lang="it-IT" sz="2000" dirty="0" err="1"/>
-              <a:t>need</a:t>
-            </a:r>
-            <a:r>
-              <a:rPr lang="it-IT" sz="2000" dirty="0"/>
-              <a:t> </a:t>
-            </a:r>
-            <a:r>
-              <a:rPr lang="it-IT" sz="2000" dirty="0" err="1"/>
-              <a:t>portability</a:t>
-            </a:r>
-            <a:r>
-              <a:rPr lang="it-IT" sz="2000" dirty="0"/>
-              <a:t> </a:t>
-            </a:r>
-            <a:r>
-              <a:rPr lang="it-IT" sz="2000" dirty="0" err="1"/>
-              <a:t>at</a:t>
-            </a:r>
-            <a:r>
-              <a:rPr lang="it-IT" sz="2000" dirty="0"/>
-              <a:t> </a:t>
-            </a:r>
-            <a:r>
-              <a:rPr lang="it-IT" sz="2000" dirty="0" err="1"/>
-              <a:t>both</a:t>
-            </a:r>
-            <a:r>
-              <a:rPr lang="it-IT" sz="2000" dirty="0"/>
-              <a:t> the code and </a:t>
-            </a:r>
-            <a:r>
-              <a:rPr lang="it-IT" sz="2000" dirty="0" err="1"/>
-              <a:t>application</a:t>
-            </a:r>
-            <a:r>
-              <a:rPr lang="it-IT" sz="2000" dirty="0"/>
-              <a:t> </a:t>
-            </a:r>
-            <a:r>
-              <a:rPr lang="it-IT" sz="2000" dirty="0" err="1"/>
-              <a:t>levels</a:t>
-            </a:r>
-            <a:endParaRPr lang="it-IT" sz="2000" dirty="0"/>
-          </a:p>
-          <a:p>
-            <a:r>
-              <a:rPr lang="it-IT" sz="2000" dirty="0" err="1"/>
-              <a:t>WebAssembly</a:t>
-            </a:r>
-            <a:r>
-              <a:rPr lang="it-IT" sz="2000" dirty="0"/>
-              <a:t> </a:t>
-            </a:r>
-            <a:r>
-              <a:rPr lang="it-IT" sz="2000" dirty="0" err="1"/>
-              <a:t>is</a:t>
-            </a:r>
-            <a:r>
-              <a:rPr lang="it-IT" sz="2000" dirty="0"/>
-              <a:t> a target </a:t>
-            </a:r>
-            <a:r>
-              <a:rPr lang="it-IT" sz="2000" dirty="0" err="1"/>
-              <a:t>platform</a:t>
-            </a:r>
-            <a:r>
-              <a:rPr lang="it-IT" sz="2000" dirty="0"/>
-              <a:t> with a </a:t>
-            </a:r>
-            <a:r>
-              <a:rPr lang="it-IT" sz="2000" dirty="0" err="1"/>
-              <a:t>series</a:t>
-            </a:r>
-            <a:r>
-              <a:rPr lang="it-IT" sz="2000" dirty="0"/>
-              <a:t> of </a:t>
-            </a:r>
-            <a:r>
-              <a:rPr lang="it-IT" sz="2000" dirty="0" err="1"/>
-              <a:t>instructions</a:t>
-            </a:r>
-            <a:r>
-              <a:rPr lang="it-IT" sz="2000" dirty="0"/>
-              <a:t> </a:t>
-            </a:r>
-            <a:r>
-              <a:rPr lang="it-IT" sz="2000" dirty="0" err="1"/>
-              <a:t>that</a:t>
-            </a:r>
-            <a:r>
-              <a:rPr lang="it-IT" sz="2000" dirty="0"/>
-              <a:t> are </a:t>
-            </a:r>
-            <a:r>
-              <a:rPr lang="it-IT" sz="2000" dirty="0" err="1"/>
-              <a:t>vaguely</a:t>
-            </a:r>
-            <a:r>
-              <a:rPr lang="it-IT" sz="2000" dirty="0"/>
-              <a:t> </a:t>
-            </a:r>
-            <a:r>
-              <a:rPr lang="it-IT" sz="2000" dirty="0" err="1"/>
-              <a:t>assemblyesque</a:t>
-            </a:r>
             <a:endParaRPr lang="it-IT" sz="2000" dirty="0"/>
           </a:p>
         </p:txBody>
@@ -10217,39 +6401,26 @@
                                   </p:childTnLst>
                                 </p:cTn>
                               </p:par>
+                            </p:childTnLst>
+                          </p:cTn>
+                        </p:par>
+                      </p:childTnLst>
+                    </p:cTn>
+                  </p:par>
+                  <p:par>
+                    <p:cTn id="15" fill="hold">
+                      <p:stCondLst>
+                        <p:cond delay="indefinite"/>
+                      </p:stCondLst>
+                      <p:childTnLst>
+                        <p:par>
+                          <p:cTn id="16" fill="hold">
+                            <p:stCondLst>
+                              <p:cond delay="0"/>
+                            </p:stCondLst>
+                            <p:childTnLst>
                               <p:par>
-                                <p:cTn id="15" presetID="1" presetClass="entr" presetSubtype="0" fill="hold" nodeType="withEffect">
-                                  <p:stCondLst>
-                                    <p:cond delay="0"/>
-                                  </p:stCondLst>
-                                  <p:childTnLst>
-                                    <p:set>
-                                      <p:cBhvr>
-                                        <p:cTn id="16" dur="1" fill="hold">
-                                          <p:stCondLst>
-                                            <p:cond delay="0"/>
-                                          </p:stCondLst>
-                                        </p:cTn>
-                                        <p:tgtEl>
-                                          <p:spTgt spid="4">
-                                            <p:txEl>
-                                              <p:pRg st="3" end="3"/>
-                                            </p:txEl>
-                                          </p:spTgt>
-                                        </p:tgtEl>
-                                        <p:attrNameLst>
-                                          <p:attrName>style.visibility</p:attrName>
-                                        </p:attrNameLst>
-                                      </p:cBhvr>
-                                      <p:to>
-                                        <p:strVal val="visible"/>
-                                      </p:to>
-                                    </p:set>
-                                  </p:childTnLst>
-                                </p:cTn>
-                              </p:par>
-                              <p:par>
-                                <p:cTn id="17" presetID="1" presetClass="entr" presetSubtype="0" fill="hold" nodeType="withEffect">
+                                <p:cTn id="17" presetID="1" presetClass="entr" presetSubtype="0" fill="hold" nodeType="clickEffect">
                                   <p:stCondLst>
                                     <p:cond delay="0"/>
                                   </p:stCondLst>
@@ -10264,167 +6435,7 @@
                                         <p:tgtEl>
                                           <p:spTgt spid="4">
                                             <p:txEl>
-                                              <p:pRg st="4" end="4"/>
-                                            </p:txEl>
-                                          </p:spTgt>
-                                        </p:tgtEl>
-                                        <p:attrNameLst>
-                                          <p:attrName>style.visibility</p:attrName>
-                                        </p:attrNameLst>
-                                      </p:cBhvr>
-                                      <p:to>
-                                        <p:strVal val="visible"/>
-                                      </p:to>
-                                    </p:set>
-                                  </p:childTnLst>
-                                </p:cTn>
-                              </p:par>
-                              <p:par>
-                                <p:cTn id="19" presetID="1" presetClass="entr" presetSubtype="0" fill="hold" nodeType="withEffect">
-                                  <p:stCondLst>
-                                    <p:cond delay="0"/>
-                                  </p:stCondLst>
-                                  <p:childTnLst>
-                                    <p:set>
-                                      <p:cBhvr>
-                                        <p:cTn id="20" dur="1" fill="hold">
-                                          <p:stCondLst>
-                                            <p:cond delay="0"/>
-                                          </p:stCondLst>
-                                        </p:cTn>
-                                        <p:tgtEl>
-                                          <p:spTgt spid="4">
-                                            <p:txEl>
-                                              <p:pRg st="5" end="5"/>
-                                            </p:txEl>
-                                          </p:spTgt>
-                                        </p:tgtEl>
-                                        <p:attrNameLst>
-                                          <p:attrName>style.visibility</p:attrName>
-                                        </p:attrNameLst>
-                                      </p:cBhvr>
-                                      <p:to>
-                                        <p:strVal val="visible"/>
-                                      </p:to>
-                                    </p:set>
-                                  </p:childTnLst>
-                                </p:cTn>
-                              </p:par>
-                              <p:par>
-                                <p:cTn id="21" presetID="1" presetClass="entr" presetSubtype="0" fill="hold" nodeType="withEffect">
-                                  <p:stCondLst>
-                                    <p:cond delay="0"/>
-                                  </p:stCondLst>
-                                  <p:childTnLst>
-                                    <p:set>
-                                      <p:cBhvr>
-                                        <p:cTn id="22" dur="1" fill="hold">
-                                          <p:stCondLst>
-                                            <p:cond delay="0"/>
-                                          </p:stCondLst>
-                                        </p:cTn>
-                                        <p:tgtEl>
-                                          <p:spTgt spid="4">
-                                            <p:txEl>
-                                              <p:pRg st="6" end="6"/>
-                                            </p:txEl>
-                                          </p:spTgt>
-                                        </p:tgtEl>
-                                        <p:attrNameLst>
-                                          <p:attrName>style.visibility</p:attrName>
-                                        </p:attrNameLst>
-                                      </p:cBhvr>
-                                      <p:to>
-                                        <p:strVal val="visible"/>
-                                      </p:to>
-                                    </p:set>
-                                  </p:childTnLst>
-                                </p:cTn>
-                              </p:par>
-                            </p:childTnLst>
-                          </p:cTn>
-                        </p:par>
-                      </p:childTnLst>
-                    </p:cTn>
-                  </p:par>
-                  <p:par>
-                    <p:cTn id="23" fill="hold">
-                      <p:stCondLst>
-                        <p:cond delay="indefinite"/>
-                      </p:stCondLst>
-                      <p:childTnLst>
-                        <p:par>
-                          <p:cTn id="24" fill="hold">
-                            <p:stCondLst>
-                              <p:cond delay="0"/>
-                            </p:stCondLst>
-                            <p:childTnLst>
-                              <p:par>
-                                <p:cTn id="25" presetID="1" presetClass="entr" presetSubtype="0" fill="hold" nodeType="clickEffect">
-                                  <p:stCondLst>
-                                    <p:cond delay="0"/>
-                                  </p:stCondLst>
-                                  <p:childTnLst>
-                                    <p:set>
-                                      <p:cBhvr>
-                                        <p:cTn id="26" dur="1" fill="hold">
-                                          <p:stCondLst>
-                                            <p:cond delay="0"/>
-                                          </p:stCondLst>
-                                        </p:cTn>
-                                        <p:tgtEl>
-                                          <p:spTgt spid="4">
-                                            <p:txEl>
-                                              <p:pRg st="7" end="7"/>
-                                            </p:txEl>
-                                          </p:spTgt>
-                                        </p:tgtEl>
-                                        <p:attrNameLst>
-                                          <p:attrName>style.visibility</p:attrName>
-                                        </p:attrNameLst>
-                                      </p:cBhvr>
-                                      <p:to>
-                                        <p:strVal val="visible"/>
-                                      </p:to>
-                                    </p:set>
-                                  </p:childTnLst>
-                                </p:cTn>
-                              </p:par>
-                            </p:childTnLst>
-                          </p:cTn>
-                        </p:par>
-                      </p:childTnLst>
-                    </p:cTn>
-                  </p:par>
-                  <p:par>
-                    <p:cTn id="27" fill="hold">
-                      <p:stCondLst>
-                        <p:cond delay="indefinite"/>
-                      </p:stCondLst>
-                      <p:childTnLst>
-                        <p:par>
-                          <p:cTn id="28" fill="hold">
-                            <p:stCondLst>
-                              <p:cond delay="0"/>
-                            </p:stCondLst>
-                            <p:childTnLst>
-                              <p:par>
-                                <p:cTn id="29" presetID="1" presetClass="entr" presetSubtype="0" fill="hold" nodeType="clickEffect">
-                                  <p:stCondLst>
-                                    <p:cond delay="0"/>
-                                  </p:stCondLst>
-                                  <p:childTnLst>
-                                    <p:set>
-                                      <p:cBhvr>
-                                        <p:cTn id="30" dur="1" fill="hold">
-                                          <p:stCondLst>
-                                            <p:cond delay="0"/>
-                                          </p:stCondLst>
-                                        </p:cTn>
-                                        <p:tgtEl>
-                                          <p:spTgt spid="4">
-                                            <p:txEl>
-                                              <p:pRg st="8" end="8"/>
+                                              <p:pRg st="3" end="3"/>
                                             </p:txEl>
                                           </p:spTgt>
                                         </p:tgtEl>
@@ -10470,7 +6481,7 @@
 </p:sld>
 </file>
 
-<file path=ppt/slides/slide6.xml><?xml version="1.0" encoding="utf-8"?>
+<file path=ppt/slides/slide4.xml><?xml version="1.0" encoding="utf-8"?>
 <p:sld xmlns:a="http://schemas.openxmlformats.org/drawingml/2006/main" xmlns:r="http://schemas.openxmlformats.org/officeDocument/2006/relationships" xmlns:p="http://schemas.openxmlformats.org/presentationml/2006/main">
   <p:cSld>
     <p:spTree>
@@ -10503,18 +6514,9 @@
           <a:lstStyle/>
           <a:p>
             <a:r>
-              <a:rPr lang="it-IT" dirty="0" err="1"/>
-              <a:t>Interpreted</a:t>
-            </a:r>
-            <a:r>
               <a:rPr lang="it-IT" dirty="0"/>
-              <a:t> vs </a:t>
-            </a:r>
-            <a:r>
-              <a:rPr lang="it-IT" dirty="0" err="1"/>
-              <a:t>Compiled</a:t>
-            </a:r>
-            <a:endParaRPr lang="it-IT" dirty="0"/>
+              <a:t>Interpretato vs Compilato</a:t>
+            </a:r>
           </a:p>
         </p:txBody>
       </p:sp>
@@ -10767,6 +6769,310 @@
 </p:sld>
 </file>
 
+<file path=ppt/slides/slide5.xml><?xml version="1.0" encoding="utf-8"?>
+<p:sld xmlns:a="http://schemas.openxmlformats.org/drawingml/2006/main" xmlns:r="http://schemas.openxmlformats.org/officeDocument/2006/relationships" xmlns:p="http://schemas.openxmlformats.org/presentationml/2006/main">
+  <p:cSld>
+    <p:spTree>
+      <p:nvGrpSpPr>
+        <p:cNvPr id="1" name=""/>
+        <p:cNvGrpSpPr/>
+        <p:nvPr/>
+      </p:nvGrpSpPr>
+      <p:grpSpPr>
+        <a:xfrm>
+          <a:off x="0" y="0"/>
+          <a:ext cx="0" cy="0"/>
+          <a:chOff x="0" y="0"/>
+          <a:chExt cx="0" cy="0"/>
+        </a:xfrm>
+      </p:grpSpPr>
+      <p:sp>
+        <p:nvSpPr>
+          <p:cNvPr id="2" name="Titolo 1"/>
+          <p:cNvSpPr>
+            <a:spLocks noGrp="1"/>
+          </p:cNvSpPr>
+          <p:nvPr>
+            <p:ph type="ctrTitle"/>
+          </p:nvPr>
+        </p:nvSpPr>
+        <p:spPr>
+          <a:xfrm>
+            <a:off x="470630" y="366550"/>
+            <a:ext cx="8198250" cy="659993"/>
+          </a:xfrm>
+        </p:spPr>
+        <p:txBody>
+          <a:bodyPr/>
+          <a:lstStyle/>
+          <a:p>
+            <a:r>
+              <a:rPr lang="it-IT" sz="3200" dirty="0"/>
+              <a:t>WASI</a:t>
+            </a:r>
+          </a:p>
+        </p:txBody>
+      </p:sp>
+      <p:sp>
+        <p:nvSpPr>
+          <p:cNvPr id="3" name="Segnaposto piè di pagina 2">
+            <a:extLst>
+              <a:ext uri="{FF2B5EF4-FFF2-40B4-BE49-F238E27FC236}">
+                <a16:creationId xmlns:a16="http://schemas.microsoft.com/office/drawing/2014/main" id="{014017B1-0D2D-F5B7-2062-FD433A45C4A3}"/>
+              </a:ext>
+            </a:extLst>
+          </p:cNvPr>
+          <p:cNvSpPr>
+            <a:spLocks noGrp="1"/>
+          </p:cNvSpPr>
+          <p:nvPr>
+            <p:ph type="ftr" sz="quarter" idx="10"/>
+          </p:nvPr>
+        </p:nvSpPr>
+        <p:spPr>
+          <a:xfrm>
+            <a:off x="366122" y="6286803"/>
+            <a:ext cx="7196162" cy="312405"/>
+          </a:xfrm>
+        </p:spPr>
+        <p:txBody>
+          <a:bodyPr/>
+          <a:lstStyle/>
+          <a:p>
+            <a:pPr>
+              <a:defRPr/>
+            </a:pPr>
+            <a:r>
+              <a:rPr lang="en-US" altLang="en-US" dirty="0" err="1"/>
+              <a:t>WebAssembly</a:t>
+            </a:r>
+            <a:r>
+              <a:rPr lang="en-US" altLang="en-US" dirty="0"/>
+              <a:t> – </a:t>
+            </a:r>
+            <a:r>
+              <a:rPr lang="en-US" altLang="en-US" dirty="0" err="1"/>
+              <a:t>XMASDev</a:t>
+            </a:r>
+            <a:r>
+              <a:rPr lang="en-US" altLang="en-US" dirty="0"/>
+              <a:t> 16/12/2022</a:t>
+            </a:r>
+          </a:p>
+        </p:txBody>
+      </p:sp>
+      <p:pic>
+        <p:nvPicPr>
+          <p:cNvPr id="2050" name="Picture 2" descr="Bytecode Alliance">
+            <a:extLst>
+              <a:ext uri="{FF2B5EF4-FFF2-40B4-BE49-F238E27FC236}">
+                <a16:creationId xmlns:a16="http://schemas.microsoft.com/office/drawing/2014/main" id="{5C714579-BC3A-F36A-0540-35BAE9F50822}"/>
+              </a:ext>
+            </a:extLst>
+          </p:cNvPr>
+          <p:cNvPicPr>
+            <a:picLocks noChangeAspect="1" noChangeArrowheads="1"/>
+          </p:cNvPicPr>
+          <p:nvPr/>
+        </p:nvPicPr>
+        <p:blipFill>
+          <a:blip r:embed="rId2" cstate="print">
+            <a:extLst>
+              <a:ext uri="{28A0092B-C50C-407E-A947-70E740481C1C}">
+                <a14:useLocalDpi xmlns:a14="http://schemas.microsoft.com/office/drawing/2010/main" val="0"/>
+              </a:ext>
+            </a:extLst>
+          </a:blip>
+          <a:srcRect/>
+          <a:stretch>
+            <a:fillRect/>
+          </a:stretch>
+        </p:blipFill>
+        <p:spPr bwMode="auto">
+          <a:xfrm>
+            <a:off x="569346" y="2082832"/>
+            <a:ext cx="8082951" cy="2295525"/>
+          </a:xfrm>
+          <a:prstGeom prst="rect">
+            <a:avLst/>
+          </a:prstGeom>
+          <a:noFill/>
+          <a:extLst>
+            <a:ext uri="{909E8E84-426E-40DD-AFC4-6F175D3DCCD1}">
+              <a14:hiddenFill xmlns:a14="http://schemas.microsoft.com/office/drawing/2010/main">
+                <a:solidFill>
+                  <a:srgbClr val="FFFFFF"/>
+                </a:solidFill>
+              </a14:hiddenFill>
+            </a:ext>
+          </a:extLst>
+        </p:spPr>
+      </p:pic>
+    </p:spTree>
+    <p:extLst>
+      <p:ext uri="{BB962C8B-B14F-4D97-AF65-F5344CB8AC3E}">
+        <p14:creationId xmlns:p14="http://schemas.microsoft.com/office/powerpoint/2010/main" val="1331611757"/>
+      </p:ext>
+    </p:extLst>
+  </p:cSld>
+  <p:clrMapOvr>
+    <a:masterClrMapping/>
+  </p:clrMapOvr>
+</p:sld>
+</file>
+
+<file path=ppt/slides/slide6.xml><?xml version="1.0" encoding="utf-8"?>
+<p:sld xmlns:a="http://schemas.openxmlformats.org/drawingml/2006/main" xmlns:r="http://schemas.openxmlformats.org/officeDocument/2006/relationships" xmlns:p="http://schemas.openxmlformats.org/presentationml/2006/main">
+  <p:cSld>
+    <p:spTree>
+      <p:nvGrpSpPr>
+        <p:cNvPr id="1" name=""/>
+        <p:cNvGrpSpPr/>
+        <p:nvPr/>
+      </p:nvGrpSpPr>
+      <p:grpSpPr>
+        <a:xfrm>
+          <a:off x="0" y="0"/>
+          <a:ext cx="0" cy="0"/>
+          <a:chOff x="0" y="0"/>
+          <a:chExt cx="0" cy="0"/>
+        </a:xfrm>
+      </p:grpSpPr>
+      <p:sp>
+        <p:nvSpPr>
+          <p:cNvPr id="2" name="Titolo 1"/>
+          <p:cNvSpPr>
+            <a:spLocks noGrp="1"/>
+          </p:cNvSpPr>
+          <p:nvPr>
+            <p:ph type="ctrTitle"/>
+          </p:nvPr>
+        </p:nvSpPr>
+        <p:spPr>
+          <a:xfrm>
+            <a:off x="470630" y="366550"/>
+            <a:ext cx="8198250" cy="659993"/>
+          </a:xfrm>
+        </p:spPr>
+        <p:txBody>
+          <a:bodyPr/>
+          <a:lstStyle/>
+          <a:p>
+            <a:r>
+              <a:rPr lang="it-IT" sz="3200" dirty="0"/>
+              <a:t>WAGI</a:t>
+            </a:r>
+          </a:p>
+        </p:txBody>
+      </p:sp>
+      <p:sp>
+        <p:nvSpPr>
+          <p:cNvPr id="3" name="Segnaposto piè di pagina 2">
+            <a:extLst>
+              <a:ext uri="{FF2B5EF4-FFF2-40B4-BE49-F238E27FC236}">
+                <a16:creationId xmlns:a16="http://schemas.microsoft.com/office/drawing/2014/main" id="{014017B1-0D2D-F5B7-2062-FD433A45C4A3}"/>
+              </a:ext>
+            </a:extLst>
+          </p:cNvPr>
+          <p:cNvSpPr>
+            <a:spLocks noGrp="1"/>
+          </p:cNvSpPr>
+          <p:nvPr>
+            <p:ph type="ftr" sz="quarter" idx="10"/>
+          </p:nvPr>
+        </p:nvSpPr>
+        <p:spPr>
+          <a:xfrm>
+            <a:off x="366122" y="6286803"/>
+            <a:ext cx="7196162" cy="312405"/>
+          </a:xfrm>
+        </p:spPr>
+        <p:txBody>
+          <a:bodyPr/>
+          <a:lstStyle/>
+          <a:p>
+            <a:pPr>
+              <a:defRPr/>
+            </a:pPr>
+            <a:r>
+              <a:rPr lang="en-US" altLang="en-US" dirty="0" err="1"/>
+              <a:t>WebAssembly</a:t>
+            </a:r>
+            <a:r>
+              <a:rPr lang="en-US" altLang="en-US" dirty="0"/>
+              <a:t> – </a:t>
+            </a:r>
+            <a:r>
+              <a:rPr lang="en-US" altLang="en-US" dirty="0" err="1"/>
+              <a:t>XMASDev</a:t>
+            </a:r>
+            <a:r>
+              <a:rPr lang="en-US" altLang="en-US" dirty="0"/>
+              <a:t> 16/12/2022</a:t>
+            </a:r>
+          </a:p>
+        </p:txBody>
+      </p:sp>
+      <p:pic>
+        <p:nvPicPr>
+          <p:cNvPr id="1026" name="Picture 2" descr="WASM! WASI! WAGI! WAT?">
+            <a:extLst>
+              <a:ext uri="{FF2B5EF4-FFF2-40B4-BE49-F238E27FC236}">
+                <a16:creationId xmlns:a16="http://schemas.microsoft.com/office/drawing/2014/main" id="{B52F79BE-1A86-585C-CC1C-98296FE1039E}"/>
+              </a:ext>
+            </a:extLst>
+          </p:cNvPr>
+          <p:cNvPicPr>
+            <a:picLocks noChangeAspect="1" noChangeArrowheads="1"/>
+          </p:cNvPicPr>
+          <p:nvPr/>
+        </p:nvPicPr>
+        <p:blipFill>
+          <a:blip r:embed="rId2">
+            <a:extLst>
+              <a:ext uri="{28A0092B-C50C-407E-A947-70E740481C1C}">
+                <a14:useLocalDpi xmlns:a14="http://schemas.microsoft.com/office/drawing/2010/main" val="0"/>
+              </a:ext>
+            </a:extLst>
+          </a:blip>
+          <a:srcRect/>
+          <a:stretch>
+            <a:fillRect/>
+          </a:stretch>
+        </p:blipFill>
+        <p:spPr bwMode="auto">
+          <a:xfrm>
+            <a:off x="2858218" y="2390592"/>
+            <a:ext cx="3048000" cy="1714500"/>
+          </a:xfrm>
+          <a:prstGeom prst="rect">
+            <a:avLst/>
+          </a:prstGeom>
+          <a:noFill/>
+          <a:extLst>
+            <a:ext uri="{909E8E84-426E-40DD-AFC4-6F175D3DCCD1}">
+              <a14:hiddenFill xmlns:a14="http://schemas.microsoft.com/office/drawing/2010/main">
+                <a:solidFill>
+                  <a:srgbClr val="FFFFFF"/>
+                </a:solidFill>
+              </a14:hiddenFill>
+            </a:ext>
+          </a:extLst>
+        </p:spPr>
+      </p:pic>
+    </p:spTree>
+    <p:extLst>
+      <p:ext uri="{BB962C8B-B14F-4D97-AF65-F5344CB8AC3E}">
+        <p14:creationId xmlns:p14="http://schemas.microsoft.com/office/powerpoint/2010/main" val="3272564912"/>
+      </p:ext>
+    </p:extLst>
+  </p:cSld>
+  <p:clrMapOvr>
+    <a:masterClrMapping/>
+  </p:clrMapOvr>
+</p:sld>
+</file>
+
 <file path=ppt/slides/slide7.xml><?xml version="1.0" encoding="utf-8"?>
 <p:sld xmlns:a="http://schemas.openxmlformats.org/drawingml/2006/main" xmlns:r="http://schemas.openxmlformats.org/officeDocument/2006/relationships" xmlns:p="http://schemas.openxmlformats.org/presentationml/2006/main">
   <p:cSld>
@@ -10786,7 +7092,7 @@
       </p:grpSpPr>
       <p:sp>
         <p:nvSpPr>
-          <p:cNvPr id="3" name="Titolo 2"/>
+          <p:cNvPr id="2" name="Titolo 1"/>
           <p:cNvSpPr>
             <a:spLocks noGrp="1"/>
           </p:cNvSpPr>
@@ -10794,452 +7100,80 @@
             <p:ph type="ctrTitle"/>
           </p:nvPr>
         </p:nvSpPr>
-        <p:spPr/>
+        <p:spPr>
+          <a:xfrm>
+            <a:off x="470630" y="366550"/>
+            <a:ext cx="8198250" cy="659993"/>
+          </a:xfrm>
+        </p:spPr>
         <p:txBody>
           <a:bodyPr/>
           <a:lstStyle/>
           <a:p>
             <a:r>
-              <a:rPr lang="it-IT" dirty="0" err="1"/>
+              <a:rPr lang="it-IT" sz="3200" dirty="0" err="1"/>
               <a:t>WebAssembly</a:t>
             </a:r>
             <a:r>
-              <a:rPr lang="it-IT" dirty="0"/>
-              <a:t> Text Format</a:t>
+              <a:rPr lang="it-IT" sz="3200" dirty="0"/>
+              <a:t> and .NET</a:t>
             </a:r>
           </a:p>
         </p:txBody>
       </p:sp>
-      <p:sp>
-        <p:nvSpPr>
-          <p:cNvPr id="4" name="Segnaposto testo 3"/>
-          <p:cNvSpPr>
-            <a:spLocks noGrp="1"/>
-          </p:cNvSpPr>
-          <p:nvPr>
-            <p:ph type="body" sz="quarter" idx="11"/>
-          </p:nvPr>
-        </p:nvSpPr>
-        <p:spPr>
-          <a:xfrm>
-            <a:off x="470630" y="1493697"/>
-            <a:ext cx="8189547" cy="999337"/>
-          </a:xfrm>
-        </p:spPr>
-        <p:txBody>
-          <a:bodyPr/>
-          <a:lstStyle/>
-          <a:p>
-            <a:r>
-              <a:rPr lang="it-IT" dirty="0"/>
-              <a:t>A text format </a:t>
-            </a:r>
-            <a:r>
-              <a:rPr lang="it-IT" dirty="0" err="1"/>
-              <a:t>that</a:t>
-            </a:r>
-            <a:r>
-              <a:rPr lang="it-IT" dirty="0"/>
-              <a:t> </a:t>
-            </a:r>
-            <a:r>
-              <a:rPr lang="it-IT" dirty="0" err="1"/>
-              <a:t>describes</a:t>
-            </a:r>
-            <a:r>
-              <a:rPr lang="it-IT" dirty="0"/>
-              <a:t> the </a:t>
-            </a:r>
-            <a:r>
-              <a:rPr lang="it-IT" dirty="0" err="1"/>
-              <a:t>behavior</a:t>
-            </a:r>
-            <a:r>
-              <a:rPr lang="it-IT" dirty="0"/>
-              <a:t> of a </a:t>
-            </a:r>
-            <a:r>
-              <a:rPr lang="it-IT" dirty="0" err="1"/>
-              <a:t>module</a:t>
-            </a:r>
-            <a:r>
-              <a:rPr lang="it-IT" dirty="0"/>
-              <a:t> </a:t>
-            </a:r>
-            <a:r>
-              <a:rPr lang="it-IT" dirty="0" err="1"/>
-              <a:t>that</a:t>
-            </a:r>
-            <a:r>
-              <a:rPr lang="it-IT" dirty="0"/>
-              <a:t> </a:t>
-            </a:r>
-            <a:r>
-              <a:rPr lang="it-IT" dirty="0" err="1"/>
-              <a:t>is</a:t>
-            </a:r>
-            <a:r>
-              <a:rPr lang="it-IT" dirty="0"/>
-              <a:t> </a:t>
-            </a:r>
-            <a:r>
-              <a:rPr lang="it-IT" dirty="0" err="1"/>
-              <a:t>easier</a:t>
-            </a:r>
-            <a:r>
-              <a:rPr lang="it-IT" dirty="0"/>
-              <a:t> for </a:t>
-            </a:r>
-            <a:r>
-              <a:rPr lang="it-IT" dirty="0" err="1"/>
-              <a:t>humans</a:t>
-            </a:r>
-            <a:r>
-              <a:rPr lang="it-IT" dirty="0"/>
-              <a:t> to </a:t>
-            </a:r>
-            <a:r>
-              <a:rPr lang="it-IT" dirty="0" err="1"/>
-              <a:t>read</a:t>
-            </a:r>
-            <a:r>
-              <a:rPr lang="it-IT" dirty="0"/>
-              <a:t> (.wat)</a:t>
-            </a:r>
-          </a:p>
-        </p:txBody>
-      </p:sp>
-      <p:sp>
-        <p:nvSpPr>
-          <p:cNvPr id="8" name="Segnaposto testo 3">
+      <p:pic>
+        <p:nvPicPr>
+          <p:cNvPr id="2050" name="Picture 2" descr="Introduction to Blazor. Web development with c# | inventiv">
             <a:extLst>
               <a:ext uri="{FF2B5EF4-FFF2-40B4-BE49-F238E27FC236}">
-                <a16:creationId xmlns:a16="http://schemas.microsoft.com/office/drawing/2014/main" id="{3176DA23-B91A-954A-33F7-C24C3756871B}"/>
+                <a16:creationId xmlns:a16="http://schemas.microsoft.com/office/drawing/2014/main" id="{1C80238B-EF29-50F3-3B68-916B0342F297}"/>
               </a:ext>
             </a:extLst>
           </p:cNvPr>
-          <p:cNvSpPr txBox="1">
-            <a:spLocks/>
-          </p:cNvSpPr>
+          <p:cNvPicPr>
+            <a:picLocks noChangeAspect="1" noChangeArrowheads="1"/>
+          </p:cNvPicPr>
           <p:nvPr/>
-        </p:nvSpPr>
-        <p:spPr>
-          <a:xfrm>
-            <a:off x="479333" y="2543206"/>
-            <a:ext cx="8189547" cy="3529790"/>
-          </a:xfrm>
-          <a:prstGeom prst="rect">
-            <a:avLst/>
-          </a:prstGeom>
-          <a:solidFill>
-            <a:schemeClr val="bg2"/>
-          </a:solidFill>
-        </p:spPr>
-        <p:txBody>
-          <a:bodyPr/>
-          <a:lstStyle>
-            <a:lvl1pPr marL="0" indent="0" algn="l" defTabSz="914400" rtl="0" eaLnBrk="1" latinLnBrk="0" hangingPunct="1">
-              <a:lnSpc>
-                <a:spcPct val="120000"/>
-              </a:lnSpc>
-              <a:spcBef>
-                <a:spcPts val="1000"/>
-              </a:spcBef>
-              <a:buFont typeface="Arial" panose="020B0604020202020204" pitchFamily="34" charset="0"/>
-              <a:buNone/>
-              <a:defRPr sz="2400" kern="1200">
+        </p:nvPicPr>
+        <p:blipFill>
+          <a:blip r:embed="rId2">
+            <a:extLst>
+              <a:ext uri="{28A0092B-C50C-407E-A947-70E740481C1C}">
+                <a14:useLocalDpi xmlns:a14="http://schemas.microsoft.com/office/drawing/2010/main" val="0"/>
+              </a:ext>
+            </a:extLst>
+          </a:blip>
+          <a:srcRect/>
+          <a:stretch>
+            <a:fillRect/>
+          </a:stretch>
+        </p:blipFill>
+        <p:spPr bwMode="auto">
+          <a:xfrm>
+            <a:off x="366122" y="1200812"/>
+            <a:ext cx="8198250" cy="4456376"/>
+          </a:xfrm>
+          <a:prstGeom prst="rect">
+            <a:avLst/>
+          </a:prstGeom>
+          <a:noFill/>
+          <a:extLst>
+            <a:ext uri="{909E8E84-426E-40DD-AFC4-6F175D3DCCD1}">
+              <a14:hiddenFill xmlns:a14="http://schemas.microsoft.com/office/drawing/2010/main">
                 <a:solidFill>
-                  <a:schemeClr val="tx1"/>
+                  <a:srgbClr val="FFFFFF"/>
                 </a:solidFill>
-                <a:latin typeface="Open Sans" panose="020B0606030504020204" pitchFamily="34" charset="0"/>
-                <a:ea typeface="Open Sans" panose="020B0606030504020204" pitchFamily="34" charset="0"/>
-                <a:cs typeface="Open Sans" panose="020B0606030504020204" pitchFamily="34" charset="0"/>
-              </a:defRPr>
-            </a:lvl1pPr>
-            <a:lvl2pPr marL="685800" indent="-228600" algn="l" defTabSz="914400" rtl="0" eaLnBrk="1" latinLnBrk="0" hangingPunct="1">
-              <a:lnSpc>
-                <a:spcPct val="90000"/>
-              </a:lnSpc>
-              <a:spcBef>
-                <a:spcPts val="500"/>
-              </a:spcBef>
-              <a:buFont typeface="Arial" panose="020B0604020202020204" pitchFamily="34" charset="0"/>
-              <a:buChar char="•"/>
-              <a:defRPr sz="2400" kern="1200">
-                <a:solidFill>
-                  <a:schemeClr val="tx1"/>
-                </a:solidFill>
-                <a:latin typeface="+mn-lt"/>
-                <a:ea typeface="+mn-ea"/>
-                <a:cs typeface="+mn-cs"/>
-              </a:defRPr>
-            </a:lvl2pPr>
-            <a:lvl3pPr marL="1143000" indent="-228600" algn="l" defTabSz="914400" rtl="0" eaLnBrk="1" latinLnBrk="0" hangingPunct="1">
-              <a:lnSpc>
-                <a:spcPct val="90000"/>
-              </a:lnSpc>
-              <a:spcBef>
-                <a:spcPts val="500"/>
-              </a:spcBef>
-              <a:buFont typeface="Arial" panose="020B0604020202020204" pitchFamily="34" charset="0"/>
-              <a:buChar char="•"/>
-              <a:defRPr sz="2000" kern="1200">
-                <a:solidFill>
-                  <a:schemeClr val="tx1"/>
-                </a:solidFill>
-                <a:latin typeface="+mn-lt"/>
-                <a:ea typeface="+mn-ea"/>
-                <a:cs typeface="+mn-cs"/>
-              </a:defRPr>
-            </a:lvl3pPr>
-            <a:lvl4pPr marL="1600200" indent="-228600" algn="l" defTabSz="914400" rtl="0" eaLnBrk="1" latinLnBrk="0" hangingPunct="1">
-              <a:lnSpc>
-                <a:spcPct val="90000"/>
-              </a:lnSpc>
-              <a:spcBef>
-                <a:spcPts val="500"/>
-              </a:spcBef>
-              <a:buFont typeface="Arial" panose="020B0604020202020204" pitchFamily="34" charset="0"/>
-              <a:buChar char="•"/>
-              <a:defRPr sz="1800" kern="1200">
-                <a:solidFill>
-                  <a:schemeClr val="tx1"/>
-                </a:solidFill>
-                <a:latin typeface="+mn-lt"/>
-                <a:ea typeface="+mn-ea"/>
-                <a:cs typeface="+mn-cs"/>
-              </a:defRPr>
-            </a:lvl4pPr>
-            <a:lvl5pPr marL="2057400" indent="-228600" algn="l" defTabSz="914400" rtl="0" eaLnBrk="1" latinLnBrk="0" hangingPunct="1">
-              <a:lnSpc>
-                <a:spcPct val="90000"/>
-              </a:lnSpc>
-              <a:spcBef>
-                <a:spcPts val="500"/>
-              </a:spcBef>
-              <a:buFont typeface="Arial" panose="020B0604020202020204" pitchFamily="34" charset="0"/>
-              <a:buChar char="•"/>
-              <a:defRPr sz="1800" kern="1200">
-                <a:solidFill>
-                  <a:schemeClr val="tx1"/>
-                </a:solidFill>
-                <a:latin typeface="+mn-lt"/>
-                <a:ea typeface="+mn-ea"/>
-                <a:cs typeface="+mn-cs"/>
-              </a:defRPr>
-            </a:lvl5pPr>
-            <a:lvl6pPr marL="2514600" indent="-228600" algn="l" defTabSz="914400" rtl="0" eaLnBrk="1" latinLnBrk="0" hangingPunct="1">
-              <a:lnSpc>
-                <a:spcPct val="90000"/>
-              </a:lnSpc>
-              <a:spcBef>
-                <a:spcPts val="500"/>
-              </a:spcBef>
-              <a:buFont typeface="Arial" panose="020B0604020202020204" pitchFamily="34" charset="0"/>
-              <a:buChar char="•"/>
-              <a:defRPr sz="1800" kern="1200">
-                <a:solidFill>
-                  <a:schemeClr val="tx1"/>
-                </a:solidFill>
-                <a:latin typeface="+mn-lt"/>
-                <a:ea typeface="+mn-ea"/>
-                <a:cs typeface="+mn-cs"/>
-              </a:defRPr>
-            </a:lvl6pPr>
-            <a:lvl7pPr marL="2971800" indent="-228600" algn="l" defTabSz="914400" rtl="0" eaLnBrk="1" latinLnBrk="0" hangingPunct="1">
-              <a:lnSpc>
-                <a:spcPct val="90000"/>
-              </a:lnSpc>
-              <a:spcBef>
-                <a:spcPts val="500"/>
-              </a:spcBef>
-              <a:buFont typeface="Arial" panose="020B0604020202020204" pitchFamily="34" charset="0"/>
-              <a:buChar char="•"/>
-              <a:defRPr sz="1800" kern="1200">
-                <a:solidFill>
-                  <a:schemeClr val="tx1"/>
-                </a:solidFill>
-                <a:latin typeface="+mn-lt"/>
-                <a:ea typeface="+mn-ea"/>
-                <a:cs typeface="+mn-cs"/>
-              </a:defRPr>
-            </a:lvl7pPr>
-            <a:lvl8pPr marL="3429000" indent="-228600" algn="l" defTabSz="914400" rtl="0" eaLnBrk="1" latinLnBrk="0" hangingPunct="1">
-              <a:lnSpc>
-                <a:spcPct val="90000"/>
-              </a:lnSpc>
-              <a:spcBef>
-                <a:spcPts val="500"/>
-              </a:spcBef>
-              <a:buFont typeface="Arial" panose="020B0604020202020204" pitchFamily="34" charset="0"/>
-              <a:buChar char="•"/>
-              <a:defRPr sz="1800" kern="1200">
-                <a:solidFill>
-                  <a:schemeClr val="tx1"/>
-                </a:solidFill>
-                <a:latin typeface="+mn-lt"/>
-                <a:ea typeface="+mn-ea"/>
-                <a:cs typeface="+mn-cs"/>
-              </a:defRPr>
-            </a:lvl8pPr>
-            <a:lvl9pPr marL="3886200" indent="-228600" algn="l" defTabSz="914400" rtl="0" eaLnBrk="1" latinLnBrk="0" hangingPunct="1">
-              <a:lnSpc>
-                <a:spcPct val="90000"/>
-              </a:lnSpc>
-              <a:spcBef>
-                <a:spcPts val="500"/>
-              </a:spcBef>
-              <a:buFont typeface="Arial" panose="020B0604020202020204" pitchFamily="34" charset="0"/>
-              <a:buChar char="•"/>
-              <a:defRPr sz="1800" kern="1200">
-                <a:solidFill>
-                  <a:schemeClr val="tx1"/>
-                </a:solidFill>
-                <a:latin typeface="+mn-lt"/>
-                <a:ea typeface="+mn-ea"/>
-                <a:cs typeface="+mn-cs"/>
-              </a:defRPr>
-            </a:lvl9pPr>
-          </a:lstStyle>
-          <a:p>
-            <a:r>
-              <a:rPr lang="en-US" sz="1800" dirty="0"/>
-              <a:t>(module</a:t>
-            </a:r>
-          </a:p>
-          <a:p>
-            <a:r>
-              <a:rPr lang="en-US" sz="1800" dirty="0"/>
-              <a:t>  (</a:t>
-            </a:r>
-            <a:r>
-              <a:rPr lang="en-US" sz="1800" dirty="0" err="1"/>
-              <a:t>func</a:t>
-            </a:r>
-            <a:r>
-              <a:rPr lang="en-US" sz="1800" dirty="0"/>
-              <a:t> $</a:t>
-            </a:r>
-            <a:r>
-              <a:rPr lang="en-US" sz="1800" dirty="0" err="1"/>
-              <a:t>how_old</a:t>
-            </a:r>
-            <a:r>
-              <a:rPr lang="en-US" sz="1800" dirty="0"/>
-              <a:t> (param $</a:t>
-            </a:r>
-            <a:r>
-              <a:rPr lang="en-US" sz="1800" dirty="0" err="1"/>
-              <a:t>year_now</a:t>
-            </a:r>
-            <a:r>
-              <a:rPr lang="en-US" sz="1800" dirty="0"/>
-              <a:t>(i32) (param $</a:t>
-            </a:r>
-            <a:r>
-              <a:rPr lang="en-US" sz="1800" dirty="0" err="1"/>
-              <a:t>year_born</a:t>
-            </a:r>
-            <a:r>
-              <a:rPr lang="en-US" sz="1800" dirty="0"/>
-              <a:t> i32) (result i32)</a:t>
-            </a:r>
-          </a:p>
-          <a:p>
-            <a:r>
-              <a:rPr lang="en-US" sz="1800" dirty="0"/>
-              <a:t>    </a:t>
-            </a:r>
-            <a:r>
-              <a:rPr lang="en-US" sz="1800" dirty="0" err="1"/>
-              <a:t>get_local</a:t>
-            </a:r>
-            <a:r>
-              <a:rPr lang="en-US" sz="1800" dirty="0"/>
-              <a:t> $</a:t>
-            </a:r>
-            <a:r>
-              <a:rPr lang="en-US" sz="1800" dirty="0" err="1"/>
-              <a:t>year_now</a:t>
-            </a:r>
-            <a:endParaRPr lang="en-US" sz="1800" dirty="0"/>
-          </a:p>
-          <a:p>
-            <a:r>
-              <a:rPr lang="en-US" sz="1800" dirty="0"/>
-              <a:t>    </a:t>
-            </a:r>
-            <a:r>
-              <a:rPr lang="en-US" sz="1800" dirty="0" err="1"/>
-              <a:t>get_local</a:t>
-            </a:r>
-            <a:r>
-              <a:rPr lang="en-US" sz="1800" dirty="0"/>
-              <a:t> $</a:t>
-            </a:r>
-            <a:r>
-              <a:rPr lang="en-US" sz="1800" dirty="0" err="1"/>
-              <a:t>year_born</a:t>
-            </a:r>
-            <a:endParaRPr lang="en-US" sz="1800" dirty="0"/>
-          </a:p>
-          <a:p>
-            <a:r>
-              <a:rPr lang="en-US" sz="1800" dirty="0"/>
-              <a:t>    i32.sub)</a:t>
-            </a:r>
-          </a:p>
-          <a:p>
-            <a:r>
-              <a:rPr lang="en-US" sz="1800" dirty="0"/>
-              <a:t>    (export "</a:t>
-            </a:r>
-            <a:r>
-              <a:rPr lang="en-US" sz="1800" dirty="0" err="1"/>
-              <a:t>how_old</a:t>
-            </a:r>
-            <a:r>
-              <a:rPr lang="en-US" sz="1800" dirty="0"/>
-              <a:t>" (</a:t>
-            </a:r>
-            <a:r>
-              <a:rPr lang="en-US" sz="1800" dirty="0" err="1"/>
-              <a:t>func</a:t>
-            </a:r>
-            <a:r>
-              <a:rPr lang="en-US" sz="1800" dirty="0"/>
-              <a:t> $</a:t>
-            </a:r>
-            <a:r>
-              <a:rPr lang="en-US" sz="1800" dirty="0" err="1"/>
-              <a:t>how_old</a:t>
-            </a:r>
-            <a:r>
-              <a:rPr lang="en-US" sz="1800" dirty="0"/>
-              <a:t>)</a:t>
-            </a:r>
-          </a:p>
-          <a:p>
-            <a:r>
-              <a:rPr lang="en-US" sz="1800" dirty="0"/>
-              <a:t>  )</a:t>
-            </a:r>
-          </a:p>
-          <a:p>
-            <a:r>
-              <a:rPr lang="en-US" sz="1800" dirty="0"/>
-              <a:t>)</a:t>
-            </a:r>
-            <a:endParaRPr lang="it-IT" sz="1800" dirty="0"/>
-          </a:p>
-        </p:txBody>
-      </p:sp>
+              </a14:hiddenFill>
+            </a:ext>
+          </a:extLst>
+        </p:spPr>
+      </p:pic>
       <p:sp>
         <p:nvSpPr>
-          <p:cNvPr id="2" name="Segnaposto piè di pagina 2">
+          <p:cNvPr id="7" name="Segnaposto piè di pagina 2">
             <a:extLst>
               <a:ext uri="{FF2B5EF4-FFF2-40B4-BE49-F238E27FC236}">
-                <a16:creationId xmlns:a16="http://schemas.microsoft.com/office/drawing/2014/main" id="{EC2C292B-BD06-C0AA-FE39-9544E2B643A0}"/>
+                <a16:creationId xmlns:a16="http://schemas.microsoft.com/office/drawing/2014/main" id="{F513D13F-7446-0A96-80CC-81CE0879EC2B}"/>
               </a:ext>
             </a:extLst>
           </p:cNvPr>
@@ -11273,19 +7207,11 @@
             </a:r>
             <a:r>
               <a:rPr lang="en-US" altLang="en-US" dirty="0" err="1"/>
-              <a:t>UGIdotnet</a:t>
+              <a:t>XMASDev</a:t>
             </a:r>
             <a:r>
               <a:rPr lang="en-US" altLang="en-US" dirty="0"/>
-              <a:t> </a:t>
-            </a:r>
-            <a:r>
-              <a:rPr lang="en-US" altLang="en-US" dirty="0" err="1"/>
-              <a:t>SmallTalk</a:t>
-            </a:r>
-            <a:r>
-              <a:rPr lang="en-US" altLang="en-US" dirty="0"/>
-              <a:t> 05/10/2022</a:t>
+              <a:t> 16/12/2022</a:t>
             </a:r>
           </a:p>
         </p:txBody>
@@ -11293,7 +7219,7 @@
     </p:spTree>
     <p:extLst>
       <p:ext uri="{BB962C8B-B14F-4D97-AF65-F5344CB8AC3E}">
-        <p14:creationId xmlns:p14="http://schemas.microsoft.com/office/powerpoint/2010/main" val="3575578196"/>
+        <p14:creationId xmlns:p14="http://schemas.microsoft.com/office/powerpoint/2010/main" val="2919441373"/>
       </p:ext>
     </p:extLst>
   </p:cSld>
@@ -11320,62 +7246,6 @@
           <a:chExt cx="0" cy="0"/>
         </a:xfrm>
       </p:grpSpPr>
-      <p:sp>
-        <p:nvSpPr>
-          <p:cNvPr id="3" name="Segnaposto piè di pagina 2">
-            <a:extLst>
-              <a:ext uri="{FF2B5EF4-FFF2-40B4-BE49-F238E27FC236}">
-                <a16:creationId xmlns:a16="http://schemas.microsoft.com/office/drawing/2014/main" id="{8E45182B-8B3E-6969-96F3-1EEAA08CDA2A}"/>
-              </a:ext>
-            </a:extLst>
-          </p:cNvPr>
-          <p:cNvSpPr>
-            <a:spLocks noGrp="1"/>
-          </p:cNvSpPr>
-          <p:nvPr>
-            <p:ph type="ftr" sz="quarter" idx="10"/>
-          </p:nvPr>
-        </p:nvSpPr>
-        <p:spPr>
-          <a:xfrm>
-            <a:off x="366122" y="6286803"/>
-            <a:ext cx="7196162" cy="312405"/>
-          </a:xfrm>
-        </p:spPr>
-        <p:txBody>
-          <a:bodyPr/>
-          <a:lstStyle/>
-          <a:p>
-            <a:pPr>
-              <a:defRPr/>
-            </a:pPr>
-            <a:r>
-              <a:rPr lang="en-US" altLang="en-US" dirty="0" err="1"/>
-              <a:t>WebAssembly</a:t>
-            </a:r>
-            <a:r>
-              <a:rPr lang="en-US" altLang="en-US" dirty="0"/>
-              <a:t> – </a:t>
-            </a:r>
-            <a:r>
-              <a:rPr lang="en-US" altLang="en-US" dirty="0" err="1"/>
-              <a:t>UGIdotnet</a:t>
-            </a:r>
-            <a:r>
-              <a:rPr lang="en-US" altLang="en-US" dirty="0"/>
-              <a:t> </a:t>
-            </a:r>
-            <a:r>
-              <a:rPr lang="en-US" altLang="en-US" dirty="0" err="1"/>
-              <a:t>SmallTalk</a:t>
-            </a:r>
-            <a:r>
-              <a:rPr lang="en-US" altLang="en-US" dirty="0"/>
-              <a:t> 05/10/2022</a:t>
-            </a:r>
-          </a:p>
-        </p:txBody>
-      </p:sp>
       <p:pic>
         <p:nvPicPr>
           <p:cNvPr id="10" name="Immagine 9">
@@ -11406,6 +7276,54 @@
           </a:prstGeom>
         </p:spPr>
       </p:pic>
+      <p:sp>
+        <p:nvSpPr>
+          <p:cNvPr id="2" name="Segnaposto piè di pagina 2">
+            <a:extLst>
+              <a:ext uri="{FF2B5EF4-FFF2-40B4-BE49-F238E27FC236}">
+                <a16:creationId xmlns:a16="http://schemas.microsoft.com/office/drawing/2014/main" id="{699F2DA1-AF57-021B-766C-214758DC4C95}"/>
+              </a:ext>
+            </a:extLst>
+          </p:cNvPr>
+          <p:cNvSpPr>
+            <a:spLocks noGrp="1"/>
+          </p:cNvSpPr>
+          <p:nvPr>
+            <p:ph type="ftr" sz="quarter" idx="10"/>
+          </p:nvPr>
+        </p:nvSpPr>
+        <p:spPr>
+          <a:xfrm>
+            <a:off x="366122" y="6286803"/>
+            <a:ext cx="7196162" cy="312405"/>
+          </a:xfrm>
+        </p:spPr>
+        <p:txBody>
+          <a:bodyPr/>
+          <a:lstStyle/>
+          <a:p>
+            <a:pPr>
+              <a:defRPr/>
+            </a:pPr>
+            <a:r>
+              <a:rPr lang="en-US" altLang="en-US" dirty="0" err="1"/>
+              <a:t>WebAssembly</a:t>
+            </a:r>
+            <a:r>
+              <a:rPr lang="en-US" altLang="en-US" dirty="0"/>
+              <a:t> – </a:t>
+            </a:r>
+            <a:r>
+              <a:rPr lang="en-US" altLang="en-US" dirty="0" err="1"/>
+              <a:t>XMASDev</a:t>
+            </a:r>
+            <a:r>
+              <a:rPr lang="en-US" altLang="en-US" dirty="0"/>
+              <a:t> 16/12/2022</a:t>
+            </a:r>
+          </a:p>
+        </p:txBody>
+      </p:sp>
     </p:spTree>
     <p:extLst>
       <p:ext uri="{BB962C8B-B14F-4D97-AF65-F5344CB8AC3E}">
@@ -11446,1062 +7364,58 @@
             <p:ph type="ctrTitle"/>
           </p:nvPr>
         </p:nvSpPr>
-        <p:spPr>
-          <a:xfrm>
-            <a:off x="470630" y="187300"/>
-            <a:ext cx="8198250" cy="875654"/>
-          </a:xfrm>
-        </p:spPr>
+        <p:spPr/>
         <p:txBody>
           <a:bodyPr/>
           <a:lstStyle/>
           <a:p>
             <a:r>
-              <a:rPr lang="it-IT" dirty="0" err="1"/>
+              <a:rPr lang="it-IT" sz="3200" dirty="0" err="1"/>
               <a:t>WebAssembly</a:t>
             </a:r>
             <a:r>
-              <a:rPr lang="it-IT" dirty="0"/>
-              <a:t> </a:t>
-            </a:r>
-            <a:r>
-              <a:rPr lang="it-IT" dirty="0" err="1"/>
-              <a:t>Structure</a:t>
-            </a:r>
-            <a:endParaRPr lang="it-IT" dirty="0"/>
+              <a:rPr lang="it-IT" sz="3200" dirty="0"/>
+              <a:t> sostituirà Docker?</a:t>
+            </a:r>
           </a:p>
         </p:txBody>
       </p:sp>
-      <p:graphicFrame>
-        <p:nvGraphicFramePr>
-          <p:cNvPr id="5" name="Tabella 5">
+      <p:pic>
+        <p:nvPicPr>
+          <p:cNvPr id="6" name="Immagine 5">
             <a:extLst>
               <a:ext uri="{FF2B5EF4-FFF2-40B4-BE49-F238E27FC236}">
-                <a16:creationId xmlns:a16="http://schemas.microsoft.com/office/drawing/2014/main" id="{E0972043-92DE-1A76-0563-813D9BB240C8}"/>
+                <a16:creationId xmlns:a16="http://schemas.microsoft.com/office/drawing/2014/main" id="{B2ADD86F-4824-B365-3A48-F946CCA5D93C}"/>
               </a:ext>
             </a:extLst>
           </p:cNvPr>
-          <p:cNvGraphicFramePr>
-            <a:graphicFrameLocks noGrp="1"/>
-          </p:cNvGraphicFramePr>
-          <p:nvPr>
-            <p:extLst>
-              <p:ext uri="{D42A27DB-BD31-4B8C-83A1-F6EECF244321}">
-                <p14:modId xmlns:p14="http://schemas.microsoft.com/office/powerpoint/2010/main" val="4278510176"/>
-              </p:ext>
-            </p:extLst>
-          </p:nvPr>
-        </p:nvGraphicFramePr>
-        <p:xfrm>
-          <a:off x="627817" y="1172680"/>
-          <a:ext cx="7888365" cy="4710538"/>
-        </p:xfrm>
-        <a:graphic>
-          <a:graphicData uri="http://schemas.openxmlformats.org/drawingml/2006/table">
-            <a:tbl>
-              <a:tblPr firstRow="1" bandRow="1">
-                <a:tableStyleId>{5C22544A-7EE6-4342-B048-85BDC9FD1C3A}</a:tableStyleId>
-              </a:tblPr>
-              <a:tblGrid>
-                <a:gridCol w="642178">
-                  <a:extLst>
-                    <a:ext uri="{9D8B030D-6E8A-4147-A177-3AD203B41FA5}">
-                      <a16:colId xmlns:a16="http://schemas.microsoft.com/office/drawing/2014/main" val="3781318167"/>
-                    </a:ext>
-                  </a:extLst>
-                </a:gridCol>
-                <a:gridCol w="1319841">
-                  <a:extLst>
-                    <a:ext uri="{9D8B030D-6E8A-4147-A177-3AD203B41FA5}">
-                      <a16:colId xmlns:a16="http://schemas.microsoft.com/office/drawing/2014/main" val="3089345734"/>
-                    </a:ext>
-                  </a:extLst>
-                </a:gridCol>
-                <a:gridCol w="5926346">
-                  <a:extLst>
-                    <a:ext uri="{9D8B030D-6E8A-4147-A177-3AD203B41FA5}">
-                      <a16:colId xmlns:a16="http://schemas.microsoft.com/office/drawing/2014/main" val="487138810"/>
-                    </a:ext>
-                  </a:extLst>
-                </a:gridCol>
-              </a:tblGrid>
-              <a:tr h="336467">
-                <a:tc>
-                  <a:txBody>
-                    <a:bodyPr/>
-                    <a:lstStyle/>
-                    <a:p>
-                      <a:r>
-                        <a:rPr lang="it-IT" sz="1600" dirty="0"/>
-                        <a:t>Id</a:t>
-                      </a:r>
-                    </a:p>
-                  </a:txBody>
-                  <a:tcPr/>
-                </a:tc>
-                <a:tc>
-                  <a:txBody>
-                    <a:bodyPr/>
-                    <a:lstStyle/>
-                    <a:p>
-                      <a:r>
-                        <a:rPr lang="it-IT" sz="1600" dirty="0"/>
-                        <a:t>Name</a:t>
-                      </a:r>
-                    </a:p>
-                  </a:txBody>
-                  <a:tcPr/>
-                </a:tc>
-                <a:tc>
-                  <a:txBody>
-                    <a:bodyPr/>
-                    <a:lstStyle/>
-                    <a:p>
-                      <a:r>
-                        <a:rPr lang="it-IT" sz="1600" dirty="0" err="1"/>
-                        <a:t>Description</a:t>
-                      </a:r>
-                      <a:endParaRPr lang="it-IT" sz="1600" dirty="0"/>
-                    </a:p>
-                  </a:txBody>
-                  <a:tcPr/>
-                </a:tc>
-                <a:extLst>
-                  <a:ext uri="{0D108BD9-81ED-4DB2-BD59-A6C34878D82A}">
-                    <a16:rowId xmlns:a16="http://schemas.microsoft.com/office/drawing/2014/main" val="3447522089"/>
-                  </a:ext>
-                </a:extLst>
-              </a:tr>
-              <a:tr h="336467">
-                <a:tc>
-                  <a:txBody>
-                    <a:bodyPr/>
-                    <a:lstStyle/>
-                    <a:p>
-                      <a:r>
-                        <a:rPr lang="it-IT" sz="1200" dirty="0"/>
-                        <a:t>0</a:t>
-                      </a:r>
-                    </a:p>
-                  </a:txBody>
-                  <a:tcPr/>
-                </a:tc>
-                <a:tc>
-                  <a:txBody>
-                    <a:bodyPr/>
-                    <a:lstStyle/>
-                    <a:p>
-                      <a:r>
-                        <a:rPr lang="it-IT" sz="1200" dirty="0"/>
-                        <a:t>Custom</a:t>
-                      </a:r>
-                    </a:p>
-                  </a:txBody>
-                  <a:tcPr/>
-                </a:tc>
-                <a:tc>
-                  <a:txBody>
-                    <a:bodyPr/>
-                    <a:lstStyle/>
-                    <a:p>
-                      <a:r>
-                        <a:rPr lang="it-IT" sz="1200" dirty="0"/>
-                        <a:t>Debugging or metadata information for </a:t>
-                      </a:r>
-                      <a:r>
-                        <a:rPr lang="it-IT" sz="1200" dirty="0" err="1"/>
-                        <a:t>third</a:t>
-                      </a:r>
-                      <a:r>
-                        <a:rPr lang="it-IT" sz="1200" dirty="0"/>
-                        <a:t>-party </a:t>
-                      </a:r>
-                      <a:r>
-                        <a:rPr lang="it-IT" sz="1200" dirty="0" err="1"/>
-                        <a:t>uses</a:t>
-                      </a:r>
-                      <a:endParaRPr lang="it-IT" sz="1200" dirty="0"/>
-                    </a:p>
-                  </a:txBody>
-                  <a:tcPr/>
-                </a:tc>
-                <a:extLst>
-                  <a:ext uri="{0D108BD9-81ED-4DB2-BD59-A6C34878D82A}">
-                    <a16:rowId xmlns:a16="http://schemas.microsoft.com/office/drawing/2014/main" val="1967450871"/>
-                  </a:ext>
-                </a:extLst>
-              </a:tr>
-              <a:tr h="336467">
-                <a:tc>
-                  <a:txBody>
-                    <a:bodyPr/>
-                    <a:lstStyle/>
-                    <a:p>
-                      <a:r>
-                        <a:rPr lang="it-IT" sz="1200" dirty="0"/>
-                        <a:t>1</a:t>
-                      </a:r>
-                    </a:p>
-                  </a:txBody>
-                  <a:tcPr/>
-                </a:tc>
-                <a:tc>
-                  <a:txBody>
-                    <a:bodyPr/>
-                    <a:lstStyle/>
-                    <a:p>
-                      <a:r>
-                        <a:rPr lang="it-IT" sz="1200" dirty="0" err="1"/>
-                        <a:t>Type</a:t>
-                      </a:r>
-                      <a:endParaRPr lang="it-IT" sz="1200" dirty="0"/>
-                    </a:p>
-                  </a:txBody>
-                  <a:tcPr/>
-                </a:tc>
-                <a:tc>
-                  <a:txBody>
-                    <a:bodyPr/>
-                    <a:lstStyle/>
-                    <a:p>
-                      <a:r>
-                        <a:rPr lang="it-IT" sz="1200" dirty="0" err="1"/>
-                        <a:t>Type</a:t>
-                      </a:r>
-                      <a:r>
-                        <a:rPr lang="it-IT" sz="1200" dirty="0"/>
-                        <a:t> </a:t>
-                      </a:r>
-                      <a:r>
-                        <a:rPr lang="it-IT" sz="1200" dirty="0" err="1"/>
-                        <a:t>definitions</a:t>
-                      </a:r>
-                      <a:r>
-                        <a:rPr lang="it-IT" sz="1200" dirty="0"/>
-                        <a:t> </a:t>
-                      </a:r>
-                      <a:r>
-                        <a:rPr lang="it-IT" sz="1200" dirty="0" err="1"/>
-                        <a:t>used</a:t>
-                      </a:r>
-                      <a:r>
-                        <a:rPr lang="it-IT" sz="1200" dirty="0"/>
-                        <a:t> in the </a:t>
-                      </a:r>
-                      <a:r>
-                        <a:rPr lang="it-IT" sz="1200" dirty="0" err="1"/>
-                        <a:t>modules</a:t>
-                      </a:r>
-                      <a:endParaRPr lang="it-IT" sz="1200" dirty="0"/>
-                    </a:p>
-                  </a:txBody>
-                  <a:tcPr/>
-                </a:tc>
-                <a:extLst>
-                  <a:ext uri="{0D108BD9-81ED-4DB2-BD59-A6C34878D82A}">
-                    <a16:rowId xmlns:a16="http://schemas.microsoft.com/office/drawing/2014/main" val="2602423868"/>
-                  </a:ext>
-                </a:extLst>
-              </a:tr>
-              <a:tr h="336467">
-                <a:tc>
-                  <a:txBody>
-                    <a:bodyPr/>
-                    <a:lstStyle/>
-                    <a:p>
-                      <a:r>
-                        <a:rPr lang="it-IT" sz="1200" dirty="0"/>
-                        <a:t>2</a:t>
-                      </a:r>
-                    </a:p>
-                  </a:txBody>
-                  <a:tcPr/>
-                </a:tc>
-                <a:tc>
-                  <a:txBody>
-                    <a:bodyPr/>
-                    <a:lstStyle/>
-                    <a:p>
-                      <a:r>
-                        <a:rPr lang="it-IT" sz="1200" dirty="0"/>
-                        <a:t>Import</a:t>
-                      </a:r>
-                    </a:p>
-                  </a:txBody>
-                  <a:tcPr/>
-                </a:tc>
-                <a:tc>
-                  <a:txBody>
-                    <a:bodyPr/>
-                    <a:lstStyle/>
-                    <a:p>
-                      <a:r>
-                        <a:rPr lang="it-IT" sz="1200" dirty="0" err="1"/>
-                        <a:t>Imported</a:t>
-                      </a:r>
-                      <a:r>
-                        <a:rPr lang="it-IT" sz="1200" dirty="0"/>
-                        <a:t> </a:t>
-                      </a:r>
-                      <a:r>
-                        <a:rPr lang="it-IT" sz="1200" dirty="0" err="1"/>
-                        <a:t>elements</a:t>
-                      </a:r>
-                      <a:r>
-                        <a:rPr lang="it-IT" sz="1200" dirty="0"/>
-                        <a:t> </a:t>
-                      </a:r>
-                      <a:r>
-                        <a:rPr lang="it-IT" sz="1200" dirty="0" err="1"/>
-                        <a:t>used</a:t>
-                      </a:r>
-                      <a:r>
-                        <a:rPr lang="it-IT" sz="1200" dirty="0"/>
-                        <a:t> by a </a:t>
-                      </a:r>
-                      <a:r>
-                        <a:rPr lang="it-IT" sz="1200" dirty="0" err="1"/>
-                        <a:t>module</a:t>
-                      </a:r>
-                      <a:endParaRPr lang="it-IT" sz="1200" dirty="0"/>
-                    </a:p>
-                  </a:txBody>
-                  <a:tcPr/>
-                </a:tc>
-                <a:extLst>
-                  <a:ext uri="{0D108BD9-81ED-4DB2-BD59-A6C34878D82A}">
-                    <a16:rowId xmlns:a16="http://schemas.microsoft.com/office/drawing/2014/main" val="3978907892"/>
-                  </a:ext>
-                </a:extLst>
-              </a:tr>
-              <a:tr h="336467">
-                <a:tc>
-                  <a:txBody>
-                    <a:bodyPr/>
-                    <a:lstStyle/>
-                    <a:p>
-                      <a:r>
-                        <a:rPr lang="it-IT" sz="1200" dirty="0"/>
-                        <a:t>3</a:t>
-                      </a:r>
-                    </a:p>
-                  </a:txBody>
-                  <a:tcPr/>
-                </a:tc>
-                <a:tc>
-                  <a:txBody>
-                    <a:bodyPr/>
-                    <a:lstStyle/>
-                    <a:p>
-                      <a:r>
-                        <a:rPr lang="it-IT" sz="1200" dirty="0" err="1"/>
-                        <a:t>Function</a:t>
-                      </a:r>
-                      <a:endParaRPr lang="it-IT" sz="1200" dirty="0"/>
-                    </a:p>
-                  </a:txBody>
-                  <a:tcPr/>
-                </a:tc>
-                <a:tc>
-                  <a:txBody>
-                    <a:bodyPr/>
-                    <a:lstStyle/>
-                    <a:p>
-                      <a:r>
-                        <a:rPr lang="it-IT" sz="1200" dirty="0" err="1"/>
-                        <a:t>Type</a:t>
-                      </a:r>
-                      <a:r>
-                        <a:rPr lang="it-IT" sz="1200" dirty="0"/>
-                        <a:t> signatures </a:t>
-                      </a:r>
-                      <a:r>
-                        <a:rPr lang="it-IT" sz="1200" dirty="0" err="1"/>
-                        <a:t>associated</a:t>
-                      </a:r>
-                      <a:r>
-                        <a:rPr lang="it-IT" sz="1200" dirty="0"/>
-                        <a:t> with the </a:t>
-                      </a:r>
-                      <a:r>
-                        <a:rPr lang="it-IT" sz="1200" dirty="0" err="1"/>
-                        <a:t>functions</a:t>
-                      </a:r>
-                      <a:r>
-                        <a:rPr lang="it-IT" sz="1200" dirty="0"/>
-                        <a:t> in a </a:t>
-                      </a:r>
-                      <a:r>
-                        <a:rPr lang="it-IT" sz="1200" dirty="0" err="1"/>
-                        <a:t>module</a:t>
-                      </a:r>
-                      <a:endParaRPr lang="it-IT" sz="1200" dirty="0"/>
-                    </a:p>
-                  </a:txBody>
-                  <a:tcPr/>
-                </a:tc>
-                <a:extLst>
-                  <a:ext uri="{0D108BD9-81ED-4DB2-BD59-A6C34878D82A}">
-                    <a16:rowId xmlns:a16="http://schemas.microsoft.com/office/drawing/2014/main" val="1527670053"/>
-                  </a:ext>
-                </a:extLst>
-              </a:tr>
-              <a:tr h="336467">
-                <a:tc>
-                  <a:txBody>
-                    <a:bodyPr/>
-                    <a:lstStyle/>
-                    <a:p>
-                      <a:r>
-                        <a:rPr lang="it-IT" sz="1200" dirty="0"/>
-                        <a:t>4</a:t>
-                      </a:r>
-                    </a:p>
-                  </a:txBody>
-                  <a:tcPr/>
-                </a:tc>
-                <a:tc>
-                  <a:txBody>
-                    <a:bodyPr/>
-                    <a:lstStyle/>
-                    <a:p>
-                      <a:r>
-                        <a:rPr lang="it-IT" sz="1200" dirty="0" err="1"/>
-                        <a:t>Table</a:t>
-                      </a:r>
-                      <a:endParaRPr lang="it-IT" sz="1200" dirty="0"/>
-                    </a:p>
-                  </a:txBody>
-                  <a:tcPr/>
-                </a:tc>
-                <a:tc>
-                  <a:txBody>
-                    <a:bodyPr/>
-                    <a:lstStyle/>
-                    <a:p>
-                      <a:r>
-                        <a:rPr lang="it-IT" sz="1200" dirty="0" err="1"/>
-                        <a:t>Tables</a:t>
-                      </a:r>
-                      <a:r>
-                        <a:rPr lang="it-IT" sz="1200" dirty="0"/>
-                        <a:t> </a:t>
-                      </a:r>
-                      <a:r>
-                        <a:rPr lang="it-IT" sz="1200" dirty="0" err="1"/>
-                        <a:t>that</a:t>
-                      </a:r>
-                      <a:r>
-                        <a:rPr lang="it-IT" sz="1200" dirty="0"/>
-                        <a:t> </a:t>
-                      </a:r>
-                      <a:r>
-                        <a:rPr lang="it-IT" sz="1200" dirty="0" err="1"/>
-                        <a:t>define</a:t>
-                      </a:r>
-                      <a:r>
-                        <a:rPr lang="it-IT" sz="1200" dirty="0"/>
-                        <a:t> </a:t>
-                      </a:r>
-                      <a:r>
-                        <a:rPr lang="it-IT" sz="1200" dirty="0" err="1"/>
-                        <a:t>indirect</a:t>
-                      </a:r>
-                      <a:r>
-                        <a:rPr lang="it-IT" sz="1200" dirty="0"/>
-                        <a:t>, </a:t>
-                      </a:r>
-                      <a:r>
-                        <a:rPr lang="it-IT" sz="1200" dirty="0" err="1"/>
-                        <a:t>immutable</a:t>
-                      </a:r>
-                      <a:r>
-                        <a:rPr lang="it-IT" sz="1200" dirty="0"/>
-                        <a:t> </a:t>
-                      </a:r>
-                      <a:r>
-                        <a:rPr lang="it-IT" sz="1200" dirty="0" err="1"/>
-                        <a:t>reference</a:t>
-                      </a:r>
-                      <a:r>
-                        <a:rPr lang="it-IT" sz="1200" dirty="0"/>
-                        <a:t> </a:t>
-                      </a:r>
-                      <a:r>
-                        <a:rPr lang="it-IT" sz="1200" dirty="0" err="1"/>
-                        <a:t>used</a:t>
-                      </a:r>
-                      <a:r>
-                        <a:rPr lang="it-IT" sz="1200" dirty="0"/>
-                        <a:t> by a </a:t>
-                      </a:r>
-                      <a:r>
-                        <a:rPr lang="it-IT" sz="1200" dirty="0" err="1"/>
-                        <a:t>module</a:t>
-                      </a:r>
-                      <a:endParaRPr lang="it-IT" sz="1200" dirty="0"/>
-                    </a:p>
-                  </a:txBody>
-                  <a:tcPr/>
-                </a:tc>
-                <a:extLst>
-                  <a:ext uri="{0D108BD9-81ED-4DB2-BD59-A6C34878D82A}">
-                    <a16:rowId xmlns:a16="http://schemas.microsoft.com/office/drawing/2014/main" val="3600139140"/>
-                  </a:ext>
-                </a:extLst>
-              </a:tr>
-              <a:tr h="336467">
-                <a:tc>
-                  <a:txBody>
-                    <a:bodyPr/>
-                    <a:lstStyle/>
-                    <a:p>
-                      <a:r>
-                        <a:rPr lang="it-IT" sz="1200" dirty="0"/>
-                        <a:t>5</a:t>
-                      </a:r>
-                    </a:p>
-                  </a:txBody>
-                  <a:tcPr/>
-                </a:tc>
-                <a:tc>
-                  <a:txBody>
-                    <a:bodyPr/>
-                    <a:lstStyle/>
-                    <a:p>
-                      <a:r>
-                        <a:rPr lang="it-IT" sz="1200" dirty="0"/>
-                        <a:t>Memory</a:t>
-                      </a:r>
-                    </a:p>
-                  </a:txBody>
-                  <a:tcPr/>
-                </a:tc>
-                <a:tc>
-                  <a:txBody>
-                    <a:bodyPr/>
-                    <a:lstStyle/>
-                    <a:p>
-                      <a:r>
-                        <a:rPr lang="it-IT" sz="1200" dirty="0"/>
-                        <a:t>Linear </a:t>
-                      </a:r>
-                      <a:r>
-                        <a:rPr lang="it-IT" sz="1200" dirty="0" err="1"/>
-                        <a:t>memory</a:t>
-                      </a:r>
-                      <a:r>
-                        <a:rPr lang="it-IT" sz="1200" dirty="0"/>
-                        <a:t> </a:t>
-                      </a:r>
-                      <a:r>
-                        <a:rPr lang="it-IT" sz="1200" dirty="0" err="1"/>
-                        <a:t>structures</a:t>
-                      </a:r>
-                      <a:r>
-                        <a:rPr lang="it-IT" sz="1200" dirty="0"/>
-                        <a:t> </a:t>
-                      </a:r>
-                      <a:r>
-                        <a:rPr lang="it-IT" sz="1200" dirty="0" err="1"/>
-                        <a:t>used</a:t>
-                      </a:r>
-                      <a:r>
-                        <a:rPr lang="it-IT" sz="1200" dirty="0"/>
-                        <a:t> by a </a:t>
-                      </a:r>
-                      <a:r>
-                        <a:rPr lang="it-IT" sz="1200" dirty="0" err="1"/>
-                        <a:t>module</a:t>
-                      </a:r>
-                      <a:endParaRPr lang="it-IT" sz="1200" dirty="0"/>
-                    </a:p>
-                  </a:txBody>
-                  <a:tcPr/>
-                </a:tc>
-                <a:extLst>
-                  <a:ext uri="{0D108BD9-81ED-4DB2-BD59-A6C34878D82A}">
-                    <a16:rowId xmlns:a16="http://schemas.microsoft.com/office/drawing/2014/main" val="1792542551"/>
-                  </a:ext>
-                </a:extLst>
-              </a:tr>
-              <a:tr h="336467">
-                <a:tc>
-                  <a:txBody>
-                    <a:bodyPr/>
-                    <a:lstStyle/>
-                    <a:p>
-                      <a:r>
-                        <a:rPr lang="it-IT" sz="1200" dirty="0"/>
-                        <a:t>6</a:t>
-                      </a:r>
-                    </a:p>
-                  </a:txBody>
-                  <a:tcPr/>
-                </a:tc>
-                <a:tc>
-                  <a:txBody>
-                    <a:bodyPr/>
-                    <a:lstStyle/>
-                    <a:p>
-                      <a:r>
-                        <a:rPr lang="it-IT" sz="1200" dirty="0"/>
-                        <a:t>Global</a:t>
-                      </a:r>
-                    </a:p>
-                  </a:txBody>
-                  <a:tcPr/>
-                </a:tc>
-                <a:tc>
-                  <a:txBody>
-                    <a:bodyPr/>
-                    <a:lstStyle/>
-                    <a:p>
-                      <a:r>
-                        <a:rPr lang="it-IT" sz="1200" dirty="0"/>
-                        <a:t>Global </a:t>
-                      </a:r>
-                      <a:r>
-                        <a:rPr lang="it-IT" sz="1200" dirty="0" err="1"/>
-                        <a:t>variables</a:t>
-                      </a:r>
-                      <a:endParaRPr lang="it-IT" sz="1200" dirty="0"/>
-                    </a:p>
-                  </a:txBody>
-                  <a:tcPr/>
-                </a:tc>
-                <a:extLst>
-                  <a:ext uri="{0D108BD9-81ED-4DB2-BD59-A6C34878D82A}">
-                    <a16:rowId xmlns:a16="http://schemas.microsoft.com/office/drawing/2014/main" val="1455207404"/>
-                  </a:ext>
-                </a:extLst>
-              </a:tr>
-              <a:tr h="336467">
-                <a:tc>
-                  <a:txBody>
-                    <a:bodyPr/>
-                    <a:lstStyle/>
-                    <a:p>
-                      <a:r>
-                        <a:rPr lang="it-IT" sz="1200" dirty="0"/>
-                        <a:t>7</a:t>
-                      </a:r>
-                    </a:p>
-                  </a:txBody>
-                  <a:tcPr/>
-                </a:tc>
-                <a:tc>
-                  <a:txBody>
-                    <a:bodyPr/>
-                    <a:lstStyle/>
-                    <a:p>
-                      <a:r>
-                        <a:rPr lang="it-IT" sz="1200" dirty="0"/>
-                        <a:t>Export</a:t>
-                      </a:r>
-                    </a:p>
-                  </a:txBody>
-                  <a:tcPr/>
-                </a:tc>
-                <a:tc>
-                  <a:txBody>
-                    <a:bodyPr/>
-                    <a:lstStyle/>
-                    <a:p>
-                      <a:r>
-                        <a:rPr lang="it-IT" sz="1200" dirty="0" err="1"/>
-                        <a:t>Exported</a:t>
-                      </a:r>
-                      <a:r>
-                        <a:rPr lang="it-IT" sz="1200" dirty="0"/>
-                        <a:t> </a:t>
-                      </a:r>
-                      <a:r>
-                        <a:rPr lang="it-IT" sz="1200" dirty="0" err="1"/>
-                        <a:t>elements</a:t>
-                      </a:r>
-                      <a:r>
-                        <a:rPr lang="it-IT" sz="1200" dirty="0"/>
-                        <a:t> </a:t>
-                      </a:r>
-                      <a:r>
-                        <a:rPr lang="it-IT" sz="1200" dirty="0" err="1"/>
-                        <a:t>provided</a:t>
-                      </a:r>
-                      <a:r>
-                        <a:rPr lang="it-IT" sz="1200" dirty="0"/>
-                        <a:t> by a </a:t>
-                      </a:r>
-                      <a:r>
-                        <a:rPr lang="it-IT" sz="1200" dirty="0" err="1"/>
-                        <a:t>module</a:t>
-                      </a:r>
-                      <a:endParaRPr lang="it-IT" sz="1200" dirty="0"/>
-                    </a:p>
-                  </a:txBody>
-                  <a:tcPr/>
-                </a:tc>
-                <a:extLst>
-                  <a:ext uri="{0D108BD9-81ED-4DB2-BD59-A6C34878D82A}">
-                    <a16:rowId xmlns:a16="http://schemas.microsoft.com/office/drawing/2014/main" val="1525828280"/>
-                  </a:ext>
-                </a:extLst>
-              </a:tr>
-              <a:tr h="336467">
-                <a:tc>
-                  <a:txBody>
-                    <a:bodyPr/>
-                    <a:lstStyle/>
-                    <a:p>
-                      <a:r>
-                        <a:rPr lang="it-IT" sz="1200" dirty="0"/>
-                        <a:t>8</a:t>
-                      </a:r>
-                    </a:p>
-                  </a:txBody>
-                  <a:tcPr/>
-                </a:tc>
-                <a:tc>
-                  <a:txBody>
-                    <a:bodyPr/>
-                    <a:lstStyle/>
-                    <a:p>
-                      <a:r>
-                        <a:rPr lang="it-IT" sz="1200" dirty="0"/>
-                        <a:t>Start</a:t>
-                      </a:r>
-                    </a:p>
-                  </a:txBody>
-                  <a:tcPr/>
-                </a:tc>
-                <a:tc>
-                  <a:txBody>
-                    <a:bodyPr/>
-                    <a:lstStyle/>
-                    <a:p>
-                      <a:r>
-                        <a:rPr lang="it-IT" sz="1200" dirty="0"/>
-                        <a:t>An optional start </a:t>
-                      </a:r>
-                      <a:r>
-                        <a:rPr lang="it-IT" sz="1200" dirty="0" err="1"/>
-                        <a:t>function</a:t>
-                      </a:r>
-                      <a:r>
-                        <a:rPr lang="it-IT" sz="1200" dirty="0"/>
-                        <a:t> to </a:t>
-                      </a:r>
-                      <a:r>
-                        <a:rPr lang="it-IT" sz="1200" dirty="0" err="1"/>
-                        <a:t>initiate</a:t>
-                      </a:r>
-                      <a:r>
-                        <a:rPr lang="it-IT" sz="1200" dirty="0"/>
-                        <a:t> a </a:t>
-                      </a:r>
-                      <a:r>
-                        <a:rPr lang="it-IT" sz="1200" dirty="0" err="1"/>
-                        <a:t>module</a:t>
-                      </a:r>
-                      <a:endParaRPr lang="it-IT" sz="1200" dirty="0"/>
-                    </a:p>
-                  </a:txBody>
-                  <a:tcPr/>
-                </a:tc>
-                <a:extLst>
-                  <a:ext uri="{0D108BD9-81ED-4DB2-BD59-A6C34878D82A}">
-                    <a16:rowId xmlns:a16="http://schemas.microsoft.com/office/drawing/2014/main" val="528823315"/>
-                  </a:ext>
-                </a:extLst>
-              </a:tr>
-              <a:tr h="336467">
-                <a:tc>
-                  <a:txBody>
-                    <a:bodyPr/>
-                    <a:lstStyle/>
-                    <a:p>
-                      <a:r>
-                        <a:rPr lang="it-IT" sz="1200" dirty="0"/>
-                        <a:t>9</a:t>
-                      </a:r>
-                    </a:p>
-                  </a:txBody>
-                  <a:tcPr/>
-                </a:tc>
-                <a:tc>
-                  <a:txBody>
-                    <a:bodyPr/>
-                    <a:lstStyle/>
-                    <a:p>
-                      <a:r>
-                        <a:rPr lang="it-IT" sz="1200" dirty="0" err="1"/>
-                        <a:t>Element</a:t>
-                      </a:r>
-                      <a:endParaRPr lang="it-IT" sz="1200" dirty="0"/>
-                    </a:p>
-                  </a:txBody>
-                  <a:tcPr/>
-                </a:tc>
-                <a:tc>
-                  <a:txBody>
-                    <a:bodyPr/>
-                    <a:lstStyle/>
-                    <a:p>
-                      <a:r>
-                        <a:rPr lang="it-IT" sz="1200" dirty="0" err="1"/>
-                        <a:t>Elements</a:t>
-                      </a:r>
-                      <a:r>
-                        <a:rPr lang="it-IT" sz="1200" dirty="0"/>
-                        <a:t> </a:t>
-                      </a:r>
-                      <a:r>
-                        <a:rPr lang="it-IT" sz="1200" dirty="0" err="1"/>
-                        <a:t>defined</a:t>
-                      </a:r>
-                      <a:r>
-                        <a:rPr lang="it-IT" sz="1200" dirty="0"/>
-                        <a:t> by a </a:t>
-                      </a:r>
-                      <a:r>
-                        <a:rPr lang="it-IT" sz="1200" dirty="0" err="1"/>
-                        <a:t>module</a:t>
-                      </a:r>
-                      <a:endParaRPr lang="it-IT" sz="1200" dirty="0"/>
-                    </a:p>
-                  </a:txBody>
-                  <a:tcPr/>
-                </a:tc>
-                <a:extLst>
-                  <a:ext uri="{0D108BD9-81ED-4DB2-BD59-A6C34878D82A}">
-                    <a16:rowId xmlns:a16="http://schemas.microsoft.com/office/drawing/2014/main" val="412010074"/>
-                  </a:ext>
-                </a:extLst>
-              </a:tr>
-              <a:tr h="336467">
-                <a:tc>
-                  <a:txBody>
-                    <a:bodyPr/>
-                    <a:lstStyle/>
-                    <a:p>
-                      <a:r>
-                        <a:rPr lang="it-IT" sz="1200" dirty="0"/>
-                        <a:t>10</a:t>
-                      </a:r>
-                    </a:p>
-                  </a:txBody>
-                  <a:tcPr/>
-                </a:tc>
-                <a:tc>
-                  <a:txBody>
-                    <a:bodyPr/>
-                    <a:lstStyle/>
-                    <a:p>
-                      <a:r>
-                        <a:rPr lang="it-IT" sz="1200" dirty="0"/>
-                        <a:t>Code</a:t>
-                      </a:r>
-                    </a:p>
-                  </a:txBody>
-                  <a:tcPr/>
-                </a:tc>
-                <a:tc>
-                  <a:txBody>
-                    <a:bodyPr/>
-                    <a:lstStyle/>
-                    <a:p>
-                      <a:r>
-                        <a:rPr lang="it-IT" sz="1200" dirty="0"/>
-                        <a:t>The body of the </a:t>
-                      </a:r>
-                      <a:r>
-                        <a:rPr lang="it-IT" sz="1200" dirty="0" err="1"/>
-                        <a:t>functions</a:t>
-                      </a:r>
-                      <a:r>
-                        <a:rPr lang="it-IT" sz="1200" dirty="0"/>
-                        <a:t> </a:t>
-                      </a:r>
-                      <a:r>
-                        <a:rPr lang="it-IT" sz="1200" dirty="0" err="1"/>
-                        <a:t>defined</a:t>
-                      </a:r>
-                      <a:r>
-                        <a:rPr lang="it-IT" sz="1200" dirty="0"/>
-                        <a:t> by a </a:t>
-                      </a:r>
-                      <a:r>
-                        <a:rPr lang="it-IT" sz="1200" dirty="0" err="1"/>
-                        <a:t>module</a:t>
-                      </a:r>
-                      <a:endParaRPr lang="it-IT" sz="1200" dirty="0"/>
-                    </a:p>
-                  </a:txBody>
-                  <a:tcPr/>
-                </a:tc>
-                <a:extLst>
-                  <a:ext uri="{0D108BD9-81ED-4DB2-BD59-A6C34878D82A}">
-                    <a16:rowId xmlns:a16="http://schemas.microsoft.com/office/drawing/2014/main" val="2826592068"/>
-                  </a:ext>
-                </a:extLst>
-              </a:tr>
-              <a:tr h="336467">
-                <a:tc>
-                  <a:txBody>
-                    <a:bodyPr/>
-                    <a:lstStyle/>
-                    <a:p>
-                      <a:r>
-                        <a:rPr lang="it-IT" sz="1200" dirty="0"/>
-                        <a:t>11</a:t>
-                      </a:r>
-                    </a:p>
-                  </a:txBody>
-                  <a:tcPr/>
-                </a:tc>
-                <a:tc>
-                  <a:txBody>
-                    <a:bodyPr/>
-                    <a:lstStyle/>
-                    <a:p>
-                      <a:r>
-                        <a:rPr lang="it-IT" sz="1200" dirty="0"/>
-                        <a:t>Data</a:t>
-                      </a:r>
-                    </a:p>
-                  </a:txBody>
-                  <a:tcPr/>
-                </a:tc>
-                <a:tc>
-                  <a:txBody>
-                    <a:bodyPr/>
-                    <a:lstStyle/>
-                    <a:p>
-                      <a:r>
-                        <a:rPr lang="it-IT" sz="1200" dirty="0"/>
-                        <a:t>The data </a:t>
-                      </a:r>
-                      <a:r>
-                        <a:rPr lang="it-IT" sz="1200" dirty="0" err="1"/>
-                        <a:t>elements</a:t>
-                      </a:r>
-                      <a:r>
-                        <a:rPr lang="it-IT" sz="1200" dirty="0"/>
-                        <a:t> </a:t>
-                      </a:r>
-                      <a:r>
-                        <a:rPr lang="it-IT" sz="1200" dirty="0" err="1"/>
-                        <a:t>defined</a:t>
-                      </a:r>
-                      <a:r>
-                        <a:rPr lang="it-IT" sz="1200" dirty="0"/>
-                        <a:t> by a </a:t>
-                      </a:r>
-                      <a:r>
-                        <a:rPr lang="it-IT" sz="1200" dirty="0" err="1"/>
-                        <a:t>module</a:t>
-                      </a:r>
-                      <a:endParaRPr lang="it-IT" sz="1200" dirty="0"/>
-                    </a:p>
-                  </a:txBody>
-                  <a:tcPr/>
-                </a:tc>
-                <a:extLst>
-                  <a:ext uri="{0D108BD9-81ED-4DB2-BD59-A6C34878D82A}">
-                    <a16:rowId xmlns:a16="http://schemas.microsoft.com/office/drawing/2014/main" val="3825987952"/>
-                  </a:ext>
-                </a:extLst>
-              </a:tr>
-              <a:tr h="336467">
-                <a:tc>
-                  <a:txBody>
-                    <a:bodyPr/>
-                    <a:lstStyle/>
-                    <a:p>
-                      <a:r>
-                        <a:rPr lang="it-IT" sz="1200" dirty="0"/>
-                        <a:t>12</a:t>
-                      </a:r>
-                    </a:p>
-                  </a:txBody>
-                  <a:tcPr/>
-                </a:tc>
-                <a:tc>
-                  <a:txBody>
-                    <a:bodyPr/>
-                    <a:lstStyle/>
-                    <a:p>
-                      <a:r>
-                        <a:rPr lang="it-IT" sz="1200" dirty="0"/>
-                        <a:t>Data </a:t>
-                      </a:r>
-                      <a:r>
-                        <a:rPr lang="it-IT" sz="1200" dirty="0" err="1"/>
-                        <a:t>Count</a:t>
-                      </a:r>
-                      <a:endParaRPr lang="it-IT" sz="1200" dirty="0"/>
-                    </a:p>
-                  </a:txBody>
-                  <a:tcPr/>
-                </a:tc>
-                <a:tc>
-                  <a:txBody>
-                    <a:bodyPr/>
-                    <a:lstStyle/>
-                    <a:p>
-                      <a:r>
-                        <a:rPr lang="it-IT" sz="1200" dirty="0"/>
-                        <a:t>The </a:t>
-                      </a:r>
-                      <a:r>
-                        <a:rPr lang="it-IT" sz="1200" dirty="0" err="1"/>
-                        <a:t>number</a:t>
-                      </a:r>
-                      <a:r>
-                        <a:rPr lang="it-IT" sz="1200" dirty="0"/>
-                        <a:t> of data </a:t>
-                      </a:r>
-                      <a:r>
-                        <a:rPr lang="it-IT" sz="1200" dirty="0" err="1"/>
-                        <a:t>elements</a:t>
-                      </a:r>
-                      <a:r>
-                        <a:rPr lang="it-IT" sz="1200" dirty="0"/>
-                        <a:t> </a:t>
-                      </a:r>
-                      <a:r>
-                        <a:rPr lang="it-IT" sz="1200" dirty="0" err="1"/>
-                        <a:t>defined</a:t>
-                      </a:r>
-                      <a:r>
-                        <a:rPr lang="it-IT" sz="1200" dirty="0"/>
-                        <a:t> by a </a:t>
-                      </a:r>
-                      <a:r>
-                        <a:rPr lang="it-IT" sz="1200" dirty="0" err="1"/>
-                        <a:t>module</a:t>
-                      </a:r>
-                      <a:endParaRPr lang="it-IT" sz="1200" dirty="0"/>
-                    </a:p>
-                  </a:txBody>
-                  <a:tcPr/>
-                </a:tc>
-                <a:extLst>
-                  <a:ext uri="{0D108BD9-81ED-4DB2-BD59-A6C34878D82A}">
-                    <a16:rowId xmlns:a16="http://schemas.microsoft.com/office/drawing/2014/main" val="1470251408"/>
-                  </a:ext>
-                </a:extLst>
-              </a:tr>
-            </a:tbl>
-          </a:graphicData>
-        </a:graphic>
-      </p:graphicFrame>
+          <p:cNvPicPr>
+            <a:picLocks noChangeAspect="1"/>
+          </p:cNvPicPr>
+          <p:nvPr/>
+        </p:nvPicPr>
+        <p:blipFill>
+          <a:blip r:embed="rId2"/>
+          <a:stretch>
+            <a:fillRect/>
+          </a:stretch>
+        </p:blipFill>
+        <p:spPr>
+          <a:xfrm>
+            <a:off x="470630" y="1122381"/>
+            <a:ext cx="3109332" cy="3144666"/>
+          </a:xfrm>
+          <a:prstGeom prst="rect">
+            <a:avLst/>
+          </a:prstGeom>
+        </p:spPr>
+      </p:pic>
       <p:sp>
         <p:nvSpPr>
-          <p:cNvPr id="3" name="Segnaposto piè di pagina 2">
+          <p:cNvPr id="4" name="Segnaposto piè di pagina 2">
             <a:extLst>
               <a:ext uri="{FF2B5EF4-FFF2-40B4-BE49-F238E27FC236}">
-                <a16:creationId xmlns:a16="http://schemas.microsoft.com/office/drawing/2014/main" id="{27D66841-BA8F-CE23-05EC-D2616A20E984}"/>
+                <a16:creationId xmlns:a16="http://schemas.microsoft.com/office/drawing/2014/main" id="{FE8465BA-5ED1-44B3-359B-2B186DCED7DB}"/>
               </a:ext>
             </a:extLst>
           </p:cNvPr>
@@ -12535,33 +7449,175 @@
             </a:r>
             <a:r>
               <a:rPr lang="en-US" altLang="en-US" dirty="0" err="1"/>
-              <a:t>UGIdotnet</a:t>
+              <a:t>XMASDev</a:t>
             </a:r>
             <a:r>
               <a:rPr lang="en-US" altLang="en-US" dirty="0"/>
-              <a:t> </a:t>
-            </a:r>
-            <a:r>
-              <a:rPr lang="en-US" altLang="en-US" dirty="0" err="1"/>
-              <a:t>SmallTalk</a:t>
-            </a:r>
-            <a:r>
-              <a:rPr lang="en-US" altLang="en-US" dirty="0"/>
-              <a:t> 05/10/2022</a:t>
+              <a:t> 16/12/2022</a:t>
             </a:r>
           </a:p>
         </p:txBody>
       </p:sp>
+      <p:pic>
+        <p:nvPicPr>
+          <p:cNvPr id="8" name="Immagine 7">
+            <a:extLst>
+              <a:ext uri="{FF2B5EF4-FFF2-40B4-BE49-F238E27FC236}">
+                <a16:creationId xmlns:a16="http://schemas.microsoft.com/office/drawing/2014/main" id="{75A6B746-A9AE-C5E6-9EE5-B5146B5FC56F}"/>
+              </a:ext>
+            </a:extLst>
+          </p:cNvPr>
+          <p:cNvPicPr>
+            <a:picLocks noChangeAspect="1"/>
+          </p:cNvPicPr>
+          <p:nvPr/>
+        </p:nvPicPr>
+        <p:blipFill>
+          <a:blip r:embed="rId3"/>
+          <a:stretch>
+            <a:fillRect/>
+          </a:stretch>
+        </p:blipFill>
+        <p:spPr>
+          <a:xfrm>
+            <a:off x="4492758" y="2338703"/>
+            <a:ext cx="4176122" cy="3482642"/>
+          </a:xfrm>
+          <a:prstGeom prst="rect">
+            <a:avLst/>
+          </a:prstGeom>
+        </p:spPr>
+      </p:pic>
     </p:spTree>
     <p:extLst>
       <p:ext uri="{BB962C8B-B14F-4D97-AF65-F5344CB8AC3E}">
-        <p14:creationId xmlns:p14="http://schemas.microsoft.com/office/powerpoint/2010/main" val="2730569169"/>
+        <p14:creationId xmlns:p14="http://schemas.microsoft.com/office/powerpoint/2010/main" val="3777985369"/>
       </p:ext>
     </p:extLst>
   </p:cSld>
   <p:clrMapOvr>
     <a:masterClrMapping/>
   </p:clrMapOvr>
+  <p:timing>
+    <p:tnLst>
+      <p:par>
+        <p:cTn id="1" dur="indefinite" restart="never" nodeType="tmRoot">
+          <p:childTnLst>
+            <p:seq concurrent="1" nextAc="seek">
+              <p:cTn id="2" dur="indefinite" nodeType="mainSeq">
+                <p:childTnLst>
+                  <p:par>
+                    <p:cTn id="3" fill="hold">
+                      <p:stCondLst>
+                        <p:cond delay="indefinite"/>
+                      </p:stCondLst>
+                      <p:childTnLst>
+                        <p:par>
+                          <p:cTn id="4" fill="hold">
+                            <p:stCondLst>
+                              <p:cond delay="0"/>
+                            </p:stCondLst>
+                            <p:childTnLst>
+                              <p:par>
+                                <p:cTn id="5" presetID="1" presetClass="entr" presetSubtype="0" fill="hold" nodeType="clickEffect">
+                                  <p:stCondLst>
+                                    <p:cond delay="0"/>
+                                  </p:stCondLst>
+                                  <p:childTnLst>
+                                    <p:set>
+                                      <p:cBhvr>
+                                        <p:cTn id="6" dur="1" fill="hold">
+                                          <p:stCondLst>
+                                            <p:cond delay="0"/>
+                                          </p:stCondLst>
+                                        </p:cTn>
+                                        <p:tgtEl>
+                                          <p:spTgt spid="6"/>
+                                        </p:tgtEl>
+                                        <p:attrNameLst>
+                                          <p:attrName>style.visibility</p:attrName>
+                                        </p:attrNameLst>
+                                      </p:cBhvr>
+                                      <p:to>
+                                        <p:strVal val="visible"/>
+                                      </p:to>
+                                    </p:set>
+                                  </p:childTnLst>
+                                </p:cTn>
+                              </p:par>
+                            </p:childTnLst>
+                          </p:cTn>
+                        </p:par>
+                      </p:childTnLst>
+                    </p:cTn>
+                  </p:par>
+                  <p:par>
+                    <p:cTn id="7" fill="hold">
+                      <p:stCondLst>
+                        <p:cond delay="indefinite"/>
+                      </p:stCondLst>
+                      <p:childTnLst>
+                        <p:par>
+                          <p:cTn id="8" fill="hold">
+                            <p:stCondLst>
+                              <p:cond delay="0"/>
+                            </p:stCondLst>
+                            <p:childTnLst>
+                              <p:par>
+                                <p:cTn id="9" presetID="1" presetClass="entr" presetSubtype="0" fill="hold" nodeType="clickEffect">
+                                  <p:stCondLst>
+                                    <p:cond delay="0"/>
+                                  </p:stCondLst>
+                                  <p:childTnLst>
+                                    <p:set>
+                                      <p:cBhvr>
+                                        <p:cTn id="10" dur="1" fill="hold">
+                                          <p:stCondLst>
+                                            <p:cond delay="0"/>
+                                          </p:stCondLst>
+                                        </p:cTn>
+                                        <p:tgtEl>
+                                          <p:spTgt spid="8"/>
+                                        </p:tgtEl>
+                                        <p:attrNameLst>
+                                          <p:attrName>style.visibility</p:attrName>
+                                        </p:attrNameLst>
+                                      </p:cBhvr>
+                                      <p:to>
+                                        <p:strVal val="visible"/>
+                                      </p:to>
+                                    </p:set>
+                                  </p:childTnLst>
+                                </p:cTn>
+                              </p:par>
+                            </p:childTnLst>
+                          </p:cTn>
+                        </p:par>
+                      </p:childTnLst>
+                    </p:cTn>
+                  </p:par>
+                </p:childTnLst>
+              </p:cTn>
+              <p:prevCondLst>
+                <p:cond evt="onPrev" delay="0">
+                  <p:tgtEl>
+                    <p:sldTgt/>
+                  </p:tgtEl>
+                </p:cond>
+              </p:prevCondLst>
+              <p:nextCondLst>
+                <p:cond evt="onNext" delay="0">
+                  <p:tgtEl>
+                    <p:sldTgt/>
+                  </p:tgtEl>
+                </p:cond>
+              </p:nextCondLst>
+            </p:seq>
+          </p:childTnLst>
+        </p:cTn>
+      </p:par>
+    </p:tnLst>
+  </p:timing>
 </p:sld>
 </file>
 

--- a/2022/XMasDev/WebAssembly.pptx
+++ b/2022/XMasDev/WebAssembly.pptx
@@ -5,45 +5,46 @@
     <p:sldMasterId id="2147483660" r:id="rId1"/>
   </p:sldMasterIdLst>
   <p:notesMasterIdLst>
-    <p:notesMasterId r:id="rId13"/>
+    <p:notesMasterId r:id="rId14"/>
   </p:notesMasterIdLst>
   <p:handoutMasterIdLst>
-    <p:handoutMasterId r:id="rId14"/>
+    <p:handoutMasterId r:id="rId15"/>
   </p:handoutMasterIdLst>
   <p:sldIdLst>
     <p:sldId id="264" r:id="rId2"/>
     <p:sldId id="284" r:id="rId3"/>
-    <p:sldId id="280" r:id="rId4"/>
-    <p:sldId id="279" r:id="rId5"/>
-    <p:sldId id="274" r:id="rId6"/>
-    <p:sldId id="278" r:id="rId7"/>
-    <p:sldId id="281" r:id="rId8"/>
-    <p:sldId id="271" r:id="rId9"/>
-    <p:sldId id="275" r:id="rId10"/>
-    <p:sldId id="285" r:id="rId11"/>
-    <p:sldId id="276" r:id="rId12"/>
+    <p:sldId id="286" r:id="rId4"/>
+    <p:sldId id="280" r:id="rId5"/>
+    <p:sldId id="279" r:id="rId6"/>
+    <p:sldId id="274" r:id="rId7"/>
+    <p:sldId id="278" r:id="rId8"/>
+    <p:sldId id="281" r:id="rId9"/>
+    <p:sldId id="271" r:id="rId10"/>
+    <p:sldId id="275" r:id="rId11"/>
+    <p:sldId id="285" r:id="rId12"/>
+    <p:sldId id="276" r:id="rId13"/>
   </p:sldIdLst>
   <p:sldSz cx="9144000" cy="6858000" type="screen4x3"/>
   <p:notesSz cx="6858000" cy="9144000"/>
   <p:embeddedFontLst>
     <p:embeddedFont>
       <p:font typeface="Calibri" panose="020F0502020204030204" pitchFamily="34" charset="0"/>
-      <p:regular r:id="rId15"/>
-      <p:bold r:id="rId16"/>
-      <p:italic r:id="rId17"/>
-      <p:boldItalic r:id="rId18"/>
+      <p:regular r:id="rId16"/>
+      <p:bold r:id="rId17"/>
+      <p:italic r:id="rId18"/>
+      <p:boldItalic r:id="rId19"/>
     </p:embeddedFont>
     <p:embeddedFont>
       <p:font typeface="Open Sans" panose="020B0606030504020204" pitchFamily="34" charset="0"/>
-      <p:regular r:id="rId19"/>
-      <p:bold r:id="rId20"/>
-      <p:italic r:id="rId21"/>
-      <p:boldItalic r:id="rId22"/>
+      <p:regular r:id="rId20"/>
+      <p:bold r:id="rId21"/>
+      <p:italic r:id="rId22"/>
+      <p:boldItalic r:id="rId23"/>
     </p:embeddedFont>
     <p:embeddedFont>
       <p:font typeface="Open Sans Light" panose="020B0306030504020204" pitchFamily="34" charset="0"/>
-      <p:regular r:id="rId23"/>
-      <p:italic r:id="rId24"/>
+      <p:regular r:id="rId24"/>
+      <p:italic r:id="rId25"/>
     </p:embeddedFont>
   </p:embeddedFontLst>
   <p:defaultTextStyle>
@@ -242,7 +243,7 @@
           <a:p>
             <a:fld id="{DC1D8630-9237-4BE7-9AFA-F1C8E44CEE44}" type="datetimeFigureOut">
               <a:rPr lang="it-IT" smtClean="0"/>
-              <a:t>02/12/2022</a:t>
+              <a:t>03/12/2022</a:t>
             </a:fld>
             <a:endParaRPr lang="it-IT"/>
           </a:p>
@@ -408,7 +409,7 @@
           <a:p>
             <a:fld id="{0B3F9ACC-C21F-4FB7-9E0A-95AB9ECDE2E6}" type="datetimeFigureOut">
               <a:rPr lang="it-IT" smtClean="0"/>
-              <a:t>02/12/2022</a:t>
+              <a:t>03/12/2022</a:t>
             </a:fld>
             <a:endParaRPr lang="it-IT"/>
           </a:p>
@@ -4550,6 +4551,290 @@
             <p:ph type="ctrTitle"/>
           </p:nvPr>
         </p:nvSpPr>
+        <p:spPr/>
+        <p:txBody>
+          <a:bodyPr/>
+          <a:lstStyle/>
+          <a:p>
+            <a:r>
+              <a:rPr lang="it-IT" sz="3200" dirty="0" err="1"/>
+              <a:t>WebAssembly</a:t>
+            </a:r>
+            <a:r>
+              <a:rPr lang="it-IT" sz="3200" dirty="0"/>
+              <a:t> sostituirà Docker?</a:t>
+            </a:r>
+          </a:p>
+        </p:txBody>
+      </p:sp>
+      <p:pic>
+        <p:nvPicPr>
+          <p:cNvPr id="6" name="Immagine 5">
+            <a:extLst>
+              <a:ext uri="{FF2B5EF4-FFF2-40B4-BE49-F238E27FC236}">
+                <a16:creationId xmlns:a16="http://schemas.microsoft.com/office/drawing/2014/main" id="{B2ADD86F-4824-B365-3A48-F946CCA5D93C}"/>
+              </a:ext>
+            </a:extLst>
+          </p:cNvPr>
+          <p:cNvPicPr>
+            <a:picLocks noChangeAspect="1"/>
+          </p:cNvPicPr>
+          <p:nvPr/>
+        </p:nvPicPr>
+        <p:blipFill>
+          <a:blip r:embed="rId2"/>
+          <a:stretch>
+            <a:fillRect/>
+          </a:stretch>
+        </p:blipFill>
+        <p:spPr>
+          <a:xfrm>
+            <a:off x="470630" y="1122381"/>
+            <a:ext cx="3109332" cy="3144666"/>
+          </a:xfrm>
+          <a:prstGeom prst="rect">
+            <a:avLst/>
+          </a:prstGeom>
+        </p:spPr>
+      </p:pic>
+      <p:sp>
+        <p:nvSpPr>
+          <p:cNvPr id="4" name="Segnaposto piè di pagina 2">
+            <a:extLst>
+              <a:ext uri="{FF2B5EF4-FFF2-40B4-BE49-F238E27FC236}">
+                <a16:creationId xmlns:a16="http://schemas.microsoft.com/office/drawing/2014/main" id="{FE8465BA-5ED1-44B3-359B-2B186DCED7DB}"/>
+              </a:ext>
+            </a:extLst>
+          </p:cNvPr>
+          <p:cNvSpPr>
+            <a:spLocks noGrp="1"/>
+          </p:cNvSpPr>
+          <p:nvPr>
+            <p:ph type="ftr" sz="quarter" idx="10"/>
+          </p:nvPr>
+        </p:nvSpPr>
+        <p:spPr>
+          <a:xfrm>
+            <a:off x="366122" y="6286803"/>
+            <a:ext cx="7196162" cy="312405"/>
+          </a:xfrm>
+        </p:spPr>
+        <p:txBody>
+          <a:bodyPr/>
+          <a:lstStyle/>
+          <a:p>
+            <a:pPr>
+              <a:defRPr/>
+            </a:pPr>
+            <a:r>
+              <a:rPr lang="en-US" altLang="en-US" dirty="0" err="1"/>
+              <a:t>WebAssembly</a:t>
+            </a:r>
+            <a:r>
+              <a:rPr lang="en-US" altLang="en-US" dirty="0"/>
+              <a:t> – </a:t>
+            </a:r>
+            <a:r>
+              <a:rPr lang="en-US" altLang="en-US" dirty="0" err="1"/>
+              <a:t>XMASDev</a:t>
+            </a:r>
+            <a:r>
+              <a:rPr lang="en-US" altLang="en-US" dirty="0"/>
+              <a:t> 16/12/2022</a:t>
+            </a:r>
+          </a:p>
+        </p:txBody>
+      </p:sp>
+      <p:pic>
+        <p:nvPicPr>
+          <p:cNvPr id="8" name="Immagine 7">
+            <a:extLst>
+              <a:ext uri="{FF2B5EF4-FFF2-40B4-BE49-F238E27FC236}">
+                <a16:creationId xmlns:a16="http://schemas.microsoft.com/office/drawing/2014/main" id="{75A6B746-A9AE-C5E6-9EE5-B5146B5FC56F}"/>
+              </a:ext>
+            </a:extLst>
+          </p:cNvPr>
+          <p:cNvPicPr>
+            <a:picLocks noChangeAspect="1"/>
+          </p:cNvPicPr>
+          <p:nvPr/>
+        </p:nvPicPr>
+        <p:blipFill>
+          <a:blip r:embed="rId3"/>
+          <a:stretch>
+            <a:fillRect/>
+          </a:stretch>
+        </p:blipFill>
+        <p:spPr>
+          <a:xfrm>
+            <a:off x="4492758" y="2338703"/>
+            <a:ext cx="4176122" cy="3482642"/>
+          </a:xfrm>
+          <a:prstGeom prst="rect">
+            <a:avLst/>
+          </a:prstGeom>
+        </p:spPr>
+      </p:pic>
+    </p:spTree>
+    <p:extLst>
+      <p:ext uri="{BB962C8B-B14F-4D97-AF65-F5344CB8AC3E}">
+        <p14:creationId xmlns:p14="http://schemas.microsoft.com/office/powerpoint/2010/main" val="3777985369"/>
+      </p:ext>
+    </p:extLst>
+  </p:cSld>
+  <p:clrMapOvr>
+    <a:masterClrMapping/>
+  </p:clrMapOvr>
+  <p:timing>
+    <p:tnLst>
+      <p:par>
+        <p:cTn id="1" dur="indefinite" restart="never" nodeType="tmRoot">
+          <p:childTnLst>
+            <p:seq concurrent="1" nextAc="seek">
+              <p:cTn id="2" dur="indefinite" nodeType="mainSeq">
+                <p:childTnLst>
+                  <p:par>
+                    <p:cTn id="3" fill="hold">
+                      <p:stCondLst>
+                        <p:cond delay="indefinite"/>
+                      </p:stCondLst>
+                      <p:childTnLst>
+                        <p:par>
+                          <p:cTn id="4" fill="hold">
+                            <p:stCondLst>
+                              <p:cond delay="0"/>
+                            </p:stCondLst>
+                            <p:childTnLst>
+                              <p:par>
+                                <p:cTn id="5" presetID="1" presetClass="entr" presetSubtype="0" fill="hold" nodeType="clickEffect">
+                                  <p:stCondLst>
+                                    <p:cond delay="0"/>
+                                  </p:stCondLst>
+                                  <p:childTnLst>
+                                    <p:set>
+                                      <p:cBhvr>
+                                        <p:cTn id="6" dur="1" fill="hold">
+                                          <p:stCondLst>
+                                            <p:cond delay="0"/>
+                                          </p:stCondLst>
+                                        </p:cTn>
+                                        <p:tgtEl>
+                                          <p:spTgt spid="6"/>
+                                        </p:tgtEl>
+                                        <p:attrNameLst>
+                                          <p:attrName>style.visibility</p:attrName>
+                                        </p:attrNameLst>
+                                      </p:cBhvr>
+                                      <p:to>
+                                        <p:strVal val="visible"/>
+                                      </p:to>
+                                    </p:set>
+                                  </p:childTnLst>
+                                </p:cTn>
+                              </p:par>
+                            </p:childTnLst>
+                          </p:cTn>
+                        </p:par>
+                      </p:childTnLst>
+                    </p:cTn>
+                  </p:par>
+                  <p:par>
+                    <p:cTn id="7" fill="hold">
+                      <p:stCondLst>
+                        <p:cond delay="indefinite"/>
+                      </p:stCondLst>
+                      <p:childTnLst>
+                        <p:par>
+                          <p:cTn id="8" fill="hold">
+                            <p:stCondLst>
+                              <p:cond delay="0"/>
+                            </p:stCondLst>
+                            <p:childTnLst>
+                              <p:par>
+                                <p:cTn id="9" presetID="1" presetClass="entr" presetSubtype="0" fill="hold" nodeType="clickEffect">
+                                  <p:stCondLst>
+                                    <p:cond delay="0"/>
+                                  </p:stCondLst>
+                                  <p:childTnLst>
+                                    <p:set>
+                                      <p:cBhvr>
+                                        <p:cTn id="10" dur="1" fill="hold">
+                                          <p:stCondLst>
+                                            <p:cond delay="0"/>
+                                          </p:stCondLst>
+                                        </p:cTn>
+                                        <p:tgtEl>
+                                          <p:spTgt spid="8"/>
+                                        </p:tgtEl>
+                                        <p:attrNameLst>
+                                          <p:attrName>style.visibility</p:attrName>
+                                        </p:attrNameLst>
+                                      </p:cBhvr>
+                                      <p:to>
+                                        <p:strVal val="visible"/>
+                                      </p:to>
+                                    </p:set>
+                                  </p:childTnLst>
+                                </p:cTn>
+                              </p:par>
+                            </p:childTnLst>
+                          </p:cTn>
+                        </p:par>
+                      </p:childTnLst>
+                    </p:cTn>
+                  </p:par>
+                </p:childTnLst>
+              </p:cTn>
+              <p:prevCondLst>
+                <p:cond evt="onPrev" delay="0">
+                  <p:tgtEl>
+                    <p:sldTgt/>
+                  </p:tgtEl>
+                </p:cond>
+              </p:prevCondLst>
+              <p:nextCondLst>
+                <p:cond evt="onNext" delay="0">
+                  <p:tgtEl>
+                    <p:sldTgt/>
+                  </p:tgtEl>
+                </p:cond>
+              </p:nextCondLst>
+            </p:seq>
+          </p:childTnLst>
+        </p:cTn>
+      </p:par>
+    </p:tnLst>
+  </p:timing>
+</p:sld>
+</file>
+
+<file path=ppt/slides/slide11.xml><?xml version="1.0" encoding="utf-8"?>
+<p:sld xmlns:a="http://schemas.openxmlformats.org/drawingml/2006/main" xmlns:r="http://schemas.openxmlformats.org/officeDocument/2006/relationships" xmlns:p="http://schemas.openxmlformats.org/presentationml/2006/main">
+  <p:cSld>
+    <p:spTree>
+      <p:nvGrpSpPr>
+        <p:cNvPr id="1" name=""/>
+        <p:cNvGrpSpPr/>
+        <p:nvPr/>
+      </p:nvGrpSpPr>
+      <p:grpSpPr>
+        <a:xfrm>
+          <a:off x="0" y="0"/>
+          <a:ext cx="0" cy="0"/>
+          <a:chOff x="0" y="0"/>
+          <a:chExt cx="0" cy="0"/>
+        </a:xfrm>
+      </p:grpSpPr>
+      <p:sp>
+        <p:nvSpPr>
+          <p:cNvPr id="2" name="Titolo 1"/>
+          <p:cNvSpPr>
+            <a:spLocks noGrp="1"/>
+          </p:cNvSpPr>
+          <p:nvPr>
+            <p:ph type="ctrTitle"/>
+          </p:nvPr>
+        </p:nvSpPr>
         <p:spPr>
           <a:xfrm>
             <a:off x="763927" y="1108421"/>
@@ -4914,7 +5199,7 @@
 </p:sld>
 </file>
 
-<file path=ppt/slides/slide11.xml><?xml version="1.0" encoding="utf-8"?>
+<file path=ppt/slides/slide12.xml><?xml version="1.0" encoding="utf-8"?>
 <p:sld xmlns:a="http://schemas.openxmlformats.org/drawingml/2006/main" xmlns:r="http://schemas.openxmlformats.org/officeDocument/2006/relationships" xmlns:p="http://schemas.openxmlformats.org/presentationml/2006/main">
   <p:cSld>
     <p:spTree>
@@ -6115,6 +6400,155 @@
       </p:grpSpPr>
       <p:sp>
         <p:nvSpPr>
+          <p:cNvPr id="3" name="Titolo 2"/>
+          <p:cNvSpPr>
+            <a:spLocks noGrp="1"/>
+          </p:cNvSpPr>
+          <p:nvPr>
+            <p:ph type="ctrTitle"/>
+          </p:nvPr>
+        </p:nvSpPr>
+        <p:spPr>
+          <a:xfrm>
+            <a:off x="468643" y="145133"/>
+            <a:ext cx="8198250" cy="1088639"/>
+          </a:xfrm>
+        </p:spPr>
+        <p:txBody>
+          <a:bodyPr/>
+          <a:lstStyle/>
+          <a:p>
+            <a:r>
+              <a:rPr lang="it-IT" dirty="0"/>
+              <a:t>Cos’è </a:t>
+            </a:r>
+            <a:r>
+              <a:rPr lang="it-IT" dirty="0" err="1"/>
+              <a:t>WebAssembly</a:t>
+            </a:r>
+            <a:r>
+              <a:rPr lang="it-IT" dirty="0"/>
+              <a:t>?</a:t>
+            </a:r>
+          </a:p>
+        </p:txBody>
+      </p:sp>
+      <p:sp>
+        <p:nvSpPr>
+          <p:cNvPr id="2" name="Segnaposto piè di pagina 2">
+            <a:extLst>
+              <a:ext uri="{FF2B5EF4-FFF2-40B4-BE49-F238E27FC236}">
+                <a16:creationId xmlns:a16="http://schemas.microsoft.com/office/drawing/2014/main" id="{D6B8BB7B-F1CA-B36F-E013-CCC8ED45276B}"/>
+              </a:ext>
+            </a:extLst>
+          </p:cNvPr>
+          <p:cNvSpPr>
+            <a:spLocks noGrp="1"/>
+          </p:cNvSpPr>
+          <p:nvPr>
+            <p:ph type="ftr" sz="quarter" idx="10"/>
+          </p:nvPr>
+        </p:nvSpPr>
+        <p:spPr>
+          <a:xfrm>
+            <a:off x="366122" y="6286803"/>
+            <a:ext cx="7196162" cy="312405"/>
+          </a:xfrm>
+        </p:spPr>
+        <p:txBody>
+          <a:bodyPr/>
+          <a:lstStyle/>
+          <a:p>
+            <a:pPr>
+              <a:defRPr/>
+            </a:pPr>
+            <a:r>
+              <a:rPr lang="en-US" altLang="en-US" dirty="0" err="1"/>
+              <a:t>WebAssembly</a:t>
+            </a:r>
+            <a:r>
+              <a:rPr lang="en-US" altLang="en-US" dirty="0"/>
+              <a:t> – </a:t>
+            </a:r>
+            <a:r>
+              <a:rPr lang="en-US" altLang="en-US" dirty="0" err="1"/>
+              <a:t>XMASDev</a:t>
+            </a:r>
+            <a:r>
+              <a:rPr lang="en-US" altLang="en-US" dirty="0"/>
+              <a:t> 16/12/2022</a:t>
+            </a:r>
+          </a:p>
+        </p:txBody>
+      </p:sp>
+      <p:pic>
+        <p:nvPicPr>
+          <p:cNvPr id="6" name="Immagine 5">
+            <a:extLst>
+              <a:ext uri="{FF2B5EF4-FFF2-40B4-BE49-F238E27FC236}">
+                <a16:creationId xmlns:a16="http://schemas.microsoft.com/office/drawing/2014/main" id="{6648E567-4CC2-AE45-FA3B-5159F16F0F79}"/>
+              </a:ext>
+            </a:extLst>
+          </p:cNvPr>
+          <p:cNvPicPr>
+            <a:picLocks noChangeAspect="1"/>
+          </p:cNvPicPr>
+          <p:nvPr/>
+        </p:nvPicPr>
+        <p:blipFill>
+          <a:blip r:embed="rId2">
+            <a:extLst>
+              <a:ext uri="{28A0092B-C50C-407E-A947-70E740481C1C}">
+                <a14:useLocalDpi xmlns:a14="http://schemas.microsoft.com/office/drawing/2010/main" val="0"/>
+              </a:ext>
+            </a:extLst>
+          </a:blip>
+          <a:stretch>
+            <a:fillRect/>
+          </a:stretch>
+        </p:blipFill>
+        <p:spPr>
+          <a:xfrm>
+            <a:off x="1365443" y="1500973"/>
+            <a:ext cx="6050804" cy="3856054"/>
+          </a:xfrm>
+          <a:prstGeom prst="rect">
+            <a:avLst/>
+          </a:prstGeom>
+        </p:spPr>
+      </p:pic>
+    </p:spTree>
+    <p:extLst>
+      <p:ext uri="{BB962C8B-B14F-4D97-AF65-F5344CB8AC3E}">
+        <p14:creationId xmlns:p14="http://schemas.microsoft.com/office/powerpoint/2010/main" val="586833434"/>
+      </p:ext>
+    </p:extLst>
+  </p:cSld>
+  <p:clrMapOvr>
+    <a:masterClrMapping/>
+  </p:clrMapOvr>
+</p:sld>
+</file>
+
+<file path=ppt/slides/slide4.xml><?xml version="1.0" encoding="utf-8"?>
+<p:sld xmlns:a="http://schemas.openxmlformats.org/drawingml/2006/main" xmlns:r="http://schemas.openxmlformats.org/officeDocument/2006/relationships" xmlns:p="http://schemas.openxmlformats.org/presentationml/2006/main">
+  <p:cSld>
+    <p:spTree>
+      <p:nvGrpSpPr>
+        <p:cNvPr id="1" name=""/>
+        <p:cNvGrpSpPr/>
+        <p:nvPr/>
+      </p:nvGrpSpPr>
+      <p:grpSpPr>
+        <a:xfrm>
+          <a:off x="0" y="0"/>
+          <a:ext cx="0" cy="0"/>
+          <a:chOff x="0" y="0"/>
+          <a:chExt cx="0" cy="0"/>
+        </a:xfrm>
+      </p:grpSpPr>
+      <p:sp>
+        <p:nvSpPr>
           <p:cNvPr id="2" name="Titolo 1"/>
           <p:cNvSpPr>
             <a:spLocks noGrp="1"/>
@@ -6481,7 +6915,7 @@
 </p:sld>
 </file>
 
-<file path=ppt/slides/slide4.xml><?xml version="1.0" encoding="utf-8"?>
+<file path=ppt/slides/slide5.xml><?xml version="1.0" encoding="utf-8"?>
 <p:sld xmlns:a="http://schemas.openxmlformats.org/drawingml/2006/main" xmlns:r="http://schemas.openxmlformats.org/officeDocument/2006/relationships" xmlns:p="http://schemas.openxmlformats.org/presentationml/2006/main">
   <p:cSld>
     <p:spTree>
@@ -6769,7 +7203,7 @@
 </p:sld>
 </file>
 
-<file path=ppt/slides/slide5.xml><?xml version="1.0" encoding="utf-8"?>
+<file path=ppt/slides/slide6.xml><?xml version="1.0" encoding="utf-8"?>
 <p:sld xmlns:a="http://schemas.openxmlformats.org/drawingml/2006/main" xmlns:r="http://schemas.openxmlformats.org/officeDocument/2006/relationships" xmlns:p="http://schemas.openxmlformats.org/presentationml/2006/main">
   <p:cSld>
     <p:spTree>
@@ -6912,158 +7346,6 @@
     <p:extLst>
       <p:ext uri="{BB962C8B-B14F-4D97-AF65-F5344CB8AC3E}">
         <p14:creationId xmlns:p14="http://schemas.microsoft.com/office/powerpoint/2010/main" val="1331611757"/>
-      </p:ext>
-    </p:extLst>
-  </p:cSld>
-  <p:clrMapOvr>
-    <a:masterClrMapping/>
-  </p:clrMapOvr>
-</p:sld>
-</file>
-
-<file path=ppt/slides/slide6.xml><?xml version="1.0" encoding="utf-8"?>
-<p:sld xmlns:a="http://schemas.openxmlformats.org/drawingml/2006/main" xmlns:r="http://schemas.openxmlformats.org/officeDocument/2006/relationships" xmlns:p="http://schemas.openxmlformats.org/presentationml/2006/main">
-  <p:cSld>
-    <p:spTree>
-      <p:nvGrpSpPr>
-        <p:cNvPr id="1" name=""/>
-        <p:cNvGrpSpPr/>
-        <p:nvPr/>
-      </p:nvGrpSpPr>
-      <p:grpSpPr>
-        <a:xfrm>
-          <a:off x="0" y="0"/>
-          <a:ext cx="0" cy="0"/>
-          <a:chOff x="0" y="0"/>
-          <a:chExt cx="0" cy="0"/>
-        </a:xfrm>
-      </p:grpSpPr>
-      <p:sp>
-        <p:nvSpPr>
-          <p:cNvPr id="2" name="Titolo 1"/>
-          <p:cNvSpPr>
-            <a:spLocks noGrp="1"/>
-          </p:cNvSpPr>
-          <p:nvPr>
-            <p:ph type="ctrTitle"/>
-          </p:nvPr>
-        </p:nvSpPr>
-        <p:spPr>
-          <a:xfrm>
-            <a:off x="470630" y="366550"/>
-            <a:ext cx="8198250" cy="659993"/>
-          </a:xfrm>
-        </p:spPr>
-        <p:txBody>
-          <a:bodyPr/>
-          <a:lstStyle/>
-          <a:p>
-            <a:r>
-              <a:rPr lang="it-IT" sz="3200" dirty="0"/>
-              <a:t>WAGI</a:t>
-            </a:r>
-          </a:p>
-        </p:txBody>
-      </p:sp>
-      <p:sp>
-        <p:nvSpPr>
-          <p:cNvPr id="3" name="Segnaposto piè di pagina 2">
-            <a:extLst>
-              <a:ext uri="{FF2B5EF4-FFF2-40B4-BE49-F238E27FC236}">
-                <a16:creationId xmlns:a16="http://schemas.microsoft.com/office/drawing/2014/main" id="{014017B1-0D2D-F5B7-2062-FD433A45C4A3}"/>
-              </a:ext>
-            </a:extLst>
-          </p:cNvPr>
-          <p:cNvSpPr>
-            <a:spLocks noGrp="1"/>
-          </p:cNvSpPr>
-          <p:nvPr>
-            <p:ph type="ftr" sz="quarter" idx="10"/>
-          </p:nvPr>
-        </p:nvSpPr>
-        <p:spPr>
-          <a:xfrm>
-            <a:off x="366122" y="6286803"/>
-            <a:ext cx="7196162" cy="312405"/>
-          </a:xfrm>
-        </p:spPr>
-        <p:txBody>
-          <a:bodyPr/>
-          <a:lstStyle/>
-          <a:p>
-            <a:pPr>
-              <a:defRPr/>
-            </a:pPr>
-            <a:r>
-              <a:rPr lang="en-US" altLang="en-US" dirty="0" err="1"/>
-              <a:t>WebAssembly</a:t>
-            </a:r>
-            <a:r>
-              <a:rPr lang="en-US" altLang="en-US" dirty="0"/>
-              <a:t> – </a:t>
-            </a:r>
-            <a:r>
-              <a:rPr lang="en-US" altLang="en-US" dirty="0" err="1"/>
-              <a:t>XMASDev</a:t>
-            </a:r>
-            <a:r>
-              <a:rPr lang="en-US" altLang="en-US" dirty="0"/>
-              <a:t> 16/12/2022</a:t>
-            </a:r>
-          </a:p>
-        </p:txBody>
-      </p:sp>
-      <p:pic>
-        <p:nvPicPr>
-          <p:cNvPr id="1026" name="Picture 2" descr="WASM! WASI! WAGI! WAT?">
-            <a:extLst>
-              <a:ext uri="{FF2B5EF4-FFF2-40B4-BE49-F238E27FC236}">
-                <a16:creationId xmlns:a16="http://schemas.microsoft.com/office/drawing/2014/main" id="{B52F79BE-1A86-585C-CC1C-98296FE1039E}"/>
-              </a:ext>
-            </a:extLst>
-          </p:cNvPr>
-          <p:cNvPicPr>
-            <a:picLocks noChangeAspect="1" noChangeArrowheads="1"/>
-          </p:cNvPicPr>
-          <p:nvPr/>
-        </p:nvPicPr>
-        <p:blipFill>
-          <a:blip r:embed="rId2">
-            <a:extLst>
-              <a:ext uri="{28A0092B-C50C-407E-A947-70E740481C1C}">
-                <a14:useLocalDpi xmlns:a14="http://schemas.microsoft.com/office/drawing/2010/main" val="0"/>
-              </a:ext>
-            </a:extLst>
-          </a:blip>
-          <a:srcRect/>
-          <a:stretch>
-            <a:fillRect/>
-          </a:stretch>
-        </p:blipFill>
-        <p:spPr bwMode="auto">
-          <a:xfrm>
-            <a:off x="2858218" y="2390592"/>
-            <a:ext cx="3048000" cy="1714500"/>
-          </a:xfrm>
-          <a:prstGeom prst="rect">
-            <a:avLst/>
-          </a:prstGeom>
-          <a:noFill/>
-          <a:extLst>
-            <a:ext uri="{909E8E84-426E-40DD-AFC4-6F175D3DCCD1}">
-              <a14:hiddenFill xmlns:a14="http://schemas.microsoft.com/office/drawing/2010/main">
-                <a:solidFill>
-                  <a:srgbClr val="FFFFFF"/>
-                </a:solidFill>
-              </a14:hiddenFill>
-            </a:ext>
-          </a:extLst>
-        </p:spPr>
-      </p:pic>
-    </p:spTree>
-    <p:extLst>
-      <p:ext uri="{BB962C8B-B14F-4D97-AF65-F5344CB8AC3E}">
-        <p14:creationId xmlns:p14="http://schemas.microsoft.com/office/powerpoint/2010/main" val="3272564912"/>
       </p:ext>
     </p:extLst>
   </p:cSld>
@@ -7111,6 +7393,158 @@
           <a:lstStyle/>
           <a:p>
             <a:r>
+              <a:rPr lang="it-IT" sz="3200" dirty="0"/>
+              <a:t>WAGI</a:t>
+            </a:r>
+          </a:p>
+        </p:txBody>
+      </p:sp>
+      <p:sp>
+        <p:nvSpPr>
+          <p:cNvPr id="3" name="Segnaposto piè di pagina 2">
+            <a:extLst>
+              <a:ext uri="{FF2B5EF4-FFF2-40B4-BE49-F238E27FC236}">
+                <a16:creationId xmlns:a16="http://schemas.microsoft.com/office/drawing/2014/main" id="{014017B1-0D2D-F5B7-2062-FD433A45C4A3}"/>
+              </a:ext>
+            </a:extLst>
+          </p:cNvPr>
+          <p:cNvSpPr>
+            <a:spLocks noGrp="1"/>
+          </p:cNvSpPr>
+          <p:nvPr>
+            <p:ph type="ftr" sz="quarter" idx="10"/>
+          </p:nvPr>
+        </p:nvSpPr>
+        <p:spPr>
+          <a:xfrm>
+            <a:off x="366122" y="6286803"/>
+            <a:ext cx="7196162" cy="312405"/>
+          </a:xfrm>
+        </p:spPr>
+        <p:txBody>
+          <a:bodyPr/>
+          <a:lstStyle/>
+          <a:p>
+            <a:pPr>
+              <a:defRPr/>
+            </a:pPr>
+            <a:r>
+              <a:rPr lang="en-US" altLang="en-US" dirty="0" err="1"/>
+              <a:t>WebAssembly</a:t>
+            </a:r>
+            <a:r>
+              <a:rPr lang="en-US" altLang="en-US" dirty="0"/>
+              <a:t> – </a:t>
+            </a:r>
+            <a:r>
+              <a:rPr lang="en-US" altLang="en-US" dirty="0" err="1"/>
+              <a:t>XMASDev</a:t>
+            </a:r>
+            <a:r>
+              <a:rPr lang="en-US" altLang="en-US" dirty="0"/>
+              <a:t> 16/12/2022</a:t>
+            </a:r>
+          </a:p>
+        </p:txBody>
+      </p:sp>
+      <p:pic>
+        <p:nvPicPr>
+          <p:cNvPr id="1026" name="Picture 2" descr="WASM! WASI! WAGI! WAT?">
+            <a:extLst>
+              <a:ext uri="{FF2B5EF4-FFF2-40B4-BE49-F238E27FC236}">
+                <a16:creationId xmlns:a16="http://schemas.microsoft.com/office/drawing/2014/main" id="{B52F79BE-1A86-585C-CC1C-98296FE1039E}"/>
+              </a:ext>
+            </a:extLst>
+          </p:cNvPr>
+          <p:cNvPicPr>
+            <a:picLocks noChangeAspect="1" noChangeArrowheads="1"/>
+          </p:cNvPicPr>
+          <p:nvPr/>
+        </p:nvPicPr>
+        <p:blipFill>
+          <a:blip r:embed="rId2">
+            <a:extLst>
+              <a:ext uri="{28A0092B-C50C-407E-A947-70E740481C1C}">
+                <a14:useLocalDpi xmlns:a14="http://schemas.microsoft.com/office/drawing/2010/main" val="0"/>
+              </a:ext>
+            </a:extLst>
+          </a:blip>
+          <a:srcRect/>
+          <a:stretch>
+            <a:fillRect/>
+          </a:stretch>
+        </p:blipFill>
+        <p:spPr bwMode="auto">
+          <a:xfrm>
+            <a:off x="2858218" y="2390592"/>
+            <a:ext cx="3048000" cy="1714500"/>
+          </a:xfrm>
+          <a:prstGeom prst="rect">
+            <a:avLst/>
+          </a:prstGeom>
+          <a:noFill/>
+          <a:extLst>
+            <a:ext uri="{909E8E84-426E-40DD-AFC4-6F175D3DCCD1}">
+              <a14:hiddenFill xmlns:a14="http://schemas.microsoft.com/office/drawing/2010/main">
+                <a:solidFill>
+                  <a:srgbClr val="FFFFFF"/>
+                </a:solidFill>
+              </a14:hiddenFill>
+            </a:ext>
+          </a:extLst>
+        </p:spPr>
+      </p:pic>
+    </p:spTree>
+    <p:extLst>
+      <p:ext uri="{BB962C8B-B14F-4D97-AF65-F5344CB8AC3E}">
+        <p14:creationId xmlns:p14="http://schemas.microsoft.com/office/powerpoint/2010/main" val="3272564912"/>
+      </p:ext>
+    </p:extLst>
+  </p:cSld>
+  <p:clrMapOvr>
+    <a:masterClrMapping/>
+  </p:clrMapOvr>
+</p:sld>
+</file>
+
+<file path=ppt/slides/slide8.xml><?xml version="1.0" encoding="utf-8"?>
+<p:sld xmlns:a="http://schemas.openxmlformats.org/drawingml/2006/main" xmlns:r="http://schemas.openxmlformats.org/officeDocument/2006/relationships" xmlns:p="http://schemas.openxmlformats.org/presentationml/2006/main">
+  <p:cSld>
+    <p:spTree>
+      <p:nvGrpSpPr>
+        <p:cNvPr id="1" name=""/>
+        <p:cNvGrpSpPr/>
+        <p:nvPr/>
+      </p:nvGrpSpPr>
+      <p:grpSpPr>
+        <a:xfrm>
+          <a:off x="0" y="0"/>
+          <a:ext cx="0" cy="0"/>
+          <a:chOff x="0" y="0"/>
+          <a:chExt cx="0" cy="0"/>
+        </a:xfrm>
+      </p:grpSpPr>
+      <p:sp>
+        <p:nvSpPr>
+          <p:cNvPr id="2" name="Titolo 1"/>
+          <p:cNvSpPr>
+            <a:spLocks noGrp="1"/>
+          </p:cNvSpPr>
+          <p:nvPr>
+            <p:ph type="ctrTitle"/>
+          </p:nvPr>
+        </p:nvSpPr>
+        <p:spPr>
+          <a:xfrm>
+            <a:off x="470630" y="366550"/>
+            <a:ext cx="8198250" cy="659993"/>
+          </a:xfrm>
+        </p:spPr>
+        <p:txBody>
+          <a:bodyPr/>
+          <a:lstStyle/>
+          <a:p>
+            <a:r>
               <a:rPr lang="it-IT" sz="3200" dirty="0" err="1"/>
               <a:t>WebAssembly</a:t>
             </a:r>
@@ -7229,7 +7663,7 @@
 </p:sld>
 </file>
 
-<file path=ppt/slides/slide8.xml><?xml version="1.0" encoding="utf-8"?>
+<file path=ppt/slides/slide9.xml><?xml version="1.0" encoding="utf-8"?>
 <p:sld xmlns:a="http://schemas.openxmlformats.org/drawingml/2006/main" xmlns:r="http://schemas.openxmlformats.org/officeDocument/2006/relationships" xmlns:p="http://schemas.openxmlformats.org/presentationml/2006/main">
   <p:cSld>
     <p:spTree>
@@ -7334,290 +7768,6 @@
   <p:clrMapOvr>
     <a:masterClrMapping/>
   </p:clrMapOvr>
-</p:sld>
-</file>
-
-<file path=ppt/slides/slide9.xml><?xml version="1.0" encoding="utf-8"?>
-<p:sld xmlns:a="http://schemas.openxmlformats.org/drawingml/2006/main" xmlns:r="http://schemas.openxmlformats.org/officeDocument/2006/relationships" xmlns:p="http://schemas.openxmlformats.org/presentationml/2006/main">
-  <p:cSld>
-    <p:spTree>
-      <p:nvGrpSpPr>
-        <p:cNvPr id="1" name=""/>
-        <p:cNvGrpSpPr/>
-        <p:nvPr/>
-      </p:nvGrpSpPr>
-      <p:grpSpPr>
-        <a:xfrm>
-          <a:off x="0" y="0"/>
-          <a:ext cx="0" cy="0"/>
-          <a:chOff x="0" y="0"/>
-          <a:chExt cx="0" cy="0"/>
-        </a:xfrm>
-      </p:grpSpPr>
-      <p:sp>
-        <p:nvSpPr>
-          <p:cNvPr id="2" name="Titolo 1"/>
-          <p:cNvSpPr>
-            <a:spLocks noGrp="1"/>
-          </p:cNvSpPr>
-          <p:nvPr>
-            <p:ph type="ctrTitle"/>
-          </p:nvPr>
-        </p:nvSpPr>
-        <p:spPr/>
-        <p:txBody>
-          <a:bodyPr/>
-          <a:lstStyle/>
-          <a:p>
-            <a:r>
-              <a:rPr lang="it-IT" sz="3200" dirty="0" err="1"/>
-              <a:t>WebAssembly</a:t>
-            </a:r>
-            <a:r>
-              <a:rPr lang="it-IT" sz="3200" dirty="0"/>
-              <a:t> sostituirà Docker?</a:t>
-            </a:r>
-          </a:p>
-        </p:txBody>
-      </p:sp>
-      <p:pic>
-        <p:nvPicPr>
-          <p:cNvPr id="6" name="Immagine 5">
-            <a:extLst>
-              <a:ext uri="{FF2B5EF4-FFF2-40B4-BE49-F238E27FC236}">
-                <a16:creationId xmlns:a16="http://schemas.microsoft.com/office/drawing/2014/main" id="{B2ADD86F-4824-B365-3A48-F946CCA5D93C}"/>
-              </a:ext>
-            </a:extLst>
-          </p:cNvPr>
-          <p:cNvPicPr>
-            <a:picLocks noChangeAspect="1"/>
-          </p:cNvPicPr>
-          <p:nvPr/>
-        </p:nvPicPr>
-        <p:blipFill>
-          <a:blip r:embed="rId2"/>
-          <a:stretch>
-            <a:fillRect/>
-          </a:stretch>
-        </p:blipFill>
-        <p:spPr>
-          <a:xfrm>
-            <a:off x="470630" y="1122381"/>
-            <a:ext cx="3109332" cy="3144666"/>
-          </a:xfrm>
-          <a:prstGeom prst="rect">
-            <a:avLst/>
-          </a:prstGeom>
-        </p:spPr>
-      </p:pic>
-      <p:sp>
-        <p:nvSpPr>
-          <p:cNvPr id="4" name="Segnaposto piè di pagina 2">
-            <a:extLst>
-              <a:ext uri="{FF2B5EF4-FFF2-40B4-BE49-F238E27FC236}">
-                <a16:creationId xmlns:a16="http://schemas.microsoft.com/office/drawing/2014/main" id="{FE8465BA-5ED1-44B3-359B-2B186DCED7DB}"/>
-              </a:ext>
-            </a:extLst>
-          </p:cNvPr>
-          <p:cNvSpPr>
-            <a:spLocks noGrp="1"/>
-          </p:cNvSpPr>
-          <p:nvPr>
-            <p:ph type="ftr" sz="quarter" idx="10"/>
-          </p:nvPr>
-        </p:nvSpPr>
-        <p:spPr>
-          <a:xfrm>
-            <a:off x="366122" y="6286803"/>
-            <a:ext cx="7196162" cy="312405"/>
-          </a:xfrm>
-        </p:spPr>
-        <p:txBody>
-          <a:bodyPr/>
-          <a:lstStyle/>
-          <a:p>
-            <a:pPr>
-              <a:defRPr/>
-            </a:pPr>
-            <a:r>
-              <a:rPr lang="en-US" altLang="en-US" dirty="0" err="1"/>
-              <a:t>WebAssembly</a:t>
-            </a:r>
-            <a:r>
-              <a:rPr lang="en-US" altLang="en-US" dirty="0"/>
-              <a:t> – </a:t>
-            </a:r>
-            <a:r>
-              <a:rPr lang="en-US" altLang="en-US" dirty="0" err="1"/>
-              <a:t>XMASDev</a:t>
-            </a:r>
-            <a:r>
-              <a:rPr lang="en-US" altLang="en-US" dirty="0"/>
-              <a:t> 16/12/2022</a:t>
-            </a:r>
-          </a:p>
-        </p:txBody>
-      </p:sp>
-      <p:pic>
-        <p:nvPicPr>
-          <p:cNvPr id="8" name="Immagine 7">
-            <a:extLst>
-              <a:ext uri="{FF2B5EF4-FFF2-40B4-BE49-F238E27FC236}">
-                <a16:creationId xmlns:a16="http://schemas.microsoft.com/office/drawing/2014/main" id="{75A6B746-A9AE-C5E6-9EE5-B5146B5FC56F}"/>
-              </a:ext>
-            </a:extLst>
-          </p:cNvPr>
-          <p:cNvPicPr>
-            <a:picLocks noChangeAspect="1"/>
-          </p:cNvPicPr>
-          <p:nvPr/>
-        </p:nvPicPr>
-        <p:blipFill>
-          <a:blip r:embed="rId3"/>
-          <a:stretch>
-            <a:fillRect/>
-          </a:stretch>
-        </p:blipFill>
-        <p:spPr>
-          <a:xfrm>
-            <a:off x="4492758" y="2338703"/>
-            <a:ext cx="4176122" cy="3482642"/>
-          </a:xfrm>
-          <a:prstGeom prst="rect">
-            <a:avLst/>
-          </a:prstGeom>
-        </p:spPr>
-      </p:pic>
-    </p:spTree>
-    <p:extLst>
-      <p:ext uri="{BB962C8B-B14F-4D97-AF65-F5344CB8AC3E}">
-        <p14:creationId xmlns:p14="http://schemas.microsoft.com/office/powerpoint/2010/main" val="3777985369"/>
-      </p:ext>
-    </p:extLst>
-  </p:cSld>
-  <p:clrMapOvr>
-    <a:masterClrMapping/>
-  </p:clrMapOvr>
-  <p:timing>
-    <p:tnLst>
-      <p:par>
-        <p:cTn id="1" dur="indefinite" restart="never" nodeType="tmRoot">
-          <p:childTnLst>
-            <p:seq concurrent="1" nextAc="seek">
-              <p:cTn id="2" dur="indefinite" nodeType="mainSeq">
-                <p:childTnLst>
-                  <p:par>
-                    <p:cTn id="3" fill="hold">
-                      <p:stCondLst>
-                        <p:cond delay="indefinite"/>
-                      </p:stCondLst>
-                      <p:childTnLst>
-                        <p:par>
-                          <p:cTn id="4" fill="hold">
-                            <p:stCondLst>
-                              <p:cond delay="0"/>
-                            </p:stCondLst>
-                            <p:childTnLst>
-                              <p:par>
-                                <p:cTn id="5" presetID="1" presetClass="entr" presetSubtype="0" fill="hold" nodeType="clickEffect">
-                                  <p:stCondLst>
-                                    <p:cond delay="0"/>
-                                  </p:stCondLst>
-                                  <p:childTnLst>
-                                    <p:set>
-                                      <p:cBhvr>
-                                        <p:cTn id="6" dur="1" fill="hold">
-                                          <p:stCondLst>
-                                            <p:cond delay="0"/>
-                                          </p:stCondLst>
-                                        </p:cTn>
-                                        <p:tgtEl>
-                                          <p:spTgt spid="6"/>
-                                        </p:tgtEl>
-                                        <p:attrNameLst>
-                                          <p:attrName>style.visibility</p:attrName>
-                                        </p:attrNameLst>
-                                      </p:cBhvr>
-                                      <p:to>
-                                        <p:strVal val="visible"/>
-                                      </p:to>
-                                    </p:set>
-                                  </p:childTnLst>
-                                </p:cTn>
-                              </p:par>
-                            </p:childTnLst>
-                          </p:cTn>
-                        </p:par>
-                      </p:childTnLst>
-                    </p:cTn>
-                  </p:par>
-                  <p:par>
-                    <p:cTn id="7" fill="hold">
-                      <p:stCondLst>
-                        <p:cond delay="indefinite"/>
-                      </p:stCondLst>
-                      <p:childTnLst>
-                        <p:par>
-                          <p:cTn id="8" fill="hold">
-                            <p:stCondLst>
-                              <p:cond delay="0"/>
-                            </p:stCondLst>
-                            <p:childTnLst>
-                              <p:par>
-                                <p:cTn id="9" presetID="1" presetClass="entr" presetSubtype="0" fill="hold" nodeType="clickEffect">
-                                  <p:stCondLst>
-                                    <p:cond delay="0"/>
-                                  </p:stCondLst>
-                                  <p:childTnLst>
-                                    <p:set>
-                                      <p:cBhvr>
-                                        <p:cTn id="10" dur="1" fill="hold">
-                                          <p:stCondLst>
-                                            <p:cond delay="0"/>
-                                          </p:stCondLst>
-                                        </p:cTn>
-                                        <p:tgtEl>
-                                          <p:spTgt spid="8"/>
-                                        </p:tgtEl>
-                                        <p:attrNameLst>
-                                          <p:attrName>style.visibility</p:attrName>
-                                        </p:attrNameLst>
-                                      </p:cBhvr>
-                                      <p:to>
-                                        <p:strVal val="visible"/>
-                                      </p:to>
-                                    </p:set>
-                                  </p:childTnLst>
-                                </p:cTn>
-                              </p:par>
-                            </p:childTnLst>
-                          </p:cTn>
-                        </p:par>
-                      </p:childTnLst>
-                    </p:cTn>
-                  </p:par>
-                </p:childTnLst>
-              </p:cTn>
-              <p:prevCondLst>
-                <p:cond evt="onPrev" delay="0">
-                  <p:tgtEl>
-                    <p:sldTgt/>
-                  </p:tgtEl>
-                </p:cond>
-              </p:prevCondLst>
-              <p:nextCondLst>
-                <p:cond evt="onNext" delay="0">
-                  <p:tgtEl>
-                    <p:sldTgt/>
-                  </p:tgtEl>
-                </p:cond>
-              </p:nextCondLst>
-            </p:seq>
-          </p:childTnLst>
-        </p:cTn>
-      </p:par>
-    </p:tnLst>
-  </p:timing>
 </p:sld>
 </file>
 

--- a/2022/XMasDev/WebAssembly.pptx
+++ b/2022/XMasDev/WebAssembly.pptx
@@ -5,10 +5,10 @@
     <p:sldMasterId id="2147483660" r:id="rId1"/>
   </p:sldMasterIdLst>
   <p:notesMasterIdLst>
-    <p:notesMasterId r:id="rId14"/>
+    <p:notesMasterId r:id="rId15"/>
   </p:notesMasterIdLst>
   <p:handoutMasterIdLst>
-    <p:handoutMasterId r:id="rId15"/>
+    <p:handoutMasterId r:id="rId16"/>
   </p:handoutMasterIdLst>
   <p:sldIdLst>
     <p:sldId id="264" r:id="rId2"/>
@@ -16,35 +16,36 @@
     <p:sldId id="286" r:id="rId4"/>
     <p:sldId id="280" r:id="rId5"/>
     <p:sldId id="279" r:id="rId6"/>
-    <p:sldId id="274" r:id="rId7"/>
-    <p:sldId id="278" r:id="rId8"/>
-    <p:sldId id="281" r:id="rId9"/>
-    <p:sldId id="271" r:id="rId10"/>
-    <p:sldId id="275" r:id="rId11"/>
-    <p:sldId id="285" r:id="rId12"/>
-    <p:sldId id="276" r:id="rId13"/>
+    <p:sldId id="287" r:id="rId7"/>
+    <p:sldId id="274" r:id="rId8"/>
+    <p:sldId id="278" r:id="rId9"/>
+    <p:sldId id="281" r:id="rId10"/>
+    <p:sldId id="271" r:id="rId11"/>
+    <p:sldId id="275" r:id="rId12"/>
+    <p:sldId id="285" r:id="rId13"/>
+    <p:sldId id="276" r:id="rId14"/>
   </p:sldIdLst>
   <p:sldSz cx="9144000" cy="6858000" type="screen4x3"/>
   <p:notesSz cx="6858000" cy="9144000"/>
   <p:embeddedFontLst>
     <p:embeddedFont>
       <p:font typeface="Calibri" panose="020F0502020204030204" pitchFamily="34" charset="0"/>
-      <p:regular r:id="rId16"/>
-      <p:bold r:id="rId17"/>
-      <p:italic r:id="rId18"/>
-      <p:boldItalic r:id="rId19"/>
+      <p:regular r:id="rId17"/>
+      <p:bold r:id="rId18"/>
+      <p:italic r:id="rId19"/>
+      <p:boldItalic r:id="rId20"/>
     </p:embeddedFont>
     <p:embeddedFont>
       <p:font typeface="Open Sans" panose="020B0606030504020204" pitchFamily="34" charset="0"/>
-      <p:regular r:id="rId20"/>
-      <p:bold r:id="rId21"/>
-      <p:italic r:id="rId22"/>
-      <p:boldItalic r:id="rId23"/>
+      <p:regular r:id="rId21"/>
+      <p:bold r:id="rId22"/>
+      <p:italic r:id="rId23"/>
+      <p:boldItalic r:id="rId24"/>
     </p:embeddedFont>
     <p:embeddedFont>
       <p:font typeface="Open Sans Light" panose="020B0306030504020204" pitchFamily="34" charset="0"/>
-      <p:regular r:id="rId24"/>
-      <p:italic r:id="rId25"/>
+      <p:regular r:id="rId25"/>
+      <p:italic r:id="rId26"/>
     </p:embeddedFont>
   </p:embeddedFontLst>
   <p:defaultTextStyle>
@@ -243,7 +244,7 @@
           <a:p>
             <a:fld id="{DC1D8630-9237-4BE7-9AFA-F1C8E44CEE44}" type="datetimeFigureOut">
               <a:rPr lang="it-IT" smtClean="0"/>
-              <a:t>03/12/2022</a:t>
+              <a:t>04/12/2022</a:t>
             </a:fld>
             <a:endParaRPr lang="it-IT"/>
           </a:p>
@@ -409,7 +410,7 @@
           <a:p>
             <a:fld id="{0B3F9ACC-C21F-4FB7-9E0A-95AB9ECDE2E6}" type="datetimeFigureOut">
               <a:rPr lang="it-IT" smtClean="0"/>
-              <a:t>03/12/2022</a:t>
+              <a:t>04/12/2022</a:t>
             </a:fld>
             <a:endParaRPr lang="it-IT"/>
           </a:p>
@@ -4541,6 +4542,114 @@
           <a:chExt cx="0" cy="0"/>
         </a:xfrm>
       </p:grpSpPr>
+      <p:pic>
+        <p:nvPicPr>
+          <p:cNvPr id="10" name="Immagine 9">
+            <a:extLst>
+              <a:ext uri="{FF2B5EF4-FFF2-40B4-BE49-F238E27FC236}">
+                <a16:creationId xmlns:a16="http://schemas.microsoft.com/office/drawing/2014/main" id="{6692FC1F-7178-3EB7-0BE4-13E99529C75A}"/>
+              </a:ext>
+            </a:extLst>
+          </p:cNvPr>
+          <p:cNvPicPr>
+            <a:picLocks noChangeAspect="1"/>
+          </p:cNvPicPr>
+          <p:nvPr/>
+        </p:nvPicPr>
+        <p:blipFill>
+          <a:blip r:embed="rId2"/>
+          <a:stretch>
+            <a:fillRect/>
+          </a:stretch>
+        </p:blipFill>
+        <p:spPr>
+          <a:xfrm>
+            <a:off x="2247698" y="536206"/>
+            <a:ext cx="4648603" cy="4922947"/>
+          </a:xfrm>
+          <a:prstGeom prst="rect">
+            <a:avLst/>
+          </a:prstGeom>
+        </p:spPr>
+      </p:pic>
+      <p:sp>
+        <p:nvSpPr>
+          <p:cNvPr id="2" name="Segnaposto piè di pagina 2">
+            <a:extLst>
+              <a:ext uri="{FF2B5EF4-FFF2-40B4-BE49-F238E27FC236}">
+                <a16:creationId xmlns:a16="http://schemas.microsoft.com/office/drawing/2014/main" id="{699F2DA1-AF57-021B-766C-214758DC4C95}"/>
+              </a:ext>
+            </a:extLst>
+          </p:cNvPr>
+          <p:cNvSpPr>
+            <a:spLocks noGrp="1"/>
+          </p:cNvSpPr>
+          <p:nvPr>
+            <p:ph type="ftr" sz="quarter" idx="10"/>
+          </p:nvPr>
+        </p:nvSpPr>
+        <p:spPr>
+          <a:xfrm>
+            <a:off x="366122" y="6286803"/>
+            <a:ext cx="7196162" cy="312405"/>
+          </a:xfrm>
+        </p:spPr>
+        <p:txBody>
+          <a:bodyPr/>
+          <a:lstStyle/>
+          <a:p>
+            <a:pPr>
+              <a:defRPr/>
+            </a:pPr>
+            <a:r>
+              <a:rPr lang="en-US" altLang="en-US" dirty="0" err="1"/>
+              <a:t>WebAssembly</a:t>
+            </a:r>
+            <a:r>
+              <a:rPr lang="en-US" altLang="en-US" dirty="0"/>
+              <a:t> – </a:t>
+            </a:r>
+            <a:r>
+              <a:rPr lang="en-US" altLang="en-US" dirty="0" err="1"/>
+              <a:t>XMASDev</a:t>
+            </a:r>
+            <a:r>
+              <a:rPr lang="en-US" altLang="en-US" dirty="0"/>
+              <a:t> 16/12/2022</a:t>
+            </a:r>
+          </a:p>
+        </p:txBody>
+      </p:sp>
+    </p:spTree>
+    <p:extLst>
+      <p:ext uri="{BB962C8B-B14F-4D97-AF65-F5344CB8AC3E}">
+        <p14:creationId xmlns:p14="http://schemas.microsoft.com/office/powerpoint/2010/main" val="2383497189"/>
+      </p:ext>
+    </p:extLst>
+  </p:cSld>
+  <p:clrMapOvr>
+    <a:masterClrMapping/>
+  </p:clrMapOvr>
+</p:sld>
+</file>
+
+<file path=ppt/slides/slide11.xml><?xml version="1.0" encoding="utf-8"?>
+<p:sld xmlns:a="http://schemas.openxmlformats.org/drawingml/2006/main" xmlns:r="http://schemas.openxmlformats.org/officeDocument/2006/relationships" xmlns:p="http://schemas.openxmlformats.org/presentationml/2006/main">
+  <p:cSld>
+    <p:spTree>
+      <p:nvGrpSpPr>
+        <p:cNvPr id="1" name=""/>
+        <p:cNvGrpSpPr/>
+        <p:nvPr/>
+      </p:nvGrpSpPr>
+      <p:grpSpPr>
+        <a:xfrm>
+          <a:off x="0" y="0"/>
+          <a:ext cx="0" cy="0"/>
+          <a:chOff x="0" y="0"/>
+          <a:chExt cx="0" cy="0"/>
+        </a:xfrm>
+      </p:grpSpPr>
       <p:sp>
         <p:nvSpPr>
           <p:cNvPr id="2" name="Titolo 1"/>
@@ -4808,7 +4917,7 @@
 </p:sld>
 </file>
 
-<file path=ppt/slides/slide11.xml><?xml version="1.0" encoding="utf-8"?>
+<file path=ppt/slides/slide12.xml><?xml version="1.0" encoding="utf-8"?>
 <p:sld xmlns:a="http://schemas.openxmlformats.org/drawingml/2006/main" xmlns:r="http://schemas.openxmlformats.org/officeDocument/2006/relationships" xmlns:p="http://schemas.openxmlformats.org/presentationml/2006/main">
   <p:cSld>
     <p:spTree>
@@ -5199,7 +5308,7 @@
 </p:sld>
 </file>
 
-<file path=ppt/slides/slide12.xml><?xml version="1.0" encoding="utf-8"?>
+<file path=ppt/slides/slide13.xml><?xml version="1.0" encoding="utf-8"?>
 <p:sld xmlns:a="http://schemas.openxmlformats.org/drawingml/2006/main" xmlns:r="http://schemas.openxmlformats.org/officeDocument/2006/relationships" xmlns:p="http://schemas.openxmlformats.org/presentationml/2006/main">
   <p:cSld>
     <p:spTree>
@@ -6483,10 +6592,11 @@
       </p:sp>
       <p:pic>
         <p:nvPicPr>
-          <p:cNvPr id="6" name="Immagine 5">
+          <p:cNvPr id="5" name="Immagine 4">
+            <a:hlinkClick r:id="rId2"/>
             <a:extLst>
               <a:ext uri="{FF2B5EF4-FFF2-40B4-BE49-F238E27FC236}">
-                <a16:creationId xmlns:a16="http://schemas.microsoft.com/office/drawing/2014/main" id="{6648E567-4CC2-AE45-FA3B-5159F16F0F79}"/>
+                <a16:creationId xmlns:a16="http://schemas.microsoft.com/office/drawing/2014/main" id="{C5145E14-FD51-E09A-A51A-ACD940DCFFEB}"/>
               </a:ext>
             </a:extLst>
           </p:cNvPr>
@@ -6496,21 +6606,15 @@
           <p:nvPr/>
         </p:nvPicPr>
         <p:blipFill>
-          <a:blip r:embed="rId2">
-            <a:extLst>
-              <a:ext uri="{28A0092B-C50C-407E-A947-70E740481C1C}">
-                <a14:useLocalDpi xmlns:a14="http://schemas.microsoft.com/office/drawing/2010/main" val="0"/>
-              </a:ext>
-            </a:extLst>
-          </a:blip>
+          <a:blip r:embed="rId3"/>
           <a:stretch>
             <a:fillRect/>
           </a:stretch>
         </p:blipFill>
         <p:spPr>
           <a:xfrm>
-            <a:off x="1365443" y="1500973"/>
-            <a:ext cx="6050804" cy="3856054"/>
+            <a:off x="380415" y="1553584"/>
+            <a:ext cx="8383170" cy="3543795"/>
           </a:xfrm>
           <a:prstGeom prst="rect">
             <a:avLst/>
@@ -7242,7 +7346,7 @@
           <a:p>
             <a:r>
               <a:rPr lang="it-IT" sz="3200" dirty="0"/>
-              <a:t>WASI</a:t>
+              <a:t>Sarà la fine di JavaScript?</a:t>
             </a:r>
           </a:p>
         </p:txBody>
@@ -7297,55 +7401,44 @@
       </p:sp>
       <p:pic>
         <p:nvPicPr>
-          <p:cNvPr id="2050" name="Picture 2" descr="Bytecode Alliance">
+          <p:cNvPr id="5" name="Immagine 4">
             <a:extLst>
               <a:ext uri="{FF2B5EF4-FFF2-40B4-BE49-F238E27FC236}">
-                <a16:creationId xmlns:a16="http://schemas.microsoft.com/office/drawing/2014/main" id="{5C714579-BC3A-F36A-0540-35BAE9F50822}"/>
+                <a16:creationId xmlns:a16="http://schemas.microsoft.com/office/drawing/2014/main" id="{B7ED0A96-A6CA-9C19-0496-C21D8482E81B}"/>
               </a:ext>
             </a:extLst>
           </p:cNvPr>
           <p:cNvPicPr>
-            <a:picLocks noChangeAspect="1" noChangeArrowheads="1"/>
+            <a:picLocks noChangeAspect="1"/>
           </p:cNvPicPr>
           <p:nvPr/>
         </p:nvPicPr>
         <p:blipFill>
-          <a:blip r:embed="rId2" cstate="print">
+          <a:blip r:embed="rId2">
             <a:extLst>
               <a:ext uri="{28A0092B-C50C-407E-A947-70E740481C1C}">
                 <a14:useLocalDpi xmlns:a14="http://schemas.microsoft.com/office/drawing/2010/main" val="0"/>
               </a:ext>
             </a:extLst>
           </a:blip>
-          <a:srcRect/>
           <a:stretch>
             <a:fillRect/>
           </a:stretch>
         </p:blipFill>
-        <p:spPr bwMode="auto">
-          <a:xfrm>
-            <a:off x="569346" y="2082832"/>
-            <a:ext cx="8082951" cy="2295525"/>
-          </a:xfrm>
-          <a:prstGeom prst="rect">
-            <a:avLst/>
-          </a:prstGeom>
-          <a:noFill/>
-          <a:extLst>
-            <a:ext uri="{909E8E84-426E-40DD-AFC4-6F175D3DCCD1}">
-              <a14:hiddenFill xmlns:a14="http://schemas.microsoft.com/office/drawing/2010/main">
-                <a:solidFill>
-                  <a:srgbClr val="FFFFFF"/>
-                </a:solidFill>
-              </a14:hiddenFill>
-            </a:ext>
-          </a:extLst>
+        <p:spPr>
+          <a:xfrm>
+            <a:off x="462004" y="1257299"/>
+            <a:ext cx="8402128" cy="4726197"/>
+          </a:xfrm>
+          <a:prstGeom prst="rect">
+            <a:avLst/>
+          </a:prstGeom>
         </p:spPr>
       </p:pic>
     </p:spTree>
     <p:extLst>
       <p:ext uri="{BB962C8B-B14F-4D97-AF65-F5344CB8AC3E}">
-        <p14:creationId xmlns:p14="http://schemas.microsoft.com/office/powerpoint/2010/main" val="1331611757"/>
+        <p14:creationId xmlns:p14="http://schemas.microsoft.com/office/powerpoint/2010/main" val="3820180529"/>
       </p:ext>
     </p:extLst>
   </p:cSld>
@@ -7394,7 +7487,7 @@
           <a:p>
             <a:r>
               <a:rPr lang="it-IT" sz="3200" dirty="0"/>
-              <a:t>WAGI</a:t>
+              <a:t>WASI</a:t>
             </a:r>
           </a:p>
         </p:txBody>
@@ -7449,10 +7542,10 @@
       </p:sp>
       <p:pic>
         <p:nvPicPr>
-          <p:cNvPr id="1026" name="Picture 2" descr="WASM! WASI! WAGI! WAT?">
+          <p:cNvPr id="2050" name="Picture 2" descr="Bytecode Alliance">
             <a:extLst>
               <a:ext uri="{FF2B5EF4-FFF2-40B4-BE49-F238E27FC236}">
-                <a16:creationId xmlns:a16="http://schemas.microsoft.com/office/drawing/2014/main" id="{B52F79BE-1A86-585C-CC1C-98296FE1039E}"/>
+                <a16:creationId xmlns:a16="http://schemas.microsoft.com/office/drawing/2014/main" id="{5C714579-BC3A-F36A-0540-35BAE9F50822}"/>
               </a:ext>
             </a:extLst>
           </p:cNvPr>
@@ -7462,7 +7555,7 @@
           <p:nvPr/>
         </p:nvPicPr>
         <p:blipFill>
-          <a:blip r:embed="rId2">
+          <a:blip r:embed="rId2" cstate="print">
             <a:extLst>
               <a:ext uri="{28A0092B-C50C-407E-A947-70E740481C1C}">
                 <a14:useLocalDpi xmlns:a14="http://schemas.microsoft.com/office/drawing/2010/main" val="0"/>
@@ -7476,8 +7569,8 @@
         </p:blipFill>
         <p:spPr bwMode="auto">
           <a:xfrm>
-            <a:off x="2858218" y="2390592"/>
-            <a:ext cx="3048000" cy="1714500"/>
+            <a:off x="569346" y="2082832"/>
+            <a:ext cx="8082951" cy="2295525"/>
           </a:xfrm>
           <a:prstGeom prst="rect">
             <a:avLst/>
@@ -7497,7 +7590,7 @@
     </p:spTree>
     <p:extLst>
       <p:ext uri="{BB962C8B-B14F-4D97-AF65-F5344CB8AC3E}">
-        <p14:creationId xmlns:p14="http://schemas.microsoft.com/office/powerpoint/2010/main" val="3272564912"/>
+        <p14:creationId xmlns:p14="http://schemas.microsoft.com/office/powerpoint/2010/main" val="1331611757"/>
       </p:ext>
     </p:extLst>
   </p:cSld>
@@ -7545,6 +7638,158 @@
           <a:lstStyle/>
           <a:p>
             <a:r>
+              <a:rPr lang="it-IT" sz="3200" dirty="0"/>
+              <a:t>WAGI</a:t>
+            </a:r>
+          </a:p>
+        </p:txBody>
+      </p:sp>
+      <p:sp>
+        <p:nvSpPr>
+          <p:cNvPr id="3" name="Segnaposto piè di pagina 2">
+            <a:extLst>
+              <a:ext uri="{FF2B5EF4-FFF2-40B4-BE49-F238E27FC236}">
+                <a16:creationId xmlns:a16="http://schemas.microsoft.com/office/drawing/2014/main" id="{014017B1-0D2D-F5B7-2062-FD433A45C4A3}"/>
+              </a:ext>
+            </a:extLst>
+          </p:cNvPr>
+          <p:cNvSpPr>
+            <a:spLocks noGrp="1"/>
+          </p:cNvSpPr>
+          <p:nvPr>
+            <p:ph type="ftr" sz="quarter" idx="10"/>
+          </p:nvPr>
+        </p:nvSpPr>
+        <p:spPr>
+          <a:xfrm>
+            <a:off x="366122" y="6286803"/>
+            <a:ext cx="7196162" cy="312405"/>
+          </a:xfrm>
+        </p:spPr>
+        <p:txBody>
+          <a:bodyPr/>
+          <a:lstStyle/>
+          <a:p>
+            <a:pPr>
+              <a:defRPr/>
+            </a:pPr>
+            <a:r>
+              <a:rPr lang="en-US" altLang="en-US" dirty="0" err="1"/>
+              <a:t>WebAssembly</a:t>
+            </a:r>
+            <a:r>
+              <a:rPr lang="en-US" altLang="en-US" dirty="0"/>
+              <a:t> – </a:t>
+            </a:r>
+            <a:r>
+              <a:rPr lang="en-US" altLang="en-US" dirty="0" err="1"/>
+              <a:t>XMASDev</a:t>
+            </a:r>
+            <a:r>
+              <a:rPr lang="en-US" altLang="en-US" dirty="0"/>
+              <a:t> 16/12/2022</a:t>
+            </a:r>
+          </a:p>
+        </p:txBody>
+      </p:sp>
+      <p:pic>
+        <p:nvPicPr>
+          <p:cNvPr id="1026" name="Picture 2" descr="WASM! WASI! WAGI! WAT?">
+            <a:extLst>
+              <a:ext uri="{FF2B5EF4-FFF2-40B4-BE49-F238E27FC236}">
+                <a16:creationId xmlns:a16="http://schemas.microsoft.com/office/drawing/2014/main" id="{B52F79BE-1A86-585C-CC1C-98296FE1039E}"/>
+              </a:ext>
+            </a:extLst>
+          </p:cNvPr>
+          <p:cNvPicPr>
+            <a:picLocks noChangeAspect="1" noChangeArrowheads="1"/>
+          </p:cNvPicPr>
+          <p:nvPr/>
+        </p:nvPicPr>
+        <p:blipFill>
+          <a:blip r:embed="rId2">
+            <a:extLst>
+              <a:ext uri="{28A0092B-C50C-407E-A947-70E740481C1C}">
+                <a14:useLocalDpi xmlns:a14="http://schemas.microsoft.com/office/drawing/2010/main" val="0"/>
+              </a:ext>
+            </a:extLst>
+          </a:blip>
+          <a:srcRect/>
+          <a:stretch>
+            <a:fillRect/>
+          </a:stretch>
+        </p:blipFill>
+        <p:spPr bwMode="auto">
+          <a:xfrm>
+            <a:off x="2858218" y="2390592"/>
+            <a:ext cx="3048000" cy="1714500"/>
+          </a:xfrm>
+          <a:prstGeom prst="rect">
+            <a:avLst/>
+          </a:prstGeom>
+          <a:noFill/>
+          <a:extLst>
+            <a:ext uri="{909E8E84-426E-40DD-AFC4-6F175D3DCCD1}">
+              <a14:hiddenFill xmlns:a14="http://schemas.microsoft.com/office/drawing/2010/main">
+                <a:solidFill>
+                  <a:srgbClr val="FFFFFF"/>
+                </a:solidFill>
+              </a14:hiddenFill>
+            </a:ext>
+          </a:extLst>
+        </p:spPr>
+      </p:pic>
+    </p:spTree>
+    <p:extLst>
+      <p:ext uri="{BB962C8B-B14F-4D97-AF65-F5344CB8AC3E}">
+        <p14:creationId xmlns:p14="http://schemas.microsoft.com/office/powerpoint/2010/main" val="3272564912"/>
+      </p:ext>
+    </p:extLst>
+  </p:cSld>
+  <p:clrMapOvr>
+    <a:masterClrMapping/>
+  </p:clrMapOvr>
+</p:sld>
+</file>
+
+<file path=ppt/slides/slide9.xml><?xml version="1.0" encoding="utf-8"?>
+<p:sld xmlns:a="http://schemas.openxmlformats.org/drawingml/2006/main" xmlns:r="http://schemas.openxmlformats.org/officeDocument/2006/relationships" xmlns:p="http://schemas.openxmlformats.org/presentationml/2006/main">
+  <p:cSld>
+    <p:spTree>
+      <p:nvGrpSpPr>
+        <p:cNvPr id="1" name=""/>
+        <p:cNvGrpSpPr/>
+        <p:nvPr/>
+      </p:nvGrpSpPr>
+      <p:grpSpPr>
+        <a:xfrm>
+          <a:off x="0" y="0"/>
+          <a:ext cx="0" cy="0"/>
+          <a:chOff x="0" y="0"/>
+          <a:chExt cx="0" cy="0"/>
+        </a:xfrm>
+      </p:grpSpPr>
+      <p:sp>
+        <p:nvSpPr>
+          <p:cNvPr id="2" name="Titolo 1"/>
+          <p:cNvSpPr>
+            <a:spLocks noGrp="1"/>
+          </p:cNvSpPr>
+          <p:nvPr>
+            <p:ph type="ctrTitle"/>
+          </p:nvPr>
+        </p:nvSpPr>
+        <p:spPr>
+          <a:xfrm>
+            <a:off x="470630" y="366550"/>
+            <a:ext cx="8198250" cy="659993"/>
+          </a:xfrm>
+        </p:spPr>
+        <p:txBody>
+          <a:bodyPr/>
+          <a:lstStyle/>
+          <a:p>
+            <a:r>
               <a:rPr lang="it-IT" sz="3200" dirty="0" err="1"/>
               <a:t>WebAssembly</a:t>
             </a:r>
@@ -7654,114 +7899,6 @@
     <p:extLst>
       <p:ext uri="{BB962C8B-B14F-4D97-AF65-F5344CB8AC3E}">
         <p14:creationId xmlns:p14="http://schemas.microsoft.com/office/powerpoint/2010/main" val="2919441373"/>
-      </p:ext>
-    </p:extLst>
-  </p:cSld>
-  <p:clrMapOvr>
-    <a:masterClrMapping/>
-  </p:clrMapOvr>
-</p:sld>
-</file>
-
-<file path=ppt/slides/slide9.xml><?xml version="1.0" encoding="utf-8"?>
-<p:sld xmlns:a="http://schemas.openxmlformats.org/drawingml/2006/main" xmlns:r="http://schemas.openxmlformats.org/officeDocument/2006/relationships" xmlns:p="http://schemas.openxmlformats.org/presentationml/2006/main">
-  <p:cSld>
-    <p:spTree>
-      <p:nvGrpSpPr>
-        <p:cNvPr id="1" name=""/>
-        <p:cNvGrpSpPr/>
-        <p:nvPr/>
-      </p:nvGrpSpPr>
-      <p:grpSpPr>
-        <a:xfrm>
-          <a:off x="0" y="0"/>
-          <a:ext cx="0" cy="0"/>
-          <a:chOff x="0" y="0"/>
-          <a:chExt cx="0" cy="0"/>
-        </a:xfrm>
-      </p:grpSpPr>
-      <p:pic>
-        <p:nvPicPr>
-          <p:cNvPr id="10" name="Immagine 9">
-            <a:extLst>
-              <a:ext uri="{FF2B5EF4-FFF2-40B4-BE49-F238E27FC236}">
-                <a16:creationId xmlns:a16="http://schemas.microsoft.com/office/drawing/2014/main" id="{6692FC1F-7178-3EB7-0BE4-13E99529C75A}"/>
-              </a:ext>
-            </a:extLst>
-          </p:cNvPr>
-          <p:cNvPicPr>
-            <a:picLocks noChangeAspect="1"/>
-          </p:cNvPicPr>
-          <p:nvPr/>
-        </p:nvPicPr>
-        <p:blipFill>
-          <a:blip r:embed="rId2"/>
-          <a:stretch>
-            <a:fillRect/>
-          </a:stretch>
-        </p:blipFill>
-        <p:spPr>
-          <a:xfrm>
-            <a:off x="2247698" y="536206"/>
-            <a:ext cx="4648603" cy="4922947"/>
-          </a:xfrm>
-          <a:prstGeom prst="rect">
-            <a:avLst/>
-          </a:prstGeom>
-        </p:spPr>
-      </p:pic>
-      <p:sp>
-        <p:nvSpPr>
-          <p:cNvPr id="2" name="Segnaposto piè di pagina 2">
-            <a:extLst>
-              <a:ext uri="{FF2B5EF4-FFF2-40B4-BE49-F238E27FC236}">
-                <a16:creationId xmlns:a16="http://schemas.microsoft.com/office/drawing/2014/main" id="{699F2DA1-AF57-021B-766C-214758DC4C95}"/>
-              </a:ext>
-            </a:extLst>
-          </p:cNvPr>
-          <p:cNvSpPr>
-            <a:spLocks noGrp="1"/>
-          </p:cNvSpPr>
-          <p:nvPr>
-            <p:ph type="ftr" sz="quarter" idx="10"/>
-          </p:nvPr>
-        </p:nvSpPr>
-        <p:spPr>
-          <a:xfrm>
-            <a:off x="366122" y="6286803"/>
-            <a:ext cx="7196162" cy="312405"/>
-          </a:xfrm>
-        </p:spPr>
-        <p:txBody>
-          <a:bodyPr/>
-          <a:lstStyle/>
-          <a:p>
-            <a:pPr>
-              <a:defRPr/>
-            </a:pPr>
-            <a:r>
-              <a:rPr lang="en-US" altLang="en-US" dirty="0" err="1"/>
-              <a:t>WebAssembly</a:t>
-            </a:r>
-            <a:r>
-              <a:rPr lang="en-US" altLang="en-US" dirty="0"/>
-              <a:t> – </a:t>
-            </a:r>
-            <a:r>
-              <a:rPr lang="en-US" altLang="en-US" dirty="0" err="1"/>
-              <a:t>XMASDev</a:t>
-            </a:r>
-            <a:r>
-              <a:rPr lang="en-US" altLang="en-US" dirty="0"/>
-              <a:t> 16/12/2022</a:t>
-            </a:r>
-          </a:p>
-        </p:txBody>
-      </p:sp>
-    </p:spTree>
-    <p:extLst>
-      <p:ext uri="{BB962C8B-B14F-4D97-AF65-F5344CB8AC3E}">
-        <p14:creationId xmlns:p14="http://schemas.microsoft.com/office/powerpoint/2010/main" val="2383497189"/>
       </p:ext>
     </p:extLst>
   </p:cSld>

--- a/2022/XMasDev/WebAssembly.pptx
+++ b/2022/XMasDev/WebAssembly.pptx
@@ -5,47 +5,53 @@
     <p:sldMasterId id="2147483660" r:id="rId1"/>
   </p:sldMasterIdLst>
   <p:notesMasterIdLst>
-    <p:notesMasterId r:id="rId15"/>
+    <p:notesMasterId r:id="rId21"/>
   </p:notesMasterIdLst>
   <p:handoutMasterIdLst>
-    <p:handoutMasterId r:id="rId16"/>
+    <p:handoutMasterId r:id="rId22"/>
   </p:handoutMasterIdLst>
   <p:sldIdLst>
     <p:sldId id="264" r:id="rId2"/>
-    <p:sldId id="284" r:id="rId3"/>
-    <p:sldId id="286" r:id="rId4"/>
-    <p:sldId id="280" r:id="rId5"/>
-    <p:sldId id="279" r:id="rId6"/>
-    <p:sldId id="287" r:id="rId7"/>
-    <p:sldId id="274" r:id="rId8"/>
-    <p:sldId id="278" r:id="rId9"/>
-    <p:sldId id="281" r:id="rId10"/>
-    <p:sldId id="271" r:id="rId11"/>
-    <p:sldId id="275" r:id="rId12"/>
-    <p:sldId id="285" r:id="rId13"/>
-    <p:sldId id="276" r:id="rId14"/>
+    <p:sldId id="290" r:id="rId3"/>
+    <p:sldId id="291" r:id="rId4"/>
+    <p:sldId id="293" r:id="rId5"/>
+    <p:sldId id="294" r:id="rId6"/>
+    <p:sldId id="295" r:id="rId7"/>
+    <p:sldId id="296" r:id="rId8"/>
+    <p:sldId id="297" r:id="rId9"/>
+    <p:sldId id="286" r:id="rId10"/>
+    <p:sldId id="287" r:id="rId11"/>
+    <p:sldId id="274" r:id="rId12"/>
+    <p:sldId id="278" r:id="rId13"/>
+    <p:sldId id="281" r:id="rId14"/>
+    <p:sldId id="271" r:id="rId15"/>
+    <p:sldId id="275" r:id="rId16"/>
+    <p:sldId id="288" r:id="rId17"/>
+    <p:sldId id="289" r:id="rId18"/>
+    <p:sldId id="285" r:id="rId19"/>
+    <p:sldId id="276" r:id="rId20"/>
   </p:sldIdLst>
   <p:sldSz cx="9144000" cy="6858000" type="screen4x3"/>
   <p:notesSz cx="6858000" cy="9144000"/>
   <p:embeddedFontLst>
     <p:embeddedFont>
       <p:font typeface="Calibri" panose="020F0502020204030204" pitchFamily="34" charset="0"/>
-      <p:regular r:id="rId17"/>
-      <p:bold r:id="rId18"/>
-      <p:italic r:id="rId19"/>
-      <p:boldItalic r:id="rId20"/>
+      <p:regular r:id="rId23"/>
+      <p:bold r:id="rId24"/>
+      <p:italic r:id="rId25"/>
+      <p:boldItalic r:id="rId26"/>
     </p:embeddedFont>
     <p:embeddedFont>
       <p:font typeface="Open Sans" panose="020B0606030504020204" pitchFamily="34" charset="0"/>
-      <p:regular r:id="rId21"/>
-      <p:bold r:id="rId22"/>
-      <p:italic r:id="rId23"/>
-      <p:boldItalic r:id="rId24"/>
+      <p:regular r:id="rId27"/>
+      <p:bold r:id="rId28"/>
+      <p:italic r:id="rId29"/>
+      <p:boldItalic r:id="rId30"/>
     </p:embeddedFont>
     <p:embeddedFont>
       <p:font typeface="Open Sans Light" panose="020B0306030504020204" pitchFamily="34" charset="0"/>
-      <p:regular r:id="rId25"/>
-      <p:italic r:id="rId26"/>
+      <p:regular r:id="rId31"/>
+      <p:italic r:id="rId32"/>
     </p:embeddedFont>
   </p:embeddedFontLst>
   <p:defaultTextStyle>
@@ -244,7 +250,7 @@
           <a:p>
             <a:fld id="{DC1D8630-9237-4BE7-9AFA-F1C8E44CEE44}" type="datetimeFigureOut">
               <a:rPr lang="it-IT" smtClean="0"/>
-              <a:t>04/12/2022</a:t>
+              <a:t>06/12/2022</a:t>
             </a:fld>
             <a:endParaRPr lang="it-IT"/>
           </a:p>
@@ -410,7 +416,7 @@
           <a:p>
             <a:fld id="{0B3F9ACC-C21F-4FB7-9E0A-95AB9ECDE2E6}" type="datetimeFigureOut">
               <a:rPr lang="it-IT" smtClean="0"/>
-              <a:t>04/12/2022</a:t>
+              <a:t>06/12/2022</a:t>
             </a:fld>
             <a:endParaRPr lang="it-IT"/>
           </a:p>
@@ -729,7 +735,7 @@
     </p:spTree>
     <p:extLst>
       <p:ext uri="{BB962C8B-B14F-4D97-AF65-F5344CB8AC3E}">
-        <p14:creationId xmlns:p14="http://schemas.microsoft.com/office/powerpoint/2010/main" val="3106096056"/>
+        <p14:creationId xmlns:p14="http://schemas.microsoft.com/office/powerpoint/2010/main" val="1892097424"/>
       </p:ext>
     </p:extLst>
   </p:cSld>
@@ -740,6 +746,67 @@
 </file>
 
 <file path=ppt/notesSlides/notesSlide2.xml><?xml version="1.0" encoding="utf-8"?>
+<p:notes xmlns:a="http://schemas.openxmlformats.org/drawingml/2006/main" xmlns:r="http://schemas.openxmlformats.org/officeDocument/2006/relationships" xmlns:p="http://schemas.openxmlformats.org/presentationml/2006/main">
+  <p:cSld>
+    <p:spTree>
+      <p:nvGrpSpPr>
+        <p:cNvPr id="1" name=""/>
+        <p:cNvGrpSpPr/>
+        <p:nvPr/>
+      </p:nvGrpSpPr>
+      <p:grpSpPr>
+        <a:xfrm>
+          <a:off x="0" y="0"/>
+          <a:ext cx="0" cy="0"/>
+          <a:chOff x="0" y="0"/>
+          <a:chExt cx="0" cy="0"/>
+        </a:xfrm>
+      </p:grpSpPr>
+      <p:sp>
+        <p:nvSpPr>
+          <p:cNvPr id="2" name="Segnaposto immagine diapositiva 1"/>
+          <p:cNvSpPr>
+            <a:spLocks noGrp="1" noRot="1" noChangeAspect="1"/>
+          </p:cNvSpPr>
+          <p:nvPr>
+            <p:ph type="sldImg"/>
+          </p:nvPr>
+        </p:nvSpPr>
+        <p:spPr/>
+      </p:sp>
+      <p:sp>
+        <p:nvSpPr>
+          <p:cNvPr id="3" name="Segnaposto note 2"/>
+          <p:cNvSpPr>
+            <a:spLocks noGrp="1"/>
+          </p:cNvSpPr>
+          <p:nvPr>
+            <p:ph type="body" idx="1"/>
+          </p:nvPr>
+        </p:nvSpPr>
+        <p:spPr/>
+        <p:txBody>
+          <a:bodyPr/>
+          <a:lstStyle/>
+          <a:p>
+            <a:endParaRPr lang="it-IT"/>
+          </a:p>
+        </p:txBody>
+      </p:sp>
+    </p:spTree>
+    <p:extLst>
+      <p:ext uri="{BB962C8B-B14F-4D97-AF65-F5344CB8AC3E}">
+        <p14:creationId xmlns:p14="http://schemas.microsoft.com/office/powerpoint/2010/main" val="1883531721"/>
+      </p:ext>
+    </p:extLst>
+  </p:cSld>
+  <p:clrMapOvr>
+    <a:masterClrMapping/>
+  </p:clrMapOvr>
+</p:notes>
+</file>
+
+<file path=ppt/notesSlides/notesSlide3.xml><?xml version="1.0" encoding="utf-8"?>
 <p:notes xmlns:a="http://schemas.openxmlformats.org/drawingml/2006/main" xmlns:r="http://schemas.openxmlformats.org/officeDocument/2006/relationships" xmlns:p="http://schemas.openxmlformats.org/presentationml/2006/main">
   <p:cSld>
     <p:spTree>
@@ -4394,12 +4461,59 @@
           <a:chExt cx="0" cy="0"/>
         </a:xfrm>
       </p:grpSpPr>
-      <p:sp>
-        <p:nvSpPr>
-          <p:cNvPr id="7" name="Titolo 1">
+      <p:pic>
+        <p:nvPicPr>
+          <p:cNvPr id="2052" name="Picture 4" descr="WEB ASSEMBLY">
             <a:extLst>
               <a:ext uri="{FF2B5EF4-FFF2-40B4-BE49-F238E27FC236}">
-                <a16:creationId xmlns:a16="http://schemas.microsoft.com/office/drawing/2014/main" id="{401F3EDE-D9BC-50FB-F845-7DDFCA5E957B}"/>
+                <a16:creationId xmlns:a16="http://schemas.microsoft.com/office/drawing/2014/main" id="{DD842DAD-0506-EFCB-3FBF-8E2AB50CF9C5}"/>
+              </a:ext>
+            </a:extLst>
+          </p:cNvPr>
+          <p:cNvPicPr>
+            <a:picLocks noChangeAspect="1" noChangeArrowheads="1"/>
+          </p:cNvPicPr>
+          <p:nvPr/>
+        </p:nvPicPr>
+        <p:blipFill>
+          <a:blip r:embed="rId2">
+            <a:extLst>
+              <a:ext uri="{28A0092B-C50C-407E-A947-70E740481C1C}">
+                <a14:useLocalDpi xmlns:a14="http://schemas.microsoft.com/office/drawing/2010/main" val="0"/>
+              </a:ext>
+            </a:extLst>
+          </a:blip>
+          <a:srcRect/>
+          <a:stretch>
+            <a:fillRect/>
+          </a:stretch>
+        </p:blipFill>
+        <p:spPr bwMode="auto">
+          <a:xfrm>
+            <a:off x="543460" y="1923349"/>
+            <a:ext cx="8065698" cy="3201074"/>
+          </a:xfrm>
+          <a:prstGeom prst="rect">
+            <a:avLst/>
+          </a:prstGeom>
+          <a:noFill/>
+          <a:extLst>
+            <a:ext uri="{909E8E84-426E-40DD-AFC4-6F175D3DCCD1}">
+              <a14:hiddenFill xmlns:a14="http://schemas.microsoft.com/office/drawing/2010/main">
+                <a:solidFill>
+                  <a:srgbClr val="FFFFFF"/>
+                </a:solidFill>
+              </a14:hiddenFill>
+            </a:ext>
+          </a:extLst>
+        </p:spPr>
+      </p:pic>
+      <p:sp>
+        <p:nvSpPr>
+          <p:cNvPr id="6" name="Titolo 2">
+            <a:extLst>
+              <a:ext uri="{FF2B5EF4-FFF2-40B4-BE49-F238E27FC236}">
+                <a16:creationId xmlns:a16="http://schemas.microsoft.com/office/drawing/2014/main" id="{BD5ED0B2-2937-5F1B-D7B1-793792BE6FE0}"/>
               </a:ext>
             </a:extLst>
           </p:cNvPr>
@@ -4412,8 +4526,8 @@
         </p:nvSpPr>
         <p:spPr>
           <a:xfrm>
-            <a:off x="470630" y="667414"/>
-            <a:ext cx="6264125" cy="1095292"/>
+            <a:off x="572160" y="231398"/>
+            <a:ext cx="8198250" cy="1088639"/>
           </a:xfrm>
         </p:spPr>
         <p:txBody>
@@ -4425,90 +4539,6 @@
               <a:t>WebAssembly</a:t>
             </a:r>
             <a:endParaRPr lang="it-IT" dirty="0"/>
-          </a:p>
-        </p:txBody>
-      </p:sp>
-      <p:pic>
-        <p:nvPicPr>
-          <p:cNvPr id="8" name="Immagine 7">
-            <a:extLst>
-              <a:ext uri="{FF2B5EF4-FFF2-40B4-BE49-F238E27FC236}">
-                <a16:creationId xmlns:a16="http://schemas.microsoft.com/office/drawing/2014/main" id="{B29EF173-B781-96F3-6A63-3CE7B73E648C}"/>
-              </a:ext>
-            </a:extLst>
-          </p:cNvPr>
-          <p:cNvPicPr>
-            <a:picLocks noChangeAspect="1"/>
-          </p:cNvPicPr>
-          <p:nvPr/>
-        </p:nvPicPr>
-        <p:blipFill>
-          <a:blip r:embed="rId2"/>
-          <a:stretch>
-            <a:fillRect/>
-          </a:stretch>
-        </p:blipFill>
-        <p:spPr>
-          <a:xfrm>
-            <a:off x="7125922" y="820631"/>
-            <a:ext cx="1691787" cy="922100"/>
-          </a:xfrm>
-          <a:prstGeom prst="rect">
-            <a:avLst/>
-          </a:prstGeom>
-        </p:spPr>
-      </p:pic>
-      <p:sp>
-        <p:nvSpPr>
-          <p:cNvPr id="11" name="Segnaposto testo 2">
-            <a:extLst>
-              <a:ext uri="{FF2B5EF4-FFF2-40B4-BE49-F238E27FC236}">
-                <a16:creationId xmlns:a16="http://schemas.microsoft.com/office/drawing/2014/main" id="{B2FD7F21-96CD-4071-9105-6CBC18371E30}"/>
-              </a:ext>
-            </a:extLst>
-          </p:cNvPr>
-          <p:cNvSpPr>
-            <a:spLocks noGrp="1"/>
-          </p:cNvSpPr>
-          <p:nvPr>
-            <p:ph type="body" sz="quarter" idx="10"/>
-          </p:nvPr>
-        </p:nvSpPr>
-        <p:spPr>
-          <a:xfrm>
-            <a:off x="366122" y="2807057"/>
-            <a:ext cx="8198708" cy="2415419"/>
-          </a:xfrm>
-        </p:spPr>
-        <p:txBody>
-          <a:bodyPr/>
-          <a:lstStyle/>
-          <a:p>
-            <a:r>
-              <a:rPr lang="en-US" sz="2400" dirty="0" err="1"/>
-              <a:t>WebAssembly</a:t>
-            </a:r>
-            <a:r>
-              <a:rPr lang="en-US" sz="2400" dirty="0"/>
-              <a:t> (abbreviated </a:t>
-            </a:r>
-            <a:r>
-              <a:rPr lang="en-US" sz="2400" b="1" i="1" dirty="0" err="1"/>
-              <a:t>Wasm</a:t>
-            </a:r>
-            <a:r>
-              <a:rPr lang="en-US" sz="2400" dirty="0"/>
-              <a:t>) is a binary instruction format for a stack-based virtual machine. </a:t>
-            </a:r>
-            <a:r>
-              <a:rPr lang="en-US" sz="2400" dirty="0" err="1"/>
-              <a:t>Wasm</a:t>
-            </a:r>
-            <a:r>
-              <a:rPr lang="en-US" sz="2400" dirty="0"/>
-              <a:t> is designed as a portable compilation target for programming languages, enabling deployment on the web for client and server applications.</a:t>
-            </a:r>
-            <a:endParaRPr lang="it-IT" sz="2400" dirty="0"/>
           </a:p>
         </p:txBody>
       </p:sp>
@@ -4542,12 +4572,87 @@
           <a:chExt cx="0" cy="0"/>
         </a:xfrm>
       </p:grpSpPr>
+      <p:sp>
+        <p:nvSpPr>
+          <p:cNvPr id="2" name="Titolo 1"/>
+          <p:cNvSpPr>
+            <a:spLocks noGrp="1"/>
+          </p:cNvSpPr>
+          <p:nvPr>
+            <p:ph type="ctrTitle"/>
+          </p:nvPr>
+        </p:nvSpPr>
+        <p:spPr>
+          <a:xfrm>
+            <a:off x="470630" y="366550"/>
+            <a:ext cx="8198250" cy="659993"/>
+          </a:xfrm>
+        </p:spPr>
+        <p:txBody>
+          <a:bodyPr/>
+          <a:lstStyle/>
+          <a:p>
+            <a:r>
+              <a:rPr lang="it-IT" sz="3200" dirty="0"/>
+              <a:t>Sarà la fine di JavaScript?</a:t>
+            </a:r>
+          </a:p>
+        </p:txBody>
+      </p:sp>
+      <p:sp>
+        <p:nvSpPr>
+          <p:cNvPr id="3" name="Segnaposto piè di pagina 2">
+            <a:extLst>
+              <a:ext uri="{FF2B5EF4-FFF2-40B4-BE49-F238E27FC236}">
+                <a16:creationId xmlns:a16="http://schemas.microsoft.com/office/drawing/2014/main" id="{014017B1-0D2D-F5B7-2062-FD433A45C4A3}"/>
+              </a:ext>
+            </a:extLst>
+          </p:cNvPr>
+          <p:cNvSpPr>
+            <a:spLocks noGrp="1"/>
+          </p:cNvSpPr>
+          <p:nvPr>
+            <p:ph type="ftr" sz="quarter" idx="10"/>
+          </p:nvPr>
+        </p:nvSpPr>
+        <p:spPr>
+          <a:xfrm>
+            <a:off x="366122" y="6286803"/>
+            <a:ext cx="7196162" cy="312405"/>
+          </a:xfrm>
+        </p:spPr>
+        <p:txBody>
+          <a:bodyPr/>
+          <a:lstStyle/>
+          <a:p>
+            <a:pPr>
+              <a:defRPr/>
+            </a:pPr>
+            <a:r>
+              <a:rPr lang="en-US" altLang="en-US" dirty="0" err="1"/>
+              <a:t>WebAssembly</a:t>
+            </a:r>
+            <a:r>
+              <a:rPr lang="en-US" altLang="en-US" dirty="0"/>
+              <a:t> – </a:t>
+            </a:r>
+            <a:r>
+              <a:rPr lang="en-US" altLang="en-US" dirty="0" err="1"/>
+              <a:t>XMASDev</a:t>
+            </a:r>
+            <a:r>
+              <a:rPr lang="en-US" altLang="en-US" dirty="0"/>
+              <a:t> 16/12/2022</a:t>
+            </a:r>
+          </a:p>
+        </p:txBody>
+      </p:sp>
       <p:pic>
         <p:nvPicPr>
-          <p:cNvPr id="10" name="Immagine 9">
+          <p:cNvPr id="5" name="Immagine 4">
             <a:extLst>
               <a:ext uri="{FF2B5EF4-FFF2-40B4-BE49-F238E27FC236}">
-                <a16:creationId xmlns:a16="http://schemas.microsoft.com/office/drawing/2014/main" id="{6692FC1F-7178-3EB7-0BE4-13E99529C75A}"/>
+                <a16:creationId xmlns:a16="http://schemas.microsoft.com/office/drawing/2014/main" id="{B7ED0A96-A6CA-9C19-0496-C21D8482E81B}"/>
               </a:ext>
             </a:extLst>
           </p:cNvPr>
@@ -4557,27 +4662,90 @@
           <p:nvPr/>
         </p:nvPicPr>
         <p:blipFill>
-          <a:blip r:embed="rId2"/>
+          <a:blip r:embed="rId2">
+            <a:extLst>
+              <a:ext uri="{28A0092B-C50C-407E-A947-70E740481C1C}">
+                <a14:useLocalDpi xmlns:a14="http://schemas.microsoft.com/office/drawing/2010/main" val="0"/>
+              </a:ext>
+            </a:extLst>
+          </a:blip>
           <a:stretch>
             <a:fillRect/>
           </a:stretch>
         </p:blipFill>
         <p:spPr>
           <a:xfrm>
-            <a:off x="2247698" y="536206"/>
-            <a:ext cx="4648603" cy="4922947"/>
+            <a:off x="462004" y="1257299"/>
+            <a:ext cx="8402128" cy="4726197"/>
           </a:xfrm>
           <a:prstGeom prst="rect">
             <a:avLst/>
           </a:prstGeom>
         </p:spPr>
       </p:pic>
-      <p:sp>
-        <p:nvSpPr>
-          <p:cNvPr id="2" name="Segnaposto piè di pagina 2">
+    </p:spTree>
+    <p:extLst>
+      <p:ext uri="{BB962C8B-B14F-4D97-AF65-F5344CB8AC3E}">
+        <p14:creationId xmlns:p14="http://schemas.microsoft.com/office/powerpoint/2010/main" val="3820180529"/>
+      </p:ext>
+    </p:extLst>
+  </p:cSld>
+  <p:clrMapOvr>
+    <a:masterClrMapping/>
+  </p:clrMapOvr>
+</p:sld>
+</file>
+
+<file path=ppt/slides/slide11.xml><?xml version="1.0" encoding="utf-8"?>
+<p:sld xmlns:a="http://schemas.openxmlformats.org/drawingml/2006/main" xmlns:r="http://schemas.openxmlformats.org/officeDocument/2006/relationships" xmlns:p="http://schemas.openxmlformats.org/presentationml/2006/main">
+  <p:cSld>
+    <p:spTree>
+      <p:nvGrpSpPr>
+        <p:cNvPr id="1" name=""/>
+        <p:cNvGrpSpPr/>
+        <p:nvPr/>
+      </p:nvGrpSpPr>
+      <p:grpSpPr>
+        <a:xfrm>
+          <a:off x="0" y="0"/>
+          <a:ext cx="0" cy="0"/>
+          <a:chOff x="0" y="0"/>
+          <a:chExt cx="0" cy="0"/>
+        </a:xfrm>
+      </p:grpSpPr>
+      <p:sp>
+        <p:nvSpPr>
+          <p:cNvPr id="2" name="Titolo 1"/>
+          <p:cNvSpPr>
+            <a:spLocks noGrp="1"/>
+          </p:cNvSpPr>
+          <p:nvPr>
+            <p:ph type="ctrTitle"/>
+          </p:nvPr>
+        </p:nvSpPr>
+        <p:spPr>
+          <a:xfrm>
+            <a:off x="470630" y="366550"/>
+            <a:ext cx="8198250" cy="659993"/>
+          </a:xfrm>
+        </p:spPr>
+        <p:txBody>
+          <a:bodyPr/>
+          <a:lstStyle/>
+          <a:p>
+            <a:r>
+              <a:rPr lang="it-IT" sz="3200" dirty="0"/>
+              <a:t>WASI</a:t>
+            </a:r>
+          </a:p>
+        </p:txBody>
+      </p:sp>
+      <p:sp>
+        <p:nvSpPr>
+          <p:cNvPr id="3" name="Segnaposto piè di pagina 2">
             <a:extLst>
               <a:ext uri="{FF2B5EF4-FFF2-40B4-BE49-F238E27FC236}">
-                <a16:creationId xmlns:a16="http://schemas.microsoft.com/office/drawing/2014/main" id="{699F2DA1-AF57-021B-766C-214758DC4C95}"/>
+                <a16:creationId xmlns:a16="http://schemas.microsoft.com/office/drawing/2014/main" id="{014017B1-0D2D-F5B7-2062-FD433A45C4A3}"/>
               </a:ext>
             </a:extLst>
           </p:cNvPr>
@@ -4620,6 +4788,600 @@
           </a:p>
         </p:txBody>
       </p:sp>
+      <p:pic>
+        <p:nvPicPr>
+          <p:cNvPr id="2050" name="Picture 2" descr="Bytecode Alliance">
+            <a:extLst>
+              <a:ext uri="{FF2B5EF4-FFF2-40B4-BE49-F238E27FC236}">
+                <a16:creationId xmlns:a16="http://schemas.microsoft.com/office/drawing/2014/main" id="{5C714579-BC3A-F36A-0540-35BAE9F50822}"/>
+              </a:ext>
+            </a:extLst>
+          </p:cNvPr>
+          <p:cNvPicPr>
+            <a:picLocks noChangeAspect="1" noChangeArrowheads="1"/>
+          </p:cNvPicPr>
+          <p:nvPr/>
+        </p:nvPicPr>
+        <p:blipFill>
+          <a:blip r:embed="rId2" cstate="print">
+            <a:extLst>
+              <a:ext uri="{28A0092B-C50C-407E-A947-70E740481C1C}">
+                <a14:useLocalDpi xmlns:a14="http://schemas.microsoft.com/office/drawing/2010/main" val="0"/>
+              </a:ext>
+            </a:extLst>
+          </a:blip>
+          <a:srcRect/>
+          <a:stretch>
+            <a:fillRect/>
+          </a:stretch>
+        </p:blipFill>
+        <p:spPr bwMode="auto">
+          <a:xfrm>
+            <a:off x="569346" y="2082832"/>
+            <a:ext cx="8082951" cy="2295525"/>
+          </a:xfrm>
+          <a:prstGeom prst="rect">
+            <a:avLst/>
+          </a:prstGeom>
+          <a:noFill/>
+          <a:extLst>
+            <a:ext uri="{909E8E84-426E-40DD-AFC4-6F175D3DCCD1}">
+              <a14:hiddenFill xmlns:a14="http://schemas.microsoft.com/office/drawing/2010/main">
+                <a:solidFill>
+                  <a:srgbClr val="FFFFFF"/>
+                </a:solidFill>
+              </a14:hiddenFill>
+            </a:ext>
+          </a:extLst>
+        </p:spPr>
+      </p:pic>
+    </p:spTree>
+    <p:extLst>
+      <p:ext uri="{BB962C8B-B14F-4D97-AF65-F5344CB8AC3E}">
+        <p14:creationId xmlns:p14="http://schemas.microsoft.com/office/powerpoint/2010/main" val="1331611757"/>
+      </p:ext>
+    </p:extLst>
+  </p:cSld>
+  <p:clrMapOvr>
+    <a:masterClrMapping/>
+  </p:clrMapOvr>
+</p:sld>
+</file>
+
+<file path=ppt/slides/slide12.xml><?xml version="1.0" encoding="utf-8"?>
+<p:sld xmlns:a="http://schemas.openxmlformats.org/drawingml/2006/main" xmlns:r="http://schemas.openxmlformats.org/officeDocument/2006/relationships" xmlns:p="http://schemas.openxmlformats.org/presentationml/2006/main">
+  <p:cSld>
+    <p:spTree>
+      <p:nvGrpSpPr>
+        <p:cNvPr id="1" name=""/>
+        <p:cNvGrpSpPr/>
+        <p:nvPr/>
+      </p:nvGrpSpPr>
+      <p:grpSpPr>
+        <a:xfrm>
+          <a:off x="0" y="0"/>
+          <a:ext cx="0" cy="0"/>
+          <a:chOff x="0" y="0"/>
+          <a:chExt cx="0" cy="0"/>
+        </a:xfrm>
+      </p:grpSpPr>
+      <p:sp>
+        <p:nvSpPr>
+          <p:cNvPr id="2" name="Titolo 1"/>
+          <p:cNvSpPr>
+            <a:spLocks noGrp="1"/>
+          </p:cNvSpPr>
+          <p:nvPr>
+            <p:ph type="ctrTitle"/>
+          </p:nvPr>
+        </p:nvSpPr>
+        <p:spPr>
+          <a:xfrm>
+            <a:off x="470630" y="366550"/>
+            <a:ext cx="8198250" cy="659993"/>
+          </a:xfrm>
+        </p:spPr>
+        <p:txBody>
+          <a:bodyPr/>
+          <a:lstStyle/>
+          <a:p>
+            <a:r>
+              <a:rPr lang="it-IT" sz="3200" dirty="0"/>
+              <a:t>WAGI</a:t>
+            </a:r>
+          </a:p>
+        </p:txBody>
+      </p:sp>
+      <p:sp>
+        <p:nvSpPr>
+          <p:cNvPr id="3" name="Segnaposto piè di pagina 2">
+            <a:extLst>
+              <a:ext uri="{FF2B5EF4-FFF2-40B4-BE49-F238E27FC236}">
+                <a16:creationId xmlns:a16="http://schemas.microsoft.com/office/drawing/2014/main" id="{014017B1-0D2D-F5B7-2062-FD433A45C4A3}"/>
+              </a:ext>
+            </a:extLst>
+          </p:cNvPr>
+          <p:cNvSpPr>
+            <a:spLocks noGrp="1"/>
+          </p:cNvSpPr>
+          <p:nvPr>
+            <p:ph type="ftr" sz="quarter" idx="10"/>
+          </p:nvPr>
+        </p:nvSpPr>
+        <p:spPr>
+          <a:xfrm>
+            <a:off x="366122" y="6286803"/>
+            <a:ext cx="7196162" cy="312405"/>
+          </a:xfrm>
+        </p:spPr>
+        <p:txBody>
+          <a:bodyPr/>
+          <a:lstStyle/>
+          <a:p>
+            <a:pPr>
+              <a:defRPr/>
+            </a:pPr>
+            <a:r>
+              <a:rPr lang="en-US" altLang="en-US" dirty="0" err="1"/>
+              <a:t>WebAssembly</a:t>
+            </a:r>
+            <a:r>
+              <a:rPr lang="en-US" altLang="en-US" dirty="0"/>
+              <a:t> – </a:t>
+            </a:r>
+            <a:r>
+              <a:rPr lang="en-US" altLang="en-US" dirty="0" err="1"/>
+              <a:t>XMASDev</a:t>
+            </a:r>
+            <a:r>
+              <a:rPr lang="en-US" altLang="en-US" dirty="0"/>
+              <a:t> 16/12/2022</a:t>
+            </a:r>
+          </a:p>
+        </p:txBody>
+      </p:sp>
+      <p:pic>
+        <p:nvPicPr>
+          <p:cNvPr id="4" name="Picture 2">
+            <a:extLst>
+              <a:ext uri="{FF2B5EF4-FFF2-40B4-BE49-F238E27FC236}">
+                <a16:creationId xmlns:a16="http://schemas.microsoft.com/office/drawing/2014/main" id="{40ECFC75-BB80-84E5-7C25-46E3AF2FFEEC}"/>
+              </a:ext>
+            </a:extLst>
+          </p:cNvPr>
+          <p:cNvPicPr>
+            <a:picLocks noChangeAspect="1" noChangeArrowheads="1"/>
+          </p:cNvPicPr>
+          <p:nvPr/>
+        </p:nvPicPr>
+        <p:blipFill>
+          <a:blip r:embed="rId2">
+            <a:extLst>
+              <a:ext uri="{28A0092B-C50C-407E-A947-70E740481C1C}">
+                <a14:useLocalDpi xmlns:a14="http://schemas.microsoft.com/office/drawing/2010/main" val="0"/>
+              </a:ext>
+            </a:extLst>
+          </a:blip>
+          <a:srcRect/>
+          <a:stretch>
+            <a:fillRect/>
+          </a:stretch>
+        </p:blipFill>
+        <p:spPr bwMode="auto">
+          <a:xfrm>
+            <a:off x="950433" y="2450265"/>
+            <a:ext cx="6992237" cy="1612777"/>
+          </a:xfrm>
+          <a:prstGeom prst="rect">
+            <a:avLst/>
+          </a:prstGeom>
+          <a:noFill/>
+          <a:extLst>
+            <a:ext uri="{909E8E84-426E-40DD-AFC4-6F175D3DCCD1}">
+              <a14:hiddenFill xmlns:a14="http://schemas.microsoft.com/office/drawing/2010/main">
+                <a:solidFill>
+                  <a:srgbClr val="FFFFFF"/>
+                </a:solidFill>
+              </a14:hiddenFill>
+            </a:ext>
+          </a:extLst>
+        </p:spPr>
+      </p:pic>
+    </p:spTree>
+    <p:extLst>
+      <p:ext uri="{BB962C8B-B14F-4D97-AF65-F5344CB8AC3E}">
+        <p14:creationId xmlns:p14="http://schemas.microsoft.com/office/powerpoint/2010/main" val="3272564912"/>
+      </p:ext>
+    </p:extLst>
+  </p:cSld>
+  <p:clrMapOvr>
+    <a:masterClrMapping/>
+  </p:clrMapOvr>
+</p:sld>
+</file>
+
+<file path=ppt/slides/slide13.xml><?xml version="1.0" encoding="utf-8"?>
+<p:sld xmlns:a="http://schemas.openxmlformats.org/drawingml/2006/main" xmlns:r="http://schemas.openxmlformats.org/officeDocument/2006/relationships" xmlns:p="http://schemas.openxmlformats.org/presentationml/2006/main">
+  <p:cSld>
+    <p:spTree>
+      <p:nvGrpSpPr>
+        <p:cNvPr id="1" name=""/>
+        <p:cNvGrpSpPr/>
+        <p:nvPr/>
+      </p:nvGrpSpPr>
+      <p:grpSpPr>
+        <a:xfrm>
+          <a:off x="0" y="0"/>
+          <a:ext cx="0" cy="0"/>
+          <a:chOff x="0" y="0"/>
+          <a:chExt cx="0" cy="0"/>
+        </a:xfrm>
+      </p:grpSpPr>
+      <p:sp>
+        <p:nvSpPr>
+          <p:cNvPr id="2" name="Titolo 1"/>
+          <p:cNvSpPr>
+            <a:spLocks noGrp="1"/>
+          </p:cNvSpPr>
+          <p:nvPr>
+            <p:ph type="ctrTitle"/>
+          </p:nvPr>
+        </p:nvSpPr>
+        <p:spPr>
+          <a:xfrm>
+            <a:off x="470630" y="366550"/>
+            <a:ext cx="8198250" cy="659993"/>
+          </a:xfrm>
+        </p:spPr>
+        <p:txBody>
+          <a:bodyPr/>
+          <a:lstStyle/>
+          <a:p>
+            <a:r>
+              <a:rPr lang="it-IT" sz="3200" dirty="0" err="1"/>
+              <a:t>WebAssembly</a:t>
+            </a:r>
+            <a:r>
+              <a:rPr lang="it-IT" sz="3200" dirty="0"/>
+              <a:t> and .NET</a:t>
+            </a:r>
+          </a:p>
+        </p:txBody>
+      </p:sp>
+      <p:pic>
+        <p:nvPicPr>
+          <p:cNvPr id="2050" name="Picture 2" descr="Introduction to Blazor. Web development with c# | inventiv">
+            <a:extLst>
+              <a:ext uri="{FF2B5EF4-FFF2-40B4-BE49-F238E27FC236}">
+                <a16:creationId xmlns:a16="http://schemas.microsoft.com/office/drawing/2014/main" id="{1C80238B-EF29-50F3-3B68-916B0342F297}"/>
+              </a:ext>
+            </a:extLst>
+          </p:cNvPr>
+          <p:cNvPicPr>
+            <a:picLocks noChangeAspect="1" noChangeArrowheads="1"/>
+          </p:cNvPicPr>
+          <p:nvPr/>
+        </p:nvPicPr>
+        <p:blipFill>
+          <a:blip r:embed="rId2" cstate="print">
+            <a:extLst>
+              <a:ext uri="{28A0092B-C50C-407E-A947-70E740481C1C}">
+                <a14:useLocalDpi xmlns:a14="http://schemas.microsoft.com/office/drawing/2010/main" val="0"/>
+              </a:ext>
+            </a:extLst>
+          </a:blip>
+          <a:srcRect/>
+          <a:stretch>
+            <a:fillRect/>
+          </a:stretch>
+        </p:blipFill>
+        <p:spPr bwMode="auto">
+          <a:xfrm>
+            <a:off x="2876409" y="1502736"/>
+            <a:ext cx="3170746" cy="1723543"/>
+          </a:xfrm>
+          <a:prstGeom prst="rect">
+            <a:avLst/>
+          </a:prstGeom>
+          <a:noFill/>
+          <a:extLst>
+            <a:ext uri="{909E8E84-426E-40DD-AFC4-6F175D3DCCD1}">
+              <a14:hiddenFill xmlns:a14="http://schemas.microsoft.com/office/drawing/2010/main">
+                <a:solidFill>
+                  <a:srgbClr val="FFFFFF"/>
+                </a:solidFill>
+              </a14:hiddenFill>
+            </a:ext>
+          </a:extLst>
+        </p:spPr>
+      </p:pic>
+      <p:sp>
+        <p:nvSpPr>
+          <p:cNvPr id="7" name="Segnaposto piè di pagina 2">
+            <a:extLst>
+              <a:ext uri="{FF2B5EF4-FFF2-40B4-BE49-F238E27FC236}">
+                <a16:creationId xmlns:a16="http://schemas.microsoft.com/office/drawing/2014/main" id="{F513D13F-7446-0A96-80CC-81CE0879EC2B}"/>
+              </a:ext>
+            </a:extLst>
+          </p:cNvPr>
+          <p:cNvSpPr>
+            <a:spLocks noGrp="1"/>
+          </p:cNvSpPr>
+          <p:nvPr>
+            <p:ph type="ftr" sz="quarter" idx="10"/>
+          </p:nvPr>
+        </p:nvSpPr>
+        <p:spPr>
+          <a:xfrm>
+            <a:off x="366122" y="6286803"/>
+            <a:ext cx="7196162" cy="312405"/>
+          </a:xfrm>
+        </p:spPr>
+        <p:txBody>
+          <a:bodyPr/>
+          <a:lstStyle/>
+          <a:p>
+            <a:pPr>
+              <a:defRPr/>
+            </a:pPr>
+            <a:r>
+              <a:rPr lang="en-US" altLang="en-US" dirty="0" err="1"/>
+              <a:t>WebAssembly</a:t>
+            </a:r>
+            <a:r>
+              <a:rPr lang="en-US" altLang="en-US" dirty="0"/>
+              <a:t> – </a:t>
+            </a:r>
+            <a:r>
+              <a:rPr lang="en-US" altLang="en-US" dirty="0" err="1"/>
+              <a:t>XMASDev</a:t>
+            </a:r>
+            <a:r>
+              <a:rPr lang="en-US" altLang="en-US" dirty="0"/>
+              <a:t> 16/12/2022</a:t>
+            </a:r>
+          </a:p>
+        </p:txBody>
+      </p:sp>
+      <p:sp>
+        <p:nvSpPr>
+          <p:cNvPr id="3" name="CasellaDiTesto 2">
+            <a:extLst>
+              <a:ext uri="{FF2B5EF4-FFF2-40B4-BE49-F238E27FC236}">
+                <a16:creationId xmlns:a16="http://schemas.microsoft.com/office/drawing/2014/main" id="{9E45C4FF-91C4-7386-2FBA-7621A4BA574B}"/>
+              </a:ext>
+            </a:extLst>
+          </p:cNvPr>
+          <p:cNvSpPr txBox="1"/>
+          <p:nvPr/>
+        </p:nvSpPr>
+        <p:spPr>
+          <a:xfrm>
+            <a:off x="793630" y="3821502"/>
+            <a:ext cx="7875250" cy="1477328"/>
+          </a:xfrm>
+          <a:prstGeom prst="rect">
+            <a:avLst/>
+          </a:prstGeom>
+          <a:noFill/>
+        </p:spPr>
+        <p:txBody>
+          <a:bodyPr wrap="square" rtlCol="0">
+            <a:spAutoFit/>
+          </a:bodyPr>
+          <a:lstStyle/>
+          <a:p>
+            <a:pPr marL="285750" indent="-285750">
+              <a:buFont typeface="Arial" panose="020B0604020202020204" pitchFamily="34" charset="0"/>
+              <a:buChar char="•"/>
+            </a:pPr>
+            <a:r>
+              <a:rPr lang="it-IT" dirty="0" err="1"/>
+              <a:t>Enhanced</a:t>
+            </a:r>
+            <a:r>
+              <a:rPr lang="it-IT" dirty="0"/>
+              <a:t> debugging</a:t>
+            </a:r>
+          </a:p>
+          <a:p>
+            <a:pPr marL="285750" indent="-285750">
+              <a:buFont typeface="Arial" panose="020B0604020202020204" pitchFamily="34" charset="0"/>
+              <a:buChar char="•"/>
+            </a:pPr>
+            <a:r>
+              <a:rPr lang="it-IT" dirty="0"/>
+              <a:t>Hot </a:t>
+            </a:r>
+            <a:r>
+              <a:rPr lang="it-IT" dirty="0" err="1"/>
+              <a:t>reload</a:t>
+            </a:r>
+            <a:r>
+              <a:rPr lang="it-IT" dirty="0"/>
+              <a:t> </a:t>
+            </a:r>
+            <a:r>
+              <a:rPr lang="it-IT" dirty="0" err="1"/>
+              <a:t>improvements</a:t>
+            </a:r>
+            <a:endParaRPr lang="it-IT" dirty="0"/>
+          </a:p>
+          <a:p>
+            <a:pPr marL="285750" indent="-285750">
+              <a:buFont typeface="Arial" panose="020B0604020202020204" pitchFamily="34" charset="0"/>
+              <a:buChar char="•"/>
+            </a:pPr>
+            <a:r>
+              <a:rPr lang="it-IT" dirty="0" err="1"/>
+              <a:t>Expanded</a:t>
+            </a:r>
+            <a:r>
+              <a:rPr lang="it-IT" dirty="0"/>
+              <a:t> web </a:t>
+            </a:r>
+            <a:r>
+              <a:rPr lang="it-IT" dirty="0" err="1"/>
+              <a:t>crypto</a:t>
+            </a:r>
+            <a:endParaRPr lang="it-IT" dirty="0"/>
+          </a:p>
+          <a:p>
+            <a:pPr marL="285750" indent="-285750">
+              <a:buFont typeface="Arial" panose="020B0604020202020204" pitchFamily="34" charset="0"/>
+              <a:buChar char="•"/>
+            </a:pPr>
+            <a:r>
+              <a:rPr lang="it-IT" dirty="0" err="1"/>
+              <a:t>Improved</a:t>
+            </a:r>
+            <a:r>
+              <a:rPr lang="it-IT" dirty="0"/>
+              <a:t> JavaScript </a:t>
+            </a:r>
+            <a:r>
+              <a:rPr lang="it-IT" dirty="0" err="1"/>
+              <a:t>interop</a:t>
+            </a:r>
+            <a:endParaRPr lang="it-IT" dirty="0"/>
+          </a:p>
+          <a:p>
+            <a:pPr marL="285750" indent="-285750">
+              <a:buFont typeface="Arial" panose="020B0604020202020204" pitchFamily="34" charset="0"/>
+              <a:buChar char="•"/>
+            </a:pPr>
+            <a:r>
+              <a:rPr lang="it-IT" dirty="0"/>
+              <a:t>Multithreading (preview)</a:t>
+            </a:r>
+          </a:p>
+        </p:txBody>
+      </p:sp>
+    </p:spTree>
+    <p:extLst>
+      <p:ext uri="{BB962C8B-B14F-4D97-AF65-F5344CB8AC3E}">
+        <p14:creationId xmlns:p14="http://schemas.microsoft.com/office/powerpoint/2010/main" val="2919441373"/>
+      </p:ext>
+    </p:extLst>
+  </p:cSld>
+  <p:clrMapOvr>
+    <a:masterClrMapping/>
+  </p:clrMapOvr>
+</p:sld>
+</file>
+
+<file path=ppt/slides/slide14.xml><?xml version="1.0" encoding="utf-8"?>
+<p:sld xmlns:a="http://schemas.openxmlformats.org/drawingml/2006/main" xmlns:r="http://schemas.openxmlformats.org/officeDocument/2006/relationships" xmlns:p="http://schemas.openxmlformats.org/presentationml/2006/main">
+  <p:cSld>
+    <p:spTree>
+      <p:nvGrpSpPr>
+        <p:cNvPr id="1" name=""/>
+        <p:cNvGrpSpPr/>
+        <p:nvPr/>
+      </p:nvGrpSpPr>
+      <p:grpSpPr>
+        <a:xfrm>
+          <a:off x="0" y="0"/>
+          <a:ext cx="0" cy="0"/>
+          <a:chOff x="0" y="0"/>
+          <a:chExt cx="0" cy="0"/>
+        </a:xfrm>
+      </p:grpSpPr>
+      <p:sp>
+        <p:nvSpPr>
+          <p:cNvPr id="2" name="Segnaposto piè di pagina 2">
+            <a:extLst>
+              <a:ext uri="{FF2B5EF4-FFF2-40B4-BE49-F238E27FC236}">
+                <a16:creationId xmlns:a16="http://schemas.microsoft.com/office/drawing/2014/main" id="{699F2DA1-AF57-021B-766C-214758DC4C95}"/>
+              </a:ext>
+            </a:extLst>
+          </p:cNvPr>
+          <p:cNvSpPr>
+            <a:spLocks noGrp="1"/>
+          </p:cNvSpPr>
+          <p:nvPr>
+            <p:ph type="ftr" sz="quarter" idx="10"/>
+          </p:nvPr>
+        </p:nvSpPr>
+        <p:spPr>
+          <a:xfrm>
+            <a:off x="366122" y="6286803"/>
+            <a:ext cx="7196162" cy="312405"/>
+          </a:xfrm>
+        </p:spPr>
+        <p:txBody>
+          <a:bodyPr/>
+          <a:lstStyle/>
+          <a:p>
+            <a:pPr>
+              <a:defRPr/>
+            </a:pPr>
+            <a:r>
+              <a:rPr lang="en-US" altLang="en-US" dirty="0" err="1"/>
+              <a:t>WebAssembly</a:t>
+            </a:r>
+            <a:r>
+              <a:rPr lang="en-US" altLang="en-US" dirty="0"/>
+              <a:t> – </a:t>
+            </a:r>
+            <a:r>
+              <a:rPr lang="en-US" altLang="en-US" dirty="0" err="1"/>
+              <a:t>XMASDev</a:t>
+            </a:r>
+            <a:r>
+              <a:rPr lang="en-US" altLang="en-US" dirty="0"/>
+              <a:t> 16/12/2022</a:t>
+            </a:r>
+          </a:p>
+        </p:txBody>
+      </p:sp>
+      <p:pic>
+        <p:nvPicPr>
+          <p:cNvPr id="9220" name="Picture 4" descr="Natale 2022| Casa di Babbo Natale nella grotta, spettacoli, mercatini">
+            <a:extLst>
+              <a:ext uri="{FF2B5EF4-FFF2-40B4-BE49-F238E27FC236}">
+                <a16:creationId xmlns:a16="http://schemas.microsoft.com/office/drawing/2014/main" id="{5BCBB877-A0F3-24C9-CBBA-C27A2FEBCCD8}"/>
+              </a:ext>
+            </a:extLst>
+          </p:cNvPr>
+          <p:cNvPicPr>
+            <a:picLocks noChangeAspect="1" noChangeArrowheads="1"/>
+          </p:cNvPicPr>
+          <p:nvPr/>
+        </p:nvPicPr>
+        <p:blipFill>
+          <a:blip r:embed="rId2" cstate="print">
+            <a:extLst>
+              <a:ext uri="{28A0092B-C50C-407E-A947-70E740481C1C}">
+                <a14:useLocalDpi xmlns:a14="http://schemas.microsoft.com/office/drawing/2010/main" val="0"/>
+              </a:ext>
+            </a:extLst>
+          </a:blip>
+          <a:srcRect/>
+          <a:stretch>
+            <a:fillRect/>
+          </a:stretch>
+        </p:blipFill>
+        <p:spPr bwMode="auto">
+          <a:xfrm>
+            <a:off x="1014835" y="1169655"/>
+            <a:ext cx="6547449" cy="3682940"/>
+          </a:xfrm>
+          <a:prstGeom prst="rect">
+            <a:avLst/>
+          </a:prstGeom>
+          <a:noFill/>
+          <a:extLst>
+            <a:ext uri="{909E8E84-426E-40DD-AFC4-6F175D3DCCD1}">
+              <a14:hiddenFill xmlns:a14="http://schemas.microsoft.com/office/drawing/2010/main">
+                <a:solidFill>
+                  <a:srgbClr val="FFFFFF"/>
+                </a:solidFill>
+              </a14:hiddenFill>
+            </a:ext>
+          </a:extLst>
+        </p:spPr>
+      </p:pic>
     </p:spTree>
     <p:extLst>
       <p:ext uri="{BB962C8B-B14F-4D97-AF65-F5344CB8AC3E}">
@@ -4633,7 +5395,7 @@
 </p:sld>
 </file>
 
-<file path=ppt/slides/slide11.xml><?xml version="1.0" encoding="utf-8"?>
+<file path=ppt/slides/slide15.xml><?xml version="1.0" encoding="utf-8"?>
 <p:sld xmlns:a="http://schemas.openxmlformats.org/drawingml/2006/main" xmlns:r="http://schemas.openxmlformats.org/officeDocument/2006/relationships" xmlns:p="http://schemas.openxmlformats.org/presentationml/2006/main">
   <p:cSld>
     <p:spTree>
@@ -4917,7 +5679,7 @@
 </p:sld>
 </file>
 
-<file path=ppt/slides/slide12.xml><?xml version="1.0" encoding="utf-8"?>
+<file path=ppt/slides/slide16.xml><?xml version="1.0" encoding="utf-8"?>
 <p:sld xmlns:a="http://schemas.openxmlformats.org/drawingml/2006/main" xmlns:r="http://schemas.openxmlformats.org/officeDocument/2006/relationships" xmlns:p="http://schemas.openxmlformats.org/presentationml/2006/main">
   <p:cSld>
     <p:spTree>
@@ -4944,137 +5706,29 @@
             <p:ph type="ctrTitle"/>
           </p:nvPr>
         </p:nvSpPr>
-        <p:spPr>
-          <a:xfrm>
-            <a:off x="763927" y="1108421"/>
-            <a:ext cx="2747023" cy="1127147"/>
-          </a:xfrm>
-        </p:spPr>
+        <p:spPr/>
         <p:txBody>
           <a:bodyPr/>
           <a:lstStyle/>
           <a:p>
-            <a:pPr algn="ctr"/>
-            <a:r>
-              <a:rPr lang="it-IT" sz="6000" dirty="0"/>
-              <a:t>WASM</a:t>
-            </a:r>
+            <a:r>
+              <a:rPr lang="it-IT" sz="3200" dirty="0"/>
+              <a:t>Docker Love </a:t>
+            </a:r>
+            <a:r>
+              <a:rPr lang="it-IT" sz="3200" dirty="0" err="1"/>
+              <a:t>WebAssembly</a:t>
+            </a:r>
+            <a:endParaRPr lang="it-IT" sz="3200" dirty="0"/>
           </a:p>
         </p:txBody>
       </p:sp>
       <p:sp>
         <p:nvSpPr>
-          <p:cNvPr id="6" name="Titolo 1">
+          <p:cNvPr id="4" name="Segnaposto piè di pagina 2">
             <a:extLst>
               <a:ext uri="{FF2B5EF4-FFF2-40B4-BE49-F238E27FC236}">
-                <a16:creationId xmlns:a16="http://schemas.microsoft.com/office/drawing/2014/main" id="{F64D5F56-99BA-4353-7816-DB2B14E5A3CE}"/>
-              </a:ext>
-            </a:extLst>
-          </p:cNvPr>
-          <p:cNvSpPr txBox="1">
-            <a:spLocks/>
-          </p:cNvSpPr>
-          <p:nvPr/>
-        </p:nvSpPr>
-        <p:spPr>
-          <a:xfrm>
-            <a:off x="3012546" y="2570465"/>
-            <a:ext cx="2747023" cy="1127147"/>
-          </a:xfrm>
-          <a:prstGeom prst="rect">
-            <a:avLst/>
-          </a:prstGeom>
-        </p:spPr>
-        <p:txBody>
-          <a:bodyPr/>
-          <a:lstStyle>
-            <a:lvl1pPr algn="l" defTabSz="914400" rtl="0" eaLnBrk="1" latinLnBrk="0" hangingPunct="1">
-              <a:lnSpc>
-                <a:spcPct val="120000"/>
-              </a:lnSpc>
-              <a:spcBef>
-                <a:spcPct val="0"/>
-              </a:spcBef>
-              <a:buNone/>
-              <a:defRPr sz="4600" b="1" i="0" kern="1200" baseline="0">
-                <a:solidFill>
-                  <a:srgbClr val="0061BB"/>
-                </a:solidFill>
-                <a:latin typeface="Open Sans" charset="0"/>
-                <a:ea typeface="Open Sans" charset="0"/>
-                <a:cs typeface="Open Sans" charset="0"/>
-              </a:defRPr>
-            </a:lvl1pPr>
-          </a:lstStyle>
-          <a:p>
-            <a:pPr algn="ctr"/>
-            <a:r>
-              <a:rPr lang="it-IT" sz="6000" dirty="0" err="1"/>
-              <a:t>is</a:t>
-            </a:r>
-            <a:endParaRPr lang="it-IT" sz="6000" dirty="0"/>
-          </a:p>
-        </p:txBody>
-      </p:sp>
-      <p:sp>
-        <p:nvSpPr>
-          <p:cNvPr id="7" name="Titolo 1">
-            <a:extLst>
-              <a:ext uri="{FF2B5EF4-FFF2-40B4-BE49-F238E27FC236}">
-                <a16:creationId xmlns:a16="http://schemas.microsoft.com/office/drawing/2014/main" id="{5A585F28-0779-C957-0EE9-99E149838B7A}"/>
-              </a:ext>
-            </a:extLst>
-          </p:cNvPr>
-          <p:cNvSpPr txBox="1">
-            <a:spLocks/>
-          </p:cNvSpPr>
-          <p:nvPr/>
-        </p:nvSpPr>
-        <p:spPr>
-          <a:xfrm>
-            <a:off x="5374257" y="4428634"/>
-            <a:ext cx="3132335" cy="1127147"/>
-          </a:xfrm>
-          <a:prstGeom prst="rect">
-            <a:avLst/>
-          </a:prstGeom>
-        </p:spPr>
-        <p:txBody>
-          <a:bodyPr/>
-          <a:lstStyle>
-            <a:lvl1pPr algn="l" defTabSz="914400" rtl="0" eaLnBrk="1" latinLnBrk="0" hangingPunct="1">
-              <a:lnSpc>
-                <a:spcPct val="120000"/>
-              </a:lnSpc>
-              <a:spcBef>
-                <a:spcPct val="0"/>
-              </a:spcBef>
-              <a:buNone/>
-              <a:defRPr sz="4600" b="1" i="0" kern="1200" baseline="0">
-                <a:solidFill>
-                  <a:srgbClr val="0061BB"/>
-                </a:solidFill>
-                <a:latin typeface="Open Sans" charset="0"/>
-                <a:ea typeface="Open Sans" charset="0"/>
-                <a:cs typeface="Open Sans" charset="0"/>
-              </a:defRPr>
-            </a:lvl1pPr>
-          </a:lstStyle>
-          <a:p>
-            <a:pPr algn="ctr"/>
-            <a:r>
-              <a:rPr lang="it-IT" sz="6000" dirty="0"/>
-              <a:t>AWSM!</a:t>
-            </a:r>
-          </a:p>
-        </p:txBody>
-      </p:sp>
-      <p:sp>
-        <p:nvSpPr>
-          <p:cNvPr id="8" name="Segnaposto piè di pagina 2">
-            <a:extLst>
-              <a:ext uri="{FF2B5EF4-FFF2-40B4-BE49-F238E27FC236}">
-                <a16:creationId xmlns:a16="http://schemas.microsoft.com/office/drawing/2014/main" id="{E0D27F29-910F-F68B-0D38-BEBBE746DC82}"/>
+                <a16:creationId xmlns:a16="http://schemas.microsoft.com/office/drawing/2014/main" id="{FE8465BA-5ED1-44B3-359B-2B186DCED7DB}"/>
               </a:ext>
             </a:extLst>
           </p:cNvPr>
@@ -5117,10 +5771,102 @@
           </a:p>
         </p:txBody>
       </p:sp>
+      <p:sp>
+        <p:nvSpPr>
+          <p:cNvPr id="3" name="CasellaDiTesto 2">
+            <a:extLst>
+              <a:ext uri="{FF2B5EF4-FFF2-40B4-BE49-F238E27FC236}">
+                <a16:creationId xmlns:a16="http://schemas.microsoft.com/office/drawing/2014/main" id="{7ADE19D5-E791-BDF4-8F82-4A94E7D80EA4}"/>
+              </a:ext>
+            </a:extLst>
+          </p:cNvPr>
+          <p:cNvSpPr txBox="1"/>
+          <p:nvPr/>
+        </p:nvSpPr>
+        <p:spPr>
+          <a:xfrm>
+            <a:off x="4429164" y="5287993"/>
+            <a:ext cx="3921206" cy="369332"/>
+          </a:xfrm>
+          <a:prstGeom prst="rect">
+            <a:avLst/>
+          </a:prstGeom>
+          <a:noFill/>
+        </p:spPr>
+        <p:txBody>
+          <a:bodyPr wrap="square" rtlCol="0">
+            <a:spAutoFit/>
+          </a:bodyPr>
+          <a:lstStyle/>
+          <a:p>
+            <a:r>
+              <a:rPr lang="it-IT" dirty="0">
+                <a:hlinkClick r:id="rId2"/>
+              </a:rPr>
+              <a:t>Docker </a:t>
+            </a:r>
+            <a:r>
+              <a:rPr lang="it-IT" dirty="0" err="1">
+                <a:hlinkClick r:id="rId2"/>
+              </a:rPr>
+              <a:t>launched</a:t>
+            </a:r>
+            <a:r>
+              <a:rPr lang="it-IT" dirty="0">
+                <a:hlinkClick r:id="rId2"/>
+              </a:rPr>
+              <a:t> </a:t>
+            </a:r>
+            <a:r>
+              <a:rPr lang="it-IT" dirty="0" err="1">
+                <a:hlinkClick r:id="rId2"/>
+              </a:rPr>
+              <a:t>WebAssembly</a:t>
+            </a:r>
+            <a:r>
+              <a:rPr lang="it-IT" dirty="0">
+                <a:hlinkClick r:id="rId2"/>
+              </a:rPr>
+              <a:t> support</a:t>
+            </a:r>
+            <a:endParaRPr lang="it-IT" dirty="0"/>
+          </a:p>
+        </p:txBody>
+      </p:sp>
+      <p:pic>
+        <p:nvPicPr>
+          <p:cNvPr id="7" name="Immagine 6">
+            <a:extLst>
+              <a:ext uri="{FF2B5EF4-FFF2-40B4-BE49-F238E27FC236}">
+                <a16:creationId xmlns:a16="http://schemas.microsoft.com/office/drawing/2014/main" id="{6DD4A7A3-45B5-B82F-16E9-5D2C6FE4196F}"/>
+              </a:ext>
+            </a:extLst>
+          </p:cNvPr>
+          <p:cNvPicPr>
+            <a:picLocks noChangeAspect="1"/>
+          </p:cNvPicPr>
+          <p:nvPr/>
+        </p:nvPicPr>
+        <p:blipFill>
+          <a:blip r:embed="rId3"/>
+          <a:stretch>
+            <a:fillRect/>
+          </a:stretch>
+        </p:blipFill>
+        <p:spPr>
+          <a:xfrm>
+            <a:off x="1235038" y="2375564"/>
+            <a:ext cx="6087325" cy="1514686"/>
+          </a:xfrm>
+          <a:prstGeom prst="rect">
+            <a:avLst/>
+          </a:prstGeom>
+        </p:spPr>
+      </p:pic>
     </p:spTree>
     <p:extLst>
       <p:ext uri="{BB962C8B-B14F-4D97-AF65-F5344CB8AC3E}">
-        <p14:creationId xmlns:p14="http://schemas.microsoft.com/office/powerpoint/2010/main" val="747447487"/>
+        <p14:creationId xmlns:p14="http://schemas.microsoft.com/office/powerpoint/2010/main" val="3088376029"/>
       </p:ext>
     </p:extLst>
   </p:cSld>
@@ -5161,7 +5907,2469 @@
                                           </p:stCondLst>
                                         </p:cTn>
                                         <p:tgtEl>
-                                          <p:spTgt spid="2"/>
+                                          <p:spTgt spid="3"/>
+                                        </p:tgtEl>
+                                        <p:attrNameLst>
+                                          <p:attrName>style.visibility</p:attrName>
+                                        </p:attrNameLst>
+                                      </p:cBhvr>
+                                      <p:to>
+                                        <p:strVal val="visible"/>
+                                      </p:to>
+                                    </p:set>
+                                  </p:childTnLst>
+                                </p:cTn>
+                              </p:par>
+                            </p:childTnLst>
+                          </p:cTn>
+                        </p:par>
+                      </p:childTnLst>
+                    </p:cTn>
+                  </p:par>
+                </p:childTnLst>
+              </p:cTn>
+              <p:prevCondLst>
+                <p:cond evt="onPrev" delay="0">
+                  <p:tgtEl>
+                    <p:sldTgt/>
+                  </p:tgtEl>
+                </p:cond>
+              </p:prevCondLst>
+              <p:nextCondLst>
+                <p:cond evt="onNext" delay="0">
+                  <p:tgtEl>
+                    <p:sldTgt/>
+                  </p:tgtEl>
+                </p:cond>
+              </p:nextCondLst>
+            </p:seq>
+          </p:childTnLst>
+        </p:cTn>
+      </p:par>
+    </p:tnLst>
+    <p:bldLst>
+      <p:bldP spid="3" grpId="0"/>
+    </p:bldLst>
+  </p:timing>
+</p:sld>
+</file>
+
+<file path=ppt/slides/slide17.xml><?xml version="1.0" encoding="utf-8"?>
+<p:sld xmlns:a="http://schemas.openxmlformats.org/drawingml/2006/main" xmlns:r="http://schemas.openxmlformats.org/officeDocument/2006/relationships" xmlns:p="http://schemas.openxmlformats.org/presentationml/2006/main">
+  <p:cSld>
+    <p:spTree>
+      <p:nvGrpSpPr>
+        <p:cNvPr id="1" name=""/>
+        <p:cNvGrpSpPr/>
+        <p:nvPr/>
+      </p:nvGrpSpPr>
+      <p:grpSpPr>
+        <a:xfrm>
+          <a:off x="0" y="0"/>
+          <a:ext cx="0" cy="0"/>
+          <a:chOff x="0" y="0"/>
+          <a:chExt cx="0" cy="0"/>
+        </a:xfrm>
+      </p:grpSpPr>
+      <p:sp>
+        <p:nvSpPr>
+          <p:cNvPr id="2" name="Segnaposto piè di pagina 2">
+            <a:extLst>
+              <a:ext uri="{FF2B5EF4-FFF2-40B4-BE49-F238E27FC236}">
+                <a16:creationId xmlns:a16="http://schemas.microsoft.com/office/drawing/2014/main" id="{699F2DA1-AF57-021B-766C-214758DC4C95}"/>
+              </a:ext>
+            </a:extLst>
+          </p:cNvPr>
+          <p:cNvSpPr>
+            <a:spLocks noGrp="1"/>
+          </p:cNvSpPr>
+          <p:nvPr>
+            <p:ph type="ftr" sz="quarter" idx="10"/>
+          </p:nvPr>
+        </p:nvSpPr>
+        <p:spPr>
+          <a:xfrm>
+            <a:off x="366122" y="6286803"/>
+            <a:ext cx="7196162" cy="312405"/>
+          </a:xfrm>
+        </p:spPr>
+        <p:txBody>
+          <a:bodyPr/>
+          <a:lstStyle/>
+          <a:p>
+            <a:pPr>
+              <a:defRPr/>
+            </a:pPr>
+            <a:r>
+              <a:rPr lang="en-US" altLang="en-US" dirty="0" err="1"/>
+              <a:t>WebAssembly</a:t>
+            </a:r>
+            <a:r>
+              <a:rPr lang="en-US" altLang="en-US" dirty="0"/>
+              <a:t> – </a:t>
+            </a:r>
+            <a:r>
+              <a:rPr lang="en-US" altLang="en-US" dirty="0" err="1"/>
+              <a:t>XMASDev</a:t>
+            </a:r>
+            <a:r>
+              <a:rPr lang="en-US" altLang="en-US" dirty="0"/>
+              <a:t> 16/12/2022</a:t>
+            </a:r>
+          </a:p>
+        </p:txBody>
+      </p:sp>
+      <p:pic>
+        <p:nvPicPr>
+          <p:cNvPr id="3" name="Picture 4" descr="Natale 2022| Casa di Babbo Natale nella grotta, spettacoli, mercatini">
+            <a:extLst>
+              <a:ext uri="{FF2B5EF4-FFF2-40B4-BE49-F238E27FC236}">
+                <a16:creationId xmlns:a16="http://schemas.microsoft.com/office/drawing/2014/main" id="{B412FEC9-2901-1291-710F-15CA5F353F69}"/>
+              </a:ext>
+            </a:extLst>
+          </p:cNvPr>
+          <p:cNvPicPr>
+            <a:picLocks noChangeAspect="1" noChangeArrowheads="1"/>
+          </p:cNvPicPr>
+          <p:nvPr/>
+        </p:nvPicPr>
+        <p:blipFill>
+          <a:blip r:embed="rId2" cstate="print">
+            <a:extLst>
+              <a:ext uri="{28A0092B-C50C-407E-A947-70E740481C1C}">
+                <a14:useLocalDpi xmlns:a14="http://schemas.microsoft.com/office/drawing/2010/main" val="0"/>
+              </a:ext>
+            </a:extLst>
+          </a:blip>
+          <a:srcRect/>
+          <a:stretch>
+            <a:fillRect/>
+          </a:stretch>
+        </p:blipFill>
+        <p:spPr bwMode="auto">
+          <a:xfrm>
+            <a:off x="1454782" y="1161028"/>
+            <a:ext cx="6547449" cy="3682940"/>
+          </a:xfrm>
+          <a:prstGeom prst="rect">
+            <a:avLst/>
+          </a:prstGeom>
+          <a:noFill/>
+          <a:extLst>
+            <a:ext uri="{909E8E84-426E-40DD-AFC4-6F175D3DCCD1}">
+              <a14:hiddenFill xmlns:a14="http://schemas.microsoft.com/office/drawing/2010/main">
+                <a:solidFill>
+                  <a:srgbClr val="FFFFFF"/>
+                </a:solidFill>
+              </a14:hiddenFill>
+            </a:ext>
+          </a:extLst>
+        </p:spPr>
+      </p:pic>
+    </p:spTree>
+    <p:extLst>
+      <p:ext uri="{BB962C8B-B14F-4D97-AF65-F5344CB8AC3E}">
+        <p14:creationId xmlns:p14="http://schemas.microsoft.com/office/powerpoint/2010/main" val="3494118151"/>
+      </p:ext>
+    </p:extLst>
+  </p:cSld>
+  <p:clrMapOvr>
+    <a:masterClrMapping/>
+  </p:clrMapOvr>
+</p:sld>
+</file>
+
+<file path=ppt/slides/slide18.xml><?xml version="1.0" encoding="utf-8"?>
+<p:sld xmlns:a="http://schemas.openxmlformats.org/drawingml/2006/main" xmlns:r="http://schemas.openxmlformats.org/officeDocument/2006/relationships" xmlns:p="http://schemas.openxmlformats.org/presentationml/2006/main">
+  <p:cSld>
+    <p:spTree>
+      <p:nvGrpSpPr>
+        <p:cNvPr id="1" name=""/>
+        <p:cNvGrpSpPr/>
+        <p:nvPr/>
+      </p:nvGrpSpPr>
+      <p:grpSpPr>
+        <a:xfrm>
+          <a:off x="0" y="0"/>
+          <a:ext cx="0" cy="0"/>
+          <a:chOff x="0" y="0"/>
+          <a:chExt cx="0" cy="0"/>
+        </a:xfrm>
+      </p:grpSpPr>
+      <p:sp>
+        <p:nvSpPr>
+          <p:cNvPr id="8" name="Segnaposto piè di pagina 2">
+            <a:extLst>
+              <a:ext uri="{FF2B5EF4-FFF2-40B4-BE49-F238E27FC236}">
+                <a16:creationId xmlns:a16="http://schemas.microsoft.com/office/drawing/2014/main" id="{E0D27F29-910F-F68B-0D38-BEBBE746DC82}"/>
+              </a:ext>
+            </a:extLst>
+          </p:cNvPr>
+          <p:cNvSpPr>
+            <a:spLocks noGrp="1"/>
+          </p:cNvSpPr>
+          <p:nvPr>
+            <p:ph type="ftr" sz="quarter" idx="10"/>
+          </p:nvPr>
+        </p:nvSpPr>
+        <p:spPr>
+          <a:xfrm>
+            <a:off x="366122" y="6286803"/>
+            <a:ext cx="7196162" cy="312405"/>
+          </a:xfrm>
+        </p:spPr>
+        <p:txBody>
+          <a:bodyPr/>
+          <a:lstStyle/>
+          <a:p>
+            <a:pPr>
+              <a:defRPr/>
+            </a:pPr>
+            <a:r>
+              <a:rPr lang="en-US" altLang="en-US" dirty="0" err="1"/>
+              <a:t>WebAssembly</a:t>
+            </a:r>
+            <a:r>
+              <a:rPr lang="en-US" altLang="en-US" dirty="0"/>
+              <a:t> – </a:t>
+            </a:r>
+            <a:r>
+              <a:rPr lang="en-US" altLang="en-US" dirty="0" err="1"/>
+              <a:t>XMASDev</a:t>
+            </a:r>
+            <a:r>
+              <a:rPr lang="en-US" altLang="en-US" dirty="0"/>
+              <a:t> 16/12/2022</a:t>
+            </a:r>
+          </a:p>
+        </p:txBody>
+      </p:sp>
+      <p:sp>
+        <p:nvSpPr>
+          <p:cNvPr id="9" name="CasellaDiTesto 8">
+            <a:extLst>
+              <a:ext uri="{FF2B5EF4-FFF2-40B4-BE49-F238E27FC236}">
+                <a16:creationId xmlns:a16="http://schemas.microsoft.com/office/drawing/2014/main" id="{EC515232-75E7-B97D-04DC-53B7C7FE83F6}"/>
+              </a:ext>
+            </a:extLst>
+          </p:cNvPr>
+          <p:cNvSpPr txBox="1"/>
+          <p:nvPr/>
+        </p:nvSpPr>
+        <p:spPr>
+          <a:xfrm>
+            <a:off x="2087592" y="700744"/>
+            <a:ext cx="4572000" cy="4969630"/>
+          </a:xfrm>
+          <a:prstGeom prst="rect">
+            <a:avLst/>
+          </a:prstGeom>
+          <a:noFill/>
+        </p:spPr>
+        <p:txBody>
+          <a:bodyPr wrap="square">
+            <a:spAutoFit/>
+          </a:bodyPr>
+          <a:lstStyle/>
+          <a:p>
+            <a:pPr marL="0" marR="0" algn="ctr">
+              <a:lnSpc>
+                <a:spcPct val="107000"/>
+              </a:lnSpc>
+              <a:spcBef>
+                <a:spcPts val="0"/>
+              </a:spcBef>
+              <a:spcAft>
+                <a:spcPts val="800"/>
+              </a:spcAft>
+            </a:pPr>
+            <a:r>
+              <a:rPr lang="it-IT" sz="9600" b="1" dirty="0" err="1">
+                <a:ln w="9525" cap="flat" cmpd="sng" algn="ctr">
+                  <a:solidFill>
+                    <a:srgbClr val="FFFFFF"/>
+                  </a:solidFill>
+                  <a:prstDash val="solid"/>
+                  <a:round/>
+                </a:ln>
+                <a:solidFill>
+                  <a:srgbClr val="5B9BD5"/>
+                </a:solidFill>
+                <a:effectLst>
+                  <a:outerShdw blurRad="12700" dist="38100" dir="2700000" algn="tl">
+                    <a:schemeClr val="accent5">
+                      <a:lumMod val="60000"/>
+                      <a:lumOff val="40000"/>
+                    </a:schemeClr>
+                  </a:outerShdw>
+                </a:effectLst>
+                <a:latin typeface="Calibri" panose="020F0502020204030204" pitchFamily="34" charset="0"/>
+                <a:ea typeface="Calibri" panose="020F0502020204030204" pitchFamily="34" charset="0"/>
+                <a:cs typeface="Times New Roman" panose="02020603050405020304" pitchFamily="18" charset="0"/>
+              </a:rPr>
+              <a:t>Wasm</a:t>
+            </a:r>
+            <a:r>
+              <a:rPr lang="it-IT" sz="9600" b="1" dirty="0">
+                <a:ln w="9525" cap="flat" cmpd="sng" algn="ctr">
+                  <a:solidFill>
+                    <a:srgbClr val="FFFFFF"/>
+                  </a:solidFill>
+                  <a:prstDash val="solid"/>
+                  <a:round/>
+                </a:ln>
+                <a:solidFill>
+                  <a:srgbClr val="5B9BD5"/>
+                </a:solidFill>
+                <a:effectLst>
+                  <a:outerShdw blurRad="12700" dist="38100" dir="2700000" algn="tl">
+                    <a:schemeClr val="accent5">
+                      <a:lumMod val="60000"/>
+                      <a:lumOff val="40000"/>
+                    </a:schemeClr>
+                  </a:outerShdw>
+                </a:effectLst>
+                <a:latin typeface="Calibri" panose="020F0502020204030204" pitchFamily="34" charset="0"/>
+                <a:ea typeface="Calibri" panose="020F0502020204030204" pitchFamily="34" charset="0"/>
+                <a:cs typeface="Times New Roman" panose="02020603050405020304" pitchFamily="18" charset="0"/>
+              </a:rPr>
+              <a:t> </a:t>
+            </a:r>
+          </a:p>
+          <a:p>
+            <a:pPr marL="0" marR="0" algn="ctr">
+              <a:lnSpc>
+                <a:spcPct val="107000"/>
+              </a:lnSpc>
+              <a:spcBef>
+                <a:spcPts val="0"/>
+              </a:spcBef>
+              <a:spcAft>
+                <a:spcPts val="800"/>
+              </a:spcAft>
+            </a:pPr>
+            <a:r>
+              <a:rPr lang="it-IT" sz="9600" b="1" dirty="0" err="1">
+                <a:ln w="9525" cap="flat" cmpd="sng" algn="ctr">
+                  <a:solidFill>
+                    <a:srgbClr val="FFFFFF"/>
+                  </a:solidFill>
+                  <a:prstDash val="solid"/>
+                  <a:round/>
+                </a:ln>
+                <a:solidFill>
+                  <a:srgbClr val="5B9BD5"/>
+                </a:solidFill>
+                <a:effectLst>
+                  <a:outerShdw blurRad="12700" dist="38100" dir="2700000" algn="tl">
+                    <a:schemeClr val="accent5">
+                      <a:lumMod val="60000"/>
+                      <a:lumOff val="40000"/>
+                    </a:schemeClr>
+                  </a:outerShdw>
+                </a:effectLst>
+                <a:latin typeface="Calibri" panose="020F0502020204030204" pitchFamily="34" charset="0"/>
+                <a:ea typeface="Calibri" panose="020F0502020204030204" pitchFamily="34" charset="0"/>
+                <a:cs typeface="Times New Roman" panose="02020603050405020304" pitchFamily="18" charset="0"/>
+              </a:rPr>
+              <a:t>is</a:t>
+            </a:r>
+            <a:r>
+              <a:rPr lang="it-IT" sz="9600" b="1" dirty="0">
+                <a:ln w="9525" cap="flat" cmpd="sng" algn="ctr">
+                  <a:solidFill>
+                    <a:srgbClr val="FFFFFF"/>
+                  </a:solidFill>
+                  <a:prstDash val="solid"/>
+                  <a:round/>
+                </a:ln>
+                <a:solidFill>
+                  <a:srgbClr val="5B9BD5"/>
+                </a:solidFill>
+                <a:effectLst>
+                  <a:outerShdw blurRad="12700" dist="38100" dir="2700000" algn="tl">
+                    <a:schemeClr val="accent5">
+                      <a:lumMod val="60000"/>
+                      <a:lumOff val="40000"/>
+                    </a:schemeClr>
+                  </a:outerShdw>
+                </a:effectLst>
+                <a:latin typeface="Calibri" panose="020F0502020204030204" pitchFamily="34" charset="0"/>
+                <a:ea typeface="Calibri" panose="020F0502020204030204" pitchFamily="34" charset="0"/>
+                <a:cs typeface="Times New Roman" panose="02020603050405020304" pitchFamily="18" charset="0"/>
+              </a:rPr>
+              <a:t> </a:t>
+            </a:r>
+          </a:p>
+          <a:p>
+            <a:pPr marL="0" marR="0" algn="ctr">
+              <a:lnSpc>
+                <a:spcPct val="107000"/>
+              </a:lnSpc>
+              <a:spcBef>
+                <a:spcPts val="0"/>
+              </a:spcBef>
+              <a:spcAft>
+                <a:spcPts val="800"/>
+              </a:spcAft>
+            </a:pPr>
+            <a:r>
+              <a:rPr lang="it-IT" sz="9600" b="1" dirty="0" err="1">
+                <a:ln w="9525" cap="flat" cmpd="sng" algn="ctr">
+                  <a:solidFill>
+                    <a:srgbClr val="FFFFFF"/>
+                  </a:solidFill>
+                  <a:prstDash val="solid"/>
+                  <a:round/>
+                </a:ln>
+                <a:solidFill>
+                  <a:srgbClr val="5B9BD5"/>
+                </a:solidFill>
+                <a:effectLst>
+                  <a:outerShdw blurRad="12700" dist="38100" dir="2700000" algn="tl">
+                    <a:schemeClr val="accent5">
+                      <a:lumMod val="60000"/>
+                      <a:lumOff val="40000"/>
+                    </a:schemeClr>
+                  </a:outerShdw>
+                </a:effectLst>
+                <a:latin typeface="Calibri" panose="020F0502020204030204" pitchFamily="34" charset="0"/>
+                <a:ea typeface="Calibri" panose="020F0502020204030204" pitchFamily="34" charset="0"/>
+                <a:cs typeface="Times New Roman" panose="02020603050405020304" pitchFamily="18" charset="0"/>
+              </a:rPr>
+              <a:t>Awsm</a:t>
+            </a:r>
+            <a:r>
+              <a:rPr lang="it-IT" sz="9600" b="1" dirty="0">
+                <a:ln w="9525" cap="flat" cmpd="sng" algn="ctr">
+                  <a:solidFill>
+                    <a:srgbClr val="FFFFFF"/>
+                  </a:solidFill>
+                  <a:prstDash val="solid"/>
+                  <a:round/>
+                </a:ln>
+                <a:solidFill>
+                  <a:srgbClr val="5B9BD5"/>
+                </a:solidFill>
+                <a:effectLst>
+                  <a:outerShdw blurRad="12700" dist="38100" dir="2700000" algn="tl">
+                    <a:schemeClr val="accent5">
+                      <a:lumMod val="60000"/>
+                      <a:lumOff val="40000"/>
+                    </a:schemeClr>
+                  </a:outerShdw>
+                </a:effectLst>
+                <a:latin typeface="Calibri" panose="020F0502020204030204" pitchFamily="34" charset="0"/>
+                <a:ea typeface="Calibri" panose="020F0502020204030204" pitchFamily="34" charset="0"/>
+                <a:cs typeface="Times New Roman" panose="02020603050405020304" pitchFamily="18" charset="0"/>
+              </a:rPr>
+              <a:t>!</a:t>
+            </a:r>
+            <a:endParaRPr lang="it-IT" sz="9600" dirty="0">
+              <a:effectLst/>
+              <a:latin typeface="Calibri" panose="020F0502020204030204" pitchFamily="34" charset="0"/>
+              <a:ea typeface="Calibri" panose="020F0502020204030204" pitchFamily="34" charset="0"/>
+              <a:cs typeface="Times New Roman" panose="02020603050405020304" pitchFamily="18" charset="0"/>
+            </a:endParaRPr>
+          </a:p>
+        </p:txBody>
+      </p:sp>
+    </p:spTree>
+    <p:extLst>
+      <p:ext uri="{BB962C8B-B14F-4D97-AF65-F5344CB8AC3E}">
+        <p14:creationId xmlns:p14="http://schemas.microsoft.com/office/powerpoint/2010/main" val="747447487"/>
+      </p:ext>
+    </p:extLst>
+  </p:cSld>
+  <p:clrMapOvr>
+    <a:masterClrMapping/>
+  </p:clrMapOvr>
+</p:sld>
+</file>
+
+<file path=ppt/slides/slide19.xml><?xml version="1.0" encoding="utf-8"?>
+<p:sld xmlns:a="http://schemas.openxmlformats.org/drawingml/2006/main" xmlns:r="http://schemas.openxmlformats.org/officeDocument/2006/relationships" xmlns:p="http://schemas.openxmlformats.org/presentationml/2006/main">
+  <p:cSld>
+    <p:spTree>
+      <p:nvGrpSpPr>
+        <p:cNvPr id="1" name=""/>
+        <p:cNvGrpSpPr/>
+        <p:nvPr/>
+      </p:nvGrpSpPr>
+      <p:grpSpPr>
+        <a:xfrm>
+          <a:off x="0" y="0"/>
+          <a:ext cx="0" cy="0"/>
+          <a:chOff x="0" y="0"/>
+          <a:chExt cx="0" cy="0"/>
+        </a:xfrm>
+      </p:grpSpPr>
+      <p:sp>
+        <p:nvSpPr>
+          <p:cNvPr id="2" name="Titolo 1"/>
+          <p:cNvSpPr>
+            <a:spLocks noGrp="1"/>
+          </p:cNvSpPr>
+          <p:nvPr>
+            <p:ph type="ctrTitle"/>
+          </p:nvPr>
+        </p:nvSpPr>
+        <p:spPr/>
+        <p:txBody>
+          <a:bodyPr/>
+          <a:lstStyle/>
+          <a:p>
+            <a:r>
+              <a:rPr lang="it-IT" dirty="0"/>
+              <a:t>Thanks</a:t>
+            </a:r>
+          </a:p>
+        </p:txBody>
+      </p:sp>
+      <p:pic>
+        <p:nvPicPr>
+          <p:cNvPr id="8" name="Immagine 7" descr="Immagine che contiene persona, uomo, inpiedi, posando&#10;&#10;Descrizione generata automaticamente">
+            <a:extLst>
+              <a:ext uri="{FF2B5EF4-FFF2-40B4-BE49-F238E27FC236}">
+                <a16:creationId xmlns:a16="http://schemas.microsoft.com/office/drawing/2014/main" id="{714121A0-4EF4-EE71-C83D-80C2927BEECD}"/>
+              </a:ext>
+            </a:extLst>
+          </p:cNvPr>
+          <p:cNvPicPr>
+            <a:picLocks noChangeAspect="1"/>
+          </p:cNvPicPr>
+          <p:nvPr/>
+        </p:nvPicPr>
+        <p:blipFill>
+          <a:blip r:embed="rId3" cstate="print">
+            <a:extLst>
+              <a:ext uri="{28A0092B-C50C-407E-A947-70E740481C1C}">
+                <a14:useLocalDpi xmlns:a14="http://schemas.microsoft.com/office/drawing/2010/main" val="0"/>
+              </a:ext>
+            </a:extLst>
+          </a:blip>
+          <a:stretch>
+            <a:fillRect/>
+          </a:stretch>
+        </p:blipFill>
+        <p:spPr>
+          <a:xfrm>
+            <a:off x="6951387" y="2589958"/>
+            <a:ext cx="1508955" cy="1508955"/>
+          </a:xfrm>
+          <a:prstGeom prst="rect">
+            <a:avLst/>
+          </a:prstGeom>
+        </p:spPr>
+      </p:pic>
+      <p:pic>
+        <p:nvPicPr>
+          <p:cNvPr id="9" name="Immagine 8">
+            <a:extLst>
+              <a:ext uri="{FF2B5EF4-FFF2-40B4-BE49-F238E27FC236}">
+                <a16:creationId xmlns:a16="http://schemas.microsoft.com/office/drawing/2014/main" id="{7921BE98-8D30-3E5C-E9FB-BE9412688B66}"/>
+              </a:ext>
+            </a:extLst>
+          </p:cNvPr>
+          <p:cNvPicPr>
+            <a:picLocks noChangeAspect="1"/>
+          </p:cNvPicPr>
+          <p:nvPr/>
+        </p:nvPicPr>
+        <p:blipFill>
+          <a:blip r:embed="rId4"/>
+          <a:stretch>
+            <a:fillRect/>
+          </a:stretch>
+        </p:blipFill>
+        <p:spPr>
+          <a:xfrm>
+            <a:off x="683658" y="1483786"/>
+            <a:ext cx="412553" cy="334963"/>
+          </a:xfrm>
+          <a:prstGeom prst="rect">
+            <a:avLst/>
+          </a:prstGeom>
+        </p:spPr>
+      </p:pic>
+      <p:sp>
+        <p:nvSpPr>
+          <p:cNvPr id="10" name="CasellaDiTesto 9">
+            <a:extLst>
+              <a:ext uri="{FF2B5EF4-FFF2-40B4-BE49-F238E27FC236}">
+                <a16:creationId xmlns:a16="http://schemas.microsoft.com/office/drawing/2014/main" id="{3164A1DD-D2D1-CB19-AF52-0502DA953ACC}"/>
+              </a:ext>
+            </a:extLst>
+          </p:cNvPr>
+          <p:cNvSpPr txBox="1"/>
+          <p:nvPr/>
+        </p:nvSpPr>
+        <p:spPr>
+          <a:xfrm>
+            <a:off x="1331719" y="1406584"/>
+            <a:ext cx="3240281" cy="489365"/>
+          </a:xfrm>
+          <a:prstGeom prst="rect">
+            <a:avLst/>
+          </a:prstGeom>
+          <a:noFill/>
+        </p:spPr>
+        <p:txBody>
+          <a:bodyPr wrap="square" lIns="182880" tIns="146304" rIns="182880" bIns="146304" rtlCol="0">
+            <a:spAutoFit/>
+          </a:bodyPr>
+          <a:lstStyle/>
+          <a:p>
+            <a:pPr>
+              <a:lnSpc>
+                <a:spcPct val="90000"/>
+              </a:lnSpc>
+              <a:spcAft>
+                <a:spcPts val="600"/>
+              </a:spcAft>
+            </a:pPr>
+            <a:r>
+              <a:rPr lang="it-IT" sz="1400" dirty="0">
+                <a:hlinkClick r:id="rId5"/>
+              </a:rPr>
+              <a:t>alberto.acerbis@intre.it</a:t>
+            </a:r>
+            <a:endParaRPr lang="it-IT" sz="1400" dirty="0">
+              <a:gradFill>
+                <a:gsLst>
+                  <a:gs pos="2917">
+                    <a:schemeClr val="tx1"/>
+                  </a:gs>
+                  <a:gs pos="30000">
+                    <a:schemeClr val="tx1"/>
+                  </a:gs>
+                </a:gsLst>
+                <a:lin ang="5400000" scaled="0"/>
+              </a:gradFill>
+            </a:endParaRPr>
+          </a:p>
+        </p:txBody>
+      </p:sp>
+      <p:sp>
+        <p:nvSpPr>
+          <p:cNvPr id="11" name="Ovale 10">
+            <a:extLst>
+              <a:ext uri="{FF2B5EF4-FFF2-40B4-BE49-F238E27FC236}">
+                <a16:creationId xmlns:a16="http://schemas.microsoft.com/office/drawing/2014/main" id="{2F2D3E50-22D7-391C-BE80-09E8D876A17A}"/>
+              </a:ext>
+            </a:extLst>
+          </p:cNvPr>
+          <p:cNvSpPr/>
+          <p:nvPr/>
+        </p:nvSpPr>
+        <p:spPr>
+          <a:xfrm>
+            <a:off x="683658" y="3064237"/>
+            <a:ext cx="2716949" cy="1121366"/>
+          </a:xfrm>
+          <a:prstGeom prst="ellipse">
+            <a:avLst/>
+          </a:prstGeom>
+          <a:solidFill>
+            <a:schemeClr val="accent1">
+              <a:lumMod val="75000"/>
+            </a:schemeClr>
+          </a:solidFill>
+        </p:spPr>
+        <p:style>
+          <a:lnRef idx="2">
+            <a:schemeClr val="accent1">
+              <a:shade val="50000"/>
+            </a:schemeClr>
+          </a:lnRef>
+          <a:fillRef idx="1">
+            <a:schemeClr val="accent1"/>
+          </a:fillRef>
+          <a:effectRef idx="0">
+            <a:schemeClr val="accent1"/>
+          </a:effectRef>
+          <a:fontRef idx="minor">
+            <a:schemeClr val="lt1"/>
+          </a:fontRef>
+        </p:style>
+        <p:txBody>
+          <a:bodyPr rtlCol="0" anchor="ctr"/>
+          <a:lstStyle/>
+          <a:p>
+            <a:pPr algn="ctr"/>
+            <a:endParaRPr lang="it-IT" dirty="0">
+              <a:solidFill>
+                <a:srgbClr val="59328A"/>
+              </a:solidFill>
+              <a:highlight>
+                <a:srgbClr val="0261C4"/>
+              </a:highlight>
+            </a:endParaRPr>
+          </a:p>
+        </p:txBody>
+      </p:sp>
+      <p:pic>
+        <p:nvPicPr>
+          <p:cNvPr id="12" name="Immagine 11">
+            <a:hlinkClick r:id="rId6"/>
+            <a:extLst>
+              <a:ext uri="{FF2B5EF4-FFF2-40B4-BE49-F238E27FC236}">
+                <a16:creationId xmlns:a16="http://schemas.microsoft.com/office/drawing/2014/main" id="{362AAFBC-08F1-00FC-FC26-32FCBE150056}"/>
+              </a:ext>
+            </a:extLst>
+          </p:cNvPr>
+          <p:cNvPicPr>
+            <a:picLocks noChangeAspect="1"/>
+          </p:cNvPicPr>
+          <p:nvPr/>
+        </p:nvPicPr>
+        <p:blipFill>
+          <a:blip r:embed="rId7"/>
+          <a:stretch>
+            <a:fillRect/>
+          </a:stretch>
+        </p:blipFill>
+        <p:spPr>
+          <a:xfrm>
+            <a:off x="1202355" y="3430340"/>
+            <a:ext cx="1792634" cy="406401"/>
+          </a:xfrm>
+          <a:prstGeom prst="rect">
+            <a:avLst/>
+          </a:prstGeom>
+        </p:spPr>
+      </p:pic>
+      <p:pic>
+        <p:nvPicPr>
+          <p:cNvPr id="15" name="Picture 4">
+            <a:hlinkClick r:id="rId8"/>
+            <a:extLst>
+              <a:ext uri="{FF2B5EF4-FFF2-40B4-BE49-F238E27FC236}">
+                <a16:creationId xmlns:a16="http://schemas.microsoft.com/office/drawing/2014/main" id="{3B0874B3-8706-C537-13ED-47E0128F7530}"/>
+              </a:ext>
+            </a:extLst>
+          </p:cNvPr>
+          <p:cNvPicPr>
+            <a:picLocks noChangeAspect="1" noChangeArrowheads="1"/>
+          </p:cNvPicPr>
+          <p:nvPr/>
+        </p:nvPicPr>
+        <p:blipFill>
+          <a:blip r:embed="rId9">
+            <a:extLst>
+              <a:ext uri="{28A0092B-C50C-407E-A947-70E740481C1C}">
+                <a14:useLocalDpi xmlns:a14="http://schemas.microsoft.com/office/drawing/2010/main" val="0"/>
+              </a:ext>
+            </a:extLst>
+          </a:blip>
+          <a:srcRect/>
+          <a:stretch>
+            <a:fillRect/>
+          </a:stretch>
+        </p:blipFill>
+        <p:spPr bwMode="auto">
+          <a:xfrm>
+            <a:off x="6675130" y="4249714"/>
+            <a:ext cx="2061467" cy="588991"/>
+          </a:xfrm>
+          <a:prstGeom prst="rect">
+            <a:avLst/>
+          </a:prstGeom>
+          <a:noFill/>
+          <a:extLst>
+            <a:ext uri="{909E8E84-426E-40DD-AFC4-6F175D3DCCD1}">
+              <a14:hiddenFill xmlns:a14="http://schemas.microsoft.com/office/drawing/2010/main">
+                <a:solidFill>
+                  <a:srgbClr val="FFFFFF"/>
+                </a:solidFill>
+              </a14:hiddenFill>
+            </a:ext>
+          </a:extLst>
+        </p:spPr>
+      </p:pic>
+      <p:pic>
+        <p:nvPicPr>
+          <p:cNvPr id="5" name="Immagine 4">
+            <a:extLst>
+              <a:ext uri="{FF2B5EF4-FFF2-40B4-BE49-F238E27FC236}">
+                <a16:creationId xmlns:a16="http://schemas.microsoft.com/office/drawing/2014/main" id="{4AB4738A-2C03-A014-A6EB-46778A435B42}"/>
+              </a:ext>
+            </a:extLst>
+          </p:cNvPr>
+          <p:cNvPicPr>
+            <a:picLocks noChangeAspect="1"/>
+          </p:cNvPicPr>
+          <p:nvPr/>
+        </p:nvPicPr>
+        <p:blipFill>
+          <a:blip r:embed="rId4"/>
+          <a:stretch>
+            <a:fillRect/>
+          </a:stretch>
+        </p:blipFill>
+        <p:spPr>
+          <a:xfrm>
+            <a:off x="689416" y="1981245"/>
+            <a:ext cx="412553" cy="334963"/>
+          </a:xfrm>
+          <a:prstGeom prst="rect">
+            <a:avLst/>
+          </a:prstGeom>
+        </p:spPr>
+      </p:pic>
+      <p:sp>
+        <p:nvSpPr>
+          <p:cNvPr id="6" name="CasellaDiTesto 5">
+            <a:extLst>
+              <a:ext uri="{FF2B5EF4-FFF2-40B4-BE49-F238E27FC236}">
+                <a16:creationId xmlns:a16="http://schemas.microsoft.com/office/drawing/2014/main" id="{2C9AE9C1-9C21-5E62-0462-DA54F8E99880}"/>
+              </a:ext>
+            </a:extLst>
+          </p:cNvPr>
+          <p:cNvSpPr txBox="1"/>
+          <p:nvPr/>
+        </p:nvSpPr>
+        <p:spPr>
+          <a:xfrm>
+            <a:off x="1354723" y="1912668"/>
+            <a:ext cx="3240281" cy="489365"/>
+          </a:xfrm>
+          <a:prstGeom prst="rect">
+            <a:avLst/>
+          </a:prstGeom>
+          <a:noFill/>
+        </p:spPr>
+        <p:txBody>
+          <a:bodyPr wrap="square" lIns="182880" tIns="146304" rIns="182880" bIns="146304" rtlCol="0">
+            <a:spAutoFit/>
+          </a:bodyPr>
+          <a:lstStyle/>
+          <a:p>
+            <a:pPr>
+              <a:lnSpc>
+                <a:spcPct val="90000"/>
+              </a:lnSpc>
+              <a:spcAft>
+                <a:spcPts val="600"/>
+              </a:spcAft>
+            </a:pPr>
+            <a:r>
+              <a:rPr lang="it-IT" sz="1400" dirty="0">
+                <a:hlinkClick r:id="rId10"/>
+              </a:rPr>
+              <a:t>stefano.maffeis@intre.it</a:t>
+            </a:r>
+            <a:endParaRPr lang="it-IT" sz="1400" dirty="0">
+              <a:gradFill>
+                <a:gsLst>
+                  <a:gs pos="2917">
+                    <a:schemeClr val="tx1"/>
+                  </a:gs>
+                  <a:gs pos="30000">
+                    <a:schemeClr val="tx1"/>
+                  </a:gs>
+                </a:gsLst>
+                <a:lin ang="5400000" scaled="0"/>
+              </a:gradFill>
+            </a:endParaRPr>
+          </a:p>
+        </p:txBody>
+      </p:sp>
+      <p:sp>
+        <p:nvSpPr>
+          <p:cNvPr id="7" name="Segnaposto piè di pagina 2">
+            <a:extLst>
+              <a:ext uri="{FF2B5EF4-FFF2-40B4-BE49-F238E27FC236}">
+                <a16:creationId xmlns:a16="http://schemas.microsoft.com/office/drawing/2014/main" id="{4DC9FED3-467E-58BB-50C1-A7982073EEDC}"/>
+              </a:ext>
+            </a:extLst>
+          </p:cNvPr>
+          <p:cNvSpPr>
+            <a:spLocks noGrp="1"/>
+          </p:cNvSpPr>
+          <p:nvPr>
+            <p:ph type="ftr" sz="quarter" idx="10"/>
+          </p:nvPr>
+        </p:nvSpPr>
+        <p:spPr>
+          <a:xfrm>
+            <a:off x="366122" y="6286803"/>
+            <a:ext cx="7018089" cy="312405"/>
+          </a:xfrm>
+        </p:spPr>
+        <p:txBody>
+          <a:bodyPr/>
+          <a:lstStyle/>
+          <a:p>
+            <a:pPr>
+              <a:defRPr/>
+            </a:pPr>
+            <a:r>
+              <a:rPr lang="en-US" altLang="en-US" dirty="0" err="1"/>
+              <a:t>WebAssembly</a:t>
+            </a:r>
+            <a:r>
+              <a:rPr lang="en-US" altLang="en-US" dirty="0"/>
+              <a:t> – </a:t>
+            </a:r>
+            <a:r>
+              <a:rPr lang="en-US" altLang="en-US" dirty="0" err="1"/>
+              <a:t>XMASDev</a:t>
+            </a:r>
+            <a:r>
+              <a:rPr lang="en-US" altLang="en-US" dirty="0"/>
+              <a:t> 16/12/2022</a:t>
+            </a:r>
+          </a:p>
+        </p:txBody>
+      </p:sp>
+      <p:pic>
+        <p:nvPicPr>
+          <p:cNvPr id="3074" name="Picture 2">
+            <a:extLst>
+              <a:ext uri="{FF2B5EF4-FFF2-40B4-BE49-F238E27FC236}">
+                <a16:creationId xmlns:a16="http://schemas.microsoft.com/office/drawing/2014/main" id="{6241CF78-5359-0984-49B6-FBFC25260AE1}"/>
+              </a:ext>
+            </a:extLst>
+          </p:cNvPr>
+          <p:cNvPicPr>
+            <a:picLocks noChangeAspect="1" noChangeArrowheads="1"/>
+          </p:cNvPicPr>
+          <p:nvPr/>
+        </p:nvPicPr>
+        <p:blipFill>
+          <a:blip r:embed="rId11" cstate="print">
+            <a:extLst>
+              <a:ext uri="{28A0092B-C50C-407E-A947-70E740481C1C}">
+                <a14:useLocalDpi xmlns:a14="http://schemas.microsoft.com/office/drawing/2010/main" val="0"/>
+              </a:ext>
+            </a:extLst>
+          </a:blip>
+          <a:srcRect/>
+          <a:stretch>
+            <a:fillRect/>
+          </a:stretch>
+        </p:blipFill>
+        <p:spPr bwMode="auto">
+          <a:xfrm>
+            <a:off x="4760735" y="2589958"/>
+            <a:ext cx="1508955" cy="1508955"/>
+          </a:xfrm>
+          <a:prstGeom prst="rect">
+            <a:avLst/>
+          </a:prstGeom>
+          <a:noFill/>
+          <a:extLst>
+            <a:ext uri="{909E8E84-426E-40DD-AFC4-6F175D3DCCD1}">
+              <a14:hiddenFill xmlns:a14="http://schemas.microsoft.com/office/drawing/2010/main">
+                <a:solidFill>
+                  <a:srgbClr val="FFFFFF"/>
+                </a:solidFill>
+              </a14:hiddenFill>
+            </a:ext>
+          </a:extLst>
+        </p:spPr>
+      </p:pic>
+      <p:pic>
+        <p:nvPicPr>
+          <p:cNvPr id="3076" name="Picture 4">
+            <a:extLst>
+              <a:ext uri="{FF2B5EF4-FFF2-40B4-BE49-F238E27FC236}">
+                <a16:creationId xmlns:a16="http://schemas.microsoft.com/office/drawing/2014/main" id="{A3CE07CF-C419-DA70-C0F3-D171D8FC8744}"/>
+              </a:ext>
+            </a:extLst>
+          </p:cNvPr>
+          <p:cNvPicPr>
+            <a:picLocks noChangeAspect="1" noChangeArrowheads="1"/>
+          </p:cNvPicPr>
+          <p:nvPr/>
+        </p:nvPicPr>
+        <p:blipFill>
+          <a:blip r:embed="rId12" cstate="print">
+            <a:extLst>
+              <a:ext uri="{28A0092B-C50C-407E-A947-70E740481C1C}">
+                <a14:useLocalDpi xmlns:a14="http://schemas.microsoft.com/office/drawing/2010/main" val="0"/>
+              </a:ext>
+            </a:extLst>
+          </a:blip>
+          <a:srcRect/>
+          <a:stretch>
+            <a:fillRect/>
+          </a:stretch>
+        </p:blipFill>
+        <p:spPr bwMode="auto">
+          <a:xfrm>
+            <a:off x="4553695" y="4362128"/>
+            <a:ext cx="312405" cy="312405"/>
+          </a:xfrm>
+          <a:prstGeom prst="rect">
+            <a:avLst/>
+          </a:prstGeom>
+          <a:noFill/>
+          <a:extLst>
+            <a:ext uri="{909E8E84-426E-40DD-AFC4-6F175D3DCCD1}">
+              <a14:hiddenFill xmlns:a14="http://schemas.microsoft.com/office/drawing/2010/main">
+                <a:solidFill>
+                  <a:srgbClr val="FFFFFF"/>
+                </a:solidFill>
+              </a14:hiddenFill>
+            </a:ext>
+          </a:extLst>
+        </p:spPr>
+      </p:pic>
+      <p:sp>
+        <p:nvSpPr>
+          <p:cNvPr id="16" name="CasellaDiTesto 15">
+            <a:extLst>
+              <a:ext uri="{FF2B5EF4-FFF2-40B4-BE49-F238E27FC236}">
+                <a16:creationId xmlns:a16="http://schemas.microsoft.com/office/drawing/2014/main" id="{CC8244CC-9E12-0B39-09D0-678E777A5935}"/>
+              </a:ext>
+            </a:extLst>
+          </p:cNvPr>
+          <p:cNvSpPr txBox="1"/>
+          <p:nvPr/>
+        </p:nvSpPr>
+        <p:spPr>
+          <a:xfrm>
+            <a:off x="4891180" y="4330466"/>
+            <a:ext cx="1649041" cy="369332"/>
+          </a:xfrm>
+          <a:prstGeom prst="rect">
+            <a:avLst/>
+          </a:prstGeom>
+          <a:noFill/>
+        </p:spPr>
+        <p:txBody>
+          <a:bodyPr wrap="none" rtlCol="0">
+            <a:spAutoFit/>
+          </a:bodyPr>
+          <a:lstStyle/>
+          <a:p>
+            <a:r>
+              <a:rPr lang="it-IT" dirty="0">
+                <a:hlinkClick r:id="rId13"/>
+              </a:rPr>
+              <a:t>Stefano Maffeis</a:t>
+            </a:r>
+            <a:endParaRPr lang="it-IT" dirty="0"/>
+          </a:p>
+        </p:txBody>
+      </p:sp>
+    </p:spTree>
+    <p:extLst>
+      <p:ext uri="{BB962C8B-B14F-4D97-AF65-F5344CB8AC3E}">
+        <p14:creationId xmlns:p14="http://schemas.microsoft.com/office/powerpoint/2010/main" val="2365278806"/>
+      </p:ext>
+    </p:extLst>
+  </p:cSld>
+  <p:clrMapOvr>
+    <a:masterClrMapping/>
+  </p:clrMapOvr>
+</p:sld>
+</file>
+
+<file path=ppt/slides/slide2.xml><?xml version="1.0" encoding="utf-8"?>
+<p:sld xmlns:a="http://schemas.openxmlformats.org/drawingml/2006/main" xmlns:r="http://schemas.openxmlformats.org/officeDocument/2006/relationships" xmlns:p="http://schemas.openxmlformats.org/presentationml/2006/main">
+  <p:cSld>
+    <p:spTree>
+      <p:nvGrpSpPr>
+        <p:cNvPr id="1" name=""/>
+        <p:cNvGrpSpPr/>
+        <p:nvPr/>
+      </p:nvGrpSpPr>
+      <p:grpSpPr>
+        <a:xfrm>
+          <a:off x="0" y="0"/>
+          <a:ext cx="0" cy="0"/>
+          <a:chOff x="0" y="0"/>
+          <a:chExt cx="0" cy="0"/>
+        </a:xfrm>
+      </p:grpSpPr>
+      <p:sp>
+        <p:nvSpPr>
+          <p:cNvPr id="3" name="Titolo 2"/>
+          <p:cNvSpPr>
+            <a:spLocks noGrp="1"/>
+          </p:cNvSpPr>
+          <p:nvPr>
+            <p:ph type="ctrTitle"/>
+          </p:nvPr>
+        </p:nvSpPr>
+        <p:spPr>
+          <a:xfrm>
+            <a:off x="468643" y="145133"/>
+            <a:ext cx="8198250" cy="1088639"/>
+          </a:xfrm>
+        </p:spPr>
+        <p:txBody>
+          <a:bodyPr/>
+          <a:lstStyle/>
+          <a:p>
+            <a:r>
+              <a:rPr lang="it-IT" dirty="0"/>
+              <a:t>Che fatica questi elfi!</a:t>
+            </a:r>
+          </a:p>
+        </p:txBody>
+      </p:sp>
+      <p:sp>
+        <p:nvSpPr>
+          <p:cNvPr id="2" name="Segnaposto piè di pagina 2">
+            <a:extLst>
+              <a:ext uri="{FF2B5EF4-FFF2-40B4-BE49-F238E27FC236}">
+                <a16:creationId xmlns:a16="http://schemas.microsoft.com/office/drawing/2014/main" id="{D6B8BB7B-F1CA-B36F-E013-CCC8ED45276B}"/>
+              </a:ext>
+            </a:extLst>
+          </p:cNvPr>
+          <p:cNvSpPr>
+            <a:spLocks noGrp="1"/>
+          </p:cNvSpPr>
+          <p:nvPr>
+            <p:ph type="ftr" sz="quarter" idx="10"/>
+          </p:nvPr>
+        </p:nvSpPr>
+        <p:spPr>
+          <a:xfrm>
+            <a:off x="366122" y="6286803"/>
+            <a:ext cx="7196162" cy="312405"/>
+          </a:xfrm>
+        </p:spPr>
+        <p:txBody>
+          <a:bodyPr/>
+          <a:lstStyle/>
+          <a:p>
+            <a:pPr>
+              <a:defRPr/>
+            </a:pPr>
+            <a:r>
+              <a:rPr lang="en-US" altLang="en-US" dirty="0" err="1"/>
+              <a:t>WebAssembly</a:t>
+            </a:r>
+            <a:r>
+              <a:rPr lang="en-US" altLang="en-US" dirty="0"/>
+              <a:t> – </a:t>
+            </a:r>
+            <a:r>
+              <a:rPr lang="en-US" altLang="en-US" dirty="0" err="1"/>
+              <a:t>XMASDev</a:t>
+            </a:r>
+            <a:r>
+              <a:rPr lang="en-US" altLang="en-US" dirty="0"/>
+              <a:t> 16/12/2022</a:t>
+            </a:r>
+          </a:p>
+        </p:txBody>
+      </p:sp>
+      <p:pic>
+        <p:nvPicPr>
+          <p:cNvPr id="9" name="Picture 2" descr="Carta da Parati Elfo di Babbo Natale sul bordo Sign - rendering 3D -  PIXERS.IT">
+            <a:extLst>
+              <a:ext uri="{FF2B5EF4-FFF2-40B4-BE49-F238E27FC236}">
+                <a16:creationId xmlns:a16="http://schemas.microsoft.com/office/drawing/2014/main" id="{989708BA-6100-4F25-53A2-AB0F1FBADEFB}"/>
+              </a:ext>
+            </a:extLst>
+          </p:cNvPr>
+          <p:cNvPicPr>
+            <a:picLocks noChangeAspect="1" noChangeArrowheads="1"/>
+          </p:cNvPicPr>
+          <p:nvPr/>
+        </p:nvPicPr>
+        <p:blipFill>
+          <a:blip r:embed="rId2">
+            <a:extLst>
+              <a:ext uri="{28A0092B-C50C-407E-A947-70E740481C1C}">
+                <a14:useLocalDpi xmlns:a14="http://schemas.microsoft.com/office/drawing/2010/main" val="0"/>
+              </a:ext>
+            </a:extLst>
+          </a:blip>
+          <a:srcRect/>
+          <a:stretch>
+            <a:fillRect/>
+          </a:stretch>
+        </p:blipFill>
+        <p:spPr bwMode="auto">
+          <a:xfrm>
+            <a:off x="468643" y="2297925"/>
+            <a:ext cx="2514600" cy="1819275"/>
+          </a:xfrm>
+          <a:prstGeom prst="rect">
+            <a:avLst/>
+          </a:prstGeom>
+          <a:noFill/>
+          <a:extLst>
+            <a:ext uri="{909E8E84-426E-40DD-AFC4-6F175D3DCCD1}">
+              <a14:hiddenFill xmlns:a14="http://schemas.microsoft.com/office/drawing/2010/main">
+                <a:solidFill>
+                  <a:srgbClr val="FFFFFF"/>
+                </a:solidFill>
+              </a14:hiddenFill>
+            </a:ext>
+          </a:extLst>
+        </p:spPr>
+      </p:pic>
+      <p:pic>
+        <p:nvPicPr>
+          <p:cNvPr id="10" name="Picture 2" descr="HTML Source Code Viewer Websit - App su Google Play">
+            <a:extLst>
+              <a:ext uri="{FF2B5EF4-FFF2-40B4-BE49-F238E27FC236}">
+                <a16:creationId xmlns:a16="http://schemas.microsoft.com/office/drawing/2014/main" id="{CF179156-3DB5-B881-7A7E-03C27CCDB985}"/>
+              </a:ext>
+            </a:extLst>
+          </p:cNvPr>
+          <p:cNvPicPr>
+            <a:picLocks noChangeAspect="1" noChangeArrowheads="1"/>
+          </p:cNvPicPr>
+          <p:nvPr/>
+        </p:nvPicPr>
+        <p:blipFill>
+          <a:blip r:embed="rId3">
+            <a:extLst>
+              <a:ext uri="{28A0092B-C50C-407E-A947-70E740481C1C}">
+                <a14:useLocalDpi xmlns:a14="http://schemas.microsoft.com/office/drawing/2010/main" val="0"/>
+              </a:ext>
+            </a:extLst>
+          </a:blip>
+          <a:srcRect/>
+          <a:stretch>
+            <a:fillRect/>
+          </a:stretch>
+        </p:blipFill>
+        <p:spPr bwMode="auto">
+          <a:xfrm>
+            <a:off x="5675916" y="2954866"/>
+            <a:ext cx="1886368" cy="1886368"/>
+          </a:xfrm>
+          <a:prstGeom prst="rect">
+            <a:avLst/>
+          </a:prstGeom>
+          <a:noFill/>
+          <a:extLst>
+            <a:ext uri="{909E8E84-426E-40DD-AFC4-6F175D3DCCD1}">
+              <a14:hiddenFill xmlns:a14="http://schemas.microsoft.com/office/drawing/2010/main">
+                <a:solidFill>
+                  <a:srgbClr val="FFFFFF"/>
+                </a:solidFill>
+              </a14:hiddenFill>
+            </a:ext>
+          </a:extLst>
+        </p:spPr>
+      </p:pic>
+      <p:sp>
+        <p:nvSpPr>
+          <p:cNvPr id="11" name="CasellaDiTesto 10">
+            <a:extLst>
+              <a:ext uri="{FF2B5EF4-FFF2-40B4-BE49-F238E27FC236}">
+                <a16:creationId xmlns:a16="http://schemas.microsoft.com/office/drawing/2014/main" id="{FF8585D2-9564-835E-C889-62FE3AFBE8BC}"/>
+              </a:ext>
+            </a:extLst>
+          </p:cNvPr>
+          <p:cNvSpPr txBox="1"/>
+          <p:nvPr/>
+        </p:nvSpPr>
+        <p:spPr>
+          <a:xfrm>
+            <a:off x="6228006" y="2113259"/>
+            <a:ext cx="782187" cy="369332"/>
+          </a:xfrm>
+          <a:prstGeom prst="rect">
+            <a:avLst/>
+          </a:prstGeom>
+          <a:noFill/>
+        </p:spPr>
+        <p:txBody>
+          <a:bodyPr wrap="square" rtlCol="0">
+            <a:spAutoFit/>
+          </a:bodyPr>
+          <a:lstStyle/>
+          <a:p>
+            <a:r>
+              <a:rPr lang="it-IT" dirty="0"/>
+              <a:t>1989</a:t>
+            </a:r>
+          </a:p>
+        </p:txBody>
+      </p:sp>
+    </p:spTree>
+    <p:extLst>
+      <p:ext uri="{BB962C8B-B14F-4D97-AF65-F5344CB8AC3E}">
+        <p14:creationId xmlns:p14="http://schemas.microsoft.com/office/powerpoint/2010/main" val="1449072348"/>
+      </p:ext>
+    </p:extLst>
+  </p:cSld>
+  <p:clrMapOvr>
+    <a:masterClrMapping/>
+  </p:clrMapOvr>
+</p:sld>
+</file>
+
+<file path=ppt/slides/slide3.xml><?xml version="1.0" encoding="utf-8"?>
+<p:sld xmlns:a="http://schemas.openxmlformats.org/drawingml/2006/main" xmlns:r="http://schemas.openxmlformats.org/officeDocument/2006/relationships" xmlns:p="http://schemas.openxmlformats.org/presentationml/2006/main">
+  <p:cSld>
+    <p:spTree>
+      <p:nvGrpSpPr>
+        <p:cNvPr id="1" name=""/>
+        <p:cNvGrpSpPr/>
+        <p:nvPr/>
+      </p:nvGrpSpPr>
+      <p:grpSpPr>
+        <a:xfrm>
+          <a:off x="0" y="0"/>
+          <a:ext cx="0" cy="0"/>
+          <a:chOff x="0" y="0"/>
+          <a:chExt cx="0" cy="0"/>
+        </a:xfrm>
+      </p:grpSpPr>
+      <p:sp>
+        <p:nvSpPr>
+          <p:cNvPr id="3" name="Titolo 2"/>
+          <p:cNvSpPr>
+            <a:spLocks noGrp="1"/>
+          </p:cNvSpPr>
+          <p:nvPr>
+            <p:ph type="ctrTitle"/>
+          </p:nvPr>
+        </p:nvSpPr>
+        <p:spPr>
+          <a:xfrm>
+            <a:off x="468643" y="145133"/>
+            <a:ext cx="8198250" cy="1088639"/>
+          </a:xfrm>
+        </p:spPr>
+        <p:txBody>
+          <a:bodyPr/>
+          <a:lstStyle/>
+          <a:p>
+            <a:r>
+              <a:rPr lang="it-IT" dirty="0"/>
+              <a:t>JavaScript … l’allodola</a:t>
+            </a:r>
+          </a:p>
+        </p:txBody>
+      </p:sp>
+      <p:sp>
+        <p:nvSpPr>
+          <p:cNvPr id="2" name="Segnaposto piè di pagina 2">
+            <a:extLst>
+              <a:ext uri="{FF2B5EF4-FFF2-40B4-BE49-F238E27FC236}">
+                <a16:creationId xmlns:a16="http://schemas.microsoft.com/office/drawing/2014/main" id="{D6B8BB7B-F1CA-B36F-E013-CCC8ED45276B}"/>
+              </a:ext>
+            </a:extLst>
+          </p:cNvPr>
+          <p:cNvSpPr>
+            <a:spLocks noGrp="1"/>
+          </p:cNvSpPr>
+          <p:nvPr>
+            <p:ph type="ftr" sz="quarter" idx="10"/>
+          </p:nvPr>
+        </p:nvSpPr>
+        <p:spPr>
+          <a:xfrm>
+            <a:off x="366122" y="6286803"/>
+            <a:ext cx="7196162" cy="312405"/>
+          </a:xfrm>
+        </p:spPr>
+        <p:txBody>
+          <a:bodyPr/>
+          <a:lstStyle/>
+          <a:p>
+            <a:pPr>
+              <a:defRPr/>
+            </a:pPr>
+            <a:r>
+              <a:rPr lang="en-US" altLang="en-US" dirty="0" err="1"/>
+              <a:t>WebAssembly</a:t>
+            </a:r>
+            <a:r>
+              <a:rPr lang="en-US" altLang="en-US" dirty="0"/>
+              <a:t> – </a:t>
+            </a:r>
+            <a:r>
+              <a:rPr lang="en-US" altLang="en-US" dirty="0" err="1"/>
+              <a:t>XMASDev</a:t>
+            </a:r>
+            <a:r>
+              <a:rPr lang="en-US" altLang="en-US" dirty="0"/>
+              <a:t> 16/12/2022</a:t>
+            </a:r>
+          </a:p>
+        </p:txBody>
+      </p:sp>
+      <p:pic>
+        <p:nvPicPr>
+          <p:cNvPr id="2050" name="Picture 2" descr=" Babbo Natale Elfo Completi Abito di Natale fantasia Da ragazza Natale Natale vigilia di Natale Per bambini Feste Natale Poliestere Abito Cintura Calze Cappelli">
+            <a:extLst>
+              <a:ext uri="{FF2B5EF4-FFF2-40B4-BE49-F238E27FC236}">
+                <a16:creationId xmlns:a16="http://schemas.microsoft.com/office/drawing/2014/main" id="{C1DFC0B7-31B8-0C43-5595-2B59B260A246}"/>
+              </a:ext>
+            </a:extLst>
+          </p:cNvPr>
+          <p:cNvPicPr>
+            <a:picLocks noChangeAspect="1" noChangeArrowheads="1"/>
+          </p:cNvPicPr>
+          <p:nvPr/>
+        </p:nvPicPr>
+        <p:blipFill>
+          <a:blip r:embed="rId2" cstate="print">
+            <a:extLst>
+              <a:ext uri="{28A0092B-C50C-407E-A947-70E740481C1C}">
+                <a14:useLocalDpi xmlns:a14="http://schemas.microsoft.com/office/drawing/2010/main" val="0"/>
+              </a:ext>
+            </a:extLst>
+          </a:blip>
+          <a:srcRect/>
+          <a:stretch>
+            <a:fillRect/>
+          </a:stretch>
+        </p:blipFill>
+        <p:spPr bwMode="auto">
+          <a:xfrm>
+            <a:off x="529028" y="1672049"/>
+            <a:ext cx="2101591" cy="2101591"/>
+          </a:xfrm>
+          <a:prstGeom prst="rect">
+            <a:avLst/>
+          </a:prstGeom>
+          <a:noFill/>
+          <a:extLst>
+            <a:ext uri="{909E8E84-426E-40DD-AFC4-6F175D3DCCD1}">
+              <a14:hiddenFill xmlns:a14="http://schemas.microsoft.com/office/drawing/2010/main">
+                <a:solidFill>
+                  <a:srgbClr val="FFFFFF"/>
+                </a:solidFill>
+              </a14:hiddenFill>
+            </a:ext>
+          </a:extLst>
+        </p:spPr>
+      </p:pic>
+      <p:pic>
+        <p:nvPicPr>
+          <p:cNvPr id="4" name="Picture 4" descr="Learn JavaScript Tutorial - javatpoint">
+            <a:extLst>
+              <a:ext uri="{FF2B5EF4-FFF2-40B4-BE49-F238E27FC236}">
+                <a16:creationId xmlns:a16="http://schemas.microsoft.com/office/drawing/2014/main" id="{5E5948DD-7FBF-211A-B708-8FDF89E23227}"/>
+              </a:ext>
+            </a:extLst>
+          </p:cNvPr>
+          <p:cNvPicPr>
+            <a:picLocks noChangeAspect="1" noChangeArrowheads="1"/>
+          </p:cNvPicPr>
+          <p:nvPr/>
+        </p:nvPicPr>
+        <p:blipFill>
+          <a:blip r:embed="rId3">
+            <a:extLst>
+              <a:ext uri="{28A0092B-C50C-407E-A947-70E740481C1C}">
+                <a14:useLocalDpi xmlns:a14="http://schemas.microsoft.com/office/drawing/2010/main" val="0"/>
+              </a:ext>
+            </a:extLst>
+          </a:blip>
+          <a:srcRect/>
+          <a:stretch>
+            <a:fillRect/>
+          </a:stretch>
+        </p:blipFill>
+        <p:spPr bwMode="auto">
+          <a:xfrm>
+            <a:off x="4989595" y="3063785"/>
+            <a:ext cx="1886368" cy="1886368"/>
+          </a:xfrm>
+          <a:prstGeom prst="rect">
+            <a:avLst/>
+          </a:prstGeom>
+          <a:noFill/>
+          <a:extLst>
+            <a:ext uri="{909E8E84-426E-40DD-AFC4-6F175D3DCCD1}">
+              <a14:hiddenFill xmlns:a14="http://schemas.microsoft.com/office/drawing/2010/main">
+                <a:solidFill>
+                  <a:srgbClr val="FFFFFF"/>
+                </a:solidFill>
+              </a14:hiddenFill>
+            </a:ext>
+          </a:extLst>
+        </p:spPr>
+      </p:pic>
+      <p:sp>
+        <p:nvSpPr>
+          <p:cNvPr id="5" name="CasellaDiTesto 4">
+            <a:extLst>
+              <a:ext uri="{FF2B5EF4-FFF2-40B4-BE49-F238E27FC236}">
+                <a16:creationId xmlns:a16="http://schemas.microsoft.com/office/drawing/2014/main" id="{688B1B28-5DD7-AAA8-8D1A-F899F6D3FB10}"/>
+              </a:ext>
+            </a:extLst>
+          </p:cNvPr>
+          <p:cNvSpPr txBox="1"/>
+          <p:nvPr/>
+        </p:nvSpPr>
+        <p:spPr>
+          <a:xfrm>
+            <a:off x="5608947" y="2538179"/>
+            <a:ext cx="782187" cy="369332"/>
+          </a:xfrm>
+          <a:prstGeom prst="rect">
+            <a:avLst/>
+          </a:prstGeom>
+          <a:noFill/>
+        </p:spPr>
+        <p:txBody>
+          <a:bodyPr wrap="square" rtlCol="0">
+            <a:spAutoFit/>
+          </a:bodyPr>
+          <a:lstStyle/>
+          <a:p>
+            <a:r>
+              <a:rPr lang="it-IT" dirty="0"/>
+              <a:t>1995</a:t>
+            </a:r>
+          </a:p>
+        </p:txBody>
+      </p:sp>
+    </p:spTree>
+    <p:extLst>
+      <p:ext uri="{BB962C8B-B14F-4D97-AF65-F5344CB8AC3E}">
+        <p14:creationId xmlns:p14="http://schemas.microsoft.com/office/powerpoint/2010/main" val="1171577941"/>
+      </p:ext>
+    </p:extLst>
+  </p:cSld>
+  <p:clrMapOvr>
+    <a:masterClrMapping/>
+  </p:clrMapOvr>
+</p:sld>
+</file>
+
+<file path=ppt/slides/slide4.xml><?xml version="1.0" encoding="utf-8"?>
+<p:sld xmlns:a="http://schemas.openxmlformats.org/drawingml/2006/main" xmlns:r="http://schemas.openxmlformats.org/officeDocument/2006/relationships" xmlns:p="http://schemas.openxmlformats.org/presentationml/2006/main">
+  <p:cSld>
+    <p:spTree>
+      <p:nvGrpSpPr>
+        <p:cNvPr id="1" name=""/>
+        <p:cNvGrpSpPr/>
+        <p:nvPr/>
+      </p:nvGrpSpPr>
+      <p:grpSpPr>
+        <a:xfrm>
+          <a:off x="0" y="0"/>
+          <a:ext cx="0" cy="0"/>
+          <a:chOff x="0" y="0"/>
+          <a:chExt cx="0" cy="0"/>
+        </a:xfrm>
+      </p:grpSpPr>
+      <p:sp>
+        <p:nvSpPr>
+          <p:cNvPr id="3" name="Titolo 2"/>
+          <p:cNvSpPr>
+            <a:spLocks noGrp="1"/>
+          </p:cNvSpPr>
+          <p:nvPr>
+            <p:ph type="ctrTitle"/>
+          </p:nvPr>
+        </p:nvSpPr>
+        <p:spPr>
+          <a:xfrm>
+            <a:off x="468643" y="145133"/>
+            <a:ext cx="8198250" cy="1088639"/>
+          </a:xfrm>
+        </p:spPr>
+        <p:txBody>
+          <a:bodyPr/>
+          <a:lstStyle/>
+          <a:p>
+            <a:r>
+              <a:rPr lang="it-IT" dirty="0" err="1"/>
+              <a:t>NativeClient</a:t>
+            </a:r>
+            <a:endParaRPr lang="it-IT" dirty="0"/>
+          </a:p>
+        </p:txBody>
+      </p:sp>
+      <p:sp>
+        <p:nvSpPr>
+          <p:cNvPr id="2" name="Segnaposto piè di pagina 2">
+            <a:extLst>
+              <a:ext uri="{FF2B5EF4-FFF2-40B4-BE49-F238E27FC236}">
+                <a16:creationId xmlns:a16="http://schemas.microsoft.com/office/drawing/2014/main" id="{D6B8BB7B-F1CA-B36F-E013-CCC8ED45276B}"/>
+              </a:ext>
+            </a:extLst>
+          </p:cNvPr>
+          <p:cNvSpPr>
+            <a:spLocks noGrp="1"/>
+          </p:cNvSpPr>
+          <p:nvPr>
+            <p:ph type="ftr" sz="quarter" idx="10"/>
+          </p:nvPr>
+        </p:nvSpPr>
+        <p:spPr>
+          <a:xfrm>
+            <a:off x="366122" y="6286803"/>
+            <a:ext cx="7196162" cy="312405"/>
+          </a:xfrm>
+        </p:spPr>
+        <p:txBody>
+          <a:bodyPr/>
+          <a:lstStyle/>
+          <a:p>
+            <a:pPr>
+              <a:defRPr/>
+            </a:pPr>
+            <a:r>
+              <a:rPr lang="en-US" altLang="en-US" dirty="0" err="1"/>
+              <a:t>WebAssembly</a:t>
+            </a:r>
+            <a:r>
+              <a:rPr lang="en-US" altLang="en-US" dirty="0"/>
+              <a:t> – </a:t>
+            </a:r>
+            <a:r>
+              <a:rPr lang="en-US" altLang="en-US" dirty="0" err="1"/>
+              <a:t>XMASDev</a:t>
+            </a:r>
+            <a:r>
+              <a:rPr lang="en-US" altLang="en-US" dirty="0"/>
+              <a:t> 16/12/2022</a:t>
+            </a:r>
+          </a:p>
+        </p:txBody>
+      </p:sp>
+      <p:pic>
+        <p:nvPicPr>
+          <p:cNvPr id="6" name="Picture 6" descr="google chrome - Enabling developer tools on a NACL page - Stack Overflow">
+            <a:extLst>
+              <a:ext uri="{FF2B5EF4-FFF2-40B4-BE49-F238E27FC236}">
+                <a16:creationId xmlns:a16="http://schemas.microsoft.com/office/drawing/2014/main" id="{C853CBF2-EA65-26EB-4A80-6976347A5821}"/>
+              </a:ext>
+            </a:extLst>
+          </p:cNvPr>
+          <p:cNvPicPr>
+            <a:picLocks noChangeAspect="1" noChangeArrowheads="1"/>
+          </p:cNvPicPr>
+          <p:nvPr/>
+        </p:nvPicPr>
+        <p:blipFill>
+          <a:blip r:embed="rId2">
+            <a:extLst>
+              <a:ext uri="{28A0092B-C50C-407E-A947-70E740481C1C}">
+                <a14:useLocalDpi xmlns:a14="http://schemas.microsoft.com/office/drawing/2010/main" val="0"/>
+              </a:ext>
+            </a:extLst>
+          </a:blip>
+          <a:srcRect/>
+          <a:stretch>
+            <a:fillRect/>
+          </a:stretch>
+        </p:blipFill>
+        <p:spPr bwMode="auto">
+          <a:xfrm>
+            <a:off x="4990747" y="3424880"/>
+            <a:ext cx="2705100" cy="1685925"/>
+          </a:xfrm>
+          <a:prstGeom prst="rect">
+            <a:avLst/>
+          </a:prstGeom>
+          <a:noFill/>
+          <a:extLst>
+            <a:ext uri="{909E8E84-426E-40DD-AFC4-6F175D3DCCD1}">
+              <a14:hiddenFill xmlns:a14="http://schemas.microsoft.com/office/drawing/2010/main">
+                <a:solidFill>
+                  <a:srgbClr val="FFFFFF"/>
+                </a:solidFill>
+              </a14:hiddenFill>
+            </a:ext>
+          </a:extLst>
+        </p:spPr>
+      </p:pic>
+      <p:sp>
+        <p:nvSpPr>
+          <p:cNvPr id="7" name="CasellaDiTesto 6">
+            <a:extLst>
+              <a:ext uri="{FF2B5EF4-FFF2-40B4-BE49-F238E27FC236}">
+                <a16:creationId xmlns:a16="http://schemas.microsoft.com/office/drawing/2014/main" id="{CD299999-3186-1978-6B47-4CBEB53F2CC5}"/>
+              </a:ext>
+            </a:extLst>
+          </p:cNvPr>
+          <p:cNvSpPr txBox="1"/>
+          <p:nvPr/>
+        </p:nvSpPr>
+        <p:spPr>
+          <a:xfrm>
+            <a:off x="6029841" y="2614604"/>
+            <a:ext cx="782187" cy="369332"/>
+          </a:xfrm>
+          <a:prstGeom prst="rect">
+            <a:avLst/>
+          </a:prstGeom>
+          <a:noFill/>
+        </p:spPr>
+        <p:txBody>
+          <a:bodyPr wrap="square" rtlCol="0">
+            <a:spAutoFit/>
+          </a:bodyPr>
+          <a:lstStyle/>
+          <a:p>
+            <a:r>
+              <a:rPr lang="it-IT" dirty="0"/>
+              <a:t>2011</a:t>
+            </a:r>
+          </a:p>
+        </p:txBody>
+      </p:sp>
+      <p:pic>
+        <p:nvPicPr>
+          <p:cNvPr id="3074" name="Picture 2" descr=" Babbo Natale Elfo Mrs.Claus Completi Cappello di Natale Abito di Natale fantasia Per uomo Per donna Da ragazzo Da ragazza Natale Natale Carnevale vigilia di Natale Adulto Per bambini Feste Natale">
+            <a:extLst>
+              <a:ext uri="{FF2B5EF4-FFF2-40B4-BE49-F238E27FC236}">
+                <a16:creationId xmlns:a16="http://schemas.microsoft.com/office/drawing/2014/main" id="{74E3F0D2-BA37-7F7C-2B2B-C4756ADAFF43}"/>
+              </a:ext>
+            </a:extLst>
+          </p:cNvPr>
+          <p:cNvPicPr>
+            <a:picLocks noChangeAspect="1" noChangeArrowheads="1"/>
+          </p:cNvPicPr>
+          <p:nvPr/>
+        </p:nvPicPr>
+        <p:blipFill>
+          <a:blip r:embed="rId3" cstate="print">
+            <a:extLst>
+              <a:ext uri="{28A0092B-C50C-407E-A947-70E740481C1C}">
+                <a14:useLocalDpi xmlns:a14="http://schemas.microsoft.com/office/drawing/2010/main" val="0"/>
+              </a:ext>
+            </a:extLst>
+          </a:blip>
+          <a:srcRect/>
+          <a:stretch>
+            <a:fillRect/>
+          </a:stretch>
+        </p:blipFill>
+        <p:spPr bwMode="auto">
+          <a:xfrm>
+            <a:off x="950368" y="1734626"/>
+            <a:ext cx="2301815" cy="2301815"/>
+          </a:xfrm>
+          <a:prstGeom prst="rect">
+            <a:avLst/>
+          </a:prstGeom>
+          <a:noFill/>
+          <a:extLst>
+            <a:ext uri="{909E8E84-426E-40DD-AFC4-6F175D3DCCD1}">
+              <a14:hiddenFill xmlns:a14="http://schemas.microsoft.com/office/drawing/2010/main">
+                <a:solidFill>
+                  <a:srgbClr val="FFFFFF"/>
+                </a:solidFill>
+              </a14:hiddenFill>
+            </a:ext>
+          </a:extLst>
+        </p:spPr>
+      </p:pic>
+    </p:spTree>
+    <p:extLst>
+      <p:ext uri="{BB962C8B-B14F-4D97-AF65-F5344CB8AC3E}">
+        <p14:creationId xmlns:p14="http://schemas.microsoft.com/office/powerpoint/2010/main" val="1987833602"/>
+      </p:ext>
+    </p:extLst>
+  </p:cSld>
+  <p:clrMapOvr>
+    <a:masterClrMapping/>
+  </p:clrMapOvr>
+</p:sld>
+</file>
+
+<file path=ppt/slides/slide5.xml><?xml version="1.0" encoding="utf-8"?>
+<p:sld xmlns:a="http://schemas.openxmlformats.org/drawingml/2006/main" xmlns:r="http://schemas.openxmlformats.org/officeDocument/2006/relationships" xmlns:p="http://schemas.openxmlformats.org/presentationml/2006/main">
+  <p:cSld>
+    <p:spTree>
+      <p:nvGrpSpPr>
+        <p:cNvPr id="1" name=""/>
+        <p:cNvGrpSpPr/>
+        <p:nvPr/>
+      </p:nvGrpSpPr>
+      <p:grpSpPr>
+        <a:xfrm>
+          <a:off x="0" y="0"/>
+          <a:ext cx="0" cy="0"/>
+          <a:chOff x="0" y="0"/>
+          <a:chExt cx="0" cy="0"/>
+        </a:xfrm>
+      </p:grpSpPr>
+      <p:sp>
+        <p:nvSpPr>
+          <p:cNvPr id="3" name="Titolo 2"/>
+          <p:cNvSpPr>
+            <a:spLocks noGrp="1"/>
+          </p:cNvSpPr>
+          <p:nvPr>
+            <p:ph type="ctrTitle"/>
+          </p:nvPr>
+        </p:nvSpPr>
+        <p:spPr>
+          <a:xfrm>
+            <a:off x="468643" y="145133"/>
+            <a:ext cx="8198250" cy="1088639"/>
+          </a:xfrm>
+        </p:spPr>
+        <p:txBody>
+          <a:bodyPr/>
+          <a:lstStyle/>
+          <a:p>
+            <a:r>
+              <a:rPr lang="it-IT" dirty="0"/>
+              <a:t>Asm.js</a:t>
+            </a:r>
+          </a:p>
+        </p:txBody>
+      </p:sp>
+      <p:sp>
+        <p:nvSpPr>
+          <p:cNvPr id="2" name="Segnaposto piè di pagina 2">
+            <a:extLst>
+              <a:ext uri="{FF2B5EF4-FFF2-40B4-BE49-F238E27FC236}">
+                <a16:creationId xmlns:a16="http://schemas.microsoft.com/office/drawing/2014/main" id="{D6B8BB7B-F1CA-B36F-E013-CCC8ED45276B}"/>
+              </a:ext>
+            </a:extLst>
+          </p:cNvPr>
+          <p:cNvSpPr>
+            <a:spLocks noGrp="1"/>
+          </p:cNvSpPr>
+          <p:nvPr>
+            <p:ph type="ftr" sz="quarter" idx="10"/>
+          </p:nvPr>
+        </p:nvSpPr>
+        <p:spPr>
+          <a:xfrm>
+            <a:off x="366122" y="6286803"/>
+            <a:ext cx="7196162" cy="312405"/>
+          </a:xfrm>
+        </p:spPr>
+        <p:txBody>
+          <a:bodyPr/>
+          <a:lstStyle/>
+          <a:p>
+            <a:pPr>
+              <a:defRPr/>
+            </a:pPr>
+            <a:r>
+              <a:rPr lang="en-US" altLang="en-US" dirty="0" err="1"/>
+              <a:t>WebAssembly</a:t>
+            </a:r>
+            <a:r>
+              <a:rPr lang="en-US" altLang="en-US" dirty="0"/>
+              <a:t> – </a:t>
+            </a:r>
+            <a:r>
+              <a:rPr lang="en-US" altLang="en-US" dirty="0" err="1"/>
+              <a:t>XMASDev</a:t>
+            </a:r>
+            <a:r>
+              <a:rPr lang="en-US" altLang="en-US" dirty="0"/>
+              <a:t> 16/12/2022</a:t>
+            </a:r>
+          </a:p>
+        </p:txBody>
+      </p:sp>
+      <p:pic>
+        <p:nvPicPr>
+          <p:cNvPr id="4" name="Picture 8" descr="asm.js, Emscripten &amp; friends | tfw">
+            <a:extLst>
+              <a:ext uri="{FF2B5EF4-FFF2-40B4-BE49-F238E27FC236}">
+                <a16:creationId xmlns:a16="http://schemas.microsoft.com/office/drawing/2014/main" id="{D817A6DC-A0EB-C25E-E68B-4EA187F9206A}"/>
+              </a:ext>
+            </a:extLst>
+          </p:cNvPr>
+          <p:cNvPicPr>
+            <a:picLocks noChangeAspect="1" noChangeArrowheads="1"/>
+          </p:cNvPicPr>
+          <p:nvPr/>
+        </p:nvPicPr>
+        <p:blipFill>
+          <a:blip r:embed="rId2">
+            <a:extLst>
+              <a:ext uri="{28A0092B-C50C-407E-A947-70E740481C1C}">
+                <a14:useLocalDpi xmlns:a14="http://schemas.microsoft.com/office/drawing/2010/main" val="0"/>
+              </a:ext>
+            </a:extLst>
+          </a:blip>
+          <a:srcRect/>
+          <a:stretch>
+            <a:fillRect/>
+          </a:stretch>
+        </p:blipFill>
+        <p:spPr bwMode="auto">
+          <a:xfrm>
+            <a:off x="5218599" y="3429000"/>
+            <a:ext cx="2857500" cy="1600200"/>
+          </a:xfrm>
+          <a:prstGeom prst="rect">
+            <a:avLst/>
+          </a:prstGeom>
+          <a:noFill/>
+          <a:extLst>
+            <a:ext uri="{909E8E84-426E-40DD-AFC4-6F175D3DCCD1}">
+              <a14:hiddenFill xmlns:a14="http://schemas.microsoft.com/office/drawing/2010/main">
+                <a:solidFill>
+                  <a:srgbClr val="FFFFFF"/>
+                </a:solidFill>
+              </a14:hiddenFill>
+            </a:ext>
+          </a:extLst>
+        </p:spPr>
+      </p:pic>
+      <p:sp>
+        <p:nvSpPr>
+          <p:cNvPr id="5" name="CasellaDiTesto 4">
+            <a:extLst>
+              <a:ext uri="{FF2B5EF4-FFF2-40B4-BE49-F238E27FC236}">
+                <a16:creationId xmlns:a16="http://schemas.microsoft.com/office/drawing/2014/main" id="{78EB2753-6695-B2D3-520E-C8617CF63AE2}"/>
+              </a:ext>
+            </a:extLst>
+          </p:cNvPr>
+          <p:cNvSpPr txBox="1"/>
+          <p:nvPr/>
+        </p:nvSpPr>
+        <p:spPr>
+          <a:xfrm>
+            <a:off x="6256256" y="2700867"/>
+            <a:ext cx="670756" cy="369332"/>
+          </a:xfrm>
+          <a:prstGeom prst="rect">
+            <a:avLst/>
+          </a:prstGeom>
+          <a:noFill/>
+        </p:spPr>
+        <p:txBody>
+          <a:bodyPr wrap="square" rtlCol="0">
+            <a:spAutoFit/>
+          </a:bodyPr>
+          <a:lstStyle/>
+          <a:p>
+            <a:r>
+              <a:rPr lang="it-IT" dirty="0"/>
+              <a:t>2013</a:t>
+            </a:r>
+          </a:p>
+        </p:txBody>
+      </p:sp>
+      <p:pic>
+        <p:nvPicPr>
+          <p:cNvPr id="5122" name="Picture 2" descr="Elfo di natale. aiutanti di fantasia carina di babbo natale, adorabili elfi  con regali e decorazioni">
+            <a:extLst>
+              <a:ext uri="{FF2B5EF4-FFF2-40B4-BE49-F238E27FC236}">
+                <a16:creationId xmlns:a16="http://schemas.microsoft.com/office/drawing/2014/main" id="{3CED55D2-9B3B-33D2-8431-4DF316C3611E}"/>
+              </a:ext>
+            </a:extLst>
+          </p:cNvPr>
+          <p:cNvPicPr>
+            <a:picLocks noChangeAspect="1" noChangeArrowheads="1"/>
+          </p:cNvPicPr>
+          <p:nvPr/>
+        </p:nvPicPr>
+        <p:blipFill>
+          <a:blip r:embed="rId3">
+            <a:extLst>
+              <a:ext uri="{28A0092B-C50C-407E-A947-70E740481C1C}">
+                <a14:useLocalDpi xmlns:a14="http://schemas.microsoft.com/office/drawing/2010/main" val="0"/>
+              </a:ext>
+            </a:extLst>
+          </a:blip>
+          <a:srcRect/>
+          <a:stretch>
+            <a:fillRect/>
+          </a:stretch>
+        </p:blipFill>
+        <p:spPr bwMode="auto">
+          <a:xfrm>
+            <a:off x="897020" y="1733008"/>
+            <a:ext cx="1990725" cy="2305050"/>
+          </a:xfrm>
+          <a:prstGeom prst="rect">
+            <a:avLst/>
+          </a:prstGeom>
+          <a:noFill/>
+          <a:extLst>
+            <a:ext uri="{909E8E84-426E-40DD-AFC4-6F175D3DCCD1}">
+              <a14:hiddenFill xmlns:a14="http://schemas.microsoft.com/office/drawing/2010/main">
+                <a:solidFill>
+                  <a:srgbClr val="FFFFFF"/>
+                </a:solidFill>
+              </a14:hiddenFill>
+            </a:ext>
+          </a:extLst>
+        </p:spPr>
+      </p:pic>
+    </p:spTree>
+    <p:extLst>
+      <p:ext uri="{BB962C8B-B14F-4D97-AF65-F5344CB8AC3E}">
+        <p14:creationId xmlns:p14="http://schemas.microsoft.com/office/powerpoint/2010/main" val="817100184"/>
+      </p:ext>
+    </p:extLst>
+  </p:cSld>
+  <p:clrMapOvr>
+    <a:masterClrMapping/>
+  </p:clrMapOvr>
+</p:sld>
+</file>
+
+<file path=ppt/slides/slide6.xml><?xml version="1.0" encoding="utf-8"?>
+<p:sld xmlns:a="http://schemas.openxmlformats.org/drawingml/2006/main" xmlns:r="http://schemas.openxmlformats.org/officeDocument/2006/relationships" xmlns:p="http://schemas.openxmlformats.org/presentationml/2006/main">
+  <p:cSld>
+    <p:spTree>
+      <p:nvGrpSpPr>
+        <p:cNvPr id="1" name=""/>
+        <p:cNvGrpSpPr/>
+        <p:nvPr/>
+      </p:nvGrpSpPr>
+      <p:grpSpPr>
+        <a:xfrm>
+          <a:off x="0" y="0"/>
+          <a:ext cx="0" cy="0"/>
+          <a:chOff x="0" y="0"/>
+          <a:chExt cx="0" cy="0"/>
+        </a:xfrm>
+      </p:grpSpPr>
+      <p:sp>
+        <p:nvSpPr>
+          <p:cNvPr id="3" name="Titolo 2"/>
+          <p:cNvSpPr>
+            <a:spLocks noGrp="1"/>
+          </p:cNvSpPr>
+          <p:nvPr>
+            <p:ph type="ctrTitle"/>
+          </p:nvPr>
+        </p:nvSpPr>
+        <p:spPr>
+          <a:xfrm>
+            <a:off x="468643" y="145133"/>
+            <a:ext cx="8198250" cy="1088639"/>
+          </a:xfrm>
+        </p:spPr>
+        <p:txBody>
+          <a:bodyPr/>
+          <a:lstStyle/>
+          <a:p>
+            <a:r>
+              <a:rPr lang="it-IT" dirty="0"/>
+              <a:t>Finalmente </a:t>
+            </a:r>
+            <a:r>
+              <a:rPr lang="it-IT" dirty="0" err="1"/>
+              <a:t>WebAssembly</a:t>
+            </a:r>
+            <a:endParaRPr lang="it-IT" dirty="0"/>
+          </a:p>
+        </p:txBody>
+      </p:sp>
+      <p:sp>
+        <p:nvSpPr>
+          <p:cNvPr id="2" name="Segnaposto piè di pagina 2">
+            <a:extLst>
+              <a:ext uri="{FF2B5EF4-FFF2-40B4-BE49-F238E27FC236}">
+                <a16:creationId xmlns:a16="http://schemas.microsoft.com/office/drawing/2014/main" id="{D6B8BB7B-F1CA-B36F-E013-CCC8ED45276B}"/>
+              </a:ext>
+            </a:extLst>
+          </p:cNvPr>
+          <p:cNvSpPr>
+            <a:spLocks noGrp="1"/>
+          </p:cNvSpPr>
+          <p:nvPr>
+            <p:ph type="ftr" sz="quarter" idx="10"/>
+          </p:nvPr>
+        </p:nvSpPr>
+        <p:spPr>
+          <a:xfrm>
+            <a:off x="366122" y="6286803"/>
+            <a:ext cx="7196162" cy="312405"/>
+          </a:xfrm>
+        </p:spPr>
+        <p:txBody>
+          <a:bodyPr/>
+          <a:lstStyle/>
+          <a:p>
+            <a:pPr>
+              <a:defRPr/>
+            </a:pPr>
+            <a:r>
+              <a:rPr lang="en-US" altLang="en-US" dirty="0" err="1"/>
+              <a:t>WebAssembly</a:t>
+            </a:r>
+            <a:r>
+              <a:rPr lang="en-US" altLang="en-US" dirty="0"/>
+              <a:t> – </a:t>
+            </a:r>
+            <a:r>
+              <a:rPr lang="en-US" altLang="en-US" dirty="0" err="1"/>
+              <a:t>XMASDev</a:t>
+            </a:r>
+            <a:r>
+              <a:rPr lang="en-US" altLang="en-US" dirty="0"/>
+              <a:t> 16/12/2022</a:t>
+            </a:r>
+          </a:p>
+        </p:txBody>
+      </p:sp>
+      <p:pic>
+        <p:nvPicPr>
+          <p:cNvPr id="6" name="Picture 10" descr="What Is WebAssembly and Why Do You Need It? - The New Stack">
+            <a:extLst>
+              <a:ext uri="{FF2B5EF4-FFF2-40B4-BE49-F238E27FC236}">
+                <a16:creationId xmlns:a16="http://schemas.microsoft.com/office/drawing/2014/main" id="{8522DA37-009C-410C-2F42-5C0AFD15D9D9}"/>
+              </a:ext>
+            </a:extLst>
+          </p:cNvPr>
+          <p:cNvPicPr>
+            <a:picLocks noChangeAspect="1" noChangeArrowheads="1"/>
+          </p:cNvPicPr>
+          <p:nvPr/>
+        </p:nvPicPr>
+        <p:blipFill>
+          <a:blip r:embed="rId2">
+            <a:extLst>
+              <a:ext uri="{28A0092B-C50C-407E-A947-70E740481C1C}">
+                <a14:useLocalDpi xmlns:a14="http://schemas.microsoft.com/office/drawing/2010/main" val="0"/>
+              </a:ext>
+            </a:extLst>
+          </a:blip>
+          <a:srcRect/>
+          <a:stretch>
+            <a:fillRect/>
+          </a:stretch>
+        </p:blipFill>
+        <p:spPr bwMode="auto">
+          <a:xfrm>
+            <a:off x="5285480" y="3313869"/>
+            <a:ext cx="2857500" cy="1600200"/>
+          </a:xfrm>
+          <a:prstGeom prst="rect">
+            <a:avLst/>
+          </a:prstGeom>
+          <a:noFill/>
+          <a:extLst>
+            <a:ext uri="{909E8E84-426E-40DD-AFC4-6F175D3DCCD1}">
+              <a14:hiddenFill xmlns:a14="http://schemas.microsoft.com/office/drawing/2010/main">
+                <a:solidFill>
+                  <a:srgbClr val="FFFFFF"/>
+                </a:solidFill>
+              </a14:hiddenFill>
+            </a:ext>
+          </a:extLst>
+        </p:spPr>
+      </p:pic>
+      <p:sp>
+        <p:nvSpPr>
+          <p:cNvPr id="7" name="CasellaDiTesto 6">
+            <a:extLst>
+              <a:ext uri="{FF2B5EF4-FFF2-40B4-BE49-F238E27FC236}">
+                <a16:creationId xmlns:a16="http://schemas.microsoft.com/office/drawing/2014/main" id="{AAE5E047-6580-B187-FAD1-8845E30E981F}"/>
+              </a:ext>
+            </a:extLst>
+          </p:cNvPr>
+          <p:cNvSpPr txBox="1"/>
+          <p:nvPr/>
+        </p:nvSpPr>
+        <p:spPr>
+          <a:xfrm>
+            <a:off x="6323137" y="2603329"/>
+            <a:ext cx="782187" cy="369332"/>
+          </a:xfrm>
+          <a:prstGeom prst="rect">
+            <a:avLst/>
+          </a:prstGeom>
+          <a:noFill/>
+        </p:spPr>
+        <p:txBody>
+          <a:bodyPr wrap="square" rtlCol="0">
+            <a:spAutoFit/>
+          </a:bodyPr>
+          <a:lstStyle/>
+          <a:p>
+            <a:r>
+              <a:rPr lang="it-IT" dirty="0"/>
+              <a:t>2015</a:t>
+            </a:r>
+          </a:p>
+        </p:txBody>
+      </p:sp>
+      <p:pic>
+        <p:nvPicPr>
+          <p:cNvPr id="6146" name="Picture 2" descr="A Casa di Babbo Natale con l'Accademia degli Elfi a Riva del Garda">
+            <a:extLst>
+              <a:ext uri="{FF2B5EF4-FFF2-40B4-BE49-F238E27FC236}">
+                <a16:creationId xmlns:a16="http://schemas.microsoft.com/office/drawing/2014/main" id="{FCD4A55F-5C08-D539-15A3-E57CB697B927}"/>
+              </a:ext>
+            </a:extLst>
+          </p:cNvPr>
+          <p:cNvPicPr>
+            <a:picLocks noChangeAspect="1" noChangeArrowheads="1"/>
+          </p:cNvPicPr>
+          <p:nvPr/>
+        </p:nvPicPr>
+        <p:blipFill>
+          <a:blip r:embed="rId3">
+            <a:extLst>
+              <a:ext uri="{28A0092B-C50C-407E-A947-70E740481C1C}">
+                <a14:useLocalDpi xmlns:a14="http://schemas.microsoft.com/office/drawing/2010/main" val="0"/>
+              </a:ext>
+            </a:extLst>
+          </a:blip>
+          <a:srcRect/>
+          <a:stretch>
+            <a:fillRect/>
+          </a:stretch>
+        </p:blipFill>
+        <p:spPr bwMode="auto">
+          <a:xfrm>
+            <a:off x="831371" y="1987895"/>
+            <a:ext cx="2857500" cy="1600200"/>
+          </a:xfrm>
+          <a:prstGeom prst="rect">
+            <a:avLst/>
+          </a:prstGeom>
+          <a:noFill/>
+          <a:extLst>
+            <a:ext uri="{909E8E84-426E-40DD-AFC4-6F175D3DCCD1}">
+              <a14:hiddenFill xmlns:a14="http://schemas.microsoft.com/office/drawing/2010/main">
+                <a:solidFill>
+                  <a:srgbClr val="FFFFFF"/>
+                </a:solidFill>
+              </a14:hiddenFill>
+            </a:ext>
+          </a:extLst>
+        </p:spPr>
+      </p:pic>
+    </p:spTree>
+    <p:extLst>
+      <p:ext uri="{BB962C8B-B14F-4D97-AF65-F5344CB8AC3E}">
+        <p14:creationId xmlns:p14="http://schemas.microsoft.com/office/powerpoint/2010/main" val="847785768"/>
+      </p:ext>
+    </p:extLst>
+  </p:cSld>
+  <p:clrMapOvr>
+    <a:masterClrMapping/>
+  </p:clrMapOvr>
+</p:sld>
+</file>
+
+<file path=ppt/slides/slide7.xml><?xml version="1.0" encoding="utf-8"?>
+<p:sld xmlns:a="http://schemas.openxmlformats.org/drawingml/2006/main" xmlns:r="http://schemas.openxmlformats.org/officeDocument/2006/relationships" xmlns:p="http://schemas.openxmlformats.org/presentationml/2006/main">
+  <p:cSld>
+    <p:spTree>
+      <p:nvGrpSpPr>
+        <p:cNvPr id="1" name=""/>
+        <p:cNvGrpSpPr/>
+        <p:nvPr/>
+      </p:nvGrpSpPr>
+      <p:grpSpPr>
+        <a:xfrm>
+          <a:off x="0" y="0"/>
+          <a:ext cx="0" cy="0"/>
+          <a:chOff x="0" y="0"/>
+          <a:chExt cx="0" cy="0"/>
+        </a:xfrm>
+      </p:grpSpPr>
+      <p:sp>
+        <p:nvSpPr>
+          <p:cNvPr id="2" name="Titolo 1"/>
+          <p:cNvSpPr>
+            <a:spLocks noGrp="1"/>
+          </p:cNvSpPr>
+          <p:nvPr>
+            <p:ph type="ctrTitle"/>
+          </p:nvPr>
+        </p:nvSpPr>
+        <p:spPr/>
+        <p:txBody>
+          <a:bodyPr/>
+          <a:lstStyle/>
+          <a:p>
+            <a:r>
+              <a:rPr lang="it-IT" sz="3600" dirty="0"/>
+              <a:t>Hai proprio bisogno di WASM?</a:t>
+            </a:r>
+          </a:p>
+        </p:txBody>
+      </p:sp>
+      <p:sp>
+        <p:nvSpPr>
+          <p:cNvPr id="3" name="Segnaposto piè di pagina 2">
+            <a:extLst>
+              <a:ext uri="{FF2B5EF4-FFF2-40B4-BE49-F238E27FC236}">
+                <a16:creationId xmlns:a16="http://schemas.microsoft.com/office/drawing/2014/main" id="{8C650FF4-ACBE-25F0-B838-5AFB2709B5B6}"/>
+              </a:ext>
+            </a:extLst>
+          </p:cNvPr>
+          <p:cNvSpPr>
+            <a:spLocks noGrp="1"/>
+          </p:cNvSpPr>
+          <p:nvPr>
+            <p:ph type="ftr" sz="quarter" idx="10"/>
+          </p:nvPr>
+        </p:nvSpPr>
+        <p:spPr>
+          <a:xfrm>
+            <a:off x="366122" y="6286803"/>
+            <a:ext cx="7196162" cy="312405"/>
+          </a:xfrm>
+        </p:spPr>
+        <p:txBody>
+          <a:bodyPr/>
+          <a:lstStyle/>
+          <a:p>
+            <a:pPr>
+              <a:defRPr/>
+            </a:pPr>
+            <a:r>
+              <a:rPr lang="en-US" altLang="en-US" dirty="0" err="1"/>
+              <a:t>WebAssembly</a:t>
+            </a:r>
+            <a:r>
+              <a:rPr lang="en-US" altLang="en-US" dirty="0"/>
+              <a:t> – </a:t>
+            </a:r>
+            <a:r>
+              <a:rPr lang="en-US" altLang="en-US" dirty="0" err="1"/>
+              <a:t>XMASDev</a:t>
+            </a:r>
+            <a:r>
+              <a:rPr lang="en-US" altLang="en-US" dirty="0"/>
+              <a:t> 16/12/2022</a:t>
+            </a:r>
+          </a:p>
+        </p:txBody>
+      </p:sp>
+      <p:pic>
+        <p:nvPicPr>
+          <p:cNvPr id="7170" name="Picture 2" descr="Babbo Natale a Milano | YesMilano">
+            <a:extLst>
+              <a:ext uri="{FF2B5EF4-FFF2-40B4-BE49-F238E27FC236}">
+                <a16:creationId xmlns:a16="http://schemas.microsoft.com/office/drawing/2014/main" id="{902DB129-BEDA-0860-EB2F-106033A9BBE5}"/>
+              </a:ext>
+            </a:extLst>
+          </p:cNvPr>
+          <p:cNvPicPr>
+            <a:picLocks noChangeAspect="1" noChangeArrowheads="1"/>
+          </p:cNvPicPr>
+          <p:nvPr/>
+        </p:nvPicPr>
+        <p:blipFill>
+          <a:blip r:embed="rId3">
+            <a:extLst>
+              <a:ext uri="{28A0092B-C50C-407E-A947-70E740481C1C}">
+                <a14:useLocalDpi xmlns:a14="http://schemas.microsoft.com/office/drawing/2010/main" val="0"/>
+              </a:ext>
+            </a:extLst>
+          </a:blip>
+          <a:srcRect/>
+          <a:stretch>
+            <a:fillRect/>
+          </a:stretch>
+        </p:blipFill>
+        <p:spPr bwMode="auto">
+          <a:xfrm>
+            <a:off x="4902319" y="3975436"/>
+            <a:ext cx="3238500" cy="1409700"/>
+          </a:xfrm>
+          <a:prstGeom prst="rect">
+            <a:avLst/>
+          </a:prstGeom>
+          <a:noFill/>
+          <a:extLst>
+            <a:ext uri="{909E8E84-426E-40DD-AFC4-6F175D3DCCD1}">
+              <a14:hiddenFill xmlns:a14="http://schemas.microsoft.com/office/drawing/2010/main">
+                <a:solidFill>
+                  <a:srgbClr val="FFFFFF"/>
+                </a:solidFill>
+              </a14:hiddenFill>
+            </a:ext>
+          </a:extLst>
+        </p:spPr>
+      </p:pic>
+      <p:sp>
+        <p:nvSpPr>
+          <p:cNvPr id="7" name="Segnaposto testo 3">
+            <a:extLst>
+              <a:ext uri="{FF2B5EF4-FFF2-40B4-BE49-F238E27FC236}">
+                <a16:creationId xmlns:a16="http://schemas.microsoft.com/office/drawing/2014/main" id="{1EFB1D81-8596-BE49-410F-714EE0DC7524}"/>
+              </a:ext>
+            </a:extLst>
+          </p:cNvPr>
+          <p:cNvSpPr>
+            <a:spLocks noGrp="1"/>
+          </p:cNvSpPr>
+          <p:nvPr>
+            <p:ph type="body" sz="quarter" idx="11"/>
+          </p:nvPr>
+        </p:nvSpPr>
+        <p:spPr>
+          <a:xfrm>
+            <a:off x="472617" y="1627531"/>
+            <a:ext cx="8196263" cy="1538363"/>
+          </a:xfrm>
+        </p:spPr>
+        <p:txBody>
+          <a:bodyPr/>
+          <a:lstStyle/>
+          <a:p>
+            <a:r>
+              <a:rPr lang="it-IT" dirty="0"/>
+              <a:t>Le tue letterine verranno lette solo via web</a:t>
+            </a:r>
+          </a:p>
+          <a:p>
+            <a:r>
+              <a:rPr lang="it-IT" dirty="0"/>
+              <a:t>Le tue letterine verranno lette solo su Desktop o mobile</a:t>
+            </a:r>
+            <a:endParaRPr lang="it-IT" sz="2000" dirty="0"/>
+          </a:p>
+          <a:p>
+            <a:endParaRPr lang="it-IT" sz="2000" dirty="0"/>
+          </a:p>
+        </p:txBody>
+      </p:sp>
+    </p:spTree>
+    <p:extLst>
+      <p:ext uri="{BB962C8B-B14F-4D97-AF65-F5344CB8AC3E}">
+        <p14:creationId xmlns:p14="http://schemas.microsoft.com/office/powerpoint/2010/main" val="1938571034"/>
+      </p:ext>
+    </p:extLst>
+  </p:cSld>
+  <p:clrMapOvr>
+    <a:masterClrMapping/>
+  </p:clrMapOvr>
+  <p:timing>
+    <p:tnLst>
+      <p:par>
+        <p:cTn id="1" dur="indefinite" restart="never" nodeType="tmRoot">
+          <p:childTnLst>
+            <p:seq concurrent="1" nextAc="seek">
+              <p:cTn id="2" dur="indefinite" nodeType="mainSeq">
+                <p:childTnLst>
+                  <p:par>
+                    <p:cTn id="3" fill="hold">
+                      <p:stCondLst>
+                        <p:cond delay="indefinite"/>
+                      </p:stCondLst>
+                      <p:childTnLst>
+                        <p:par>
+                          <p:cTn id="4" fill="hold">
+                            <p:stCondLst>
+                              <p:cond delay="0"/>
+                            </p:stCondLst>
+                            <p:childTnLst>
+                              <p:par>
+                                <p:cTn id="5" presetID="1" presetClass="entr" presetSubtype="0" fill="hold" grpId="0" nodeType="clickEffect">
+                                  <p:stCondLst>
+                                    <p:cond delay="0"/>
+                                  </p:stCondLst>
+                                  <p:childTnLst>
+                                    <p:set>
+                                      <p:cBhvr>
+                                        <p:cTn id="6" dur="1" fill="hold">
+                                          <p:stCondLst>
+                                            <p:cond delay="0"/>
+                                          </p:stCondLst>
+                                        </p:cTn>
+                                        <p:tgtEl>
+                                          <p:spTgt spid="7">
+                                            <p:txEl>
+                                              <p:pRg st="0" end="0"/>
+                                            </p:txEl>
+                                          </p:spTgt>
                                         </p:tgtEl>
                                         <p:attrNameLst>
                                           <p:attrName>style.visibility</p:attrName>
@@ -5206,1674 +8414,7 @@
                                           </p:stCondLst>
                                         </p:cTn>
                                         <p:tgtEl>
-                                          <p:spTgt spid="6"/>
-                                        </p:tgtEl>
-                                        <p:attrNameLst>
-                                          <p:attrName>style.visibility</p:attrName>
-                                        </p:attrNameLst>
-                                      </p:cBhvr>
-                                      <p:to>
-                                        <p:strVal val="visible"/>
-                                      </p:to>
-                                    </p:set>
-                                  </p:childTnLst>
-                                </p:cTn>
-                              </p:par>
-                            </p:childTnLst>
-                          </p:cTn>
-                        </p:par>
-                      </p:childTnLst>
-                    </p:cTn>
-                  </p:par>
-                  <p:par>
-                    <p:cTn id="11" fill="hold">
-                      <p:stCondLst>
-                        <p:cond delay="indefinite"/>
-                      </p:stCondLst>
-                      <p:childTnLst>
-                        <p:par>
-                          <p:cTn id="12" fill="hold">
-                            <p:stCondLst>
-                              <p:cond delay="0"/>
-                            </p:stCondLst>
-                            <p:childTnLst>
-                              <p:par>
-                                <p:cTn id="13" presetID="10" presetClass="entr" presetSubtype="0" fill="hold" grpId="0" nodeType="clickEffect">
-                                  <p:stCondLst>
-                                    <p:cond delay="0"/>
-                                  </p:stCondLst>
-                                  <p:childTnLst>
-                                    <p:set>
-                                      <p:cBhvr>
-                                        <p:cTn id="14" dur="1" fill="hold">
-                                          <p:stCondLst>
-                                            <p:cond delay="0"/>
-                                          </p:stCondLst>
-                                        </p:cTn>
-                                        <p:tgtEl>
-                                          <p:spTgt spid="7"/>
-                                        </p:tgtEl>
-                                        <p:attrNameLst>
-                                          <p:attrName>style.visibility</p:attrName>
-                                        </p:attrNameLst>
-                                      </p:cBhvr>
-                                      <p:to>
-                                        <p:strVal val="visible"/>
-                                      </p:to>
-                                    </p:set>
-                                    <p:animEffect transition="in" filter="fade">
-                                      <p:cBhvr>
-                                        <p:cTn id="15" dur="500"/>
-                                        <p:tgtEl>
-                                          <p:spTgt spid="7"/>
-                                        </p:tgtEl>
-                                      </p:cBhvr>
-                                    </p:animEffect>
-                                  </p:childTnLst>
-                                </p:cTn>
-                              </p:par>
-                            </p:childTnLst>
-                          </p:cTn>
-                        </p:par>
-                      </p:childTnLst>
-                    </p:cTn>
-                  </p:par>
-                </p:childTnLst>
-              </p:cTn>
-              <p:prevCondLst>
-                <p:cond evt="onPrev" delay="0">
-                  <p:tgtEl>
-                    <p:sldTgt/>
-                  </p:tgtEl>
-                </p:cond>
-              </p:prevCondLst>
-              <p:nextCondLst>
-                <p:cond evt="onNext" delay="0">
-                  <p:tgtEl>
-                    <p:sldTgt/>
-                  </p:tgtEl>
-                </p:cond>
-              </p:nextCondLst>
-            </p:seq>
-          </p:childTnLst>
-        </p:cTn>
-      </p:par>
-    </p:tnLst>
-    <p:bldLst>
-      <p:bldP spid="2" grpId="0"/>
-      <p:bldP spid="6" grpId="0"/>
-      <p:bldP spid="7" grpId="0"/>
-    </p:bldLst>
-  </p:timing>
-</p:sld>
-</file>
-
-<file path=ppt/slides/slide13.xml><?xml version="1.0" encoding="utf-8"?>
-<p:sld xmlns:a="http://schemas.openxmlformats.org/drawingml/2006/main" xmlns:r="http://schemas.openxmlformats.org/officeDocument/2006/relationships" xmlns:p="http://schemas.openxmlformats.org/presentationml/2006/main">
-  <p:cSld>
-    <p:spTree>
-      <p:nvGrpSpPr>
-        <p:cNvPr id="1" name=""/>
-        <p:cNvGrpSpPr/>
-        <p:nvPr/>
-      </p:nvGrpSpPr>
-      <p:grpSpPr>
-        <a:xfrm>
-          <a:off x="0" y="0"/>
-          <a:ext cx="0" cy="0"/>
-          <a:chOff x="0" y="0"/>
-          <a:chExt cx="0" cy="0"/>
-        </a:xfrm>
-      </p:grpSpPr>
-      <p:sp>
-        <p:nvSpPr>
-          <p:cNvPr id="2" name="Titolo 1"/>
-          <p:cNvSpPr>
-            <a:spLocks noGrp="1"/>
-          </p:cNvSpPr>
-          <p:nvPr>
-            <p:ph type="ctrTitle"/>
-          </p:nvPr>
-        </p:nvSpPr>
-        <p:spPr/>
-        <p:txBody>
-          <a:bodyPr/>
-          <a:lstStyle/>
-          <a:p>
-            <a:r>
-              <a:rPr lang="it-IT" dirty="0"/>
-              <a:t>Thanks</a:t>
-            </a:r>
-          </a:p>
-        </p:txBody>
-      </p:sp>
-      <p:pic>
-        <p:nvPicPr>
-          <p:cNvPr id="8" name="Immagine 7" descr="Immagine che contiene persona, uomo, inpiedi, posando&#10;&#10;Descrizione generata automaticamente">
-            <a:extLst>
-              <a:ext uri="{FF2B5EF4-FFF2-40B4-BE49-F238E27FC236}">
-                <a16:creationId xmlns:a16="http://schemas.microsoft.com/office/drawing/2014/main" id="{714121A0-4EF4-EE71-C83D-80C2927BEECD}"/>
-              </a:ext>
-            </a:extLst>
-          </p:cNvPr>
-          <p:cNvPicPr>
-            <a:picLocks noChangeAspect="1"/>
-          </p:cNvPicPr>
-          <p:nvPr/>
-        </p:nvPicPr>
-        <p:blipFill>
-          <a:blip r:embed="rId3" cstate="print">
-            <a:extLst>
-              <a:ext uri="{28A0092B-C50C-407E-A947-70E740481C1C}">
-                <a14:useLocalDpi xmlns:a14="http://schemas.microsoft.com/office/drawing/2010/main" val="0"/>
-              </a:ext>
-            </a:extLst>
-          </a:blip>
-          <a:stretch>
-            <a:fillRect/>
-          </a:stretch>
-        </p:blipFill>
-        <p:spPr>
-          <a:xfrm>
-            <a:off x="6951387" y="2589958"/>
-            <a:ext cx="1508955" cy="1508955"/>
-          </a:xfrm>
-          <a:prstGeom prst="rect">
-            <a:avLst/>
-          </a:prstGeom>
-        </p:spPr>
-      </p:pic>
-      <p:pic>
-        <p:nvPicPr>
-          <p:cNvPr id="9" name="Immagine 8">
-            <a:extLst>
-              <a:ext uri="{FF2B5EF4-FFF2-40B4-BE49-F238E27FC236}">
-                <a16:creationId xmlns:a16="http://schemas.microsoft.com/office/drawing/2014/main" id="{7921BE98-8D30-3E5C-E9FB-BE9412688B66}"/>
-              </a:ext>
-            </a:extLst>
-          </p:cNvPr>
-          <p:cNvPicPr>
-            <a:picLocks noChangeAspect="1"/>
-          </p:cNvPicPr>
-          <p:nvPr/>
-        </p:nvPicPr>
-        <p:blipFill>
-          <a:blip r:embed="rId4"/>
-          <a:stretch>
-            <a:fillRect/>
-          </a:stretch>
-        </p:blipFill>
-        <p:spPr>
-          <a:xfrm>
-            <a:off x="683658" y="1483786"/>
-            <a:ext cx="412553" cy="334963"/>
-          </a:xfrm>
-          <a:prstGeom prst="rect">
-            <a:avLst/>
-          </a:prstGeom>
-        </p:spPr>
-      </p:pic>
-      <p:sp>
-        <p:nvSpPr>
-          <p:cNvPr id="10" name="CasellaDiTesto 9">
-            <a:extLst>
-              <a:ext uri="{FF2B5EF4-FFF2-40B4-BE49-F238E27FC236}">
-                <a16:creationId xmlns:a16="http://schemas.microsoft.com/office/drawing/2014/main" id="{3164A1DD-D2D1-CB19-AF52-0502DA953ACC}"/>
-              </a:ext>
-            </a:extLst>
-          </p:cNvPr>
-          <p:cNvSpPr txBox="1"/>
-          <p:nvPr/>
-        </p:nvSpPr>
-        <p:spPr>
-          <a:xfrm>
-            <a:off x="1331719" y="1406584"/>
-            <a:ext cx="3240281" cy="489365"/>
-          </a:xfrm>
-          <a:prstGeom prst="rect">
-            <a:avLst/>
-          </a:prstGeom>
-          <a:noFill/>
-        </p:spPr>
-        <p:txBody>
-          <a:bodyPr wrap="square" lIns="182880" tIns="146304" rIns="182880" bIns="146304" rtlCol="0">
-            <a:spAutoFit/>
-          </a:bodyPr>
-          <a:lstStyle/>
-          <a:p>
-            <a:pPr>
-              <a:lnSpc>
-                <a:spcPct val="90000"/>
-              </a:lnSpc>
-              <a:spcAft>
-                <a:spcPts val="600"/>
-              </a:spcAft>
-            </a:pPr>
-            <a:r>
-              <a:rPr lang="it-IT" sz="1400" dirty="0">
-                <a:hlinkClick r:id="rId5"/>
-              </a:rPr>
-              <a:t>alberto.acerbis@intre.it</a:t>
-            </a:r>
-            <a:endParaRPr lang="it-IT" sz="1400" dirty="0">
-              <a:gradFill>
-                <a:gsLst>
-                  <a:gs pos="2917">
-                    <a:schemeClr val="tx1"/>
-                  </a:gs>
-                  <a:gs pos="30000">
-                    <a:schemeClr val="tx1"/>
-                  </a:gs>
-                </a:gsLst>
-                <a:lin ang="5400000" scaled="0"/>
-              </a:gradFill>
-            </a:endParaRPr>
-          </a:p>
-        </p:txBody>
-      </p:sp>
-      <p:sp>
-        <p:nvSpPr>
-          <p:cNvPr id="11" name="Ovale 10">
-            <a:extLst>
-              <a:ext uri="{FF2B5EF4-FFF2-40B4-BE49-F238E27FC236}">
-                <a16:creationId xmlns:a16="http://schemas.microsoft.com/office/drawing/2014/main" id="{2F2D3E50-22D7-391C-BE80-09E8D876A17A}"/>
-              </a:ext>
-            </a:extLst>
-          </p:cNvPr>
-          <p:cNvSpPr/>
-          <p:nvPr/>
-        </p:nvSpPr>
-        <p:spPr>
-          <a:xfrm>
-            <a:off x="683658" y="3064237"/>
-            <a:ext cx="2716949" cy="1121366"/>
-          </a:xfrm>
-          <a:prstGeom prst="ellipse">
-            <a:avLst/>
-          </a:prstGeom>
-          <a:solidFill>
-            <a:schemeClr val="accent1">
-              <a:lumMod val="75000"/>
-            </a:schemeClr>
-          </a:solidFill>
-        </p:spPr>
-        <p:style>
-          <a:lnRef idx="2">
-            <a:schemeClr val="accent1">
-              <a:shade val="50000"/>
-            </a:schemeClr>
-          </a:lnRef>
-          <a:fillRef idx="1">
-            <a:schemeClr val="accent1"/>
-          </a:fillRef>
-          <a:effectRef idx="0">
-            <a:schemeClr val="accent1"/>
-          </a:effectRef>
-          <a:fontRef idx="minor">
-            <a:schemeClr val="lt1"/>
-          </a:fontRef>
-        </p:style>
-        <p:txBody>
-          <a:bodyPr rtlCol="0" anchor="ctr"/>
-          <a:lstStyle/>
-          <a:p>
-            <a:pPr algn="ctr"/>
-            <a:endParaRPr lang="it-IT" dirty="0">
-              <a:solidFill>
-                <a:srgbClr val="59328A"/>
-              </a:solidFill>
-              <a:highlight>
-                <a:srgbClr val="0261C4"/>
-              </a:highlight>
-            </a:endParaRPr>
-          </a:p>
-        </p:txBody>
-      </p:sp>
-      <p:pic>
-        <p:nvPicPr>
-          <p:cNvPr id="12" name="Immagine 11">
-            <a:hlinkClick r:id="rId6"/>
-            <a:extLst>
-              <a:ext uri="{FF2B5EF4-FFF2-40B4-BE49-F238E27FC236}">
-                <a16:creationId xmlns:a16="http://schemas.microsoft.com/office/drawing/2014/main" id="{362AAFBC-08F1-00FC-FC26-32FCBE150056}"/>
-              </a:ext>
-            </a:extLst>
-          </p:cNvPr>
-          <p:cNvPicPr>
-            <a:picLocks noChangeAspect="1"/>
-          </p:cNvPicPr>
-          <p:nvPr/>
-        </p:nvPicPr>
-        <p:blipFill>
-          <a:blip r:embed="rId7"/>
-          <a:stretch>
-            <a:fillRect/>
-          </a:stretch>
-        </p:blipFill>
-        <p:spPr>
-          <a:xfrm>
-            <a:off x="1202355" y="3430340"/>
-            <a:ext cx="1792634" cy="406401"/>
-          </a:xfrm>
-          <a:prstGeom prst="rect">
-            <a:avLst/>
-          </a:prstGeom>
-        </p:spPr>
-      </p:pic>
-      <p:pic>
-        <p:nvPicPr>
-          <p:cNvPr id="15" name="Picture 4">
-            <a:hlinkClick r:id="rId8"/>
-            <a:extLst>
-              <a:ext uri="{FF2B5EF4-FFF2-40B4-BE49-F238E27FC236}">
-                <a16:creationId xmlns:a16="http://schemas.microsoft.com/office/drawing/2014/main" id="{3B0874B3-8706-C537-13ED-47E0128F7530}"/>
-              </a:ext>
-            </a:extLst>
-          </p:cNvPr>
-          <p:cNvPicPr>
-            <a:picLocks noChangeAspect="1" noChangeArrowheads="1"/>
-          </p:cNvPicPr>
-          <p:nvPr/>
-        </p:nvPicPr>
-        <p:blipFill>
-          <a:blip r:embed="rId9">
-            <a:extLst>
-              <a:ext uri="{28A0092B-C50C-407E-A947-70E740481C1C}">
-                <a14:useLocalDpi xmlns:a14="http://schemas.microsoft.com/office/drawing/2010/main" val="0"/>
-              </a:ext>
-            </a:extLst>
-          </a:blip>
-          <a:srcRect/>
-          <a:stretch>
-            <a:fillRect/>
-          </a:stretch>
-        </p:blipFill>
-        <p:spPr bwMode="auto">
-          <a:xfrm>
-            <a:off x="6675130" y="4249714"/>
-            <a:ext cx="2061467" cy="588991"/>
-          </a:xfrm>
-          <a:prstGeom prst="rect">
-            <a:avLst/>
-          </a:prstGeom>
-          <a:noFill/>
-          <a:extLst>
-            <a:ext uri="{909E8E84-426E-40DD-AFC4-6F175D3DCCD1}">
-              <a14:hiddenFill xmlns:a14="http://schemas.microsoft.com/office/drawing/2010/main">
-                <a:solidFill>
-                  <a:srgbClr val="FFFFFF"/>
-                </a:solidFill>
-              </a14:hiddenFill>
-            </a:ext>
-          </a:extLst>
-        </p:spPr>
-      </p:pic>
-      <p:pic>
-        <p:nvPicPr>
-          <p:cNvPr id="5" name="Immagine 4">
-            <a:extLst>
-              <a:ext uri="{FF2B5EF4-FFF2-40B4-BE49-F238E27FC236}">
-                <a16:creationId xmlns:a16="http://schemas.microsoft.com/office/drawing/2014/main" id="{4AB4738A-2C03-A014-A6EB-46778A435B42}"/>
-              </a:ext>
-            </a:extLst>
-          </p:cNvPr>
-          <p:cNvPicPr>
-            <a:picLocks noChangeAspect="1"/>
-          </p:cNvPicPr>
-          <p:nvPr/>
-        </p:nvPicPr>
-        <p:blipFill>
-          <a:blip r:embed="rId4"/>
-          <a:stretch>
-            <a:fillRect/>
-          </a:stretch>
-        </p:blipFill>
-        <p:spPr>
-          <a:xfrm>
-            <a:off x="689416" y="1981245"/>
-            <a:ext cx="412553" cy="334963"/>
-          </a:xfrm>
-          <a:prstGeom prst="rect">
-            <a:avLst/>
-          </a:prstGeom>
-        </p:spPr>
-      </p:pic>
-      <p:sp>
-        <p:nvSpPr>
-          <p:cNvPr id="6" name="CasellaDiTesto 5">
-            <a:extLst>
-              <a:ext uri="{FF2B5EF4-FFF2-40B4-BE49-F238E27FC236}">
-                <a16:creationId xmlns:a16="http://schemas.microsoft.com/office/drawing/2014/main" id="{2C9AE9C1-9C21-5E62-0462-DA54F8E99880}"/>
-              </a:ext>
-            </a:extLst>
-          </p:cNvPr>
-          <p:cNvSpPr txBox="1"/>
-          <p:nvPr/>
-        </p:nvSpPr>
-        <p:spPr>
-          <a:xfrm>
-            <a:off x="1354723" y="1912668"/>
-            <a:ext cx="3240281" cy="489365"/>
-          </a:xfrm>
-          <a:prstGeom prst="rect">
-            <a:avLst/>
-          </a:prstGeom>
-          <a:noFill/>
-        </p:spPr>
-        <p:txBody>
-          <a:bodyPr wrap="square" lIns="182880" tIns="146304" rIns="182880" bIns="146304" rtlCol="0">
-            <a:spAutoFit/>
-          </a:bodyPr>
-          <a:lstStyle/>
-          <a:p>
-            <a:pPr>
-              <a:lnSpc>
-                <a:spcPct val="90000"/>
-              </a:lnSpc>
-              <a:spcAft>
-                <a:spcPts val="600"/>
-              </a:spcAft>
-            </a:pPr>
-            <a:r>
-              <a:rPr lang="it-IT" sz="1400" dirty="0">
-                <a:hlinkClick r:id="rId10"/>
-              </a:rPr>
-              <a:t>stefano.maffeis@intre.it</a:t>
-            </a:r>
-            <a:endParaRPr lang="it-IT" sz="1400" dirty="0">
-              <a:gradFill>
-                <a:gsLst>
-                  <a:gs pos="2917">
-                    <a:schemeClr val="tx1"/>
-                  </a:gs>
-                  <a:gs pos="30000">
-                    <a:schemeClr val="tx1"/>
-                  </a:gs>
-                </a:gsLst>
-                <a:lin ang="5400000" scaled="0"/>
-              </a:gradFill>
-            </a:endParaRPr>
-          </a:p>
-        </p:txBody>
-      </p:sp>
-      <p:sp>
-        <p:nvSpPr>
-          <p:cNvPr id="7" name="Segnaposto piè di pagina 2">
-            <a:extLst>
-              <a:ext uri="{FF2B5EF4-FFF2-40B4-BE49-F238E27FC236}">
-                <a16:creationId xmlns:a16="http://schemas.microsoft.com/office/drawing/2014/main" id="{4DC9FED3-467E-58BB-50C1-A7982073EEDC}"/>
-              </a:ext>
-            </a:extLst>
-          </p:cNvPr>
-          <p:cNvSpPr>
-            <a:spLocks noGrp="1"/>
-          </p:cNvSpPr>
-          <p:nvPr>
-            <p:ph type="ftr" sz="quarter" idx="10"/>
-          </p:nvPr>
-        </p:nvSpPr>
-        <p:spPr>
-          <a:xfrm>
-            <a:off x="366122" y="6286803"/>
-            <a:ext cx="7018089" cy="312405"/>
-          </a:xfrm>
-        </p:spPr>
-        <p:txBody>
-          <a:bodyPr/>
-          <a:lstStyle/>
-          <a:p>
-            <a:pPr>
-              <a:defRPr/>
-            </a:pPr>
-            <a:r>
-              <a:rPr lang="en-US" altLang="en-US" dirty="0" err="1"/>
-              <a:t>WebAssembly</a:t>
-            </a:r>
-            <a:r>
-              <a:rPr lang="en-US" altLang="en-US" dirty="0"/>
-              <a:t> – </a:t>
-            </a:r>
-            <a:r>
-              <a:rPr lang="en-US" altLang="en-US" dirty="0" err="1"/>
-              <a:t>XMASDev</a:t>
-            </a:r>
-            <a:r>
-              <a:rPr lang="en-US" altLang="en-US" dirty="0"/>
-              <a:t> 16/12/2022</a:t>
-            </a:r>
-          </a:p>
-        </p:txBody>
-      </p:sp>
-      <p:pic>
-        <p:nvPicPr>
-          <p:cNvPr id="3074" name="Picture 2">
-            <a:extLst>
-              <a:ext uri="{FF2B5EF4-FFF2-40B4-BE49-F238E27FC236}">
-                <a16:creationId xmlns:a16="http://schemas.microsoft.com/office/drawing/2014/main" id="{6241CF78-5359-0984-49B6-FBFC25260AE1}"/>
-              </a:ext>
-            </a:extLst>
-          </p:cNvPr>
-          <p:cNvPicPr>
-            <a:picLocks noChangeAspect="1" noChangeArrowheads="1"/>
-          </p:cNvPicPr>
-          <p:nvPr/>
-        </p:nvPicPr>
-        <p:blipFill>
-          <a:blip r:embed="rId11" cstate="print">
-            <a:extLst>
-              <a:ext uri="{28A0092B-C50C-407E-A947-70E740481C1C}">
-                <a14:useLocalDpi xmlns:a14="http://schemas.microsoft.com/office/drawing/2010/main" val="0"/>
-              </a:ext>
-            </a:extLst>
-          </a:blip>
-          <a:srcRect/>
-          <a:stretch>
-            <a:fillRect/>
-          </a:stretch>
-        </p:blipFill>
-        <p:spPr bwMode="auto">
-          <a:xfrm>
-            <a:off x="4760735" y="2589958"/>
-            <a:ext cx="1508955" cy="1508955"/>
-          </a:xfrm>
-          <a:prstGeom prst="rect">
-            <a:avLst/>
-          </a:prstGeom>
-          <a:noFill/>
-          <a:extLst>
-            <a:ext uri="{909E8E84-426E-40DD-AFC4-6F175D3DCCD1}">
-              <a14:hiddenFill xmlns:a14="http://schemas.microsoft.com/office/drawing/2010/main">
-                <a:solidFill>
-                  <a:srgbClr val="FFFFFF"/>
-                </a:solidFill>
-              </a14:hiddenFill>
-            </a:ext>
-          </a:extLst>
-        </p:spPr>
-      </p:pic>
-      <p:pic>
-        <p:nvPicPr>
-          <p:cNvPr id="3076" name="Picture 4">
-            <a:extLst>
-              <a:ext uri="{FF2B5EF4-FFF2-40B4-BE49-F238E27FC236}">
-                <a16:creationId xmlns:a16="http://schemas.microsoft.com/office/drawing/2014/main" id="{A3CE07CF-C419-DA70-C0F3-D171D8FC8744}"/>
-              </a:ext>
-            </a:extLst>
-          </p:cNvPr>
-          <p:cNvPicPr>
-            <a:picLocks noChangeAspect="1" noChangeArrowheads="1"/>
-          </p:cNvPicPr>
-          <p:nvPr/>
-        </p:nvPicPr>
-        <p:blipFill>
-          <a:blip r:embed="rId12" cstate="print">
-            <a:extLst>
-              <a:ext uri="{28A0092B-C50C-407E-A947-70E740481C1C}">
-                <a14:useLocalDpi xmlns:a14="http://schemas.microsoft.com/office/drawing/2010/main" val="0"/>
-              </a:ext>
-            </a:extLst>
-          </a:blip>
-          <a:srcRect/>
-          <a:stretch>
-            <a:fillRect/>
-          </a:stretch>
-        </p:blipFill>
-        <p:spPr bwMode="auto">
-          <a:xfrm>
-            <a:off x="4553695" y="4362128"/>
-            <a:ext cx="312405" cy="312405"/>
-          </a:xfrm>
-          <a:prstGeom prst="rect">
-            <a:avLst/>
-          </a:prstGeom>
-          <a:noFill/>
-          <a:extLst>
-            <a:ext uri="{909E8E84-426E-40DD-AFC4-6F175D3DCCD1}">
-              <a14:hiddenFill xmlns:a14="http://schemas.microsoft.com/office/drawing/2010/main">
-                <a:solidFill>
-                  <a:srgbClr val="FFFFFF"/>
-                </a:solidFill>
-              </a14:hiddenFill>
-            </a:ext>
-          </a:extLst>
-        </p:spPr>
-      </p:pic>
-      <p:sp>
-        <p:nvSpPr>
-          <p:cNvPr id="16" name="CasellaDiTesto 15">
-            <a:extLst>
-              <a:ext uri="{FF2B5EF4-FFF2-40B4-BE49-F238E27FC236}">
-                <a16:creationId xmlns:a16="http://schemas.microsoft.com/office/drawing/2014/main" id="{CC8244CC-9E12-0B39-09D0-678E777A5935}"/>
-              </a:ext>
-            </a:extLst>
-          </p:cNvPr>
-          <p:cNvSpPr txBox="1"/>
-          <p:nvPr/>
-        </p:nvSpPr>
-        <p:spPr>
-          <a:xfrm>
-            <a:off x="4891180" y="4330466"/>
-            <a:ext cx="1738809" cy="369332"/>
-          </a:xfrm>
-          <a:prstGeom prst="rect">
-            <a:avLst/>
-          </a:prstGeom>
-          <a:noFill/>
-        </p:spPr>
-        <p:txBody>
-          <a:bodyPr wrap="none" rtlCol="0">
-            <a:spAutoFit/>
-          </a:bodyPr>
-          <a:lstStyle/>
-          <a:p>
-            <a:r>
-              <a:rPr lang="it-IT" dirty="0">
-                <a:hlinkClick r:id="rId13"/>
-              </a:rPr>
-              <a:t>Stefano </a:t>
-            </a:r>
-            <a:r>
-              <a:rPr lang="it-IT" dirty="0" err="1">
-                <a:hlinkClick r:id="rId13"/>
-              </a:rPr>
-              <a:t>Maffesis</a:t>
-            </a:r>
-            <a:endParaRPr lang="it-IT" dirty="0"/>
-          </a:p>
-        </p:txBody>
-      </p:sp>
-    </p:spTree>
-    <p:extLst>
-      <p:ext uri="{BB962C8B-B14F-4D97-AF65-F5344CB8AC3E}">
-        <p14:creationId xmlns:p14="http://schemas.microsoft.com/office/powerpoint/2010/main" val="2365278806"/>
-      </p:ext>
-    </p:extLst>
-  </p:cSld>
-  <p:clrMapOvr>
-    <a:masterClrMapping/>
-  </p:clrMapOvr>
-</p:sld>
-</file>
-
-<file path=ppt/slides/slide2.xml><?xml version="1.0" encoding="utf-8"?>
-<p:sld xmlns:a="http://schemas.openxmlformats.org/drawingml/2006/main" xmlns:r="http://schemas.openxmlformats.org/officeDocument/2006/relationships" xmlns:p="http://schemas.openxmlformats.org/presentationml/2006/main">
-  <p:cSld>
-    <p:spTree>
-      <p:nvGrpSpPr>
-        <p:cNvPr id="1" name=""/>
-        <p:cNvGrpSpPr/>
-        <p:nvPr/>
-      </p:nvGrpSpPr>
-      <p:grpSpPr>
-        <a:xfrm>
-          <a:off x="0" y="0"/>
-          <a:ext cx="0" cy="0"/>
-          <a:chOff x="0" y="0"/>
-          <a:chExt cx="0" cy="0"/>
-        </a:xfrm>
-      </p:grpSpPr>
-      <p:sp>
-        <p:nvSpPr>
-          <p:cNvPr id="3" name="Titolo 2"/>
-          <p:cNvSpPr>
-            <a:spLocks noGrp="1"/>
-          </p:cNvSpPr>
-          <p:nvPr>
-            <p:ph type="ctrTitle"/>
-          </p:nvPr>
-        </p:nvSpPr>
-        <p:spPr>
-          <a:xfrm>
-            <a:off x="468643" y="145133"/>
-            <a:ext cx="8198250" cy="1088639"/>
-          </a:xfrm>
-        </p:spPr>
-        <p:txBody>
-          <a:bodyPr/>
-          <a:lstStyle/>
-          <a:p>
-            <a:r>
-              <a:rPr lang="it-IT" dirty="0"/>
-              <a:t>Un po’ di storia …</a:t>
-            </a:r>
-          </a:p>
-        </p:txBody>
-      </p:sp>
-      <p:sp>
-        <p:nvSpPr>
-          <p:cNvPr id="2" name="Segnaposto piè di pagina 2">
-            <a:extLst>
-              <a:ext uri="{FF2B5EF4-FFF2-40B4-BE49-F238E27FC236}">
-                <a16:creationId xmlns:a16="http://schemas.microsoft.com/office/drawing/2014/main" id="{D6B8BB7B-F1CA-B36F-E013-CCC8ED45276B}"/>
-              </a:ext>
-            </a:extLst>
-          </p:cNvPr>
-          <p:cNvSpPr>
-            <a:spLocks noGrp="1"/>
-          </p:cNvSpPr>
-          <p:nvPr>
-            <p:ph type="ftr" sz="quarter" idx="10"/>
-          </p:nvPr>
-        </p:nvSpPr>
-        <p:spPr>
-          <a:xfrm>
-            <a:off x="366122" y="6286803"/>
-            <a:ext cx="7196162" cy="312405"/>
-          </a:xfrm>
-        </p:spPr>
-        <p:txBody>
-          <a:bodyPr/>
-          <a:lstStyle/>
-          <a:p>
-            <a:pPr>
-              <a:defRPr/>
-            </a:pPr>
-            <a:r>
-              <a:rPr lang="en-US" altLang="en-US" dirty="0" err="1"/>
-              <a:t>WebAssembly</a:t>
-            </a:r>
-            <a:r>
-              <a:rPr lang="en-US" altLang="en-US" dirty="0"/>
-              <a:t> – </a:t>
-            </a:r>
-            <a:r>
-              <a:rPr lang="en-US" altLang="en-US" dirty="0" err="1"/>
-              <a:t>XMASDev</a:t>
-            </a:r>
-            <a:r>
-              <a:rPr lang="en-US" altLang="en-US" dirty="0"/>
-              <a:t> 16/12/2022</a:t>
-            </a:r>
-          </a:p>
-        </p:txBody>
-      </p:sp>
-      <p:pic>
-        <p:nvPicPr>
-          <p:cNvPr id="1026" name="Picture 2" descr="HTML Source Code Viewer Websit - App su Google Play">
-            <a:extLst>
-              <a:ext uri="{FF2B5EF4-FFF2-40B4-BE49-F238E27FC236}">
-                <a16:creationId xmlns:a16="http://schemas.microsoft.com/office/drawing/2014/main" id="{1095725B-FC51-C50D-CF2C-27B7155859AD}"/>
-              </a:ext>
-            </a:extLst>
-          </p:cNvPr>
-          <p:cNvPicPr>
-            <a:picLocks noChangeAspect="1" noChangeArrowheads="1"/>
-          </p:cNvPicPr>
-          <p:nvPr/>
-        </p:nvPicPr>
-        <p:blipFill>
-          <a:blip r:embed="rId2">
-            <a:extLst>
-              <a:ext uri="{28A0092B-C50C-407E-A947-70E740481C1C}">
-                <a14:useLocalDpi xmlns:a14="http://schemas.microsoft.com/office/drawing/2010/main" val="0"/>
-              </a:ext>
-            </a:extLst>
-          </a:blip>
-          <a:srcRect/>
-          <a:stretch>
-            <a:fillRect/>
-          </a:stretch>
-        </p:blipFill>
-        <p:spPr bwMode="auto">
-          <a:xfrm>
-            <a:off x="468644" y="1233773"/>
-            <a:ext cx="1886368" cy="1886368"/>
-          </a:xfrm>
-          <a:prstGeom prst="rect">
-            <a:avLst/>
-          </a:prstGeom>
-          <a:noFill/>
-          <a:extLst>
-            <a:ext uri="{909E8E84-426E-40DD-AFC4-6F175D3DCCD1}">
-              <a14:hiddenFill xmlns:a14="http://schemas.microsoft.com/office/drawing/2010/main">
-                <a:solidFill>
-                  <a:srgbClr val="FFFFFF"/>
-                </a:solidFill>
-              </a14:hiddenFill>
-            </a:ext>
-          </a:extLst>
-        </p:spPr>
-      </p:pic>
-      <p:pic>
-        <p:nvPicPr>
-          <p:cNvPr id="1028" name="Picture 4" descr="Learn JavaScript Tutorial - javatpoint">
-            <a:extLst>
-              <a:ext uri="{FF2B5EF4-FFF2-40B4-BE49-F238E27FC236}">
-                <a16:creationId xmlns:a16="http://schemas.microsoft.com/office/drawing/2014/main" id="{74112B63-D833-5911-F94F-F8A495FE4ADE}"/>
-              </a:ext>
-            </a:extLst>
-          </p:cNvPr>
-          <p:cNvPicPr>
-            <a:picLocks noChangeAspect="1" noChangeArrowheads="1"/>
-          </p:cNvPicPr>
-          <p:nvPr/>
-        </p:nvPicPr>
-        <p:blipFill>
-          <a:blip r:embed="rId3">
-            <a:extLst>
-              <a:ext uri="{28A0092B-C50C-407E-A947-70E740481C1C}">
-                <a14:useLocalDpi xmlns:a14="http://schemas.microsoft.com/office/drawing/2010/main" val="0"/>
-              </a:ext>
-            </a:extLst>
-          </a:blip>
-          <a:srcRect/>
-          <a:stretch>
-            <a:fillRect/>
-          </a:stretch>
-        </p:blipFill>
-        <p:spPr bwMode="auto">
-          <a:xfrm>
-            <a:off x="2850243" y="1362243"/>
-            <a:ext cx="2143125" cy="2143125"/>
-          </a:xfrm>
-          <a:prstGeom prst="rect">
-            <a:avLst/>
-          </a:prstGeom>
-          <a:noFill/>
-          <a:extLst>
-            <a:ext uri="{909E8E84-426E-40DD-AFC4-6F175D3DCCD1}">
-              <a14:hiddenFill xmlns:a14="http://schemas.microsoft.com/office/drawing/2010/main">
-                <a:solidFill>
-                  <a:srgbClr val="FFFFFF"/>
-                </a:solidFill>
-              </a14:hiddenFill>
-            </a:ext>
-          </a:extLst>
-        </p:spPr>
-      </p:pic>
-      <p:pic>
-        <p:nvPicPr>
-          <p:cNvPr id="1030" name="Picture 6" descr="google chrome - Enabling developer tools on a NACL page - Stack Overflow">
-            <a:extLst>
-              <a:ext uri="{FF2B5EF4-FFF2-40B4-BE49-F238E27FC236}">
-                <a16:creationId xmlns:a16="http://schemas.microsoft.com/office/drawing/2014/main" id="{D7CAD96A-5422-CA5F-13B6-18573F592F63}"/>
-              </a:ext>
-            </a:extLst>
-          </p:cNvPr>
-          <p:cNvPicPr>
-            <a:picLocks noChangeAspect="1" noChangeArrowheads="1"/>
-          </p:cNvPicPr>
-          <p:nvPr/>
-        </p:nvPicPr>
-        <p:blipFill>
-          <a:blip r:embed="rId4">
-            <a:extLst>
-              <a:ext uri="{28A0092B-C50C-407E-A947-70E740481C1C}">
-                <a14:useLocalDpi xmlns:a14="http://schemas.microsoft.com/office/drawing/2010/main" val="0"/>
-              </a:ext>
-            </a:extLst>
-          </a:blip>
-          <a:srcRect/>
-          <a:stretch>
-            <a:fillRect/>
-          </a:stretch>
-        </p:blipFill>
-        <p:spPr bwMode="auto">
-          <a:xfrm>
-            <a:off x="5560089" y="1397291"/>
-            <a:ext cx="2705100" cy="1685925"/>
-          </a:xfrm>
-          <a:prstGeom prst="rect">
-            <a:avLst/>
-          </a:prstGeom>
-          <a:noFill/>
-          <a:extLst>
-            <a:ext uri="{909E8E84-426E-40DD-AFC4-6F175D3DCCD1}">
-              <a14:hiddenFill xmlns:a14="http://schemas.microsoft.com/office/drawing/2010/main">
-                <a:solidFill>
-                  <a:srgbClr val="FFFFFF"/>
-                </a:solidFill>
-              </a14:hiddenFill>
-            </a:ext>
-          </a:extLst>
-        </p:spPr>
-      </p:pic>
-      <p:pic>
-        <p:nvPicPr>
-          <p:cNvPr id="1032" name="Picture 8" descr="asm.js, Emscripten &amp; friends | tfw">
-            <a:extLst>
-              <a:ext uri="{FF2B5EF4-FFF2-40B4-BE49-F238E27FC236}">
-                <a16:creationId xmlns:a16="http://schemas.microsoft.com/office/drawing/2014/main" id="{ABFEFB97-8E0F-BAE1-20AC-F5953D9E90DC}"/>
-              </a:ext>
-            </a:extLst>
-          </p:cNvPr>
-          <p:cNvPicPr>
-            <a:picLocks noChangeAspect="1" noChangeArrowheads="1"/>
-          </p:cNvPicPr>
-          <p:nvPr/>
-        </p:nvPicPr>
-        <p:blipFill>
-          <a:blip r:embed="rId5">
-            <a:extLst>
-              <a:ext uri="{28A0092B-C50C-407E-A947-70E740481C1C}">
-                <a14:useLocalDpi xmlns:a14="http://schemas.microsoft.com/office/drawing/2010/main" val="0"/>
-              </a:ext>
-            </a:extLst>
-          </a:blip>
-          <a:srcRect/>
-          <a:stretch>
-            <a:fillRect/>
-          </a:stretch>
-        </p:blipFill>
-        <p:spPr bwMode="auto">
-          <a:xfrm>
-            <a:off x="687209" y="3946235"/>
-            <a:ext cx="2857500" cy="1600200"/>
-          </a:xfrm>
-          <a:prstGeom prst="rect">
-            <a:avLst/>
-          </a:prstGeom>
-          <a:noFill/>
-          <a:extLst>
-            <a:ext uri="{909E8E84-426E-40DD-AFC4-6F175D3DCCD1}">
-              <a14:hiddenFill xmlns:a14="http://schemas.microsoft.com/office/drawing/2010/main">
-                <a:solidFill>
-                  <a:srgbClr val="FFFFFF"/>
-                </a:solidFill>
-              </a14:hiddenFill>
-            </a:ext>
-          </a:extLst>
-        </p:spPr>
-      </p:pic>
-      <p:pic>
-        <p:nvPicPr>
-          <p:cNvPr id="1034" name="Picture 10" descr="What Is WebAssembly and Why Do You Need It? - The New Stack">
-            <a:extLst>
-              <a:ext uri="{FF2B5EF4-FFF2-40B4-BE49-F238E27FC236}">
-                <a16:creationId xmlns:a16="http://schemas.microsoft.com/office/drawing/2014/main" id="{15DEAF68-33A5-0063-7215-F4B3532B4DC6}"/>
-              </a:ext>
-            </a:extLst>
-          </p:cNvPr>
-          <p:cNvPicPr>
-            <a:picLocks noChangeAspect="1" noChangeArrowheads="1"/>
-          </p:cNvPicPr>
-          <p:nvPr/>
-        </p:nvPicPr>
-        <p:blipFill>
-          <a:blip r:embed="rId6">
-            <a:extLst>
-              <a:ext uri="{28A0092B-C50C-407E-A947-70E740481C1C}">
-                <a14:useLocalDpi xmlns:a14="http://schemas.microsoft.com/office/drawing/2010/main" val="0"/>
-              </a:ext>
-            </a:extLst>
-          </a:blip>
-          <a:srcRect/>
-          <a:stretch>
-            <a:fillRect/>
-          </a:stretch>
-        </p:blipFill>
-        <p:spPr bwMode="auto">
-          <a:xfrm>
-            <a:off x="5407689" y="4162433"/>
-            <a:ext cx="2857500" cy="1600200"/>
-          </a:xfrm>
-          <a:prstGeom prst="rect">
-            <a:avLst/>
-          </a:prstGeom>
-          <a:noFill/>
-          <a:extLst>
-            <a:ext uri="{909E8E84-426E-40DD-AFC4-6F175D3DCCD1}">
-              <a14:hiddenFill xmlns:a14="http://schemas.microsoft.com/office/drawing/2010/main">
-                <a:solidFill>
-                  <a:srgbClr val="FFFFFF"/>
-                </a:solidFill>
-              </a14:hiddenFill>
-            </a:ext>
-          </a:extLst>
-        </p:spPr>
-      </p:pic>
-    </p:spTree>
-    <p:extLst>
-      <p:ext uri="{BB962C8B-B14F-4D97-AF65-F5344CB8AC3E}">
-        <p14:creationId xmlns:p14="http://schemas.microsoft.com/office/powerpoint/2010/main" val="554251450"/>
-      </p:ext>
-    </p:extLst>
-  </p:cSld>
-  <p:clrMapOvr>
-    <a:masterClrMapping/>
-  </p:clrMapOvr>
-  <p:timing>
-    <p:tnLst>
-      <p:par>
-        <p:cTn id="1" dur="indefinite" restart="never" nodeType="tmRoot">
-          <p:childTnLst>
-            <p:seq concurrent="1" nextAc="seek">
-              <p:cTn id="2" dur="indefinite" nodeType="mainSeq">
-                <p:childTnLst>
-                  <p:par>
-                    <p:cTn id="3" fill="hold">
-                      <p:stCondLst>
-                        <p:cond delay="indefinite"/>
-                      </p:stCondLst>
-                      <p:childTnLst>
-                        <p:par>
-                          <p:cTn id="4" fill="hold">
-                            <p:stCondLst>
-                              <p:cond delay="0"/>
-                            </p:stCondLst>
-                            <p:childTnLst>
-                              <p:par>
-                                <p:cTn id="5" presetID="1" presetClass="entr" presetSubtype="0" fill="hold" nodeType="clickEffect">
-                                  <p:stCondLst>
-                                    <p:cond delay="0"/>
-                                  </p:stCondLst>
-                                  <p:childTnLst>
-                                    <p:set>
-                                      <p:cBhvr>
-                                        <p:cTn id="6" dur="1" fill="hold">
-                                          <p:stCondLst>
-                                            <p:cond delay="0"/>
-                                          </p:stCondLst>
-                                        </p:cTn>
-                                        <p:tgtEl>
-                                          <p:spTgt spid="1026"/>
-                                        </p:tgtEl>
-                                        <p:attrNameLst>
-                                          <p:attrName>style.visibility</p:attrName>
-                                        </p:attrNameLst>
-                                      </p:cBhvr>
-                                      <p:to>
-                                        <p:strVal val="visible"/>
-                                      </p:to>
-                                    </p:set>
-                                  </p:childTnLst>
-                                </p:cTn>
-                              </p:par>
-                            </p:childTnLst>
-                          </p:cTn>
-                        </p:par>
-                      </p:childTnLst>
-                    </p:cTn>
-                  </p:par>
-                  <p:par>
-                    <p:cTn id="7" fill="hold">
-                      <p:stCondLst>
-                        <p:cond delay="indefinite"/>
-                      </p:stCondLst>
-                      <p:childTnLst>
-                        <p:par>
-                          <p:cTn id="8" fill="hold">
-                            <p:stCondLst>
-                              <p:cond delay="0"/>
-                            </p:stCondLst>
-                            <p:childTnLst>
-                              <p:par>
-                                <p:cTn id="9" presetID="1" presetClass="entr" presetSubtype="0" fill="hold" nodeType="clickEffect">
-                                  <p:stCondLst>
-                                    <p:cond delay="0"/>
-                                  </p:stCondLst>
-                                  <p:childTnLst>
-                                    <p:set>
-                                      <p:cBhvr>
-                                        <p:cTn id="10" dur="1" fill="hold">
-                                          <p:stCondLst>
-                                            <p:cond delay="0"/>
-                                          </p:stCondLst>
-                                        </p:cTn>
-                                        <p:tgtEl>
-                                          <p:spTgt spid="1028"/>
-                                        </p:tgtEl>
-                                        <p:attrNameLst>
-                                          <p:attrName>style.visibility</p:attrName>
-                                        </p:attrNameLst>
-                                      </p:cBhvr>
-                                      <p:to>
-                                        <p:strVal val="visible"/>
-                                      </p:to>
-                                    </p:set>
-                                  </p:childTnLst>
-                                </p:cTn>
-                              </p:par>
-                            </p:childTnLst>
-                          </p:cTn>
-                        </p:par>
-                      </p:childTnLst>
-                    </p:cTn>
-                  </p:par>
-                  <p:par>
-                    <p:cTn id="11" fill="hold">
-                      <p:stCondLst>
-                        <p:cond delay="indefinite"/>
-                      </p:stCondLst>
-                      <p:childTnLst>
-                        <p:par>
-                          <p:cTn id="12" fill="hold">
-                            <p:stCondLst>
-                              <p:cond delay="0"/>
-                            </p:stCondLst>
-                            <p:childTnLst>
-                              <p:par>
-                                <p:cTn id="13" presetID="1" presetClass="entr" presetSubtype="0" fill="hold" nodeType="clickEffect">
-                                  <p:stCondLst>
-                                    <p:cond delay="0"/>
-                                  </p:stCondLst>
-                                  <p:childTnLst>
-                                    <p:set>
-                                      <p:cBhvr>
-                                        <p:cTn id="14" dur="1" fill="hold">
-                                          <p:stCondLst>
-                                            <p:cond delay="0"/>
-                                          </p:stCondLst>
-                                        </p:cTn>
-                                        <p:tgtEl>
-                                          <p:spTgt spid="1030"/>
-                                        </p:tgtEl>
-                                        <p:attrNameLst>
-                                          <p:attrName>style.visibility</p:attrName>
-                                        </p:attrNameLst>
-                                      </p:cBhvr>
-                                      <p:to>
-                                        <p:strVal val="visible"/>
-                                      </p:to>
-                                    </p:set>
-                                  </p:childTnLst>
-                                </p:cTn>
-                              </p:par>
-                            </p:childTnLst>
-                          </p:cTn>
-                        </p:par>
-                      </p:childTnLst>
-                    </p:cTn>
-                  </p:par>
-                  <p:par>
-                    <p:cTn id="15" fill="hold">
-                      <p:stCondLst>
-                        <p:cond delay="indefinite"/>
-                      </p:stCondLst>
-                      <p:childTnLst>
-                        <p:par>
-                          <p:cTn id="16" fill="hold">
-                            <p:stCondLst>
-                              <p:cond delay="0"/>
-                            </p:stCondLst>
-                            <p:childTnLst>
-                              <p:par>
-                                <p:cTn id="17" presetID="1" presetClass="entr" presetSubtype="0" fill="hold" nodeType="clickEffect">
-                                  <p:stCondLst>
-                                    <p:cond delay="0"/>
-                                  </p:stCondLst>
-                                  <p:childTnLst>
-                                    <p:set>
-                                      <p:cBhvr>
-                                        <p:cTn id="18" dur="1" fill="hold">
-                                          <p:stCondLst>
-                                            <p:cond delay="0"/>
-                                          </p:stCondLst>
-                                        </p:cTn>
-                                        <p:tgtEl>
-                                          <p:spTgt spid="1032"/>
-                                        </p:tgtEl>
-                                        <p:attrNameLst>
-                                          <p:attrName>style.visibility</p:attrName>
-                                        </p:attrNameLst>
-                                      </p:cBhvr>
-                                      <p:to>
-                                        <p:strVal val="visible"/>
-                                      </p:to>
-                                    </p:set>
-                                  </p:childTnLst>
-                                </p:cTn>
-                              </p:par>
-                            </p:childTnLst>
-                          </p:cTn>
-                        </p:par>
-                      </p:childTnLst>
-                    </p:cTn>
-                  </p:par>
-                  <p:par>
-                    <p:cTn id="19" fill="hold">
-                      <p:stCondLst>
-                        <p:cond delay="indefinite"/>
-                      </p:stCondLst>
-                      <p:childTnLst>
-                        <p:par>
-                          <p:cTn id="20" fill="hold">
-                            <p:stCondLst>
-                              <p:cond delay="0"/>
-                            </p:stCondLst>
-                            <p:childTnLst>
-                              <p:par>
-                                <p:cTn id="21" presetID="1" presetClass="entr" presetSubtype="0" fill="hold" nodeType="clickEffect">
-                                  <p:stCondLst>
-                                    <p:cond delay="0"/>
-                                  </p:stCondLst>
-                                  <p:childTnLst>
-                                    <p:set>
-                                      <p:cBhvr>
-                                        <p:cTn id="22" dur="1" fill="hold">
-                                          <p:stCondLst>
-                                            <p:cond delay="0"/>
-                                          </p:stCondLst>
-                                        </p:cTn>
-                                        <p:tgtEl>
-                                          <p:spTgt spid="1034"/>
-                                        </p:tgtEl>
-                                        <p:attrNameLst>
-                                          <p:attrName>style.visibility</p:attrName>
-                                        </p:attrNameLst>
-                                      </p:cBhvr>
-                                      <p:to>
-                                        <p:strVal val="visible"/>
-                                      </p:to>
-                                    </p:set>
-                                  </p:childTnLst>
-                                </p:cTn>
-                              </p:par>
-                            </p:childTnLst>
-                          </p:cTn>
-                        </p:par>
-                      </p:childTnLst>
-                    </p:cTn>
-                  </p:par>
-                </p:childTnLst>
-              </p:cTn>
-              <p:prevCondLst>
-                <p:cond evt="onPrev" delay="0">
-                  <p:tgtEl>
-                    <p:sldTgt/>
-                  </p:tgtEl>
-                </p:cond>
-              </p:prevCondLst>
-              <p:nextCondLst>
-                <p:cond evt="onNext" delay="0">
-                  <p:tgtEl>
-                    <p:sldTgt/>
-                  </p:tgtEl>
-                </p:cond>
-              </p:nextCondLst>
-            </p:seq>
-          </p:childTnLst>
-        </p:cTn>
-      </p:par>
-    </p:tnLst>
-  </p:timing>
-</p:sld>
-</file>
-
-<file path=ppt/slides/slide3.xml><?xml version="1.0" encoding="utf-8"?>
-<p:sld xmlns:a="http://schemas.openxmlformats.org/drawingml/2006/main" xmlns:r="http://schemas.openxmlformats.org/officeDocument/2006/relationships" xmlns:p="http://schemas.openxmlformats.org/presentationml/2006/main">
-  <p:cSld>
-    <p:spTree>
-      <p:nvGrpSpPr>
-        <p:cNvPr id="1" name=""/>
-        <p:cNvGrpSpPr/>
-        <p:nvPr/>
-      </p:nvGrpSpPr>
-      <p:grpSpPr>
-        <a:xfrm>
-          <a:off x="0" y="0"/>
-          <a:ext cx="0" cy="0"/>
-          <a:chOff x="0" y="0"/>
-          <a:chExt cx="0" cy="0"/>
-        </a:xfrm>
-      </p:grpSpPr>
-      <p:sp>
-        <p:nvSpPr>
-          <p:cNvPr id="3" name="Titolo 2"/>
-          <p:cNvSpPr>
-            <a:spLocks noGrp="1"/>
-          </p:cNvSpPr>
-          <p:nvPr>
-            <p:ph type="ctrTitle"/>
-          </p:nvPr>
-        </p:nvSpPr>
-        <p:spPr>
-          <a:xfrm>
-            <a:off x="468643" y="145133"/>
-            <a:ext cx="8198250" cy="1088639"/>
-          </a:xfrm>
-        </p:spPr>
-        <p:txBody>
-          <a:bodyPr/>
-          <a:lstStyle/>
-          <a:p>
-            <a:r>
-              <a:rPr lang="it-IT" dirty="0"/>
-              <a:t>Cos’è </a:t>
-            </a:r>
-            <a:r>
-              <a:rPr lang="it-IT" dirty="0" err="1"/>
-              <a:t>WebAssembly</a:t>
-            </a:r>
-            <a:r>
-              <a:rPr lang="it-IT" dirty="0"/>
-              <a:t>?</a:t>
-            </a:r>
-          </a:p>
-        </p:txBody>
-      </p:sp>
-      <p:sp>
-        <p:nvSpPr>
-          <p:cNvPr id="2" name="Segnaposto piè di pagina 2">
-            <a:extLst>
-              <a:ext uri="{FF2B5EF4-FFF2-40B4-BE49-F238E27FC236}">
-                <a16:creationId xmlns:a16="http://schemas.microsoft.com/office/drawing/2014/main" id="{D6B8BB7B-F1CA-B36F-E013-CCC8ED45276B}"/>
-              </a:ext>
-            </a:extLst>
-          </p:cNvPr>
-          <p:cNvSpPr>
-            <a:spLocks noGrp="1"/>
-          </p:cNvSpPr>
-          <p:nvPr>
-            <p:ph type="ftr" sz="quarter" idx="10"/>
-          </p:nvPr>
-        </p:nvSpPr>
-        <p:spPr>
-          <a:xfrm>
-            <a:off x="366122" y="6286803"/>
-            <a:ext cx="7196162" cy="312405"/>
-          </a:xfrm>
-        </p:spPr>
-        <p:txBody>
-          <a:bodyPr/>
-          <a:lstStyle/>
-          <a:p>
-            <a:pPr>
-              <a:defRPr/>
-            </a:pPr>
-            <a:r>
-              <a:rPr lang="en-US" altLang="en-US" dirty="0" err="1"/>
-              <a:t>WebAssembly</a:t>
-            </a:r>
-            <a:r>
-              <a:rPr lang="en-US" altLang="en-US" dirty="0"/>
-              <a:t> – </a:t>
-            </a:r>
-            <a:r>
-              <a:rPr lang="en-US" altLang="en-US" dirty="0" err="1"/>
-              <a:t>XMASDev</a:t>
-            </a:r>
-            <a:r>
-              <a:rPr lang="en-US" altLang="en-US" dirty="0"/>
-              <a:t> 16/12/2022</a:t>
-            </a:r>
-          </a:p>
-        </p:txBody>
-      </p:sp>
-      <p:pic>
-        <p:nvPicPr>
-          <p:cNvPr id="5" name="Immagine 4">
-            <a:hlinkClick r:id="rId2"/>
-            <a:extLst>
-              <a:ext uri="{FF2B5EF4-FFF2-40B4-BE49-F238E27FC236}">
-                <a16:creationId xmlns:a16="http://schemas.microsoft.com/office/drawing/2014/main" id="{C5145E14-FD51-E09A-A51A-ACD940DCFFEB}"/>
-              </a:ext>
-            </a:extLst>
-          </p:cNvPr>
-          <p:cNvPicPr>
-            <a:picLocks noChangeAspect="1"/>
-          </p:cNvPicPr>
-          <p:nvPr/>
-        </p:nvPicPr>
-        <p:blipFill>
-          <a:blip r:embed="rId3"/>
-          <a:stretch>
-            <a:fillRect/>
-          </a:stretch>
-        </p:blipFill>
-        <p:spPr>
-          <a:xfrm>
-            <a:off x="380415" y="1553584"/>
-            <a:ext cx="8383170" cy="3543795"/>
-          </a:xfrm>
-          <a:prstGeom prst="rect">
-            <a:avLst/>
-          </a:prstGeom>
-        </p:spPr>
-      </p:pic>
-    </p:spTree>
-    <p:extLst>
-      <p:ext uri="{BB962C8B-B14F-4D97-AF65-F5344CB8AC3E}">
-        <p14:creationId xmlns:p14="http://schemas.microsoft.com/office/powerpoint/2010/main" val="586833434"/>
-      </p:ext>
-    </p:extLst>
-  </p:cSld>
-  <p:clrMapOvr>
-    <a:masterClrMapping/>
-  </p:clrMapOvr>
-</p:sld>
-</file>
-
-<file path=ppt/slides/slide4.xml><?xml version="1.0" encoding="utf-8"?>
-<p:sld xmlns:a="http://schemas.openxmlformats.org/drawingml/2006/main" xmlns:r="http://schemas.openxmlformats.org/officeDocument/2006/relationships" xmlns:p="http://schemas.openxmlformats.org/presentationml/2006/main">
-  <p:cSld>
-    <p:spTree>
-      <p:nvGrpSpPr>
-        <p:cNvPr id="1" name=""/>
-        <p:cNvGrpSpPr/>
-        <p:nvPr/>
-      </p:nvGrpSpPr>
-      <p:grpSpPr>
-        <a:xfrm>
-          <a:off x="0" y="0"/>
-          <a:ext cx="0" cy="0"/>
-          <a:chOff x="0" y="0"/>
-          <a:chExt cx="0" cy="0"/>
-        </a:xfrm>
-      </p:grpSpPr>
-      <p:sp>
-        <p:nvSpPr>
-          <p:cNvPr id="2" name="Titolo 1"/>
-          <p:cNvSpPr>
-            <a:spLocks noGrp="1"/>
-          </p:cNvSpPr>
-          <p:nvPr>
-            <p:ph type="ctrTitle"/>
-          </p:nvPr>
-        </p:nvSpPr>
-        <p:spPr/>
-        <p:txBody>
-          <a:bodyPr/>
-          <a:lstStyle/>
-          <a:p>
-            <a:r>
-              <a:rPr lang="it-IT" sz="3600" dirty="0"/>
-              <a:t>Hai proprio bisogno di WASM?</a:t>
-            </a:r>
-          </a:p>
-        </p:txBody>
-      </p:sp>
-      <p:sp>
-        <p:nvSpPr>
-          <p:cNvPr id="4" name="Segnaposto testo 3"/>
-          <p:cNvSpPr>
-            <a:spLocks noGrp="1"/>
-          </p:cNvSpPr>
-          <p:nvPr>
-            <p:ph type="body" sz="quarter" idx="11"/>
-          </p:nvPr>
-        </p:nvSpPr>
-        <p:spPr>
-          <a:xfrm>
-            <a:off x="472617" y="1627531"/>
-            <a:ext cx="8196263" cy="3763978"/>
-          </a:xfrm>
-        </p:spPr>
-        <p:txBody>
-          <a:bodyPr/>
-          <a:lstStyle/>
-          <a:p>
-            <a:r>
-              <a:rPr lang="it-IT" dirty="0"/>
-              <a:t>La mia applicazione è sul web, e solo sul web?</a:t>
-            </a:r>
-          </a:p>
-          <a:p>
-            <a:r>
-              <a:rPr lang="it-IT" dirty="0"/>
-              <a:t>La mia applicazione è su Desktop (o mobile) e solo su Desktop (o mobile)?</a:t>
-            </a:r>
-          </a:p>
-          <a:p>
-            <a:r>
-              <a:rPr lang="it-IT" dirty="0"/>
-              <a:t>La mia applicazione avrà bisogno di essere multipiattaforma?</a:t>
-            </a:r>
-          </a:p>
-          <a:p>
-            <a:r>
-              <a:rPr lang="it-IT" dirty="0"/>
-              <a:t>La mia applicazione ha qualche tipo di dipendenza da librerie di terze parti o di rendering che è difficile da gestire in modo efficiente per JavaScript?</a:t>
-            </a:r>
-          </a:p>
-          <a:p>
-            <a:endParaRPr lang="it-IT" sz="2000" dirty="0"/>
-          </a:p>
-          <a:p>
-            <a:endParaRPr lang="it-IT" sz="2000" dirty="0"/>
-          </a:p>
-        </p:txBody>
-      </p:sp>
-      <p:sp>
-        <p:nvSpPr>
-          <p:cNvPr id="3" name="Segnaposto piè di pagina 2">
-            <a:extLst>
-              <a:ext uri="{FF2B5EF4-FFF2-40B4-BE49-F238E27FC236}">
-                <a16:creationId xmlns:a16="http://schemas.microsoft.com/office/drawing/2014/main" id="{8C650FF4-ACBE-25F0-B838-5AFB2709B5B6}"/>
-              </a:ext>
-            </a:extLst>
-          </p:cNvPr>
-          <p:cNvSpPr>
-            <a:spLocks noGrp="1"/>
-          </p:cNvSpPr>
-          <p:nvPr>
-            <p:ph type="ftr" sz="quarter" idx="10"/>
-          </p:nvPr>
-        </p:nvSpPr>
-        <p:spPr>
-          <a:xfrm>
-            <a:off x="366122" y="6286803"/>
-            <a:ext cx="7196162" cy="312405"/>
-          </a:xfrm>
-        </p:spPr>
-        <p:txBody>
-          <a:bodyPr/>
-          <a:lstStyle/>
-          <a:p>
-            <a:pPr>
-              <a:defRPr/>
-            </a:pPr>
-            <a:r>
-              <a:rPr lang="en-US" altLang="en-US" dirty="0" err="1"/>
-              <a:t>WebAssembly</a:t>
-            </a:r>
-            <a:r>
-              <a:rPr lang="en-US" altLang="en-US" dirty="0"/>
-              <a:t> – </a:t>
-            </a:r>
-            <a:r>
-              <a:rPr lang="en-US" altLang="en-US" dirty="0" err="1"/>
-              <a:t>UGIdotnet</a:t>
-            </a:r>
-            <a:r>
-              <a:rPr lang="en-US" altLang="en-US" dirty="0"/>
-              <a:t> </a:t>
-            </a:r>
-            <a:r>
-              <a:rPr lang="en-US" altLang="en-US" dirty="0" err="1"/>
-              <a:t>SmallTalk</a:t>
-            </a:r>
-            <a:r>
-              <a:rPr lang="en-US" altLang="en-US" dirty="0"/>
-              <a:t> 05/10/2022</a:t>
-            </a:r>
-          </a:p>
-        </p:txBody>
-      </p:sp>
-    </p:spTree>
-    <p:extLst>
-      <p:ext uri="{BB962C8B-B14F-4D97-AF65-F5344CB8AC3E}">
-        <p14:creationId xmlns:p14="http://schemas.microsoft.com/office/powerpoint/2010/main" val="1266048318"/>
-      </p:ext>
-    </p:extLst>
-  </p:cSld>
-  <p:clrMapOvr>
-    <a:masterClrMapping/>
-  </p:clrMapOvr>
-  <p:timing>
-    <p:tnLst>
-      <p:par>
-        <p:cTn id="1" dur="indefinite" restart="never" nodeType="tmRoot">
-          <p:childTnLst>
-            <p:seq concurrent="1" nextAc="seek">
-              <p:cTn id="2" dur="indefinite" nodeType="mainSeq">
-                <p:childTnLst>
-                  <p:par>
-                    <p:cTn id="3" fill="hold">
-                      <p:stCondLst>
-                        <p:cond delay="indefinite"/>
-                      </p:stCondLst>
-                      <p:childTnLst>
-                        <p:par>
-                          <p:cTn id="4" fill="hold">
-                            <p:stCondLst>
-                              <p:cond delay="0"/>
-                            </p:stCondLst>
-                            <p:childTnLst>
-                              <p:par>
-                                <p:cTn id="5" presetID="1" presetClass="entr" presetSubtype="0" fill="hold" nodeType="clickEffect">
-                                  <p:stCondLst>
-                                    <p:cond delay="0"/>
-                                  </p:stCondLst>
-                                  <p:childTnLst>
-                                    <p:set>
-                                      <p:cBhvr>
-                                        <p:cTn id="6" dur="1" fill="hold">
-                                          <p:stCondLst>
-                                            <p:cond delay="0"/>
-                                          </p:stCondLst>
-                                        </p:cTn>
-                                        <p:tgtEl>
-                                          <p:spTgt spid="4">
-                                            <p:txEl>
-                                              <p:pRg st="0" end="0"/>
-                                            </p:txEl>
-                                          </p:spTgt>
-                                        </p:tgtEl>
-                                        <p:attrNameLst>
-                                          <p:attrName>style.visibility</p:attrName>
-                                        </p:attrNameLst>
-                                      </p:cBhvr>
-                                      <p:to>
-                                        <p:strVal val="visible"/>
-                                      </p:to>
-                                    </p:set>
-                                  </p:childTnLst>
-                                </p:cTn>
-                              </p:par>
-                            </p:childTnLst>
-                          </p:cTn>
-                        </p:par>
-                      </p:childTnLst>
-                    </p:cTn>
-                  </p:par>
-                  <p:par>
-                    <p:cTn id="7" fill="hold">
-                      <p:stCondLst>
-                        <p:cond delay="indefinite"/>
-                      </p:stCondLst>
-                      <p:childTnLst>
-                        <p:par>
-                          <p:cTn id="8" fill="hold">
-                            <p:stCondLst>
-                              <p:cond delay="0"/>
-                            </p:stCondLst>
-                            <p:childTnLst>
-                              <p:par>
-                                <p:cTn id="9" presetID="1" presetClass="entr" presetSubtype="0" fill="hold" nodeType="clickEffect">
-                                  <p:stCondLst>
-                                    <p:cond delay="0"/>
-                                  </p:stCondLst>
-                                  <p:childTnLst>
-                                    <p:set>
-                                      <p:cBhvr>
-                                        <p:cTn id="10" dur="1" fill="hold">
-                                          <p:stCondLst>
-                                            <p:cond delay="0"/>
-                                          </p:stCondLst>
-                                        </p:cTn>
-                                        <p:tgtEl>
-                                          <p:spTgt spid="4">
+                                          <p:spTgt spid="7">
                                             <p:txEl>
                                               <p:pRg st="1" end="1"/>
                                             </p:txEl>
@@ -6922,60 +8463,7 @@
                                           </p:stCondLst>
                                         </p:cTn>
                                         <p:tgtEl>
-                                          <p:spTgt spid="4">
-                                            <p:txEl>
-                                              <p:pRg st="2" end="2"/>
-                                            </p:txEl>
-                                          </p:spTgt>
-                                        </p:tgtEl>
-                                        <p:attrNameLst>
-                                          <p:attrName>style.visibility</p:attrName>
-                                        </p:attrNameLst>
-                                      </p:cBhvr>
-                                      <p:to>
-                                        <p:strVal val="visible"/>
-                                      </p:to>
-                                    </p:set>
-                                  </p:childTnLst>
-                                </p:cTn>
-                              </p:par>
-                            </p:childTnLst>
-                          </p:cTn>
-                        </p:par>
-                      </p:childTnLst>
-                    </p:cTn>
-                  </p:par>
-                  <p:par>
-                    <p:cTn id="15" fill="hold">
-                      <p:stCondLst>
-                        <p:cond delay="indefinite"/>
-                      </p:stCondLst>
-                      <p:childTnLst>
-                        <p:par>
-                          <p:cTn id="16" fill="hold">
-                            <p:stCondLst>
-                              <p:cond delay="0"/>
-                            </p:stCondLst>
-                            <p:childTnLst>
-                              <p:par>
-                                <p:cTn id="17" presetID="1" presetClass="entr" presetSubtype="0" fill="hold" nodeType="clickEffect">
-                                  <p:stCondLst>
-                                    <p:cond delay="0"/>
-                                  </p:stCondLst>
-                                  <p:childTnLst>
-                                    <p:set>
-                                      <p:cBhvr>
-                                        <p:cTn id="18" dur="1" fill="hold">
-                                          <p:stCondLst>
-                                            <p:cond delay="0"/>
-                                          </p:stCondLst>
-                                        </p:cTn>
-                                        <p:tgtEl>
-                                          <p:spTgt spid="4">
-                                            <p:txEl>
-                                              <p:pRg st="3" end="3"/>
-                                            </p:txEl>
-                                          </p:spTgt>
+                                          <p:spTgt spid="7170"/>
                                         </p:tgtEl>
                                         <p:attrNameLst>
                                           <p:attrName>style.visibility</p:attrName>
@@ -7015,11 +8503,14 @@
         </p:cTn>
       </p:par>
     </p:tnLst>
+    <p:bldLst>
+      <p:bldP spid="7" grpId="0" build="p"/>
+    </p:bldLst>
   </p:timing>
 </p:sld>
 </file>
 
-<file path=ppt/slides/slide5.xml><?xml version="1.0" encoding="utf-8"?>
+<file path=ppt/slides/slide8.xml><?xml version="1.0" encoding="utf-8"?>
 <p:sld xmlns:a="http://schemas.openxmlformats.org/drawingml/2006/main" xmlns:r="http://schemas.openxmlformats.org/officeDocument/2006/relationships" xmlns:p="http://schemas.openxmlformats.org/presentationml/2006/main">
   <p:cSld>
     <p:spTree>
@@ -7038,7 +8529,7 @@
       </p:grpSpPr>
       <p:sp>
         <p:nvSpPr>
-          <p:cNvPr id="3" name="Titolo 2"/>
+          <p:cNvPr id="2" name="Titolo 1"/>
           <p:cNvSpPr>
             <a:spLocks noGrp="1"/>
           </p:cNvSpPr>
@@ -7052,18 +8543,18 @@
           <a:lstStyle/>
           <a:p>
             <a:r>
-              <a:rPr lang="it-IT" dirty="0"/>
-              <a:t>Interpretato vs Compilato</a:t>
+              <a:rPr lang="it-IT" sz="3600" dirty="0"/>
+              <a:t>Hai proprio bisogno di WASM?</a:t>
             </a:r>
           </a:p>
         </p:txBody>
       </p:sp>
       <p:sp>
         <p:nvSpPr>
-          <p:cNvPr id="2" name="Segnaposto piè di pagina 2">
+          <p:cNvPr id="3" name="Segnaposto piè di pagina 2">
             <a:extLst>
               <a:ext uri="{FF2B5EF4-FFF2-40B4-BE49-F238E27FC236}">
-                <a16:creationId xmlns:a16="http://schemas.microsoft.com/office/drawing/2014/main" id="{EC2C292B-BD06-C0AA-FE39-9544E2B643A0}"/>
+                <a16:creationId xmlns:a16="http://schemas.microsoft.com/office/drawing/2014/main" id="{8C650FF4-ACBE-25F0-B838-5AFB2709B5B6}"/>
               </a:ext>
             </a:extLst>
           </p:cNvPr>
@@ -7097,87 +8588,109 @@
             </a:r>
             <a:r>
               <a:rPr lang="en-US" altLang="en-US" dirty="0" err="1"/>
-              <a:t>UGIdotnet</a:t>
+              <a:t>XMASDev</a:t>
             </a:r>
             <a:r>
               <a:rPr lang="en-US" altLang="en-US" dirty="0"/>
-              <a:t> </a:t>
-            </a:r>
-            <a:r>
-              <a:rPr lang="en-US" altLang="en-US" dirty="0" err="1"/>
-              <a:t>SmallTalk</a:t>
-            </a:r>
-            <a:r>
-              <a:rPr lang="en-US" altLang="en-US" dirty="0"/>
-              <a:t> 05/10/2022</a:t>
-            </a:r>
+              <a:t> 16/12/2022</a:t>
+            </a:r>
+          </a:p>
+        </p:txBody>
+      </p:sp>
+      <p:sp>
+        <p:nvSpPr>
+          <p:cNvPr id="7" name="Segnaposto testo 3">
+            <a:extLst>
+              <a:ext uri="{FF2B5EF4-FFF2-40B4-BE49-F238E27FC236}">
+                <a16:creationId xmlns:a16="http://schemas.microsoft.com/office/drawing/2014/main" id="{1EFB1D81-8596-BE49-410F-714EE0DC7524}"/>
+              </a:ext>
+            </a:extLst>
+          </p:cNvPr>
+          <p:cNvSpPr>
+            <a:spLocks noGrp="1"/>
+          </p:cNvSpPr>
+          <p:nvPr>
+            <p:ph type="body" sz="quarter" idx="11"/>
+          </p:nvPr>
+        </p:nvSpPr>
+        <p:spPr>
+          <a:xfrm>
+            <a:off x="472617" y="1627531"/>
+            <a:ext cx="8196263" cy="1801469"/>
+          </a:xfrm>
+        </p:spPr>
+        <p:txBody>
+          <a:bodyPr/>
+          <a:lstStyle/>
+          <a:p>
+            <a:r>
+              <a:rPr lang="it-IT" dirty="0"/>
+              <a:t>Le tue letterine saranno consegnate su più piattaforme</a:t>
+            </a:r>
+          </a:p>
+          <a:p>
+            <a:r>
+              <a:rPr lang="it-IT" dirty="0"/>
+              <a:t>Le tue letterine hanno bisogno di fare rendering di immagini</a:t>
+            </a:r>
+            <a:endParaRPr lang="it-IT" sz="2000" dirty="0"/>
+          </a:p>
+          <a:p>
+            <a:endParaRPr lang="it-IT" sz="2000" dirty="0"/>
           </a:p>
         </p:txBody>
       </p:sp>
       <p:pic>
         <p:nvPicPr>
-          <p:cNvPr id="9" name="Immagine 8">
+          <p:cNvPr id="8194" name="Picture 2" descr="BABBO NATALE esiste veramente? C'è una Risposta perfetta da dare ai  Bambini! La spiegazione dell'esperto » ILMETEO.it">
             <a:extLst>
               <a:ext uri="{FF2B5EF4-FFF2-40B4-BE49-F238E27FC236}">
-                <a16:creationId xmlns:a16="http://schemas.microsoft.com/office/drawing/2014/main" id="{EDB41B95-3600-36A1-3E38-204472D4E7C1}"/>
+                <a16:creationId xmlns:a16="http://schemas.microsoft.com/office/drawing/2014/main" id="{680538EF-C647-11A0-8CB7-F786FC858FE5}"/>
               </a:ext>
             </a:extLst>
           </p:cNvPr>
           <p:cNvPicPr>
-            <a:picLocks noChangeAspect="1"/>
+            <a:picLocks noChangeAspect="1" noChangeArrowheads="1"/>
           </p:cNvPicPr>
           <p:nvPr/>
         </p:nvPicPr>
         <p:blipFill>
-          <a:blip r:embed="rId2"/>
+          <a:blip r:embed="rId3">
+            <a:extLst>
+              <a:ext uri="{28A0092B-C50C-407E-A947-70E740481C1C}">
+                <a14:useLocalDpi xmlns:a14="http://schemas.microsoft.com/office/drawing/2010/main" val="0"/>
+              </a:ext>
+            </a:extLst>
+          </a:blip>
+          <a:srcRect/>
           <a:stretch>
             <a:fillRect/>
           </a:stretch>
         </p:blipFill>
-        <p:spPr>
-          <a:xfrm>
-            <a:off x="911317" y="1912689"/>
-            <a:ext cx="6424217" cy="1318374"/>
-          </a:xfrm>
-          <a:prstGeom prst="rect">
-            <a:avLst/>
-          </a:prstGeom>
-        </p:spPr>
-      </p:pic>
-      <p:pic>
-        <p:nvPicPr>
-          <p:cNvPr id="11" name="Immagine 10">
-            <a:extLst>
-              <a:ext uri="{FF2B5EF4-FFF2-40B4-BE49-F238E27FC236}">
-                <a16:creationId xmlns:a16="http://schemas.microsoft.com/office/drawing/2014/main" id="{64295F46-9BF5-CFD5-9E90-112B9631329E}"/>
-              </a:ext>
-            </a:extLst>
-          </p:cNvPr>
-          <p:cNvPicPr>
-            <a:picLocks noChangeAspect="1"/>
-          </p:cNvPicPr>
-          <p:nvPr/>
-        </p:nvPicPr>
-        <p:blipFill>
-          <a:blip r:embed="rId3"/>
-          <a:stretch>
-            <a:fillRect/>
-          </a:stretch>
-        </p:blipFill>
-        <p:spPr>
-          <a:xfrm>
-            <a:off x="310416" y="3945016"/>
-            <a:ext cx="8771380" cy="1348857"/>
-          </a:xfrm>
-          <a:prstGeom prst="rect">
-            <a:avLst/>
-          </a:prstGeom>
+        <p:spPr bwMode="auto">
+          <a:xfrm>
+            <a:off x="5171986" y="3768756"/>
+            <a:ext cx="2733675" cy="1666875"/>
+          </a:xfrm>
+          <a:prstGeom prst="rect">
+            <a:avLst/>
+          </a:prstGeom>
+          <a:noFill/>
+          <a:extLst>
+            <a:ext uri="{909E8E84-426E-40DD-AFC4-6F175D3DCCD1}">
+              <a14:hiddenFill xmlns:a14="http://schemas.microsoft.com/office/drawing/2010/main">
+                <a:solidFill>
+                  <a:srgbClr val="FFFFFF"/>
+                </a:solidFill>
+              </a14:hiddenFill>
+            </a:ext>
+          </a:extLst>
         </p:spPr>
       </p:pic>
     </p:spTree>
     <p:extLst>
       <p:ext uri="{BB962C8B-B14F-4D97-AF65-F5344CB8AC3E}">
-        <p14:creationId xmlns:p14="http://schemas.microsoft.com/office/powerpoint/2010/main" val="917698941"/>
+        <p14:creationId xmlns:p14="http://schemas.microsoft.com/office/powerpoint/2010/main" val="3698499764"/>
       </p:ext>
     </p:extLst>
   </p:cSld>
@@ -7205,7 +8718,7 @@
                             </p:stCondLst>
                             <p:childTnLst>
                               <p:par>
-                                <p:cTn id="5" presetID="1" presetClass="entr" presetSubtype="0" fill="hold" nodeType="clickEffect">
+                                <p:cTn id="5" presetID="1" presetClass="entr" presetSubtype="0" fill="hold" grpId="0" nodeType="clickEffect">
                                   <p:stCondLst>
                                     <p:cond delay="0"/>
                                   </p:stCondLst>
@@ -7218,7 +8731,11 @@
                                           </p:stCondLst>
                                         </p:cTn>
                                         <p:tgtEl>
-                                          <p:spTgt spid="9"/>
+                                          <p:spTgt spid="7">
+                                            <p:txEl>
+                                              <p:pRg st="0" end="0"/>
+                                            </p:txEl>
+                                          </p:spTgt>
                                         </p:tgtEl>
                                         <p:attrNameLst>
                                           <p:attrName>style.visibility</p:attrName>
@@ -7250,7 +8767,7 @@
                             </p:stCondLst>
                             <p:childTnLst>
                               <p:par>
-                                <p:cTn id="9" presetID="1" presetClass="entr" presetSubtype="0" fill="hold" nodeType="clickEffect">
+                                <p:cTn id="9" presetID="1" presetClass="entr" presetSubtype="0" fill="hold" grpId="0" nodeType="clickEffect">
                                   <p:stCondLst>
                                     <p:cond delay="0"/>
                                   </p:stCondLst>
@@ -7263,7 +8780,56 @@
                                           </p:stCondLst>
                                         </p:cTn>
                                         <p:tgtEl>
-                                          <p:spTgt spid="11"/>
+                                          <p:spTgt spid="7">
+                                            <p:txEl>
+                                              <p:pRg st="1" end="1"/>
+                                            </p:txEl>
+                                          </p:spTgt>
+                                        </p:tgtEl>
+                                        <p:attrNameLst>
+                                          <p:attrName>style.visibility</p:attrName>
+                                        </p:attrNameLst>
+                                      </p:cBhvr>
+                                      <p:to>
+                                        <p:strVal val="visible"/>
+                                      </p:to>
+                                    </p:set>
+                                  </p:childTnLst>
+                                </p:cTn>
+                              </p:par>
+                            </p:childTnLst>
+                          </p:cTn>
+                        </p:par>
+                      </p:childTnLst>
+                    </p:cTn>
+                  </p:par>
+                  <p:par>
+                    <p:cTn id="11" fill="hold">
+                      <p:stCondLst>
+                        <p:cond delay="indefinite"/>
+                      </p:stCondLst>
+                      <p:childTnLst>
+                        <p:par>
+                          <p:cTn id="12" fill="hold">
+                            <p:stCondLst>
+                              <p:cond delay="0"/>
+                            </p:stCondLst>
+                            <p:childTnLst>
+                              <p:par>
+                                <p:cTn id="13" presetID="1" presetClass="entr" presetSubtype="0" fill="hold" nodeType="clickEffect">
+                                  <p:stCondLst>
+                                    <p:cond delay="0"/>
+                                  </p:stCondLst>
+                                  <p:childTnLst>
+                                    <p:set>
+                                      <p:cBhvr>
+                                        <p:cTn id="14" dur="1" fill="hold">
+                                          <p:stCondLst>
+                                            <p:cond delay="0"/>
+                                          </p:stCondLst>
+                                        </p:cTn>
+                                        <p:tgtEl>
+                                          <p:spTgt spid="8194"/>
                                         </p:tgtEl>
                                         <p:attrNameLst>
                                           <p:attrName>style.visibility</p:attrName>
@@ -7303,452 +8869,10 @@
         </p:cTn>
       </p:par>
     </p:tnLst>
+    <p:bldLst>
+      <p:bldP spid="7" grpId="0" build="p"/>
+    </p:bldLst>
   </p:timing>
-</p:sld>
-</file>
-
-<file path=ppt/slides/slide6.xml><?xml version="1.0" encoding="utf-8"?>
-<p:sld xmlns:a="http://schemas.openxmlformats.org/drawingml/2006/main" xmlns:r="http://schemas.openxmlformats.org/officeDocument/2006/relationships" xmlns:p="http://schemas.openxmlformats.org/presentationml/2006/main">
-  <p:cSld>
-    <p:spTree>
-      <p:nvGrpSpPr>
-        <p:cNvPr id="1" name=""/>
-        <p:cNvGrpSpPr/>
-        <p:nvPr/>
-      </p:nvGrpSpPr>
-      <p:grpSpPr>
-        <a:xfrm>
-          <a:off x="0" y="0"/>
-          <a:ext cx="0" cy="0"/>
-          <a:chOff x="0" y="0"/>
-          <a:chExt cx="0" cy="0"/>
-        </a:xfrm>
-      </p:grpSpPr>
-      <p:sp>
-        <p:nvSpPr>
-          <p:cNvPr id="2" name="Titolo 1"/>
-          <p:cNvSpPr>
-            <a:spLocks noGrp="1"/>
-          </p:cNvSpPr>
-          <p:nvPr>
-            <p:ph type="ctrTitle"/>
-          </p:nvPr>
-        </p:nvSpPr>
-        <p:spPr>
-          <a:xfrm>
-            <a:off x="470630" y="366550"/>
-            <a:ext cx="8198250" cy="659993"/>
-          </a:xfrm>
-        </p:spPr>
-        <p:txBody>
-          <a:bodyPr/>
-          <a:lstStyle/>
-          <a:p>
-            <a:r>
-              <a:rPr lang="it-IT" sz="3200" dirty="0"/>
-              <a:t>Sarà la fine di JavaScript?</a:t>
-            </a:r>
-          </a:p>
-        </p:txBody>
-      </p:sp>
-      <p:sp>
-        <p:nvSpPr>
-          <p:cNvPr id="3" name="Segnaposto piè di pagina 2">
-            <a:extLst>
-              <a:ext uri="{FF2B5EF4-FFF2-40B4-BE49-F238E27FC236}">
-                <a16:creationId xmlns:a16="http://schemas.microsoft.com/office/drawing/2014/main" id="{014017B1-0D2D-F5B7-2062-FD433A45C4A3}"/>
-              </a:ext>
-            </a:extLst>
-          </p:cNvPr>
-          <p:cNvSpPr>
-            <a:spLocks noGrp="1"/>
-          </p:cNvSpPr>
-          <p:nvPr>
-            <p:ph type="ftr" sz="quarter" idx="10"/>
-          </p:nvPr>
-        </p:nvSpPr>
-        <p:spPr>
-          <a:xfrm>
-            <a:off x="366122" y="6286803"/>
-            <a:ext cx="7196162" cy="312405"/>
-          </a:xfrm>
-        </p:spPr>
-        <p:txBody>
-          <a:bodyPr/>
-          <a:lstStyle/>
-          <a:p>
-            <a:pPr>
-              <a:defRPr/>
-            </a:pPr>
-            <a:r>
-              <a:rPr lang="en-US" altLang="en-US" dirty="0" err="1"/>
-              <a:t>WebAssembly</a:t>
-            </a:r>
-            <a:r>
-              <a:rPr lang="en-US" altLang="en-US" dirty="0"/>
-              <a:t> – </a:t>
-            </a:r>
-            <a:r>
-              <a:rPr lang="en-US" altLang="en-US" dirty="0" err="1"/>
-              <a:t>XMASDev</a:t>
-            </a:r>
-            <a:r>
-              <a:rPr lang="en-US" altLang="en-US" dirty="0"/>
-              <a:t> 16/12/2022</a:t>
-            </a:r>
-          </a:p>
-        </p:txBody>
-      </p:sp>
-      <p:pic>
-        <p:nvPicPr>
-          <p:cNvPr id="5" name="Immagine 4">
-            <a:extLst>
-              <a:ext uri="{FF2B5EF4-FFF2-40B4-BE49-F238E27FC236}">
-                <a16:creationId xmlns:a16="http://schemas.microsoft.com/office/drawing/2014/main" id="{B7ED0A96-A6CA-9C19-0496-C21D8482E81B}"/>
-              </a:ext>
-            </a:extLst>
-          </p:cNvPr>
-          <p:cNvPicPr>
-            <a:picLocks noChangeAspect="1"/>
-          </p:cNvPicPr>
-          <p:nvPr/>
-        </p:nvPicPr>
-        <p:blipFill>
-          <a:blip r:embed="rId2">
-            <a:extLst>
-              <a:ext uri="{28A0092B-C50C-407E-A947-70E740481C1C}">
-                <a14:useLocalDpi xmlns:a14="http://schemas.microsoft.com/office/drawing/2010/main" val="0"/>
-              </a:ext>
-            </a:extLst>
-          </a:blip>
-          <a:stretch>
-            <a:fillRect/>
-          </a:stretch>
-        </p:blipFill>
-        <p:spPr>
-          <a:xfrm>
-            <a:off x="462004" y="1257299"/>
-            <a:ext cx="8402128" cy="4726197"/>
-          </a:xfrm>
-          <a:prstGeom prst="rect">
-            <a:avLst/>
-          </a:prstGeom>
-        </p:spPr>
-      </p:pic>
-    </p:spTree>
-    <p:extLst>
-      <p:ext uri="{BB962C8B-B14F-4D97-AF65-F5344CB8AC3E}">
-        <p14:creationId xmlns:p14="http://schemas.microsoft.com/office/powerpoint/2010/main" val="3820180529"/>
-      </p:ext>
-    </p:extLst>
-  </p:cSld>
-  <p:clrMapOvr>
-    <a:masterClrMapping/>
-  </p:clrMapOvr>
-</p:sld>
-</file>
-
-<file path=ppt/slides/slide7.xml><?xml version="1.0" encoding="utf-8"?>
-<p:sld xmlns:a="http://schemas.openxmlformats.org/drawingml/2006/main" xmlns:r="http://schemas.openxmlformats.org/officeDocument/2006/relationships" xmlns:p="http://schemas.openxmlformats.org/presentationml/2006/main">
-  <p:cSld>
-    <p:spTree>
-      <p:nvGrpSpPr>
-        <p:cNvPr id="1" name=""/>
-        <p:cNvGrpSpPr/>
-        <p:nvPr/>
-      </p:nvGrpSpPr>
-      <p:grpSpPr>
-        <a:xfrm>
-          <a:off x="0" y="0"/>
-          <a:ext cx="0" cy="0"/>
-          <a:chOff x="0" y="0"/>
-          <a:chExt cx="0" cy="0"/>
-        </a:xfrm>
-      </p:grpSpPr>
-      <p:sp>
-        <p:nvSpPr>
-          <p:cNvPr id="2" name="Titolo 1"/>
-          <p:cNvSpPr>
-            <a:spLocks noGrp="1"/>
-          </p:cNvSpPr>
-          <p:nvPr>
-            <p:ph type="ctrTitle"/>
-          </p:nvPr>
-        </p:nvSpPr>
-        <p:spPr>
-          <a:xfrm>
-            <a:off x="470630" y="366550"/>
-            <a:ext cx="8198250" cy="659993"/>
-          </a:xfrm>
-        </p:spPr>
-        <p:txBody>
-          <a:bodyPr/>
-          <a:lstStyle/>
-          <a:p>
-            <a:r>
-              <a:rPr lang="it-IT" sz="3200" dirty="0"/>
-              <a:t>WASI</a:t>
-            </a:r>
-          </a:p>
-        </p:txBody>
-      </p:sp>
-      <p:sp>
-        <p:nvSpPr>
-          <p:cNvPr id="3" name="Segnaposto piè di pagina 2">
-            <a:extLst>
-              <a:ext uri="{FF2B5EF4-FFF2-40B4-BE49-F238E27FC236}">
-                <a16:creationId xmlns:a16="http://schemas.microsoft.com/office/drawing/2014/main" id="{014017B1-0D2D-F5B7-2062-FD433A45C4A3}"/>
-              </a:ext>
-            </a:extLst>
-          </p:cNvPr>
-          <p:cNvSpPr>
-            <a:spLocks noGrp="1"/>
-          </p:cNvSpPr>
-          <p:nvPr>
-            <p:ph type="ftr" sz="quarter" idx="10"/>
-          </p:nvPr>
-        </p:nvSpPr>
-        <p:spPr>
-          <a:xfrm>
-            <a:off x="366122" y="6286803"/>
-            <a:ext cx="7196162" cy="312405"/>
-          </a:xfrm>
-        </p:spPr>
-        <p:txBody>
-          <a:bodyPr/>
-          <a:lstStyle/>
-          <a:p>
-            <a:pPr>
-              <a:defRPr/>
-            </a:pPr>
-            <a:r>
-              <a:rPr lang="en-US" altLang="en-US" dirty="0" err="1"/>
-              <a:t>WebAssembly</a:t>
-            </a:r>
-            <a:r>
-              <a:rPr lang="en-US" altLang="en-US" dirty="0"/>
-              <a:t> – </a:t>
-            </a:r>
-            <a:r>
-              <a:rPr lang="en-US" altLang="en-US" dirty="0" err="1"/>
-              <a:t>XMASDev</a:t>
-            </a:r>
-            <a:r>
-              <a:rPr lang="en-US" altLang="en-US" dirty="0"/>
-              <a:t> 16/12/2022</a:t>
-            </a:r>
-          </a:p>
-        </p:txBody>
-      </p:sp>
-      <p:pic>
-        <p:nvPicPr>
-          <p:cNvPr id="2050" name="Picture 2" descr="Bytecode Alliance">
-            <a:extLst>
-              <a:ext uri="{FF2B5EF4-FFF2-40B4-BE49-F238E27FC236}">
-                <a16:creationId xmlns:a16="http://schemas.microsoft.com/office/drawing/2014/main" id="{5C714579-BC3A-F36A-0540-35BAE9F50822}"/>
-              </a:ext>
-            </a:extLst>
-          </p:cNvPr>
-          <p:cNvPicPr>
-            <a:picLocks noChangeAspect="1" noChangeArrowheads="1"/>
-          </p:cNvPicPr>
-          <p:nvPr/>
-        </p:nvPicPr>
-        <p:blipFill>
-          <a:blip r:embed="rId2" cstate="print">
-            <a:extLst>
-              <a:ext uri="{28A0092B-C50C-407E-A947-70E740481C1C}">
-                <a14:useLocalDpi xmlns:a14="http://schemas.microsoft.com/office/drawing/2010/main" val="0"/>
-              </a:ext>
-            </a:extLst>
-          </a:blip>
-          <a:srcRect/>
-          <a:stretch>
-            <a:fillRect/>
-          </a:stretch>
-        </p:blipFill>
-        <p:spPr bwMode="auto">
-          <a:xfrm>
-            <a:off x="569346" y="2082832"/>
-            <a:ext cx="8082951" cy="2295525"/>
-          </a:xfrm>
-          <a:prstGeom prst="rect">
-            <a:avLst/>
-          </a:prstGeom>
-          <a:noFill/>
-          <a:extLst>
-            <a:ext uri="{909E8E84-426E-40DD-AFC4-6F175D3DCCD1}">
-              <a14:hiddenFill xmlns:a14="http://schemas.microsoft.com/office/drawing/2010/main">
-                <a:solidFill>
-                  <a:srgbClr val="FFFFFF"/>
-                </a:solidFill>
-              </a14:hiddenFill>
-            </a:ext>
-          </a:extLst>
-        </p:spPr>
-      </p:pic>
-    </p:spTree>
-    <p:extLst>
-      <p:ext uri="{BB962C8B-B14F-4D97-AF65-F5344CB8AC3E}">
-        <p14:creationId xmlns:p14="http://schemas.microsoft.com/office/powerpoint/2010/main" val="1331611757"/>
-      </p:ext>
-    </p:extLst>
-  </p:cSld>
-  <p:clrMapOvr>
-    <a:masterClrMapping/>
-  </p:clrMapOvr>
-</p:sld>
-</file>
-
-<file path=ppt/slides/slide8.xml><?xml version="1.0" encoding="utf-8"?>
-<p:sld xmlns:a="http://schemas.openxmlformats.org/drawingml/2006/main" xmlns:r="http://schemas.openxmlformats.org/officeDocument/2006/relationships" xmlns:p="http://schemas.openxmlformats.org/presentationml/2006/main">
-  <p:cSld>
-    <p:spTree>
-      <p:nvGrpSpPr>
-        <p:cNvPr id="1" name=""/>
-        <p:cNvGrpSpPr/>
-        <p:nvPr/>
-      </p:nvGrpSpPr>
-      <p:grpSpPr>
-        <a:xfrm>
-          <a:off x="0" y="0"/>
-          <a:ext cx="0" cy="0"/>
-          <a:chOff x="0" y="0"/>
-          <a:chExt cx="0" cy="0"/>
-        </a:xfrm>
-      </p:grpSpPr>
-      <p:sp>
-        <p:nvSpPr>
-          <p:cNvPr id="2" name="Titolo 1"/>
-          <p:cNvSpPr>
-            <a:spLocks noGrp="1"/>
-          </p:cNvSpPr>
-          <p:nvPr>
-            <p:ph type="ctrTitle"/>
-          </p:nvPr>
-        </p:nvSpPr>
-        <p:spPr>
-          <a:xfrm>
-            <a:off x="470630" y="366550"/>
-            <a:ext cx="8198250" cy="659993"/>
-          </a:xfrm>
-        </p:spPr>
-        <p:txBody>
-          <a:bodyPr/>
-          <a:lstStyle/>
-          <a:p>
-            <a:r>
-              <a:rPr lang="it-IT" sz="3200" dirty="0"/>
-              <a:t>WAGI</a:t>
-            </a:r>
-          </a:p>
-        </p:txBody>
-      </p:sp>
-      <p:sp>
-        <p:nvSpPr>
-          <p:cNvPr id="3" name="Segnaposto piè di pagina 2">
-            <a:extLst>
-              <a:ext uri="{FF2B5EF4-FFF2-40B4-BE49-F238E27FC236}">
-                <a16:creationId xmlns:a16="http://schemas.microsoft.com/office/drawing/2014/main" id="{014017B1-0D2D-F5B7-2062-FD433A45C4A3}"/>
-              </a:ext>
-            </a:extLst>
-          </p:cNvPr>
-          <p:cNvSpPr>
-            <a:spLocks noGrp="1"/>
-          </p:cNvSpPr>
-          <p:nvPr>
-            <p:ph type="ftr" sz="quarter" idx="10"/>
-          </p:nvPr>
-        </p:nvSpPr>
-        <p:spPr>
-          <a:xfrm>
-            <a:off x="366122" y="6286803"/>
-            <a:ext cx="7196162" cy="312405"/>
-          </a:xfrm>
-        </p:spPr>
-        <p:txBody>
-          <a:bodyPr/>
-          <a:lstStyle/>
-          <a:p>
-            <a:pPr>
-              <a:defRPr/>
-            </a:pPr>
-            <a:r>
-              <a:rPr lang="en-US" altLang="en-US" dirty="0" err="1"/>
-              <a:t>WebAssembly</a:t>
-            </a:r>
-            <a:r>
-              <a:rPr lang="en-US" altLang="en-US" dirty="0"/>
-              <a:t> – </a:t>
-            </a:r>
-            <a:r>
-              <a:rPr lang="en-US" altLang="en-US" dirty="0" err="1"/>
-              <a:t>XMASDev</a:t>
-            </a:r>
-            <a:r>
-              <a:rPr lang="en-US" altLang="en-US" dirty="0"/>
-              <a:t> 16/12/2022</a:t>
-            </a:r>
-          </a:p>
-        </p:txBody>
-      </p:sp>
-      <p:pic>
-        <p:nvPicPr>
-          <p:cNvPr id="1026" name="Picture 2" descr="WASM! WASI! WAGI! WAT?">
-            <a:extLst>
-              <a:ext uri="{FF2B5EF4-FFF2-40B4-BE49-F238E27FC236}">
-                <a16:creationId xmlns:a16="http://schemas.microsoft.com/office/drawing/2014/main" id="{B52F79BE-1A86-585C-CC1C-98296FE1039E}"/>
-              </a:ext>
-            </a:extLst>
-          </p:cNvPr>
-          <p:cNvPicPr>
-            <a:picLocks noChangeAspect="1" noChangeArrowheads="1"/>
-          </p:cNvPicPr>
-          <p:nvPr/>
-        </p:nvPicPr>
-        <p:blipFill>
-          <a:blip r:embed="rId2">
-            <a:extLst>
-              <a:ext uri="{28A0092B-C50C-407E-A947-70E740481C1C}">
-                <a14:useLocalDpi xmlns:a14="http://schemas.microsoft.com/office/drawing/2010/main" val="0"/>
-              </a:ext>
-            </a:extLst>
-          </a:blip>
-          <a:srcRect/>
-          <a:stretch>
-            <a:fillRect/>
-          </a:stretch>
-        </p:blipFill>
-        <p:spPr bwMode="auto">
-          <a:xfrm>
-            <a:off x="2858218" y="2390592"/>
-            <a:ext cx="3048000" cy="1714500"/>
-          </a:xfrm>
-          <a:prstGeom prst="rect">
-            <a:avLst/>
-          </a:prstGeom>
-          <a:noFill/>
-          <a:extLst>
-            <a:ext uri="{909E8E84-426E-40DD-AFC4-6F175D3DCCD1}">
-              <a14:hiddenFill xmlns:a14="http://schemas.microsoft.com/office/drawing/2010/main">
-                <a:solidFill>
-                  <a:srgbClr val="FFFFFF"/>
-                </a:solidFill>
-              </a14:hiddenFill>
-            </a:ext>
-          </a:extLst>
-        </p:spPr>
-      </p:pic>
-    </p:spTree>
-    <p:extLst>
-      <p:ext uri="{BB962C8B-B14F-4D97-AF65-F5344CB8AC3E}">
-        <p14:creationId xmlns:p14="http://schemas.microsoft.com/office/powerpoint/2010/main" val="3272564912"/>
-      </p:ext>
-    </p:extLst>
-  </p:cSld>
-  <p:clrMapOvr>
-    <a:masterClrMapping/>
-  </p:clrMapOvr>
 </p:sld>
 </file>
 
@@ -7771,7 +8895,7 @@
       </p:grpSpPr>
       <p:sp>
         <p:nvSpPr>
-          <p:cNvPr id="2" name="Titolo 1"/>
+          <p:cNvPr id="3" name="Titolo 2"/>
           <p:cNvSpPr>
             <a:spLocks noGrp="1"/>
           </p:cNvSpPr>
@@ -7781,8 +8905,8 @@
         </p:nvSpPr>
         <p:spPr>
           <a:xfrm>
-            <a:off x="470630" y="366550"/>
-            <a:ext cx="8198250" cy="659993"/>
+            <a:off x="468643" y="145133"/>
+            <a:ext cx="8198250" cy="1088639"/>
           </a:xfrm>
         </p:spPr>
         <p:txBody>
@@ -7790,69 +8914,26 @@
           <a:lstStyle/>
           <a:p>
             <a:r>
-              <a:rPr lang="it-IT" sz="3200" dirty="0" err="1"/>
+              <a:rPr lang="it-IT" dirty="0"/>
+              <a:t>Cos’è </a:t>
+            </a:r>
+            <a:r>
+              <a:rPr lang="it-IT" dirty="0" err="1"/>
               <a:t>WebAssembly</a:t>
             </a:r>
             <a:r>
-              <a:rPr lang="it-IT" sz="3200" dirty="0"/>
-              <a:t> and .NET</a:t>
+              <a:rPr lang="it-IT" dirty="0"/>
+              <a:t>?</a:t>
             </a:r>
           </a:p>
         </p:txBody>
       </p:sp>
-      <p:pic>
-        <p:nvPicPr>
-          <p:cNvPr id="2050" name="Picture 2" descr="Introduction to Blazor. Web development with c# | inventiv">
+      <p:sp>
+        <p:nvSpPr>
+          <p:cNvPr id="2" name="Segnaposto piè di pagina 2">
             <a:extLst>
               <a:ext uri="{FF2B5EF4-FFF2-40B4-BE49-F238E27FC236}">
-                <a16:creationId xmlns:a16="http://schemas.microsoft.com/office/drawing/2014/main" id="{1C80238B-EF29-50F3-3B68-916B0342F297}"/>
-              </a:ext>
-            </a:extLst>
-          </p:cNvPr>
-          <p:cNvPicPr>
-            <a:picLocks noChangeAspect="1" noChangeArrowheads="1"/>
-          </p:cNvPicPr>
-          <p:nvPr/>
-        </p:nvPicPr>
-        <p:blipFill>
-          <a:blip r:embed="rId2">
-            <a:extLst>
-              <a:ext uri="{28A0092B-C50C-407E-A947-70E740481C1C}">
-                <a14:useLocalDpi xmlns:a14="http://schemas.microsoft.com/office/drawing/2010/main" val="0"/>
-              </a:ext>
-            </a:extLst>
-          </a:blip>
-          <a:srcRect/>
-          <a:stretch>
-            <a:fillRect/>
-          </a:stretch>
-        </p:blipFill>
-        <p:spPr bwMode="auto">
-          <a:xfrm>
-            <a:off x="366122" y="1200812"/>
-            <a:ext cx="8198250" cy="4456376"/>
-          </a:xfrm>
-          <a:prstGeom prst="rect">
-            <a:avLst/>
-          </a:prstGeom>
-          <a:noFill/>
-          <a:extLst>
-            <a:ext uri="{909E8E84-426E-40DD-AFC4-6F175D3DCCD1}">
-              <a14:hiddenFill xmlns:a14="http://schemas.microsoft.com/office/drawing/2010/main">
-                <a:solidFill>
-                  <a:srgbClr val="FFFFFF"/>
-                </a:solidFill>
-              </a14:hiddenFill>
-            </a:ext>
-          </a:extLst>
-        </p:spPr>
-      </p:pic>
-      <p:sp>
-        <p:nvSpPr>
-          <p:cNvPr id="7" name="Segnaposto piè di pagina 2">
-            <a:extLst>
-              <a:ext uri="{FF2B5EF4-FFF2-40B4-BE49-F238E27FC236}">
-                <a16:creationId xmlns:a16="http://schemas.microsoft.com/office/drawing/2014/main" id="{F513D13F-7446-0A96-80CC-81CE0879EC2B}"/>
+                <a16:creationId xmlns:a16="http://schemas.microsoft.com/office/drawing/2014/main" id="{D6B8BB7B-F1CA-B36F-E013-CCC8ED45276B}"/>
               </a:ext>
             </a:extLst>
           </p:cNvPr>
@@ -7895,10 +8976,41 @@
           </a:p>
         </p:txBody>
       </p:sp>
+      <p:pic>
+        <p:nvPicPr>
+          <p:cNvPr id="5" name="Immagine 4">
+            <a:hlinkClick r:id="rId2"/>
+            <a:extLst>
+              <a:ext uri="{FF2B5EF4-FFF2-40B4-BE49-F238E27FC236}">
+                <a16:creationId xmlns:a16="http://schemas.microsoft.com/office/drawing/2014/main" id="{C5145E14-FD51-E09A-A51A-ACD940DCFFEB}"/>
+              </a:ext>
+            </a:extLst>
+          </p:cNvPr>
+          <p:cNvPicPr>
+            <a:picLocks noChangeAspect="1"/>
+          </p:cNvPicPr>
+          <p:nvPr/>
+        </p:nvPicPr>
+        <p:blipFill>
+          <a:blip r:embed="rId3"/>
+          <a:stretch>
+            <a:fillRect/>
+          </a:stretch>
+        </p:blipFill>
+        <p:spPr>
+          <a:xfrm>
+            <a:off x="380415" y="1553584"/>
+            <a:ext cx="8383170" cy="3543795"/>
+          </a:xfrm>
+          <a:prstGeom prst="rect">
+            <a:avLst/>
+          </a:prstGeom>
+        </p:spPr>
+      </p:pic>
     </p:spTree>
     <p:extLst>
       <p:ext uri="{BB962C8B-B14F-4D97-AF65-F5344CB8AC3E}">
-        <p14:creationId xmlns:p14="http://schemas.microsoft.com/office/powerpoint/2010/main" val="2919441373"/>
+        <p14:creationId xmlns:p14="http://schemas.microsoft.com/office/powerpoint/2010/main" val="586833434"/>
       </p:ext>
     </p:extLst>
   </p:cSld>

--- a/2022/XMasDev/WebAssembly.pptx
+++ b/2022/XMasDev/WebAssembly.pptx
@@ -8086,10 +8086,10 @@
       </p:sp>
       <p:pic>
         <p:nvPicPr>
-          <p:cNvPr id="6146" name="Picture 2" descr="A Casa di Babbo Natale con l'Accademia degli Elfi a Riva del Garda">
+          <p:cNvPr id="1026" name="Picture 2" descr="Natale: le 11 foto più pazze trovate sul web - FocusJunior.it">
             <a:extLst>
               <a:ext uri="{FF2B5EF4-FFF2-40B4-BE49-F238E27FC236}">
-                <a16:creationId xmlns:a16="http://schemas.microsoft.com/office/drawing/2014/main" id="{FCD4A55F-5C08-D539-15A3-E57CB697B927}"/>
+                <a16:creationId xmlns:a16="http://schemas.microsoft.com/office/drawing/2014/main" id="{609A3452-12D9-597D-B621-CB74A639CF77}"/>
               </a:ext>
             </a:extLst>
           </p:cNvPr>
@@ -8113,8 +8113,8 @@
         </p:blipFill>
         <p:spPr bwMode="auto">
           <a:xfrm>
-            <a:off x="831371" y="1987895"/>
-            <a:ext cx="2857500" cy="1600200"/>
+            <a:off x="701556" y="1635019"/>
+            <a:ext cx="2507470" cy="1936620"/>
           </a:xfrm>
           <a:prstGeom prst="rect">
             <a:avLst/>
